--- a/Boosting.pptx
+++ b/Boosting.pptx
@@ -5,10 +5,10 @@
     <p:sldMasterId id="2147483671" r:id="rId4"/>
   </p:sldMasterIdLst>
   <p:notesMasterIdLst>
-    <p:notesMasterId r:id="rId30"/>
+    <p:notesMasterId r:id="rId33"/>
   </p:notesMasterIdLst>
   <p:handoutMasterIdLst>
-    <p:handoutMasterId r:id="rId31"/>
+    <p:handoutMasterId r:id="rId34"/>
   </p:handoutMasterIdLst>
   <p:sldIdLst>
     <p:sldId id="288" r:id="rId5"/>
@@ -31,11 +31,14 @@
     <p:sldId id="309" r:id="rId22"/>
     <p:sldId id="310" r:id="rId23"/>
     <p:sldId id="296" r:id="rId24"/>
-    <p:sldId id="311" r:id="rId25"/>
-    <p:sldId id="312" r:id="rId26"/>
-    <p:sldId id="313" r:id="rId27"/>
-    <p:sldId id="315" r:id="rId28"/>
-    <p:sldId id="316" r:id="rId29"/>
+    <p:sldId id="320" r:id="rId25"/>
+    <p:sldId id="319" r:id="rId26"/>
+    <p:sldId id="318" r:id="rId27"/>
+    <p:sldId id="317" r:id="rId28"/>
+    <p:sldId id="312" r:id="rId29"/>
+    <p:sldId id="313" r:id="rId30"/>
+    <p:sldId id="315" r:id="rId31"/>
+    <p:sldId id="316" r:id="rId32"/>
   </p:sldIdLst>
   <p:sldSz cx="9144000" cy="6858000" type="screen4x3"/>
   <p:notesSz cx="6858000" cy="9144000"/>
@@ -136,7 +139,7 @@
   </p:defaultTextStyle>
   <p:extLst>
     <p:ext uri="{EFAFB233-063F-42B5-8137-9DF3F51BA10A}">
-      <p15:sldGuideLst xmlns="" xmlns:p15="http://schemas.microsoft.com/office/powerpoint/2012/main">
+      <p15:sldGuideLst xmlns:p15="http://schemas.microsoft.com/office/powerpoint/2012/main" xmlns="">
         <p15:guide id="1" orient="horz" pos="3868">
           <p15:clr>
             <a:srgbClr val="A4A3A4"/>
@@ -281,7 +284,7 @@
             <a:fld id="{F8252C7F-5FEC-2E4D-80AA-BF666F276660}" type="datetime1">
               <a:rPr lang="en-US" smtClean="0"/>
               <a:pPr/>
-              <a:t>3/31/2015</a:t>
+              <a:t>6/11/2015</a:t>
             </a:fld>
             <a:endParaRPr lang="en-US"/>
           </a:p>
@@ -357,7 +360,7 @@
     </p:spTree>
     <p:extLst>
       <p:ext uri="{BB962C8B-B14F-4D97-AF65-F5344CB8AC3E}">
-        <p14:creationId xmlns:p14="http://schemas.microsoft.com/office/powerpoint/2010/main" val="1411092301"/>
+        <p14:creationId xmlns:p14="http://schemas.microsoft.com/office/powerpoint/2010/main" xmlns="" val="1411092301"/>
       </p:ext>
     </p:extLst>
   </p:cSld>
@@ -449,7 +452,7 @@
             <a:fld id="{1939DE02-E791-1340-B4FF-3939EE33ADCD}" type="datetime1">
               <a:rPr lang="en-US" smtClean="0"/>
               <a:pPr/>
-              <a:t>3/31/2015</a:t>
+              <a:t>6/11/2015</a:t>
             </a:fld>
             <a:endParaRPr lang="en-US"/>
           </a:p>
@@ -618,7 +621,7 @@
     </p:spTree>
     <p:extLst>
       <p:ext uri="{BB962C8B-B14F-4D97-AF65-F5344CB8AC3E}">
-        <p14:creationId xmlns:p14="http://schemas.microsoft.com/office/powerpoint/2010/main" val="160240899"/>
+        <p14:creationId xmlns:p14="http://schemas.microsoft.com/office/powerpoint/2010/main" xmlns="" val="160240899"/>
       </p:ext>
     </p:extLst>
   </p:cSld>
@@ -720,7 +723,7 @@
 </file>
 
 <file path=ppt/slideLayouts/slideLayout1.xml><?xml version="1.0" encoding="utf-8"?>
-<p:sldLayout xmlns:a="http://schemas.openxmlformats.org/drawingml/2006/main" xmlns:r="http://schemas.openxmlformats.org/officeDocument/2006/relationships" xmlns:p="http://schemas.openxmlformats.org/presentationml/2006/main" showMasterSp="0" preserve="1">
+<p:sldLayout xmlns:a="http://schemas.openxmlformats.org/drawingml/2006/main" xmlns:r="http://schemas.openxmlformats.org/officeDocument/2006/relationships" xmlns:p="http://schemas.openxmlformats.org/presentationml/2006/main" preserve="1">
   <p:cSld name="Title Slide">
     <p:spTree>
       <p:nvGrpSpPr>
@@ -748,7 +751,7 @@
           <a:blip r:embed="rId2">
             <a:extLst>
               <a:ext uri="{28A0092B-C50C-407E-A947-70E740481C1C}">
-                <a14:useLocalDpi xmlns:a14="http://schemas.microsoft.com/office/drawing/2010/main" val="0"/>
+                <a14:useLocalDpi xmlns:a14="http://schemas.microsoft.com/office/drawing/2010/main" xmlns="" val="0"/>
               </a:ext>
             </a:extLst>
           </a:blip>
@@ -769,7 +772,7 @@
     </p:spTree>
     <p:extLst>
       <p:ext uri="{BB962C8B-B14F-4D97-AF65-F5344CB8AC3E}">
-        <p14:creationId xmlns:p14="http://schemas.microsoft.com/office/powerpoint/2010/main" val="921680772"/>
+        <p14:creationId xmlns:p14="http://schemas.microsoft.com/office/powerpoint/2010/main" xmlns="" val="921680772"/>
       </p:ext>
     </p:extLst>
   </p:cSld>
@@ -780,16 +783,8 @@
 </file>
 
 <file path=ppt/slideLayouts/slideLayout10.xml><?xml version="1.0" encoding="utf-8"?>
-<p:sldLayout xmlns:a="http://schemas.openxmlformats.org/drawingml/2006/main" xmlns:r="http://schemas.openxmlformats.org/officeDocument/2006/relationships" xmlns:p="http://schemas.openxmlformats.org/presentationml/2006/main" showMasterSp="0" preserve="1">
+<p:sldLayout xmlns:a="http://schemas.openxmlformats.org/drawingml/2006/main" xmlns:r="http://schemas.openxmlformats.org/officeDocument/2006/relationships" xmlns:p="http://schemas.openxmlformats.org/presentationml/2006/main" preserve="1">
   <p:cSld name="Solid Black Layout">
-    <p:bg>
-      <p:bgPr>
-        <a:solidFill>
-          <a:schemeClr val="tx1"/>
-        </a:solidFill>
-        <a:effectLst/>
-      </p:bgPr>
-    </p:bg>
     <p:spTree>
       <p:nvGrpSpPr>
         <p:cNvPr id="1" name=""/>
@@ -807,7 +802,7 @@
     </p:spTree>
     <p:extLst>
       <p:ext uri="{BB962C8B-B14F-4D97-AF65-F5344CB8AC3E}">
-        <p14:creationId xmlns:p14="http://schemas.microsoft.com/office/powerpoint/2010/main" val="1551424100"/>
+        <p14:creationId xmlns:p14="http://schemas.microsoft.com/office/powerpoint/2010/main" xmlns="" val="1551424100"/>
       </p:ext>
     </p:extLst>
   </p:cSld>
@@ -937,7 +932,7 @@
     </p:spTree>
     <p:extLst>
       <p:ext uri="{BB962C8B-B14F-4D97-AF65-F5344CB8AC3E}">
-        <p14:creationId xmlns:p14="http://schemas.microsoft.com/office/powerpoint/2010/main" val="2725598606"/>
+        <p14:creationId xmlns:p14="http://schemas.microsoft.com/office/powerpoint/2010/main" xmlns="" val="2725598606"/>
       </p:ext>
     </p:extLst>
   </p:cSld>
@@ -1087,7 +1082,7 @@
     </p:spTree>
     <p:extLst>
       <p:ext uri="{BB962C8B-B14F-4D97-AF65-F5344CB8AC3E}">
-        <p14:creationId xmlns:p14="http://schemas.microsoft.com/office/powerpoint/2010/main" val="3479517975"/>
+        <p14:creationId xmlns:p14="http://schemas.microsoft.com/office/powerpoint/2010/main" xmlns="" val="3479517975"/>
       </p:ext>
     </p:extLst>
   </p:cSld>
@@ -1237,7 +1232,7 @@
     </p:spTree>
     <p:extLst>
       <p:ext uri="{BB962C8B-B14F-4D97-AF65-F5344CB8AC3E}">
-        <p14:creationId xmlns:p14="http://schemas.microsoft.com/office/powerpoint/2010/main" val="3246921271"/>
+        <p14:creationId xmlns:p14="http://schemas.microsoft.com/office/powerpoint/2010/main" xmlns="" val="3246921271"/>
       </p:ext>
     </p:extLst>
   </p:cSld>
@@ -1395,7 +1390,7 @@
     </p:spTree>
     <p:extLst>
       <p:ext uri="{BB962C8B-B14F-4D97-AF65-F5344CB8AC3E}">
-        <p14:creationId xmlns:p14="http://schemas.microsoft.com/office/powerpoint/2010/main" val="3015080783"/>
+        <p14:creationId xmlns:p14="http://schemas.microsoft.com/office/powerpoint/2010/main" xmlns="" val="3015080783"/>
       </p:ext>
     </p:extLst>
   </p:cSld>
@@ -1512,7 +1507,7 @@
     </p:spTree>
     <p:extLst>
       <p:ext uri="{BB962C8B-B14F-4D97-AF65-F5344CB8AC3E}">
-        <p14:creationId xmlns:p14="http://schemas.microsoft.com/office/powerpoint/2010/main" val="2098243185"/>
+        <p14:creationId xmlns:p14="http://schemas.microsoft.com/office/powerpoint/2010/main" xmlns="" val="2098243185"/>
       </p:ext>
     </p:extLst>
   </p:cSld>
@@ -1578,7 +1573,7 @@
     </p:spTree>
     <p:extLst>
       <p:ext uri="{BB962C8B-B14F-4D97-AF65-F5344CB8AC3E}">
-        <p14:creationId xmlns:p14="http://schemas.microsoft.com/office/powerpoint/2010/main" val="4200364697"/>
+        <p14:creationId xmlns:p14="http://schemas.microsoft.com/office/powerpoint/2010/main" xmlns="" val="4200364697"/>
       </p:ext>
     </p:extLst>
   </p:cSld>
@@ -1589,7 +1584,7 @@
 </file>
 
 <file path=ppt/slideLayouts/slideLayout8.xml><?xml version="1.0" encoding="utf-8"?>
-<p:sldLayout xmlns:a="http://schemas.openxmlformats.org/drawingml/2006/main" xmlns:r="http://schemas.openxmlformats.org/officeDocument/2006/relationships" xmlns:p="http://schemas.openxmlformats.org/presentationml/2006/main" showMasterSp="0" preserve="1">
+<p:sldLayout xmlns:a="http://schemas.openxmlformats.org/drawingml/2006/main" xmlns:r="http://schemas.openxmlformats.org/officeDocument/2006/relationships" xmlns:p="http://schemas.openxmlformats.org/presentationml/2006/main" preserve="1">
   <p:cSld name="Solid White">
     <p:spTree>
       <p:nvGrpSpPr>
@@ -1644,7 +1639,7 @@
     </p:spTree>
     <p:extLst>
       <p:ext uri="{BB962C8B-B14F-4D97-AF65-F5344CB8AC3E}">
-        <p14:creationId xmlns:p14="http://schemas.microsoft.com/office/powerpoint/2010/main" val="930438236"/>
+        <p14:creationId xmlns:p14="http://schemas.microsoft.com/office/powerpoint/2010/main" xmlns="" val="930438236"/>
       </p:ext>
     </p:extLst>
   </p:cSld>
@@ -1655,7 +1650,7 @@
 </file>
 
 <file path=ppt/slideLayouts/slideLayout9.xml><?xml version="1.0" encoding="utf-8"?>
-<p:sldLayout xmlns:a="http://schemas.openxmlformats.org/drawingml/2006/main" xmlns:r="http://schemas.openxmlformats.org/officeDocument/2006/relationships" xmlns:p="http://schemas.openxmlformats.org/presentationml/2006/main" showMasterSp="0" preserve="1">
+<p:sldLayout xmlns:a="http://schemas.openxmlformats.org/drawingml/2006/main" xmlns:r="http://schemas.openxmlformats.org/officeDocument/2006/relationships" xmlns:p="http://schemas.openxmlformats.org/presentationml/2006/main" preserve="1">
   <p:cSld name="1_Solid White">
     <p:spTree>
       <p:nvGrpSpPr>
@@ -1710,7 +1705,7 @@
     </p:spTree>
     <p:extLst>
       <p:ext uri="{BB962C8B-B14F-4D97-AF65-F5344CB8AC3E}">
-        <p14:creationId xmlns:p14="http://schemas.microsoft.com/office/powerpoint/2010/main" val="726771096"/>
+        <p14:creationId xmlns:p14="http://schemas.microsoft.com/office/powerpoint/2010/main" xmlns="" val="726771096"/>
       </p:ext>
     </p:extLst>
   </p:cSld>
@@ -1724,9 +1719,12 @@
 <p:sldMaster xmlns:a="http://schemas.openxmlformats.org/drawingml/2006/main" xmlns:r="http://schemas.openxmlformats.org/officeDocument/2006/relationships" xmlns:p="http://schemas.openxmlformats.org/presentationml/2006/main">
   <p:cSld>
     <p:bg>
-      <p:bgRef idx="1001">
-        <a:schemeClr val="bg1"/>
-      </p:bgRef>
+      <p:bgPr>
+        <a:solidFill>
+          <a:schemeClr val="tx1"/>
+        </a:solidFill>
+        <a:effectLst/>
+      </p:bgPr>
     </p:bg>
     <p:spTree>
       <p:nvGrpSpPr>
@@ -1768,7 +1766,7 @@
             <a:blip r:embed="rId12">
               <a:extLst>
                 <a:ext uri="{28A0092B-C50C-407E-A947-70E740481C1C}">
-                  <a14:useLocalDpi xmlns:a14="http://schemas.microsoft.com/office/drawing/2010/main" val="0"/>
+                  <a14:useLocalDpi xmlns:a14="http://schemas.microsoft.com/office/drawing/2010/main" xmlns="" val="0"/>
                 </a:ext>
               </a:extLst>
             </a:blip>
@@ -1798,7 +1796,7 @@
             <a:blip r:embed="rId13">
               <a:extLst>
                 <a:ext uri="{28A0092B-C50C-407E-A947-70E740481C1C}">
-                  <a14:useLocalDpi xmlns:a14="http://schemas.microsoft.com/office/drawing/2010/main" val="0"/>
+                  <a14:useLocalDpi xmlns:a14="http://schemas.microsoft.com/office/drawing/2010/main" xmlns="" val="0"/>
                 </a:ext>
               </a:extLst>
             </a:blip>
@@ -1922,7 +1920,7 @@
     </p:spTree>
     <p:extLst>
       <p:ext uri="{BB962C8B-B14F-4D97-AF65-F5344CB8AC3E}">
-        <p14:creationId xmlns:p14="http://schemas.microsoft.com/office/powerpoint/2010/main" val="950083170"/>
+        <p14:creationId xmlns:p14="http://schemas.microsoft.com/office/powerpoint/2010/main" xmlns="" val="950083170"/>
       </p:ext>
     </p:extLst>
   </p:cSld>
@@ -2314,7 +2312,7 @@
     </p:spTree>
     <p:extLst>
       <p:ext uri="{BB962C8B-B14F-4D97-AF65-F5344CB8AC3E}">
-        <p14:creationId xmlns:p14="http://schemas.microsoft.com/office/powerpoint/2010/main" val="3730043343"/>
+        <p14:creationId xmlns:p14="http://schemas.microsoft.com/office/powerpoint/2010/main" xmlns="" val="3730043343"/>
       </p:ext>
     </p:extLst>
   </p:cSld>
@@ -2468,7 +2466,7 @@
           <a:blip r:embed="rId2">
             <a:extLst>
               <a:ext uri="{28A0092B-C50C-407E-A947-70E740481C1C}">
-                <a14:useLocalDpi xmlns:a14="http://schemas.microsoft.com/office/drawing/2010/main" val="0"/>
+                <a14:useLocalDpi xmlns:a14="http://schemas.microsoft.com/office/drawing/2010/main" xmlns="" val="0"/>
               </a:ext>
             </a:extLst>
           </a:blip>
@@ -2491,14 +2489,14 @@
           </a:ln>
           <a:extLst>
             <a:ext uri="{909E8E84-426E-40DD-AFC4-6F175D3DCCD1}">
-              <a14:hiddenFill xmlns:a14="http://schemas.microsoft.com/office/drawing/2010/main">
+              <a14:hiddenFill xmlns:a14="http://schemas.microsoft.com/office/drawing/2010/main" xmlns="">
                 <a:solidFill>
                   <a:schemeClr val="accent1"/>
                 </a:solidFill>
               </a14:hiddenFill>
             </a:ext>
             <a:ext uri="{91240B29-F687-4F45-9708-019B960494DF}">
-              <a14:hiddenLine xmlns:a14="http://schemas.microsoft.com/office/drawing/2010/main" w="9525">
+              <a14:hiddenLine xmlns:a14="http://schemas.microsoft.com/office/drawing/2010/main" xmlns="" w="9525">
                 <a:solidFill>
                   <a:schemeClr val="tx1"/>
                 </a:solidFill>
@@ -2990,7 +2988,7 @@
     </p:spTree>
     <p:extLst>
       <p:ext uri="{BB962C8B-B14F-4D97-AF65-F5344CB8AC3E}">
-        <p14:creationId xmlns:p14="http://schemas.microsoft.com/office/powerpoint/2010/main" val="3598515457"/>
+        <p14:creationId xmlns:p14="http://schemas.microsoft.com/office/powerpoint/2010/main" xmlns="" val="3598515457"/>
       </p:ext>
     </p:extLst>
   </p:cSld>
@@ -3457,7 +3455,7 @@
           <a:blip r:embed="rId2">
             <a:extLst>
               <a:ext uri="{28A0092B-C50C-407E-A947-70E740481C1C}">
-                <a14:useLocalDpi xmlns:a14="http://schemas.microsoft.com/office/drawing/2010/main" val="0"/>
+                <a14:useLocalDpi xmlns:a14="http://schemas.microsoft.com/office/drawing/2010/main" xmlns="" val="0"/>
               </a:ext>
             </a:extLst>
           </a:blip>
@@ -3480,14 +3478,14 @@
           </a:ln>
           <a:extLst>
             <a:ext uri="{909E8E84-426E-40DD-AFC4-6F175D3DCCD1}">
-              <a14:hiddenFill xmlns:a14="http://schemas.microsoft.com/office/drawing/2010/main">
+              <a14:hiddenFill xmlns:a14="http://schemas.microsoft.com/office/drawing/2010/main" xmlns="">
                 <a:solidFill>
                   <a:schemeClr val="accent1"/>
                 </a:solidFill>
               </a14:hiddenFill>
             </a:ext>
             <a:ext uri="{91240B29-F687-4F45-9708-019B960494DF}">
-              <a14:hiddenLine xmlns:a14="http://schemas.microsoft.com/office/drawing/2010/main" w="9525">
+              <a14:hiddenLine xmlns:a14="http://schemas.microsoft.com/office/drawing/2010/main" xmlns="" w="9525">
                 <a:solidFill>
                   <a:schemeClr val="tx1"/>
                 </a:solidFill>
@@ -3502,7 +3500,7 @@
     </p:spTree>
     <p:extLst>
       <p:ext uri="{BB962C8B-B14F-4D97-AF65-F5344CB8AC3E}">
-        <p14:creationId xmlns:p14="http://schemas.microsoft.com/office/powerpoint/2010/main" val="2280124998"/>
+        <p14:creationId xmlns:p14="http://schemas.microsoft.com/office/powerpoint/2010/main" xmlns="" val="2280124998"/>
       </p:ext>
     </p:extLst>
   </p:cSld>
@@ -3773,7 +3771,7 @@
         </p:blipFill>
         <p:spPr bwMode="auto">
           <a:xfrm>
-            <a:off x="238537" y="1404728"/>
+            <a:off x="93744" y="1404728"/>
             <a:ext cx="8694058" cy="5416632"/>
           </a:xfrm>
           <a:prstGeom prst="rect">
@@ -4180,7 +4178,7 @@
     </p:spTree>
     <p:extLst>
       <p:ext uri="{BB962C8B-B14F-4D97-AF65-F5344CB8AC3E}">
-        <p14:creationId xmlns:p14="http://schemas.microsoft.com/office/powerpoint/2010/main" val="336112017"/>
+        <p14:creationId xmlns:p14="http://schemas.microsoft.com/office/powerpoint/2010/main" xmlns="" val="336112017"/>
       </p:ext>
     </p:extLst>
   </p:cSld>
@@ -4515,7 +4513,7 @@
     </p:spTree>
     <p:extLst>
       <p:ext uri="{BB962C8B-B14F-4D97-AF65-F5344CB8AC3E}">
-        <p14:creationId xmlns:p14="http://schemas.microsoft.com/office/powerpoint/2010/main" val="3831115768"/>
+        <p14:creationId xmlns:p14="http://schemas.microsoft.com/office/powerpoint/2010/main" xmlns="" val="3831115768"/>
       </p:ext>
     </p:extLst>
   </p:cSld>
@@ -4586,12 +4584,12 @@
               <a:buChar char="Ø"/>
             </a:pPr>
             <a:r>
-              <a:rPr lang="en-US" altLang="zh-TW" sz="2000" dirty="0">
+              <a:rPr lang="en-US" altLang="zh-TW" sz="2000" dirty="0" smtClean="0">
                 <a:latin typeface="+mj-lt"/>
               </a:rPr>
               <a:t>Establish soft task priorities, assign tasks</a:t>
             </a:r>
-            <a:endParaRPr lang="zh-TW" altLang="zh-TW" sz="2000" dirty="0">
+            <a:endParaRPr lang="zh-TW" altLang="zh-TW" sz="2000" dirty="0" smtClean="0">
               <a:latin typeface="+mj-lt"/>
             </a:endParaRPr>
           </a:p>
@@ -4601,12 +4599,12 @@
               <a:buChar char="Ø"/>
             </a:pPr>
             <a:r>
-              <a:rPr lang="en-US" altLang="zh-TW" sz="2000" dirty="0">
+              <a:rPr lang="en-US" altLang="zh-TW" sz="2000" dirty="0" smtClean="0">
                 <a:latin typeface="+mj-lt"/>
               </a:rPr>
               <a:t>Collaborate with lead EE</a:t>
             </a:r>
-            <a:endParaRPr lang="zh-TW" altLang="zh-TW" sz="2000" dirty="0">
+            <a:endParaRPr lang="zh-TW" altLang="zh-TW" sz="2000" dirty="0" smtClean="0">
               <a:latin typeface="+mj-lt"/>
             </a:endParaRPr>
           </a:p>
@@ -4616,12 +4614,12 @@
               <a:buChar char="Ø"/>
             </a:pPr>
             <a:r>
-              <a:rPr lang="en-US" altLang="zh-TW" sz="2000" dirty="0">
+              <a:rPr lang="en-US" altLang="zh-TW" sz="2000" dirty="0" smtClean="0">
                 <a:latin typeface="+mj-lt"/>
               </a:rPr>
               <a:t>Detail design review</a:t>
             </a:r>
-            <a:endParaRPr lang="zh-TW" altLang="zh-TW" sz="2000" dirty="0">
+            <a:endParaRPr lang="zh-TW" altLang="zh-TW" sz="2000" dirty="0" smtClean="0">
               <a:latin typeface="+mj-lt"/>
             </a:endParaRPr>
           </a:p>
@@ -4631,12 +4629,12 @@
               <a:buChar char="Ø"/>
             </a:pPr>
             <a:r>
-              <a:rPr lang="en-US" altLang="zh-TW" sz="2000" dirty="0">
+              <a:rPr lang="en-US" altLang="zh-TW" sz="2000" dirty="0" smtClean="0">
                 <a:latin typeface="+mj-lt"/>
               </a:rPr>
               <a:t>Monitor progress milestone</a:t>
             </a:r>
-            <a:endParaRPr lang="zh-TW" altLang="zh-TW" sz="2000" dirty="0">
+            <a:endParaRPr lang="zh-TW" altLang="zh-TW" sz="2000" dirty="0" smtClean="0">
               <a:latin typeface="+mj-lt"/>
             </a:endParaRPr>
           </a:p>
@@ -4646,12 +4644,12 @@
               <a:buChar char="Ø"/>
             </a:pPr>
             <a:r>
-              <a:rPr lang="en-US" altLang="zh-TW" sz="2000" dirty="0">
+              <a:rPr lang="en-US" altLang="zh-TW" sz="2000" dirty="0" smtClean="0">
                 <a:latin typeface="+mj-lt"/>
               </a:rPr>
               <a:t>Collaborate with other departments(Cartography, IT, … )</a:t>
             </a:r>
-            <a:endParaRPr lang="zh-TW" altLang="zh-TW" sz="2000" dirty="0">
+            <a:endParaRPr lang="zh-TW" altLang="zh-TW" sz="2000" dirty="0" smtClean="0">
               <a:latin typeface="+mj-lt"/>
             </a:endParaRPr>
           </a:p>
@@ -4661,12 +4659,12 @@
               <a:buChar char="Ø"/>
             </a:pPr>
             <a:r>
-              <a:rPr lang="en-US" altLang="zh-TW" sz="2000" dirty="0">
+              <a:rPr lang="en-US" altLang="zh-TW" sz="2000" dirty="0" smtClean="0">
                 <a:latin typeface="+mj-lt"/>
               </a:rPr>
               <a:t>PID</a:t>
             </a:r>
-            <a:endParaRPr lang="zh-TW" altLang="zh-TW" sz="2000" dirty="0">
+            <a:endParaRPr lang="zh-TW" altLang="zh-TW" sz="2000" dirty="0" smtClean="0">
               <a:latin typeface="+mj-lt"/>
             </a:endParaRPr>
           </a:p>
@@ -4676,24 +4674,24 @@
               <a:buChar char="Ø"/>
             </a:pPr>
             <a:r>
-              <a:rPr lang="en-US" altLang="zh-TW" sz="2000" dirty="0">
+              <a:rPr lang="en-US" altLang="zh-TW" sz="2000" dirty="0" smtClean="0">
                 <a:latin typeface="+mj-lt"/>
               </a:rPr>
               <a:t>Ensure compliance, royalty, and 3</a:t>
             </a:r>
             <a:r>
-              <a:rPr lang="en-US" altLang="zh-TW" sz="2000" baseline="30000" dirty="0">
+              <a:rPr lang="en-US" altLang="zh-TW" sz="2000" baseline="30000" dirty="0" smtClean="0">
                 <a:latin typeface="+mj-lt"/>
               </a:rPr>
               <a:t>rd</a:t>
             </a:r>
             <a:r>
-              <a:rPr lang="en-US" altLang="zh-TW" sz="2000" dirty="0">
+              <a:rPr lang="en-US" altLang="zh-TW" sz="2000" dirty="0" smtClean="0">
                 <a:latin typeface="+mj-lt"/>
               </a:rPr>
               <a:t> party agreements</a:t>
             </a:r>
-            <a:endParaRPr lang="zh-TW" altLang="zh-TW" sz="2000" dirty="0">
+            <a:endParaRPr lang="zh-TW" altLang="zh-TW" sz="2000" dirty="0" smtClean="0">
               <a:latin typeface="+mj-lt"/>
             </a:endParaRPr>
           </a:p>
@@ -4703,10 +4701,16 @@
               <a:buChar char="Ø"/>
             </a:pPr>
             <a:r>
+              <a:rPr lang="en-US" altLang="zh-TW" sz="2000" dirty="0" smtClean="0">
+                <a:latin typeface="+mj-lt"/>
+              </a:rPr>
+              <a:t>Other </a:t>
+            </a:r>
+            <a:r>
               <a:rPr lang="en-US" altLang="zh-TW" sz="2000" dirty="0">
                 <a:latin typeface="+mj-lt"/>
               </a:rPr>
-              <a:t>Other assignment by manager or team </a:t>
+              <a:t>assignment by manager or team </a:t>
             </a:r>
             <a:r>
               <a:rPr lang="en-US" altLang="zh-TW" sz="2000" dirty="0" smtClean="0">
@@ -4721,10 +4725,16 @@
               <a:buChar char="Ø"/>
             </a:pPr>
             <a:r>
+              <a:rPr lang="en-US" altLang="zh-TW" sz="2400" dirty="0" smtClean="0">
+                <a:latin typeface="+mj-lt"/>
+              </a:rPr>
+              <a:t>SW </a:t>
+            </a:r>
+            <a:r>
               <a:rPr lang="en-US" altLang="zh-TW" sz="2400" dirty="0">
                 <a:latin typeface="+mj-lt"/>
               </a:rPr>
-              <a:t>SW engineer(s)</a:t>
+              <a:t>engineer(s)</a:t>
             </a:r>
           </a:p>
           <a:p>
@@ -4751,11 +4761,14 @@
               <a:rPr lang="en-US" altLang="zh-TW" sz="2000" dirty="0">
                 <a:latin typeface="+mj-lt"/>
               </a:rPr>
-              <a:t>Integrating product SW with hardware</a:t>
-            </a:r>
-            <a:endParaRPr lang="zh-TW" altLang="zh-TW" sz="2000" dirty="0">
-              <a:latin typeface="+mj-lt"/>
-            </a:endParaRPr>
+              <a:t>Integrating product SW with </a:t>
+            </a:r>
+            <a:r>
+              <a:rPr lang="en-US" altLang="zh-TW" sz="2000" dirty="0" smtClean="0">
+                <a:latin typeface="+mj-lt"/>
+              </a:rPr>
+              <a:t>hardware</a:t>
+            </a:r>
           </a:p>
           <a:p>
             <a:pPr lvl="1">
@@ -4763,12 +4776,12 @@
               <a:buChar char="Ø"/>
             </a:pPr>
             <a:r>
-              <a:rPr lang="en-US" altLang="zh-TW" sz="2000" dirty="0">
+              <a:rPr lang="en-US" altLang="zh-TW" sz="2000" dirty="0" smtClean="0">
                 <a:latin typeface="+mj-lt"/>
               </a:rPr>
               <a:t>SW release</a:t>
             </a:r>
-            <a:endParaRPr lang="zh-TW" altLang="zh-TW" sz="2000" dirty="0">
+            <a:endParaRPr lang="zh-TW" altLang="zh-TW" sz="2000" dirty="0" smtClean="0">
               <a:latin typeface="+mj-lt"/>
             </a:endParaRPr>
           </a:p>
@@ -4778,12 +4791,12 @@
               <a:buChar char="Ø"/>
             </a:pPr>
             <a:r>
-              <a:rPr lang="en-US" altLang="zh-TW" sz="2000" dirty="0">
+              <a:rPr lang="en-US" altLang="zh-TW" sz="2000" dirty="0" smtClean="0">
                 <a:latin typeface="+mj-lt"/>
               </a:rPr>
               <a:t>Report task progress to manager, team leader, or lead SW engineer</a:t>
             </a:r>
-            <a:endParaRPr lang="zh-TW" altLang="zh-TW" sz="2000" dirty="0">
+            <a:endParaRPr lang="zh-TW" altLang="zh-TW" sz="2000" dirty="0" smtClean="0">
               <a:latin typeface="+mj-lt"/>
             </a:endParaRPr>
           </a:p>
@@ -4793,16 +4806,10 @@
               <a:buChar char="Ø"/>
             </a:pPr>
             <a:r>
-              <a:rPr lang="en-US" altLang="zh-TW" sz="2000" dirty="0">
-                <a:latin typeface="+mj-lt"/>
-              </a:rPr>
-              <a:t>Other </a:t>
-            </a:r>
-            <a:r>
               <a:rPr lang="en-US" altLang="zh-TW" sz="2000" dirty="0" smtClean="0">
                 <a:latin typeface="+mj-lt"/>
               </a:rPr>
-              <a:t>assignment</a:t>
+              <a:t>Other assignment</a:t>
             </a:r>
             <a:endParaRPr lang="en-US" altLang="zh-TW" sz="3000" dirty="0" smtClean="0">
               <a:latin typeface="+mj-lt"/>
@@ -4855,7 +4862,7 @@
     </p:spTree>
     <p:extLst>
       <p:ext uri="{BB962C8B-B14F-4D97-AF65-F5344CB8AC3E}">
-        <p14:creationId xmlns:p14="http://schemas.microsoft.com/office/powerpoint/2010/main" val="3620790817"/>
+        <p14:creationId xmlns:p14="http://schemas.microsoft.com/office/powerpoint/2010/main" xmlns="" val="3620790817"/>
       </p:ext>
     </p:extLst>
   </p:cSld>
@@ -4977,7 +4984,7 @@
           <a:blip r:embed="rId2">
             <a:extLst>
               <a:ext uri="{28A0092B-C50C-407E-A947-70E740481C1C}">
-                <a14:useLocalDpi xmlns:a14="http://schemas.microsoft.com/office/drawing/2010/main" val="0"/>
+                <a14:useLocalDpi xmlns:a14="http://schemas.microsoft.com/office/drawing/2010/main" xmlns="" val="0"/>
               </a:ext>
             </a:extLst>
           </a:blip>
@@ -5000,14 +5007,14 @@
           </a:ln>
           <a:extLst>
             <a:ext uri="{909E8E84-426E-40DD-AFC4-6F175D3DCCD1}">
-              <a14:hiddenFill xmlns:a14="http://schemas.microsoft.com/office/drawing/2010/main">
+              <a14:hiddenFill xmlns:a14="http://schemas.microsoft.com/office/drawing/2010/main" xmlns="">
                 <a:solidFill>
                   <a:schemeClr val="accent1"/>
                 </a:solidFill>
               </a14:hiddenFill>
             </a:ext>
             <a:ext uri="{91240B29-F687-4F45-9708-019B960494DF}">
-              <a14:hiddenLine xmlns:a14="http://schemas.microsoft.com/office/drawing/2010/main" w="9525">
+              <a14:hiddenLine xmlns:a14="http://schemas.microsoft.com/office/drawing/2010/main" xmlns="" w="9525">
                 <a:solidFill>
                   <a:schemeClr val="tx1"/>
                 </a:solidFill>
@@ -5031,7 +5038,7 @@
           <a:blip r:embed="rId3">
             <a:extLst>
               <a:ext uri="{28A0092B-C50C-407E-A947-70E740481C1C}">
-                <a14:useLocalDpi xmlns:a14="http://schemas.microsoft.com/office/drawing/2010/main" val="0"/>
+                <a14:useLocalDpi xmlns:a14="http://schemas.microsoft.com/office/drawing/2010/main" xmlns="" val="0"/>
               </a:ext>
             </a:extLst>
           </a:blip>
@@ -5054,14 +5061,14 @@
           </a:ln>
           <a:extLst>
             <a:ext uri="{909E8E84-426E-40DD-AFC4-6F175D3DCCD1}">
-              <a14:hiddenFill xmlns:a14="http://schemas.microsoft.com/office/drawing/2010/main">
+              <a14:hiddenFill xmlns:a14="http://schemas.microsoft.com/office/drawing/2010/main" xmlns="">
                 <a:solidFill>
                   <a:schemeClr val="accent1"/>
                 </a:solidFill>
               </a14:hiddenFill>
             </a:ext>
             <a:ext uri="{91240B29-F687-4F45-9708-019B960494DF}">
-              <a14:hiddenLine xmlns:a14="http://schemas.microsoft.com/office/drawing/2010/main" w="9525">
+              <a14:hiddenLine xmlns:a14="http://schemas.microsoft.com/office/drawing/2010/main" xmlns="" w="9525">
                 <a:solidFill>
                   <a:schemeClr val="tx1"/>
                 </a:solidFill>
@@ -5076,7 +5083,7 @@
     </p:spTree>
     <p:extLst>
       <p:ext uri="{BB962C8B-B14F-4D97-AF65-F5344CB8AC3E}">
-        <p14:creationId xmlns:p14="http://schemas.microsoft.com/office/powerpoint/2010/main" val="2098547948"/>
+        <p14:creationId xmlns:p14="http://schemas.microsoft.com/office/powerpoint/2010/main" xmlns="" val="2098547948"/>
       </p:ext>
     </p:extLst>
   </p:cSld>
@@ -5573,7 +5580,7 @@
     </p:spTree>
     <p:extLst>
       <p:ext uri="{BB962C8B-B14F-4D97-AF65-F5344CB8AC3E}">
-        <p14:creationId xmlns:p14="http://schemas.microsoft.com/office/powerpoint/2010/main" val="3400813862"/>
+        <p14:creationId xmlns:p14="http://schemas.microsoft.com/office/powerpoint/2010/main" xmlns="" val="3400813862"/>
       </p:ext>
     </p:extLst>
   </p:cSld>
@@ -6006,7 +6013,7 @@
     </p:spTree>
     <p:extLst>
       <p:ext uri="{BB962C8B-B14F-4D97-AF65-F5344CB8AC3E}">
-        <p14:creationId xmlns:p14="http://schemas.microsoft.com/office/powerpoint/2010/main" val="478957399"/>
+        <p14:creationId xmlns:p14="http://schemas.microsoft.com/office/powerpoint/2010/main" xmlns="" val="478957399"/>
       </p:ext>
     </p:extLst>
   </p:cSld>
@@ -6301,7 +6308,7 @@
     </p:spTree>
     <p:extLst>
       <p:ext uri="{BB962C8B-B14F-4D97-AF65-F5344CB8AC3E}">
-        <p14:creationId xmlns:p14="http://schemas.microsoft.com/office/powerpoint/2010/main" val="2123413861"/>
+        <p14:creationId xmlns:p14="http://schemas.microsoft.com/office/powerpoint/2010/main" xmlns="" val="2123413861"/>
       </p:ext>
     </p:extLst>
   </p:cSld>
@@ -6635,7 +6642,7 @@
     </p:spTree>
     <p:extLst>
       <p:ext uri="{BB962C8B-B14F-4D97-AF65-F5344CB8AC3E}">
-        <p14:creationId xmlns:p14="http://schemas.microsoft.com/office/powerpoint/2010/main" val="3040030372"/>
+        <p14:creationId xmlns:p14="http://schemas.microsoft.com/office/powerpoint/2010/main" xmlns="" val="3040030372"/>
       </p:ext>
     </p:extLst>
   </p:cSld>
@@ -6949,7 +6956,7 @@
     </p:spTree>
     <p:extLst>
       <p:ext uri="{BB962C8B-B14F-4D97-AF65-F5344CB8AC3E}">
-        <p14:creationId xmlns:p14="http://schemas.microsoft.com/office/powerpoint/2010/main" val="2707758325"/>
+        <p14:creationId xmlns:p14="http://schemas.microsoft.com/office/powerpoint/2010/main" xmlns="" val="2707758325"/>
       </p:ext>
     </p:extLst>
   </p:cSld>
@@ -7224,7 +7231,7 @@
         </p:blipFill>
         <p:spPr bwMode="auto">
           <a:xfrm>
-            <a:off x="3462130" y="3144079"/>
+            <a:off x="4640829" y="2779222"/>
             <a:ext cx="742950" cy="762000"/>
           </a:xfrm>
           <a:prstGeom prst="rect">
@@ -7256,8 +7263,8 @@
         </p:blipFill>
         <p:spPr bwMode="auto">
           <a:xfrm>
-            <a:off x="6601236" y="3868599"/>
-            <a:ext cx="790575" cy="733425"/>
+            <a:off x="6781886" y="4305053"/>
+            <a:ext cx="1281231" cy="1188612"/>
           </a:xfrm>
           <a:prstGeom prst="rect">
             <a:avLst/>
@@ -7288,8 +7295,8 @@
         </p:blipFill>
         <p:spPr bwMode="auto">
           <a:xfrm>
-            <a:off x="6081090" y="4630185"/>
-            <a:ext cx="800100" cy="714375"/>
+            <a:off x="4635916" y="1860729"/>
+            <a:ext cx="747863" cy="627844"/>
           </a:xfrm>
           <a:prstGeom prst="rect">
             <a:avLst/>
@@ -7306,7 +7313,7 @@
     </p:spTree>
     <p:extLst>
       <p:ext uri="{BB962C8B-B14F-4D97-AF65-F5344CB8AC3E}">
-        <p14:creationId xmlns:p14="http://schemas.microsoft.com/office/powerpoint/2010/main" val="4019875659"/>
+        <p14:creationId xmlns:p14="http://schemas.microsoft.com/office/powerpoint/2010/main" xmlns="" val="4019875659"/>
       </p:ext>
     </p:extLst>
   </p:cSld>
@@ -7353,164 +7360,23 @@
         <p:spPr>
           <a:xfrm>
             <a:off x="228600" y="986319"/>
-            <a:ext cx="8689622" cy="2893100"/>
+            <a:ext cx="8689622" cy="369332"/>
           </a:xfrm>
         </p:spPr>
         <p:txBody>
           <a:bodyPr/>
           <a:lstStyle/>
           <a:p>
-            <a:pPr marL="342900" indent="-342900">
-              <a:buFont typeface="Arial"/>
-              <a:buChar char="•"/>
+            <a:pPr marL="1200150" lvl="1" indent="-457200">
+              <a:buFont typeface="Wingdings" pitchFamily="2" charset="2"/>
+              <a:buChar char="l"/>
             </a:pPr>
             <a:r>
-              <a:rPr lang="en-US" altLang="zh-TW" sz="2400" dirty="0">
-                <a:latin typeface="+mj-lt"/>
-              </a:rPr>
-              <a:t>Responsibilities</a:t>
-            </a:r>
-            <a:endParaRPr lang="en-US" altLang="zh-TW" sz="2400" dirty="0" smtClean="0">
-              <a:latin typeface="+mj-lt"/>
-            </a:endParaRPr>
-          </a:p>
-          <a:p>
-            <a:pPr marL="1085850" lvl="1" indent="-342900">
-              <a:buFont typeface="Wingdings" panose="05000000000000000000" pitchFamily="2" charset="2"/>
-              <a:buChar char="Ø"/>
-            </a:pPr>
-            <a:r>
-              <a:rPr lang="en-US" altLang="zh-TW" sz="2000" dirty="0" smtClean="0">
-                <a:latin typeface="+mj-lt"/>
-              </a:rPr>
-              <a:t>Segment </a:t>
-            </a:r>
-            <a:r>
-              <a:rPr lang="en-US" altLang="zh-TW" sz="2000" dirty="0">
-                <a:latin typeface="+mj-lt"/>
-              </a:rPr>
-              <a:t>R&amp;D </a:t>
-            </a:r>
-            <a:r>
-              <a:rPr lang="en-US" altLang="zh-TW" sz="2000" dirty="0" smtClean="0">
-                <a:latin typeface="+mj-lt"/>
-              </a:rPr>
-              <a:t>leader - </a:t>
-            </a:r>
-            <a:r>
-              <a:rPr lang="en-US" altLang="zh-TW" sz="2000" dirty="0">
-                <a:latin typeface="+mj-lt"/>
-              </a:rPr>
-              <a:t>assign owners and decision makers</a:t>
-            </a:r>
-            <a:endParaRPr lang="zh-TW" altLang="zh-TW" sz="2000" dirty="0">
-              <a:latin typeface="+mj-lt"/>
-            </a:endParaRPr>
-          </a:p>
-          <a:p>
-            <a:pPr marL="1085850" lvl="1" indent="-342900">
-              <a:buFont typeface="Wingdings" panose="05000000000000000000" pitchFamily="2" charset="2"/>
-              <a:buChar char="Ø"/>
-            </a:pPr>
-            <a:r>
-              <a:rPr lang="en-US" altLang="zh-TW" sz="2000" dirty="0">
-                <a:latin typeface="+mj-lt"/>
-              </a:rPr>
-              <a:t>Team </a:t>
-            </a:r>
-            <a:r>
-              <a:rPr lang="en-US" altLang="zh-TW" sz="2000" dirty="0" smtClean="0">
-                <a:latin typeface="+mj-lt"/>
-              </a:rPr>
-              <a:t>leader - </a:t>
-            </a:r>
-            <a:r>
-              <a:rPr lang="en-US" altLang="zh-TW" sz="2000" dirty="0">
-                <a:latin typeface="+mj-lt"/>
-              </a:rPr>
-              <a:t>ensure the quality of the review deliverables</a:t>
-            </a:r>
-            <a:endParaRPr lang="zh-TW" altLang="zh-TW" sz="2000" dirty="0">
-              <a:latin typeface="+mj-lt"/>
-            </a:endParaRPr>
-          </a:p>
-          <a:p>
-            <a:pPr marL="1085850" lvl="1" indent="-342900">
-              <a:buFont typeface="Wingdings" panose="05000000000000000000" pitchFamily="2" charset="2"/>
-              <a:buChar char="Ø"/>
-            </a:pPr>
-            <a:r>
-              <a:rPr lang="en-US" altLang="zh-TW" sz="2000" dirty="0" smtClean="0">
-                <a:latin typeface="+mj-lt"/>
-              </a:rPr>
-              <a:t>Owner - </a:t>
-            </a:r>
-            <a:r>
-              <a:rPr lang="en-US" altLang="zh-TW" sz="2000" dirty="0">
-                <a:latin typeface="+mj-lt"/>
-              </a:rPr>
-              <a:t>ensure the design reviews occur as defined by this procedure</a:t>
-            </a:r>
-            <a:endParaRPr lang="zh-TW" altLang="zh-TW" sz="2000" dirty="0">
-              <a:latin typeface="+mj-lt"/>
-            </a:endParaRPr>
-          </a:p>
-          <a:p>
-            <a:pPr marL="1085850" lvl="1" indent="-342900">
-              <a:buFont typeface="Wingdings" panose="05000000000000000000" pitchFamily="2" charset="2"/>
-              <a:buChar char="Ø"/>
-            </a:pPr>
-            <a:r>
-              <a:rPr lang="en-US" altLang="zh-TW" sz="2000" dirty="0">
-                <a:latin typeface="+mj-lt"/>
-              </a:rPr>
-              <a:t>Decision </a:t>
-            </a:r>
-            <a:r>
-              <a:rPr lang="en-US" altLang="zh-TW" sz="2000" dirty="0" smtClean="0">
-                <a:latin typeface="+mj-lt"/>
-              </a:rPr>
-              <a:t>maker - </a:t>
-            </a:r>
-            <a:r>
-              <a:rPr lang="en-US" altLang="zh-TW" sz="2000" dirty="0">
-                <a:latin typeface="+mj-lt"/>
-              </a:rPr>
-              <a:t>determine review status</a:t>
-            </a:r>
-            <a:endParaRPr lang="zh-TW" altLang="zh-TW" sz="2000" dirty="0">
-              <a:latin typeface="+mj-lt"/>
-            </a:endParaRPr>
-          </a:p>
-          <a:p>
-            <a:pPr marL="1085850" lvl="1" indent="-342900">
-              <a:buFont typeface="Wingdings" panose="05000000000000000000" pitchFamily="2" charset="2"/>
-              <a:buChar char="Ø"/>
-            </a:pPr>
-            <a:r>
-              <a:rPr lang="en-US" altLang="zh-TW" sz="2000" dirty="0" smtClean="0">
-                <a:latin typeface="+mj-lt"/>
-              </a:rPr>
-              <a:t>Team - </a:t>
-            </a:r>
-            <a:r>
-              <a:rPr lang="en-US" altLang="zh-TW" sz="2000" dirty="0">
-                <a:latin typeface="+mj-lt"/>
-              </a:rPr>
-              <a:t>provide review deliverables</a:t>
-            </a:r>
-            <a:endParaRPr lang="zh-TW" altLang="zh-TW" sz="2000" dirty="0">
-              <a:latin typeface="+mj-lt"/>
-            </a:endParaRPr>
-          </a:p>
-          <a:p>
-            <a:pPr marL="1085850" lvl="1" indent="-342900">
-              <a:buFont typeface="Wingdings" panose="05000000000000000000" pitchFamily="2" charset="2"/>
-              <a:buChar char="Ø"/>
-            </a:pPr>
-            <a:endParaRPr lang="en-US" altLang="zh-TW" sz="2000" dirty="0" smtClean="0">
-              <a:latin typeface="+mj-lt"/>
-            </a:endParaRPr>
+              <a:rPr lang="en-US" altLang="zh-TW" sz="2400" dirty="0" smtClean="0">
+                <a:latin typeface="Arial"/>
+              </a:rPr>
+              <a:t>Find the weak classifier with minimum error</a:t>
+            </a:r>
           </a:p>
         </p:txBody>
       </p:sp>
@@ -7527,32 +7393,33 @@
         <p:spPr>
           <a:xfrm>
             <a:off x="228600" y="228600"/>
-            <a:ext cx="8819146" cy="553998"/>
+            <a:ext cx="4137928" cy="492443"/>
           </a:xfrm>
         </p:spPr>
         <p:txBody>
           <a:bodyPr/>
           <a:lstStyle/>
           <a:p>
-            <a:r>
-              <a:rPr lang="en-US" altLang="zh-TW" dirty="0">
+            <a:pPr marL="342900" indent="-342900"/>
+            <a:r>
+              <a:rPr lang="en-US" altLang="zh-TW" sz="3200" dirty="0" smtClean="0">
                 <a:solidFill>
                   <a:schemeClr val="tx1"/>
                 </a:solidFill>
                 <a:latin typeface="+mj-lt"/>
               </a:rPr>
-              <a:t>ENG-116 </a:t>
-            </a:r>
-            <a:r>
-              <a:rPr lang="en-US" altLang="zh-TW" sz="2400" dirty="0">
+              <a:t>Weak </a:t>
+            </a:r>
+            <a:r>
+              <a:rPr lang="en-US" altLang="zh-TW" sz="3200" dirty="0" smtClean="0">
                 <a:solidFill>
                   <a:schemeClr val="tx1"/>
                 </a:solidFill>
                 <a:latin typeface="+mj-lt"/>
               </a:rPr>
-              <a:t>Consumer Engineering Design Review Procedure</a:t>
-            </a:r>
-            <a:endParaRPr lang="en-US" sz="2400" b="0" dirty="0">
+              <a:t>classifier learner</a:t>
+            </a:r>
+            <a:endParaRPr lang="en-US" altLang="zh-TW" sz="3200" dirty="0">
               <a:solidFill>
                 <a:schemeClr val="tx1"/>
               </a:solidFill>
@@ -7563,36 +7430,325 @@
       </p:sp>
       <p:sp>
         <p:nvSpPr>
-          <p:cNvPr id="2" name="Slide Number Placeholder 1"/>
-          <p:cNvSpPr>
-            <a:spLocks noGrp="1"/>
-          </p:cNvSpPr>
-          <p:nvPr>
-            <p:ph type="sldNum" sz="quarter" idx="10"/>
-          </p:nvPr>
+          <p:cNvPr id="21" name="圓角矩形 20"/>
+          <p:cNvSpPr/>
+          <p:nvPr/>
         </p:nvSpPr>
-        <p:spPr/>
+        <p:spPr>
+          <a:xfrm>
+            <a:off x="569227" y="2099733"/>
+            <a:ext cx="1674439" cy="1159934"/>
+          </a:xfrm>
+          <a:prstGeom prst="roundRect">
+            <a:avLst/>
+          </a:prstGeom>
+          <a:noFill/>
+          <a:ln w="12700" cmpd="sng"/>
+          <a:effectLst/>
+        </p:spPr>
+        <p:style>
+          <a:lnRef idx="1">
+            <a:schemeClr val="accent1"/>
+          </a:lnRef>
+          <a:fillRef idx="3">
+            <a:schemeClr val="accent1"/>
+          </a:fillRef>
+          <a:effectRef idx="2">
+            <a:schemeClr val="accent1"/>
+          </a:effectRef>
+          <a:fontRef idx="minor">
+            <a:schemeClr val="lt1"/>
+          </a:fontRef>
+        </p:style>
         <p:txBody>
-          <a:bodyPr/>
+          <a:bodyPr rtlCol="0" anchor="ctr"/>
           <a:lstStyle/>
           <a:p>
-            <a:fld id="{F52E3F39-0206-E343-A815-B0E9B8087364}" type="slidenum">
-              <a:rPr lang="en-US" smtClean="0">
-                <a:latin typeface="+mj-lt"/>
-              </a:rPr>
-              <a:pPr/>
-              <a:t>21</a:t>
-            </a:fld>
-            <a:endParaRPr lang="en-US" dirty="0">
-              <a:latin typeface="+mj-lt"/>
+            <a:pPr algn="ctr"/>
+            <a:r>
+              <a:rPr lang="en-US" altLang="zh-TW" dirty="0" smtClean="0">
+                <a:solidFill>
+                  <a:schemeClr val="tx1"/>
+                </a:solidFill>
+              </a:rPr>
+              <a:t>Data</a:t>
+            </a:r>
+            <a:endParaRPr lang="zh-TW" altLang="en-US" dirty="0">
+              <a:solidFill>
+                <a:schemeClr val="tx1"/>
+              </a:solidFill>
             </a:endParaRPr>
+          </a:p>
+        </p:txBody>
+      </p:sp>
+      <p:sp>
+        <p:nvSpPr>
+          <p:cNvPr id="22" name="矩形 21"/>
+          <p:cNvSpPr/>
+          <p:nvPr/>
+        </p:nvSpPr>
+        <p:spPr>
+          <a:xfrm>
+            <a:off x="3316661" y="2235205"/>
+            <a:ext cx="2099734" cy="931332"/>
+          </a:xfrm>
+          <a:prstGeom prst="rect">
+            <a:avLst/>
+          </a:prstGeom>
+          <a:noFill/>
+          <a:ln w="12700"/>
+          <a:effectLst/>
+        </p:spPr>
+        <p:style>
+          <a:lnRef idx="1">
+            <a:schemeClr val="accent1"/>
+          </a:lnRef>
+          <a:fillRef idx="3">
+            <a:schemeClr val="accent1"/>
+          </a:fillRef>
+          <a:effectRef idx="2">
+            <a:schemeClr val="accent1"/>
+          </a:effectRef>
+          <a:fontRef idx="minor">
+            <a:schemeClr val="lt1"/>
+          </a:fontRef>
+        </p:style>
+        <p:txBody>
+          <a:bodyPr rtlCol="0" anchor="ctr"/>
+          <a:lstStyle/>
+          <a:p>
+            <a:pPr algn="ctr"/>
+            <a:r>
+              <a:rPr lang="en-US" altLang="zh-TW" dirty="0" smtClean="0">
+                <a:solidFill>
+                  <a:schemeClr val="tx1"/>
+                </a:solidFill>
+              </a:rPr>
+              <a:t>Weak classifier learner</a:t>
+            </a:r>
+            <a:endParaRPr lang="zh-TW" altLang="en-US" dirty="0">
+              <a:solidFill>
+                <a:schemeClr val="tx1"/>
+              </a:solidFill>
+            </a:endParaRPr>
+          </a:p>
+        </p:txBody>
+      </p:sp>
+      <p:sp>
+        <p:nvSpPr>
+          <p:cNvPr id="23" name="向右箭號 22"/>
+          <p:cNvSpPr/>
+          <p:nvPr/>
+        </p:nvSpPr>
+        <p:spPr>
+          <a:xfrm>
+            <a:off x="2429938" y="2599267"/>
+            <a:ext cx="491067" cy="262466"/>
+          </a:xfrm>
+          <a:prstGeom prst="rightArrow">
+            <a:avLst/>
+          </a:prstGeom>
+          <a:solidFill>
+            <a:srgbClr val="002060"/>
+          </a:solidFill>
+        </p:spPr>
+        <p:style>
+          <a:lnRef idx="1">
+            <a:schemeClr val="accent1"/>
+          </a:lnRef>
+          <a:fillRef idx="3">
+            <a:schemeClr val="accent1"/>
+          </a:fillRef>
+          <a:effectRef idx="2">
+            <a:schemeClr val="accent1"/>
+          </a:effectRef>
+          <a:fontRef idx="minor">
+            <a:schemeClr val="lt1"/>
+          </a:fontRef>
+        </p:style>
+        <p:txBody>
+          <a:bodyPr rtlCol="0" anchor="ctr"/>
+          <a:lstStyle/>
+          <a:p>
+            <a:pPr algn="ctr"/>
+            <a:endParaRPr lang="zh-TW" altLang="en-US"/>
+          </a:p>
+        </p:txBody>
+      </p:sp>
+      <p:sp>
+        <p:nvSpPr>
+          <p:cNvPr id="24" name="向右箭號 23"/>
+          <p:cNvSpPr/>
+          <p:nvPr/>
+        </p:nvSpPr>
+        <p:spPr>
+          <a:xfrm>
+            <a:off x="5638805" y="2599267"/>
+            <a:ext cx="491067" cy="262466"/>
+          </a:xfrm>
+          <a:prstGeom prst="rightArrow">
+            <a:avLst/>
+          </a:prstGeom>
+          <a:solidFill>
+            <a:srgbClr val="002060"/>
+          </a:solidFill>
+        </p:spPr>
+        <p:style>
+          <a:lnRef idx="1">
+            <a:schemeClr val="accent1"/>
+          </a:lnRef>
+          <a:fillRef idx="3">
+            <a:schemeClr val="accent1"/>
+          </a:fillRef>
+          <a:effectRef idx="2">
+            <a:schemeClr val="accent1"/>
+          </a:effectRef>
+          <a:fontRef idx="minor">
+            <a:schemeClr val="lt1"/>
+          </a:fontRef>
+        </p:style>
+        <p:txBody>
+          <a:bodyPr rtlCol="0" anchor="ctr"/>
+          <a:lstStyle/>
+          <a:p>
+            <a:pPr algn="ctr"/>
+            <a:endParaRPr lang="zh-TW" altLang="en-US"/>
+          </a:p>
+        </p:txBody>
+      </p:sp>
+      <p:sp>
+        <p:nvSpPr>
+          <p:cNvPr id="25" name="矩形 24"/>
+          <p:cNvSpPr/>
+          <p:nvPr/>
+        </p:nvSpPr>
+        <p:spPr>
+          <a:xfrm>
+            <a:off x="6332370" y="2599267"/>
+            <a:ext cx="1796326" cy="369332"/>
+          </a:xfrm>
+          <a:prstGeom prst="rect">
+            <a:avLst/>
+          </a:prstGeom>
+        </p:spPr>
+        <p:txBody>
+          <a:bodyPr wrap="none">
+            <a:spAutoFit/>
+          </a:bodyPr>
+          <a:lstStyle/>
+          <a:p>
+            <a:r>
+              <a:rPr lang="en-US" altLang="zh-TW" dirty="0" smtClean="0"/>
+              <a:t>Weak classifier </a:t>
+            </a:r>
+            <a:endParaRPr lang="zh-TW" altLang="en-US" dirty="0"/>
+          </a:p>
+        </p:txBody>
+      </p:sp>
+      <p:sp>
+        <p:nvSpPr>
+          <p:cNvPr id="26" name="橢圓 25"/>
+          <p:cNvSpPr/>
+          <p:nvPr/>
+        </p:nvSpPr>
+        <p:spPr>
+          <a:xfrm>
+            <a:off x="2607714" y="3852333"/>
+            <a:ext cx="3649163" cy="1456266"/>
+          </a:xfrm>
+          <a:prstGeom prst="ellipse">
+            <a:avLst/>
+          </a:prstGeom>
+          <a:noFill/>
+          <a:ln w="12700"/>
+          <a:effectLst/>
+        </p:spPr>
+        <p:style>
+          <a:lnRef idx="1">
+            <a:schemeClr val="accent1"/>
+          </a:lnRef>
+          <a:fillRef idx="3">
+            <a:schemeClr val="accent1"/>
+          </a:fillRef>
+          <a:effectRef idx="2">
+            <a:schemeClr val="accent1"/>
+          </a:effectRef>
+          <a:fontRef idx="minor">
+            <a:schemeClr val="lt1"/>
+          </a:fontRef>
+        </p:style>
+        <p:txBody>
+          <a:bodyPr rtlCol="0" anchor="ctr"/>
+          <a:lstStyle/>
+          <a:p>
+            <a:r>
+              <a:rPr lang="en-US" altLang="zh-TW" dirty="0" smtClean="0">
+                <a:solidFill>
+                  <a:schemeClr val="tx1"/>
+                </a:solidFill>
+              </a:rPr>
+              <a:t>Weak </a:t>
+            </a:r>
+            <a:r>
+              <a:rPr lang="en-US" altLang="zh-TW" dirty="0" smtClean="0">
+                <a:solidFill>
+                  <a:schemeClr val="tx1"/>
+                </a:solidFill>
+              </a:rPr>
+              <a:t>classifier pool </a:t>
+            </a:r>
+            <a:endParaRPr lang="zh-TW" altLang="en-US" dirty="0">
+              <a:solidFill>
+                <a:schemeClr val="tx1"/>
+              </a:solidFill>
+            </a:endParaRPr>
+          </a:p>
+        </p:txBody>
+      </p:sp>
+      <p:sp>
+        <p:nvSpPr>
+          <p:cNvPr id="28" name="向右箭號 27"/>
+          <p:cNvSpPr/>
+          <p:nvPr/>
+        </p:nvSpPr>
+        <p:spPr>
+          <a:xfrm rot="16200000">
+            <a:off x="4074900" y="3340288"/>
+            <a:ext cx="478796" cy="351216"/>
+          </a:xfrm>
+          <a:prstGeom prst="rightArrow">
+            <a:avLst/>
+          </a:prstGeom>
+          <a:noFill/>
+          <a:ln w="12700"/>
+        </p:spPr>
+        <p:style>
+          <a:lnRef idx="1">
+            <a:schemeClr val="accent1"/>
+          </a:lnRef>
+          <a:fillRef idx="3">
+            <a:schemeClr val="accent1"/>
+          </a:fillRef>
+          <a:effectRef idx="2">
+            <a:schemeClr val="accent1"/>
+          </a:effectRef>
+          <a:fontRef idx="minor">
+            <a:schemeClr val="lt1"/>
+          </a:fontRef>
+        </p:style>
+        <p:txBody>
+          <a:bodyPr rtlCol="0" anchor="ctr"/>
+          <a:lstStyle/>
+          <a:p>
+            <a:pPr algn="ctr"/>
+            <a:endParaRPr lang="zh-TW" altLang="en-US"/>
           </a:p>
         </p:txBody>
       </p:sp>
     </p:spTree>
     <p:extLst>
       <p:ext uri="{BB962C8B-B14F-4D97-AF65-F5344CB8AC3E}">
-        <p14:creationId xmlns:p14="http://schemas.microsoft.com/office/powerpoint/2010/main" val="1915553553"/>
+        <p14:creationId xmlns:p14="http://schemas.microsoft.com/office/powerpoint/2010/main" xmlns="" val="3040030372"/>
       </p:ext>
     </p:extLst>
   </p:cSld>
@@ -7639,344 +7795,17 @@
         <p:spPr>
           <a:xfrm>
             <a:off x="228600" y="986319"/>
-            <a:ext cx="8689622" cy="5798510"/>
+            <a:ext cx="8689622" cy="763286"/>
           </a:xfrm>
         </p:spPr>
         <p:txBody>
           <a:bodyPr/>
           <a:lstStyle/>
           <a:p>
-            <a:pPr marL="342900" indent="-342900">
-              <a:buFont typeface="Arial"/>
-              <a:buChar char="•"/>
+            <a:pPr marL="1085850" lvl="1" indent="-342900">
+              <a:buNone/>
             </a:pPr>
-            <a:r>
-              <a:rPr lang="en-US" altLang="zh-TW" sz="2400" dirty="0">
-                <a:latin typeface="+mj-lt"/>
-              </a:rPr>
-              <a:t>Primary Design Reviews</a:t>
-            </a:r>
-            <a:endParaRPr lang="en-US" altLang="zh-TW" sz="2400" dirty="0" smtClean="0">
-              <a:latin typeface="+mj-lt"/>
-            </a:endParaRPr>
-          </a:p>
-          <a:p>
-            <a:pPr marL="1200150" lvl="1" indent="-457200">
-              <a:buFont typeface="Wingdings" panose="05000000000000000000" pitchFamily="2" charset="2"/>
-              <a:buChar char="Ø"/>
-            </a:pPr>
-            <a:r>
-              <a:rPr lang="en-US" altLang="zh-TW" sz="2000" dirty="0" smtClean="0">
-                <a:latin typeface="+mj-lt"/>
-              </a:rPr>
-              <a:t>Top </a:t>
-            </a:r>
-            <a:r>
-              <a:rPr lang="en-US" altLang="zh-TW" sz="2000" dirty="0">
-                <a:latin typeface="+mj-lt"/>
-              </a:rPr>
-              <a:t>level design phase – </a:t>
-            </a:r>
-            <a:r>
-              <a:rPr lang="en-US" altLang="zh-TW" sz="2000" dirty="0" smtClean="0">
-                <a:solidFill>
-                  <a:srgbClr val="C00000"/>
-                </a:solidFill>
-                <a:latin typeface="+mj-lt"/>
-                <a:hlinkClick r:id="rId2" action="ppaction://hlinkfile"/>
-              </a:rPr>
-              <a:t>FRM-230</a:t>
-            </a:r>
-            <a:endParaRPr lang="en-US" altLang="zh-TW" sz="2000" dirty="0" smtClean="0">
-              <a:solidFill>
-                <a:srgbClr val="C00000"/>
-              </a:solidFill>
-              <a:latin typeface="+mj-lt"/>
-            </a:endParaRPr>
-          </a:p>
-          <a:p>
-            <a:pPr marL="1200150" lvl="1" indent="-457200">
-              <a:buFont typeface="Wingdings" panose="05000000000000000000" pitchFamily="2" charset="2"/>
-              <a:buChar char="Ø"/>
-            </a:pPr>
-            <a:r>
-              <a:rPr lang="en-US" altLang="zh-TW" sz="2000" dirty="0">
-                <a:latin typeface="+mj-lt"/>
-              </a:rPr>
-              <a:t>Detailed design phase – </a:t>
-            </a:r>
-            <a:r>
-              <a:rPr lang="en-US" altLang="zh-TW" sz="2000" dirty="0" smtClean="0">
-                <a:solidFill>
-                  <a:srgbClr val="C00000"/>
-                </a:solidFill>
-                <a:latin typeface="+mj-lt"/>
-                <a:hlinkClick r:id="rId3" action="ppaction://hlinkfile"/>
-              </a:rPr>
-              <a:t>FRM-234</a:t>
-            </a:r>
-            <a:endParaRPr lang="en-US" altLang="zh-TW" sz="2000" dirty="0" smtClean="0">
-              <a:solidFill>
-                <a:srgbClr val="C00000"/>
-              </a:solidFill>
-              <a:latin typeface="+mj-lt"/>
-            </a:endParaRPr>
-          </a:p>
-          <a:p>
-            <a:pPr marL="1200150" lvl="1" indent="-457200">
-              <a:buFont typeface="Wingdings" panose="05000000000000000000" pitchFamily="2" charset="2"/>
-              <a:buChar char="Ø"/>
-            </a:pPr>
-            <a:r>
-              <a:rPr lang="en-US" altLang="zh-TW" sz="2000" dirty="0">
-                <a:latin typeface="+mj-lt"/>
-              </a:rPr>
-              <a:t>Factory prototype phase – </a:t>
-            </a:r>
-            <a:r>
-              <a:rPr lang="en-US" altLang="zh-TW" sz="2000" dirty="0">
-                <a:solidFill>
-                  <a:srgbClr val="C00000"/>
-                </a:solidFill>
-                <a:latin typeface="+mj-lt"/>
-                <a:hlinkClick r:id="rId4" action="ppaction://hlinkfile"/>
-              </a:rPr>
-              <a:t>FRM-236</a:t>
-            </a:r>
-            <a:endParaRPr lang="zh-TW" altLang="zh-TW" sz="2000" dirty="0">
-              <a:solidFill>
-                <a:srgbClr val="C00000"/>
-              </a:solidFill>
-              <a:latin typeface="+mj-lt"/>
-            </a:endParaRPr>
-          </a:p>
-          <a:p>
-            <a:pPr marL="1200150" lvl="1" indent="-457200">
-              <a:buFont typeface="Wingdings" panose="05000000000000000000" pitchFamily="2" charset="2"/>
-              <a:buChar char="Ø"/>
-            </a:pPr>
-            <a:r>
-              <a:rPr lang="en-US" altLang="zh-TW" sz="2000" dirty="0">
-                <a:latin typeface="+mj-lt"/>
-              </a:rPr>
-              <a:t>Pilot run </a:t>
-            </a:r>
-            <a:endParaRPr lang="en-US" altLang="zh-TW" sz="2000" dirty="0" smtClean="0">
-              <a:latin typeface="+mj-lt"/>
-            </a:endParaRPr>
-          </a:p>
-          <a:p>
-            <a:pPr marL="1600200" lvl="2" indent="-457200">
-              <a:buFont typeface="Wingdings" panose="05000000000000000000" pitchFamily="2" charset="2"/>
-              <a:buChar char="ü"/>
-            </a:pPr>
-            <a:r>
-              <a:rPr lang="en-US" altLang="zh-TW" sz="1800" dirty="0" smtClean="0">
-                <a:latin typeface="+mj-lt"/>
-              </a:rPr>
-              <a:t>Pilot run design </a:t>
-            </a:r>
-            <a:r>
-              <a:rPr lang="en-US" altLang="zh-TW" sz="1800" dirty="0">
-                <a:latin typeface="+mj-lt"/>
-              </a:rPr>
-              <a:t>review – </a:t>
-            </a:r>
-            <a:r>
-              <a:rPr lang="en-US" altLang="zh-TW" sz="1800" dirty="0">
-                <a:solidFill>
-                  <a:srgbClr val="C00000"/>
-                </a:solidFill>
-                <a:latin typeface="+mj-lt"/>
-                <a:hlinkClick r:id="rId5" action="ppaction://hlinkfile"/>
-              </a:rPr>
-              <a:t>FRM-237</a:t>
-            </a:r>
-            <a:endParaRPr lang="zh-TW" altLang="zh-TW" sz="1800" dirty="0">
-              <a:solidFill>
-                <a:srgbClr val="C00000"/>
-              </a:solidFill>
-              <a:latin typeface="+mj-lt"/>
-            </a:endParaRPr>
-          </a:p>
-          <a:p>
-            <a:pPr marL="1600200" lvl="2" indent="-457200">
-              <a:buFont typeface="Wingdings" panose="05000000000000000000" pitchFamily="2" charset="2"/>
-              <a:buChar char="ü"/>
-            </a:pPr>
-            <a:r>
-              <a:rPr lang="en-US" altLang="zh-TW" sz="1800" dirty="0">
-                <a:latin typeface="+mj-lt"/>
-              </a:rPr>
-              <a:t>Product validation review – </a:t>
-            </a:r>
-            <a:r>
-              <a:rPr lang="en-US" altLang="zh-TW" sz="1800" dirty="0">
-                <a:solidFill>
-                  <a:srgbClr val="C00000"/>
-                </a:solidFill>
-                <a:latin typeface="+mj-lt"/>
-                <a:hlinkClick r:id="rId6" action="ppaction://hlinkfile"/>
-              </a:rPr>
-              <a:t>FRM-238</a:t>
-            </a:r>
-            <a:endParaRPr lang="zh-TW" altLang="zh-TW" sz="1800" dirty="0">
-              <a:solidFill>
-                <a:srgbClr val="C00000"/>
-              </a:solidFill>
-              <a:latin typeface="+mj-lt"/>
-            </a:endParaRPr>
-          </a:p>
-          <a:p>
-            <a:pPr marL="342900" indent="-342900">
-              <a:buFont typeface="Arial"/>
-              <a:buChar char="•"/>
-            </a:pPr>
-            <a:r>
-              <a:rPr lang="en-US" altLang="zh-TW" sz="2400" dirty="0">
-                <a:latin typeface="+mj-lt"/>
-              </a:rPr>
-              <a:t>Secondary Design </a:t>
-            </a:r>
-            <a:r>
-              <a:rPr lang="en-US" altLang="zh-TW" sz="2400" dirty="0" smtClean="0">
-                <a:latin typeface="+mj-lt"/>
-              </a:rPr>
-              <a:t>Reviews</a:t>
-            </a:r>
-          </a:p>
-          <a:p>
-            <a:pPr marL="1085850" lvl="1" indent="-342900">
-              <a:buFont typeface="Wingdings" panose="05000000000000000000" pitchFamily="2" charset="2"/>
-              <a:buChar char="Ø"/>
-            </a:pPr>
-            <a:r>
-              <a:rPr lang="en-US" altLang="zh-TW" sz="2000" dirty="0">
-                <a:latin typeface="+mj-lt"/>
-              </a:rPr>
-              <a:t>Factory build </a:t>
-            </a:r>
-            <a:r>
-              <a:rPr lang="en-US" altLang="zh-TW" sz="2000" dirty="0" smtClean="0">
-                <a:latin typeface="+mj-lt"/>
-              </a:rPr>
-              <a:t>phase</a:t>
-            </a:r>
-          </a:p>
-          <a:p>
-            <a:pPr marL="1485900" lvl="2" indent="-342900">
-              <a:buFont typeface="Wingdings" panose="05000000000000000000" pitchFamily="2" charset="2"/>
-              <a:buChar char="ü"/>
-            </a:pPr>
-            <a:r>
-              <a:rPr lang="en-US" altLang="zh-TW" sz="1800" dirty="0" smtClean="0">
-                <a:latin typeface="+mj-lt"/>
-              </a:rPr>
-              <a:t>Software </a:t>
-            </a:r>
-            <a:r>
-              <a:rPr lang="en-US" altLang="zh-TW" sz="1800" dirty="0">
-                <a:latin typeface="+mj-lt"/>
-              </a:rPr>
-              <a:t>usability – </a:t>
-            </a:r>
-            <a:r>
-              <a:rPr lang="en-US" altLang="zh-TW" sz="1800" dirty="0" smtClean="0">
-                <a:solidFill>
-                  <a:srgbClr val="C00000"/>
-                </a:solidFill>
-                <a:latin typeface="+mj-lt"/>
-                <a:hlinkClick r:id="rId7" action="ppaction://hlinkfile"/>
-              </a:rPr>
-              <a:t>FRM-235</a:t>
-            </a:r>
-            <a:endParaRPr lang="en-US" altLang="zh-TW" sz="1800" dirty="0" smtClean="0">
-              <a:solidFill>
-                <a:srgbClr val="C00000"/>
-              </a:solidFill>
-              <a:latin typeface="+mj-lt"/>
-            </a:endParaRPr>
-          </a:p>
-          <a:p>
-            <a:pPr marL="1485900" lvl="2" indent="-342900">
-              <a:buFont typeface="Wingdings" panose="05000000000000000000" pitchFamily="2" charset="2"/>
-              <a:buChar char="ü"/>
-            </a:pPr>
-            <a:r>
-              <a:rPr lang="en-US" altLang="zh-TW" sz="1800" dirty="0" smtClean="0"/>
-              <a:t>Perform </a:t>
-            </a:r>
-            <a:r>
-              <a:rPr lang="en-US" altLang="zh-TW" sz="1800" dirty="0"/>
-              <a:t>an initial evaluation of each soft features from a customer perspective</a:t>
-            </a:r>
-            <a:endParaRPr lang="en-US" altLang="zh-TW" sz="1800" dirty="0" smtClean="0">
-              <a:solidFill>
-                <a:srgbClr val="C00000"/>
-              </a:solidFill>
-              <a:latin typeface="+mj-lt"/>
-            </a:endParaRPr>
-          </a:p>
-          <a:p>
-            <a:pPr marL="1085850" lvl="1" indent="-342900">
-              <a:buFont typeface="Wingdings" panose="05000000000000000000" pitchFamily="2" charset="2"/>
-              <a:buChar char="Ø"/>
-            </a:pPr>
-            <a:r>
-              <a:rPr lang="en-US" altLang="zh-TW" sz="2000" dirty="0">
-                <a:latin typeface="+mj-lt"/>
-              </a:rPr>
-              <a:t>Pilot run </a:t>
-            </a:r>
-            <a:r>
-              <a:rPr lang="en-US" altLang="zh-TW" sz="2000" dirty="0" smtClean="0">
-                <a:latin typeface="+mj-lt"/>
-              </a:rPr>
-              <a:t>phase</a:t>
-            </a:r>
-          </a:p>
-          <a:p>
-            <a:pPr marL="1485900" lvl="2" indent="-342900">
-              <a:buFont typeface="Wingdings" panose="05000000000000000000" pitchFamily="2" charset="2"/>
-              <a:buChar char="ü"/>
-            </a:pPr>
-            <a:r>
-              <a:rPr lang="en-US" altLang="zh-TW" sz="1800" dirty="0">
-                <a:latin typeface="+mj-lt"/>
-              </a:rPr>
-              <a:t>Customer </a:t>
-            </a:r>
-            <a:r>
-              <a:rPr lang="en-US" altLang="zh-TW" sz="1800" dirty="0" smtClean="0">
-                <a:latin typeface="+mj-lt"/>
-              </a:rPr>
-              <a:t>usability / </a:t>
-            </a:r>
-            <a:r>
-              <a:rPr lang="en-US" altLang="zh-TW" sz="1800" dirty="0">
-                <a:latin typeface="+mj-lt"/>
-              </a:rPr>
-              <a:t>acceptance design </a:t>
-            </a:r>
-            <a:r>
-              <a:rPr lang="en-US" altLang="zh-TW" sz="1800" dirty="0" smtClean="0">
-                <a:latin typeface="+mj-lt"/>
-              </a:rPr>
-              <a:t>review</a:t>
-            </a:r>
-          </a:p>
-          <a:p>
-            <a:pPr marL="1485900" lvl="2" indent="-342900">
-              <a:buFont typeface="Wingdings" panose="05000000000000000000" pitchFamily="2" charset="2"/>
-              <a:buChar char="ü"/>
-            </a:pPr>
-            <a:r>
-              <a:rPr lang="en-US" altLang="zh-TW" sz="1800" dirty="0">
-                <a:latin typeface="+mj-lt"/>
-              </a:rPr>
-              <a:t>User documentation and translation plan completion review</a:t>
-            </a:r>
-            <a:endParaRPr lang="zh-TW" altLang="zh-TW" sz="1800" dirty="0">
+            <a:endParaRPr lang="zh-TW" altLang="zh-TW" dirty="0" smtClean="0">
               <a:latin typeface="+mj-lt"/>
             </a:endParaRPr>
           </a:p>
@@ -7985,7 +7814,7 @@
               <a:buFont typeface="Wingdings" panose="05000000000000000000" pitchFamily="2" charset="2"/>
               <a:buChar char="Ø"/>
             </a:pPr>
-            <a:endParaRPr lang="en-US" altLang="zh-TW" sz="1600" dirty="0" smtClean="0">
+            <a:endParaRPr lang="en-US" altLang="zh-TW" sz="1800" dirty="0">
               <a:latin typeface="+mj-lt"/>
             </a:endParaRPr>
           </a:p>
@@ -8004,32 +7833,24 @@
         <p:spPr>
           <a:xfrm>
             <a:off x="228600" y="228600"/>
-            <a:ext cx="8819146" cy="553998"/>
+            <a:ext cx="2870979" cy="492443"/>
           </a:xfrm>
         </p:spPr>
         <p:txBody>
           <a:bodyPr/>
           <a:lstStyle/>
           <a:p>
-            <a:r>
-              <a:rPr lang="en-US" altLang="zh-TW" dirty="0">
+            <a:pPr marL="342900" indent="-342900"/>
+            <a:r>
+              <a:rPr lang="en-US" altLang="zh-TW" sz="3200" dirty="0" smtClean="0">
                 <a:solidFill>
                   <a:schemeClr val="tx1"/>
                 </a:solidFill>
                 <a:latin typeface="+mj-lt"/>
               </a:rPr>
-              <a:t>ENG-116 </a:t>
-            </a:r>
-            <a:r>
-              <a:rPr lang="en-US" altLang="zh-TW" sz="2400" dirty="0">
-                <a:solidFill>
-                  <a:schemeClr val="tx1"/>
-                </a:solidFill>
-                <a:latin typeface="+mj-lt"/>
-              </a:rPr>
-              <a:t>Consumer Engineering Design Review Procedure</a:t>
-            </a:r>
-            <a:endParaRPr lang="en-US" sz="2400" b="0" dirty="0">
+              <a:t>Binary classifier</a:t>
+            </a:r>
+            <a:endParaRPr lang="en-US" altLang="zh-TW" sz="3200" dirty="0">
               <a:solidFill>
                 <a:schemeClr val="tx1"/>
               </a:solidFill>
@@ -8040,36 +7861,424 @@
       </p:sp>
       <p:sp>
         <p:nvSpPr>
-          <p:cNvPr id="2" name="Slide Number Placeholder 1"/>
-          <p:cNvSpPr>
-            <a:spLocks noGrp="1"/>
+          <p:cNvPr id="5" name="Content Placeholder 2"/>
+          <p:cNvSpPr txBox="1">
+            <a:spLocks/>
           </p:cNvSpPr>
-          <p:nvPr>
-            <p:ph type="sldNum" sz="quarter" idx="10"/>
-          </p:nvPr>
+          <p:nvPr/>
         </p:nvSpPr>
-        <p:spPr/>
+        <p:spPr>
+          <a:xfrm>
+            <a:off x="228600" y="986319"/>
+            <a:ext cx="8689622" cy="2142125"/>
+          </a:xfrm>
+          <a:prstGeom prst="rect">
+            <a:avLst/>
+          </a:prstGeom>
+        </p:spPr>
         <p:txBody>
-          <a:bodyPr/>
+          <a:bodyPr vert="horz" wrap="square" lIns="0" tIns="0" rIns="0" bIns="0" rtlCol="0">
+            <a:spAutoFit/>
+          </a:bodyPr>
           <a:lstStyle/>
           <a:p>
-            <a:fld id="{F52E3F39-0206-E343-A815-B0E9B8087364}" type="slidenum">
-              <a:rPr lang="en-US" smtClean="0">
-                <a:latin typeface="+mj-lt"/>
-              </a:rPr>
-              <a:pPr/>
-              <a:t>22</a:t>
-            </a:fld>
-            <a:endParaRPr lang="en-US" dirty="0">
-              <a:latin typeface="+mj-lt"/>
+            <a:pPr marL="1200150" marR="0" lvl="1" indent="-457200" algn="l" defTabSz="457200" rtl="0" eaLnBrk="1" fontAlgn="auto" latinLnBrk="0" hangingPunct="1">
+              <a:lnSpc>
+                <a:spcPct val="100000"/>
+              </a:lnSpc>
+              <a:spcBef>
+                <a:spcPct val="20000"/>
+              </a:spcBef>
+              <a:spcAft>
+                <a:spcPts val="0"/>
+              </a:spcAft>
+              <a:buClrTx/>
+              <a:buSzTx/>
+              <a:buFont typeface="Wingdings" pitchFamily="2" charset="2"/>
+              <a:buChar char="l"/>
+              <a:tabLst/>
+              <a:defRPr/>
+            </a:pPr>
+            <a:r>
+              <a:rPr kumimoji="0" lang="en-US" altLang="zh-TW" sz="2400" b="0" i="0" u="none" strike="noStrike" kern="1200" cap="none" spc="0" normalizeH="0" baseline="0" noProof="0" dirty="0" smtClean="0">
+                <a:ln>
+                  <a:noFill/>
+                </a:ln>
+                <a:solidFill>
+                  <a:schemeClr val="tx1"/>
+                </a:solidFill>
+                <a:effectLst/>
+                <a:uLnTx/>
+                <a:uFillTx/>
+                <a:latin typeface="+mn-lt"/>
+                <a:ea typeface="+mn-ea"/>
+                <a:cs typeface="+mn-cs"/>
+              </a:rPr>
+              <a:t>Will stock market go up or down? {</a:t>
+            </a:r>
+            <a:r>
+              <a:rPr kumimoji="0" lang="en-US" altLang="zh-TW" sz="2400" b="0" i="0" u="none" strike="noStrike" kern="1200" cap="none" spc="0" normalizeH="0" baseline="0" noProof="0" dirty="0" err="1" smtClean="0">
+                <a:ln>
+                  <a:noFill/>
+                </a:ln>
+                <a:solidFill>
+                  <a:schemeClr val="tx1"/>
+                </a:solidFill>
+                <a:effectLst/>
+                <a:uLnTx/>
+                <a:uFillTx/>
+                <a:latin typeface="+mn-lt"/>
+                <a:ea typeface="+mn-ea"/>
+                <a:cs typeface="+mn-cs"/>
+              </a:rPr>
+              <a:t>up,down</a:t>
+            </a:r>
+            <a:r>
+              <a:rPr kumimoji="0" lang="en-US" altLang="zh-TW" sz="2400" b="0" i="0" u="none" strike="noStrike" kern="1200" cap="none" spc="0" normalizeH="0" baseline="0" noProof="0" dirty="0" smtClean="0">
+                <a:ln>
+                  <a:noFill/>
+                </a:ln>
+                <a:solidFill>
+                  <a:schemeClr val="tx1"/>
+                </a:solidFill>
+                <a:effectLst/>
+                <a:uLnTx/>
+                <a:uFillTx/>
+                <a:latin typeface="+mn-lt"/>
+                <a:ea typeface="+mn-ea"/>
+                <a:cs typeface="+mn-cs"/>
+              </a:rPr>
+              <a:t>}</a:t>
+            </a:r>
+          </a:p>
+          <a:p>
+            <a:pPr marL="1200150" marR="0" lvl="1" indent="-457200" algn="l" defTabSz="457200" rtl="0" eaLnBrk="1" fontAlgn="auto" latinLnBrk="0" hangingPunct="1">
+              <a:lnSpc>
+                <a:spcPct val="100000"/>
+              </a:lnSpc>
+              <a:spcBef>
+                <a:spcPct val="20000"/>
+              </a:spcBef>
+              <a:spcAft>
+                <a:spcPts val="0"/>
+              </a:spcAft>
+              <a:buClrTx/>
+              <a:buSzTx/>
+              <a:buFont typeface="Wingdings" pitchFamily="2" charset="2"/>
+              <a:buChar char="l"/>
+              <a:tabLst/>
+              <a:defRPr/>
+            </a:pPr>
+            <a:r>
+              <a:rPr lang="en-US" altLang="zh-TW" sz="2400" dirty="0" smtClean="0"/>
+              <a:t>Is it a car? {</a:t>
+            </a:r>
+            <a:r>
+              <a:rPr lang="en-US" altLang="zh-TW" sz="2400" dirty="0" err="1" smtClean="0"/>
+              <a:t>yes,no</a:t>
+            </a:r>
+            <a:r>
+              <a:rPr lang="en-US" altLang="zh-TW" sz="2400" dirty="0" smtClean="0"/>
+              <a:t>}</a:t>
+            </a:r>
+          </a:p>
+          <a:p>
+            <a:pPr marL="1200150" lvl="1" indent="-457200">
+              <a:spcBef>
+                <a:spcPct val="20000"/>
+              </a:spcBef>
+              <a:buFont typeface="Wingdings" pitchFamily="2" charset="2"/>
+              <a:buChar char="l"/>
+            </a:pPr>
+            <a:r>
+              <a:rPr lang="en-US" altLang="zh-TW" sz="2400" dirty="0" smtClean="0"/>
+              <a:t>Will you sleep well or bad tonight? {well,</a:t>
+            </a:r>
+            <a:r>
+              <a:rPr lang="en-US" altLang="zh-TW" sz="2400" dirty="0" smtClean="0"/>
+              <a:t> bad</a:t>
+            </a:r>
+            <a:r>
+              <a:rPr lang="en-US" altLang="zh-TW" sz="2400" dirty="0" smtClean="0"/>
+              <a:t>}</a:t>
+            </a:r>
+          </a:p>
+          <a:p>
+            <a:pPr marL="1200150" marR="0" lvl="1" indent="-457200" algn="l" defTabSz="457200" rtl="0" eaLnBrk="1" fontAlgn="auto" latinLnBrk="0" hangingPunct="1">
+              <a:lnSpc>
+                <a:spcPct val="100000"/>
+              </a:lnSpc>
+              <a:spcBef>
+                <a:spcPct val="20000"/>
+              </a:spcBef>
+              <a:spcAft>
+                <a:spcPts val="0"/>
+              </a:spcAft>
+              <a:buClrTx/>
+              <a:buSzTx/>
+              <a:buFont typeface="Wingdings" pitchFamily="2" charset="2"/>
+              <a:buChar char="l"/>
+              <a:tabLst/>
+              <a:defRPr/>
+            </a:pPr>
+            <a:endParaRPr kumimoji="0" lang="en-US" altLang="zh-TW" sz="2400" b="0" i="0" u="none" strike="noStrike" kern="1200" cap="none" spc="0" normalizeH="0" baseline="0" noProof="0" dirty="0" smtClean="0">
+              <a:ln>
+                <a:noFill/>
+              </a:ln>
+              <a:solidFill>
+                <a:schemeClr val="tx1"/>
+              </a:solidFill>
+              <a:effectLst/>
+              <a:uLnTx/>
+              <a:uFillTx/>
+              <a:latin typeface="+mn-lt"/>
+              <a:ea typeface="+mn-ea"/>
+              <a:cs typeface="+mn-cs"/>
             </a:endParaRPr>
+          </a:p>
+          <a:p>
+            <a:pPr marL="1200150" marR="0" lvl="1" indent="-457200" algn="l" defTabSz="457200" rtl="0" eaLnBrk="1" fontAlgn="auto" latinLnBrk="0" hangingPunct="1">
+              <a:lnSpc>
+                <a:spcPct val="100000"/>
+              </a:lnSpc>
+              <a:spcBef>
+                <a:spcPct val="20000"/>
+              </a:spcBef>
+              <a:spcAft>
+                <a:spcPts val="0"/>
+              </a:spcAft>
+              <a:buClrTx/>
+              <a:buSzTx/>
+              <a:buFont typeface="Wingdings" pitchFamily="2" charset="2"/>
+              <a:buChar char="l"/>
+              <a:tabLst/>
+              <a:defRPr/>
+            </a:pPr>
+            <a:endParaRPr kumimoji="0" lang="en-US" altLang="zh-TW" sz="2400" b="0" i="0" u="none" strike="noStrike" kern="1200" cap="none" spc="0" normalizeH="0" baseline="0" noProof="0" dirty="0" smtClean="0">
+              <a:ln>
+                <a:noFill/>
+              </a:ln>
+              <a:solidFill>
+                <a:schemeClr val="tx1"/>
+              </a:solidFill>
+              <a:effectLst/>
+              <a:uLnTx/>
+              <a:uFillTx/>
+              <a:latin typeface="Arial"/>
+              <a:ea typeface="+mn-ea"/>
+              <a:cs typeface="+mn-cs"/>
+            </a:endParaRPr>
+          </a:p>
+        </p:txBody>
+      </p:sp>
+      <p:graphicFrame>
+        <p:nvGraphicFramePr>
+          <p:cNvPr id="6" name="物件 5"/>
+          <p:cNvGraphicFramePr>
+            <a:graphicFrameLocks noChangeAspect="1"/>
+          </p:cNvGraphicFramePr>
+          <p:nvPr/>
+        </p:nvGraphicFramePr>
+        <p:xfrm>
+          <a:off x="2265363" y="2430463"/>
+          <a:ext cx="3379787" cy="568325"/>
+        </p:xfrm>
+        <a:graphic>
+          <a:graphicData uri="http://schemas.openxmlformats.org/presentationml/2006/ole">
+            <p:oleObj spid="_x0000_s4098" name="方程式" r:id="rId3" imgW="1257120" imgH="203040" progId="Equation.3">
+              <p:embed/>
+            </p:oleObj>
+          </a:graphicData>
+        </a:graphic>
+      </p:graphicFrame>
+      <p:pic>
+        <p:nvPicPr>
+          <p:cNvPr id="14" name="Picture 2" descr="C:\Users\LiangLeon\Pictures\GARMIN\BinaryClassifier_1.png"/>
+          <p:cNvPicPr>
+            <a:picLocks noChangeAspect="1" noChangeArrowheads="1"/>
+          </p:cNvPicPr>
+          <p:nvPr/>
+        </p:nvPicPr>
+        <p:blipFill>
+          <a:blip r:embed="rId4"/>
+          <a:srcRect/>
+          <a:stretch>
+            <a:fillRect/>
+          </a:stretch>
+        </p:blipFill>
+        <p:spPr bwMode="auto">
+          <a:xfrm>
+            <a:off x="1954730" y="3377817"/>
+            <a:ext cx="4276040" cy="3187554"/>
+          </a:xfrm>
+          <a:prstGeom prst="rect">
+            <a:avLst/>
+          </a:prstGeom>
+          <a:noFill/>
+        </p:spPr>
+      </p:pic>
+      <p:cxnSp>
+        <p:nvCxnSpPr>
+          <p:cNvPr id="16" name="直線接點 15"/>
+          <p:cNvCxnSpPr/>
+          <p:nvPr/>
+        </p:nvCxnSpPr>
+        <p:spPr>
+          <a:xfrm flipH="1">
+            <a:off x="3412068" y="3488267"/>
+            <a:ext cx="1896532" cy="2895600"/>
+          </a:xfrm>
+          <a:prstGeom prst="line">
+            <a:avLst/>
+          </a:prstGeom>
+        </p:spPr>
+        <p:style>
+          <a:lnRef idx="2">
+            <a:schemeClr val="accent1"/>
+          </a:lnRef>
+          <a:fillRef idx="0">
+            <a:schemeClr val="accent1"/>
+          </a:fillRef>
+          <a:effectRef idx="1">
+            <a:schemeClr val="accent1"/>
+          </a:effectRef>
+          <a:fontRef idx="minor">
+            <a:schemeClr val="tx1"/>
+          </a:fontRef>
+        </p:style>
+      </p:cxnSp>
+      <p:pic>
+        <p:nvPicPr>
+          <p:cNvPr id="4102" name="Picture 6"/>
+          <p:cNvPicPr>
+            <a:picLocks noChangeAspect="1" noChangeArrowheads="1"/>
+          </p:cNvPicPr>
+          <p:nvPr/>
+        </p:nvPicPr>
+        <p:blipFill>
+          <a:blip r:embed="rId5"/>
+          <a:srcRect/>
+          <a:stretch>
+            <a:fillRect/>
+          </a:stretch>
+        </p:blipFill>
+        <p:spPr bwMode="auto">
+          <a:xfrm>
+            <a:off x="6553200" y="3543300"/>
+            <a:ext cx="200025" cy="228600"/>
+          </a:xfrm>
+          <a:prstGeom prst="rect">
+            <a:avLst/>
+          </a:prstGeom>
+          <a:noFill/>
+          <a:ln w="9525">
+            <a:noFill/>
+            <a:miter lim="800000"/>
+            <a:headEnd/>
+            <a:tailEnd/>
+          </a:ln>
+        </p:spPr>
+      </p:pic>
+      <p:pic>
+        <p:nvPicPr>
+          <p:cNvPr id="4103" name="Picture 7"/>
+          <p:cNvPicPr>
+            <a:picLocks noChangeAspect="1" noChangeArrowheads="1"/>
+          </p:cNvPicPr>
+          <p:nvPr/>
+        </p:nvPicPr>
+        <p:blipFill>
+          <a:blip r:embed="rId6"/>
+          <a:srcRect/>
+          <a:stretch>
+            <a:fillRect/>
+          </a:stretch>
+        </p:blipFill>
+        <p:spPr bwMode="auto">
+          <a:xfrm>
+            <a:off x="6553200" y="3897696"/>
+            <a:ext cx="161925" cy="180975"/>
+          </a:xfrm>
+          <a:prstGeom prst="rect">
+            <a:avLst/>
+          </a:prstGeom>
+          <a:noFill/>
+          <a:ln w="9525">
+            <a:noFill/>
+            <a:miter lim="800000"/>
+            <a:headEnd/>
+            <a:tailEnd/>
+          </a:ln>
+        </p:spPr>
+      </p:pic>
+      <p:sp>
+        <p:nvSpPr>
+          <p:cNvPr id="21" name="文字方塊 20"/>
+          <p:cNvSpPr txBox="1"/>
+          <p:nvPr/>
+        </p:nvSpPr>
+        <p:spPr>
+          <a:xfrm>
+            <a:off x="6891867" y="3484031"/>
+            <a:ext cx="447558" cy="369332"/>
+          </a:xfrm>
+          <a:prstGeom prst="rect">
+            <a:avLst/>
+          </a:prstGeom>
+          <a:noFill/>
+        </p:spPr>
+        <p:txBody>
+          <a:bodyPr wrap="none" rtlCol="0">
+            <a:spAutoFit/>
+          </a:bodyPr>
+          <a:lstStyle/>
+          <a:p>
+            <a:r>
+              <a:rPr lang="en-US" altLang="zh-TW" dirty="0" smtClean="0"/>
+              <a:t>+1</a:t>
+            </a:r>
+            <a:endParaRPr lang="zh-TW" altLang="en-US" dirty="0"/>
+          </a:p>
+        </p:txBody>
+      </p:sp>
+      <p:sp>
+        <p:nvSpPr>
+          <p:cNvPr id="22" name="文字方塊 21"/>
+          <p:cNvSpPr txBox="1"/>
+          <p:nvPr/>
+        </p:nvSpPr>
+        <p:spPr>
+          <a:xfrm>
+            <a:off x="6951136" y="3771900"/>
+            <a:ext cx="389850" cy="369332"/>
+          </a:xfrm>
+          <a:prstGeom prst="rect">
+            <a:avLst/>
+          </a:prstGeom>
+          <a:noFill/>
+        </p:spPr>
+        <p:txBody>
+          <a:bodyPr wrap="none" rtlCol="0">
+            <a:spAutoFit/>
+          </a:bodyPr>
+          <a:lstStyle/>
+          <a:p>
+            <a:r>
+              <a:rPr lang="en-US" altLang="zh-TW" dirty="0" smtClean="0"/>
+              <a:t>-</a:t>
+            </a:r>
+            <a:r>
+              <a:rPr lang="en-US" altLang="zh-TW" dirty="0" smtClean="0"/>
+              <a:t>1</a:t>
+            </a:r>
+            <a:endParaRPr lang="zh-TW" altLang="en-US" dirty="0"/>
           </a:p>
         </p:txBody>
       </p:sp>
     </p:spTree>
     <p:extLst>
       <p:ext uri="{BB962C8B-B14F-4D97-AF65-F5344CB8AC3E}">
-        <p14:creationId xmlns:p14="http://schemas.microsoft.com/office/powerpoint/2010/main" val="3427152478"/>
+        <p14:creationId xmlns:p14="http://schemas.microsoft.com/office/powerpoint/2010/main" xmlns="" val="3040030372"/>
       </p:ext>
     </p:extLst>
   </p:cSld>
@@ -8105,6 +8314,64 @@
       </p:grpSpPr>
       <p:sp>
         <p:nvSpPr>
+          <p:cNvPr id="3" name="Content Placeholder 2"/>
+          <p:cNvSpPr>
+            <a:spLocks noGrp="1"/>
+          </p:cNvSpPr>
+          <p:nvPr>
+            <p:ph idx="1"/>
+          </p:nvPr>
+        </p:nvSpPr>
+        <p:spPr>
+          <a:xfrm>
+            <a:off x="228600" y="986319"/>
+            <a:ext cx="8689622" cy="1255728"/>
+          </a:xfrm>
+        </p:spPr>
+        <p:txBody>
+          <a:bodyPr/>
+          <a:lstStyle/>
+          <a:p>
+            <a:pPr marL="1200150" lvl="1" indent="-457200">
+              <a:buFont typeface="Wingdings" pitchFamily="2" charset="2"/>
+              <a:buChar char="l"/>
+            </a:pPr>
+            <a:r>
+              <a:rPr lang="en-US" altLang="zh-TW" sz="2400" dirty="0" smtClean="0"/>
+              <a:t>As known as base classifier </a:t>
+            </a:r>
+            <a:endParaRPr lang="en-US" altLang="zh-TW" sz="2400" dirty="0" smtClean="0">
+              <a:latin typeface="Arial"/>
+            </a:endParaRPr>
+          </a:p>
+          <a:p>
+            <a:pPr marL="1200150" lvl="1" indent="-457200">
+              <a:buFont typeface="Wingdings" pitchFamily="2" charset="2"/>
+              <a:buChar char="l"/>
+            </a:pPr>
+            <a:r>
+              <a:rPr lang="en-US" altLang="zh-TW" sz="2400" dirty="0" smtClean="0">
+                <a:latin typeface="Arial"/>
+              </a:rPr>
+              <a:t>Fast computation</a:t>
+            </a:r>
+          </a:p>
+          <a:p>
+            <a:pPr marL="1200150" lvl="1" indent="-457200">
+              <a:buFont typeface="Wingdings" pitchFamily="2" charset="2"/>
+              <a:buChar char="l"/>
+            </a:pPr>
+            <a:r>
+              <a:rPr lang="en-US" altLang="zh-TW" sz="2400" dirty="0" smtClean="0">
+                <a:latin typeface="Arial"/>
+              </a:rPr>
+              <a:t>Error rate is better than random guessing</a:t>
+            </a:r>
+          </a:p>
+        </p:txBody>
+      </p:sp>
+      <p:sp>
+        <p:nvSpPr>
           <p:cNvPr id="4" name="Title 3"/>
           <p:cNvSpPr>
             <a:spLocks noGrp="1"/>
@@ -8116,23 +8383,33 @@
         <p:spPr>
           <a:xfrm>
             <a:off x="228600" y="228600"/>
-            <a:ext cx="7694414" cy="553998"/>
+            <a:ext cx="2749727" cy="492443"/>
           </a:xfrm>
         </p:spPr>
         <p:txBody>
           <a:bodyPr/>
           <a:lstStyle/>
           <a:p>
-            <a:r>
-              <a:rPr lang="en-US" altLang="zh-TW" dirty="0" smtClean="0">
+            <a:pPr marL="342900" indent="-342900"/>
+            <a:r>
+              <a:rPr lang="en-US" altLang="zh-TW" sz="3200" dirty="0" smtClean="0">
                 <a:solidFill>
                   <a:schemeClr val="tx1"/>
                 </a:solidFill>
                 <a:latin typeface="+mj-lt"/>
               </a:rPr>
-              <a:t>Garmin product development process</a:t>
-            </a:r>
-            <a:endParaRPr lang="en-US" sz="2400" b="0" dirty="0">
+              <a:t>Weak </a:t>
+            </a:r>
+            <a:r>
+              <a:rPr lang="en-US" altLang="zh-TW" sz="3200" dirty="0" smtClean="0">
+                <a:solidFill>
+                  <a:schemeClr val="tx1"/>
+                </a:solidFill>
+                <a:latin typeface="+mj-lt"/>
+              </a:rPr>
+              <a:t>classifier</a:t>
+            </a:r>
+            <a:endParaRPr lang="en-US" altLang="zh-TW" sz="3200" dirty="0">
               <a:solidFill>
                 <a:schemeClr val="tx1"/>
               </a:solidFill>
@@ -8141,1013 +8418,484 @@
           </a:p>
         </p:txBody>
       </p:sp>
+      <p:cxnSp>
+        <p:nvCxnSpPr>
+          <p:cNvPr id="6" name="直線接點 5"/>
+          <p:cNvCxnSpPr/>
+          <p:nvPr/>
+        </p:nvCxnSpPr>
+        <p:spPr>
+          <a:xfrm>
+            <a:off x="1481667" y="4250278"/>
+            <a:ext cx="5892800" cy="0"/>
+          </a:xfrm>
+          <a:prstGeom prst="line">
+            <a:avLst/>
+          </a:prstGeom>
+          <a:ln w="38100"/>
+        </p:spPr>
+        <p:style>
+          <a:lnRef idx="2">
+            <a:schemeClr val="accent1"/>
+          </a:lnRef>
+          <a:fillRef idx="0">
+            <a:schemeClr val="accent1"/>
+          </a:fillRef>
+          <a:effectRef idx="1">
+            <a:schemeClr val="accent1"/>
+          </a:effectRef>
+          <a:fontRef idx="minor">
+            <a:schemeClr val="tx1"/>
+          </a:fontRef>
+        </p:style>
+      </p:cxnSp>
+      <p:cxnSp>
+        <p:nvCxnSpPr>
+          <p:cNvPr id="8" name="直線接點 7"/>
+          <p:cNvCxnSpPr/>
+          <p:nvPr/>
+        </p:nvCxnSpPr>
+        <p:spPr>
+          <a:xfrm flipV="1">
+            <a:off x="1498595" y="3987806"/>
+            <a:ext cx="0" cy="287867"/>
+          </a:xfrm>
+          <a:prstGeom prst="line">
+            <a:avLst/>
+          </a:prstGeom>
+          <a:ln w="38100"/>
+        </p:spPr>
+        <p:style>
+          <a:lnRef idx="2">
+            <a:schemeClr val="accent1"/>
+          </a:lnRef>
+          <a:fillRef idx="0">
+            <a:schemeClr val="accent1"/>
+          </a:fillRef>
+          <a:effectRef idx="1">
+            <a:schemeClr val="accent1"/>
+          </a:effectRef>
+          <a:fontRef idx="minor">
+            <a:schemeClr val="tx1"/>
+          </a:fontRef>
+        </p:style>
+      </p:cxnSp>
+      <p:cxnSp>
+        <p:nvCxnSpPr>
+          <p:cNvPr id="11" name="直線接點 10"/>
+          <p:cNvCxnSpPr/>
+          <p:nvPr/>
+        </p:nvCxnSpPr>
+        <p:spPr>
+          <a:xfrm flipV="1">
+            <a:off x="7374467" y="3987805"/>
+            <a:ext cx="0" cy="287867"/>
+          </a:xfrm>
+          <a:prstGeom prst="line">
+            <a:avLst/>
+          </a:prstGeom>
+          <a:ln w="38100"/>
+        </p:spPr>
+        <p:style>
+          <a:lnRef idx="2">
+            <a:schemeClr val="accent1"/>
+          </a:lnRef>
+          <a:fillRef idx="0">
+            <a:schemeClr val="accent1"/>
+          </a:fillRef>
+          <a:effectRef idx="1">
+            <a:schemeClr val="accent1"/>
+          </a:effectRef>
+          <a:fontRef idx="minor">
+            <a:schemeClr val="tx1"/>
+          </a:fontRef>
+        </p:style>
+      </p:cxnSp>
+      <p:cxnSp>
+        <p:nvCxnSpPr>
+          <p:cNvPr id="12" name="直線接點 11"/>
+          <p:cNvCxnSpPr/>
+          <p:nvPr/>
+        </p:nvCxnSpPr>
+        <p:spPr>
+          <a:xfrm flipV="1">
+            <a:off x="4368800" y="3970871"/>
+            <a:ext cx="0" cy="287867"/>
+          </a:xfrm>
+          <a:prstGeom prst="line">
+            <a:avLst/>
+          </a:prstGeom>
+          <a:ln w="38100"/>
+        </p:spPr>
+        <p:style>
+          <a:lnRef idx="2">
+            <a:schemeClr val="accent1"/>
+          </a:lnRef>
+          <a:fillRef idx="0">
+            <a:schemeClr val="accent1"/>
+          </a:fillRef>
+          <a:effectRef idx="1">
+            <a:schemeClr val="accent1"/>
+          </a:effectRef>
+          <a:fontRef idx="minor">
+            <a:schemeClr val="tx1"/>
+          </a:fontRef>
+        </p:style>
+      </p:cxnSp>
       <p:sp>
         <p:nvSpPr>
-          <p:cNvPr id="2" name="Slide Number Placeholder 1"/>
-          <p:cNvSpPr>
-            <a:spLocks noGrp="1"/>
-          </p:cNvSpPr>
-          <p:nvPr>
-            <p:ph type="sldNum" sz="quarter" idx="10"/>
-          </p:nvPr>
+          <p:cNvPr id="13" name="文字方塊 12"/>
+          <p:cNvSpPr txBox="1"/>
+          <p:nvPr/>
         </p:nvSpPr>
-        <p:spPr/>
+        <p:spPr>
+          <a:xfrm>
+            <a:off x="1342142" y="4285745"/>
+            <a:ext cx="312906" cy="369332"/>
+          </a:xfrm>
+          <a:prstGeom prst="rect">
+            <a:avLst/>
+          </a:prstGeom>
+          <a:noFill/>
+        </p:spPr>
         <p:txBody>
-          <a:bodyPr/>
+          <a:bodyPr wrap="none" rtlCol="0">
+            <a:spAutoFit/>
+          </a:bodyPr>
           <a:lstStyle/>
           <a:p>
-            <a:fld id="{F52E3F39-0206-E343-A815-B0E9B8087364}" type="slidenum">
-              <a:rPr lang="en-US" smtClean="0">
-                <a:latin typeface="+mj-lt"/>
-              </a:rPr>
-              <a:pPr/>
-              <a:t>23</a:t>
-            </a:fld>
-            <a:endParaRPr lang="en-US" dirty="0">
-              <a:latin typeface="+mj-lt"/>
-            </a:endParaRPr>
+            <a:r>
+              <a:rPr lang="en-US" altLang="zh-TW" dirty="0" smtClean="0"/>
+              <a:t>0</a:t>
+            </a:r>
+            <a:endParaRPr lang="zh-TW" altLang="en-US" dirty="0"/>
           </a:p>
         </p:txBody>
       </p:sp>
-      <p:grpSp>
-        <p:nvGrpSpPr>
-          <p:cNvPr id="31" name="群組 30"/>
-          <p:cNvGrpSpPr/>
+      <p:sp>
+        <p:nvSpPr>
+          <p:cNvPr id="14" name="文字方塊 13"/>
+          <p:cNvSpPr txBox="1"/>
           <p:nvPr/>
-        </p:nvGrpSpPr>
-        <p:grpSpPr>
+        </p:nvSpPr>
+        <p:spPr>
           <a:xfrm>
-            <a:off x="64335" y="1279540"/>
-            <a:ext cx="8993655" cy="4816445"/>
-            <a:chOff x="64335" y="802468"/>
-            <a:chExt cx="8993655" cy="4816445"/>
+            <a:off x="7218014" y="4285745"/>
+            <a:ext cx="312906" cy="369332"/>
           </a:xfrm>
-        </p:grpSpPr>
-        <p:sp>
-          <p:nvSpPr>
-            <p:cNvPr id="7" name="矩形 6"/>
-            <p:cNvSpPr/>
-            <p:nvPr/>
-          </p:nvSpPr>
-          <p:spPr>
-            <a:xfrm>
-              <a:off x="64335" y="2610670"/>
-              <a:ext cx="1181373" cy="1152939"/>
-            </a:xfrm>
-            <a:prstGeom prst="rect">
-              <a:avLst/>
-            </a:prstGeom>
-            <a:solidFill>
-              <a:srgbClr val="FFC000"/>
-            </a:solidFill>
-          </p:spPr>
-          <p:style>
-            <a:lnRef idx="1">
-              <a:schemeClr val="accent1"/>
-            </a:lnRef>
-            <a:fillRef idx="3">
-              <a:schemeClr val="accent1"/>
-            </a:fillRef>
-            <a:effectRef idx="2">
-              <a:schemeClr val="accent1"/>
-            </a:effectRef>
-            <a:fontRef idx="minor">
-              <a:schemeClr val="lt1"/>
-            </a:fontRef>
-          </p:style>
-          <p:txBody>
-            <a:bodyPr rtlCol="0" anchor="ctr"/>
-            <a:lstStyle/>
-            <a:p>
-              <a:pPr algn="ctr"/>
-              <a:r>
-                <a:rPr lang="en-US" altLang="zh-TW" dirty="0" smtClean="0">
-                  <a:solidFill>
-                    <a:schemeClr val="tx1"/>
-                  </a:solidFill>
-                </a:rPr>
-                <a:t>Product Concept</a:t>
-              </a:r>
-            </a:p>
-            <a:p>
-              <a:pPr algn="ctr"/>
-              <a:r>
-                <a:rPr lang="en-US" altLang="zh-TW" dirty="0" smtClean="0">
-                  <a:solidFill>
-                    <a:schemeClr val="tx1"/>
-                  </a:solidFill>
-                </a:rPr>
-                <a:t>Approved</a:t>
-              </a:r>
-              <a:endParaRPr lang="zh-TW" altLang="en-US" dirty="0">
+          <a:prstGeom prst="rect">
+            <a:avLst/>
+          </a:prstGeom>
+          <a:noFill/>
+        </p:spPr>
+        <p:txBody>
+          <a:bodyPr wrap="none" rtlCol="0">
+            <a:spAutoFit/>
+          </a:bodyPr>
+          <a:lstStyle/>
+          <a:p>
+            <a:r>
+              <a:rPr lang="en-US" altLang="zh-TW" dirty="0" smtClean="0"/>
+              <a:t>1</a:t>
+            </a:r>
+            <a:endParaRPr lang="zh-TW" altLang="en-US" dirty="0"/>
+          </a:p>
+        </p:txBody>
+      </p:sp>
+      <p:sp>
+        <p:nvSpPr>
+          <p:cNvPr id="15" name="文字方塊 14"/>
+          <p:cNvSpPr txBox="1"/>
+          <p:nvPr/>
+        </p:nvSpPr>
+        <p:spPr>
+          <a:xfrm>
+            <a:off x="4127677" y="4285745"/>
+            <a:ext cx="505267" cy="369332"/>
+          </a:xfrm>
+          <a:prstGeom prst="rect">
+            <a:avLst/>
+          </a:prstGeom>
+          <a:noFill/>
+        </p:spPr>
+        <p:txBody>
+          <a:bodyPr wrap="none" rtlCol="0">
+            <a:spAutoFit/>
+          </a:bodyPr>
+          <a:lstStyle/>
+          <a:p>
+            <a:r>
+              <a:rPr lang="en-US" altLang="zh-TW" dirty="0" smtClean="0"/>
+              <a:t>1/2</a:t>
+            </a:r>
+            <a:endParaRPr lang="zh-TW" altLang="en-US" dirty="0"/>
+          </a:p>
+        </p:txBody>
+      </p:sp>
+      <p:sp>
+        <p:nvSpPr>
+          <p:cNvPr id="16" name="文字方塊 15"/>
+          <p:cNvSpPr txBox="1"/>
+          <p:nvPr/>
+        </p:nvSpPr>
+        <p:spPr>
+          <a:xfrm>
+            <a:off x="182850" y="3970871"/>
+            <a:ext cx="1159292" cy="369332"/>
+          </a:xfrm>
+          <a:prstGeom prst="rect">
+            <a:avLst/>
+          </a:prstGeom>
+          <a:noFill/>
+        </p:spPr>
+        <p:txBody>
+          <a:bodyPr wrap="none" rtlCol="0">
+            <a:spAutoFit/>
+          </a:bodyPr>
+          <a:lstStyle/>
+          <a:p>
+            <a:r>
+              <a:rPr lang="en-US" altLang="zh-TW" dirty="0" smtClean="0"/>
+              <a:t>Error rate</a:t>
+            </a:r>
+            <a:endParaRPr lang="zh-TW" altLang="en-US" dirty="0"/>
+          </a:p>
+        </p:txBody>
+      </p:sp>
+      <p:sp>
+        <p:nvSpPr>
+          <p:cNvPr id="17" name="左大括弧 16"/>
+          <p:cNvSpPr/>
+          <p:nvPr/>
+        </p:nvSpPr>
+        <p:spPr>
+          <a:xfrm rot="5400000">
+            <a:off x="3846486" y="3358646"/>
+            <a:ext cx="435023" cy="609598"/>
+          </a:xfrm>
+          <a:prstGeom prst="leftBrace">
+            <a:avLst>
+              <a:gd name="adj1" fmla="val 8333"/>
+              <a:gd name="adj2" fmla="val 47118"/>
+            </a:avLst>
+          </a:prstGeom>
+        </p:spPr>
+        <p:style>
+          <a:lnRef idx="2">
+            <a:schemeClr val="accent1"/>
+          </a:lnRef>
+          <a:fillRef idx="0">
+            <a:schemeClr val="accent1"/>
+          </a:fillRef>
+          <a:effectRef idx="1">
+            <a:schemeClr val="accent1"/>
+          </a:effectRef>
+          <a:fontRef idx="minor">
+            <a:schemeClr val="tx1"/>
+          </a:fontRef>
+        </p:style>
+        <p:txBody>
+          <a:bodyPr rtlCol="0" anchor="ctr"/>
+          <a:lstStyle/>
+          <a:p>
+            <a:pPr algn="ctr"/>
+            <a:endParaRPr lang="zh-TW" altLang="en-US"/>
+          </a:p>
+        </p:txBody>
+      </p:sp>
+      <p:sp>
+        <p:nvSpPr>
+          <p:cNvPr id="18" name="Title 3"/>
+          <p:cNvSpPr txBox="1">
+            <a:spLocks/>
+          </p:cNvSpPr>
+          <p:nvPr/>
+        </p:nvSpPr>
+        <p:spPr>
+          <a:xfrm>
+            <a:off x="3258080" y="3076600"/>
+            <a:ext cx="1374864" cy="246221"/>
+          </a:xfrm>
+          <a:prstGeom prst="rect">
+            <a:avLst/>
+          </a:prstGeom>
+        </p:spPr>
+        <p:txBody>
+          <a:bodyPr vert="horz" wrap="none" lIns="0" tIns="0" rIns="0" bIns="0" rtlCol="0" anchor="t" anchorCtr="0">
+            <a:spAutoFit/>
+          </a:bodyPr>
+          <a:lstStyle/>
+          <a:p>
+            <a:pPr marL="342900" marR="0" lvl="0" indent="-342900" algn="l" defTabSz="457200" rtl="0" eaLnBrk="1" fontAlgn="auto" latinLnBrk="0" hangingPunct="1">
+              <a:lnSpc>
+                <a:spcPct val="100000"/>
+              </a:lnSpc>
+              <a:spcBef>
+                <a:spcPct val="0"/>
+              </a:spcBef>
+              <a:spcAft>
+                <a:spcPts val="0"/>
+              </a:spcAft>
+              <a:buClrTx/>
+              <a:buSzTx/>
+              <a:buFontTx/>
+              <a:buNone/>
+              <a:tabLst/>
+              <a:defRPr/>
+            </a:pPr>
+            <a:r>
+              <a:rPr kumimoji="0" lang="en-US" altLang="zh-TW" sz="1600" b="0" i="0" u="none" strike="noStrike" kern="1200" cap="none" spc="0" normalizeH="0" baseline="0" noProof="0" dirty="0" smtClean="0">
+                <a:ln>
+                  <a:noFill/>
+                </a:ln>
                 <a:solidFill>
                   <a:schemeClr val="tx1"/>
                 </a:solidFill>
-              </a:endParaRPr>
-            </a:p>
-          </p:txBody>
-        </p:sp>
-        <p:sp>
-          <p:nvSpPr>
-            <p:cNvPr id="8" name="矩形 7"/>
-            <p:cNvSpPr/>
-            <p:nvPr/>
-          </p:nvSpPr>
-          <p:spPr>
-            <a:xfrm>
-              <a:off x="1594943" y="2617298"/>
-              <a:ext cx="1572334" cy="1152939"/>
-            </a:xfrm>
-            <a:prstGeom prst="rect">
-              <a:avLst/>
-            </a:prstGeom>
-            <a:solidFill>
-              <a:srgbClr val="FFC000"/>
-            </a:solidFill>
-          </p:spPr>
-          <p:style>
-            <a:lnRef idx="1">
-              <a:schemeClr val="accent1"/>
-            </a:lnRef>
-            <a:fillRef idx="3">
-              <a:schemeClr val="accent1"/>
-            </a:fillRef>
-            <a:effectRef idx="2">
-              <a:schemeClr val="accent1"/>
-            </a:effectRef>
-            <a:fontRef idx="minor">
-              <a:schemeClr val="lt1"/>
-            </a:fontRef>
-          </p:style>
-          <p:txBody>
-            <a:bodyPr rtlCol="0" anchor="ctr"/>
-            <a:lstStyle/>
-            <a:p>
-              <a:pPr algn="ctr"/>
-              <a:r>
-                <a:rPr lang="en-US" altLang="zh-TW" dirty="0" smtClean="0">
-                  <a:solidFill>
-                    <a:schemeClr val="tx1"/>
-                  </a:solidFill>
-                </a:rPr>
-                <a:t>Product</a:t>
-              </a:r>
-            </a:p>
-            <a:p>
-              <a:pPr algn="ctr"/>
-              <a:r>
-                <a:rPr lang="en-US" altLang="zh-TW" dirty="0" smtClean="0">
-                  <a:solidFill>
-                    <a:schemeClr val="tx1"/>
-                  </a:solidFill>
-                </a:rPr>
-                <a:t>Development</a:t>
-              </a:r>
-            </a:p>
-            <a:p>
-              <a:pPr algn="ctr"/>
-              <a:r>
-                <a:rPr lang="en-US" altLang="zh-TW" dirty="0" smtClean="0">
-                  <a:solidFill>
-                    <a:schemeClr val="tx1"/>
-                  </a:solidFill>
-                </a:rPr>
-                <a:t>Plan</a:t>
-              </a:r>
-            </a:p>
-            <a:p>
-              <a:pPr algn="ctr"/>
-              <a:r>
-                <a:rPr lang="en-US" altLang="zh-TW" dirty="0" smtClean="0">
-                  <a:solidFill>
-                    <a:schemeClr val="tx1"/>
-                  </a:solidFill>
-                </a:rPr>
-                <a:t>Approved</a:t>
-              </a:r>
-              <a:endParaRPr lang="zh-TW" altLang="en-US" dirty="0">
+                <a:effectLst/>
+                <a:uLnTx/>
+                <a:uFillTx/>
+                <a:latin typeface="+mj-lt"/>
+                <a:ea typeface="+mj-ea"/>
+                <a:cs typeface="+mj-cs"/>
+              </a:rPr>
+              <a:t>Weak classifier</a:t>
+            </a:r>
+            <a:endParaRPr kumimoji="0" lang="en-US" altLang="zh-TW" sz="1600" b="0" i="0" u="none" strike="noStrike" kern="1200" cap="none" spc="0" normalizeH="0" baseline="0" noProof="0" dirty="0">
+              <a:ln>
+                <a:noFill/>
+              </a:ln>
+              <a:solidFill>
+                <a:schemeClr val="tx1"/>
+              </a:solidFill>
+              <a:effectLst/>
+              <a:uLnTx/>
+              <a:uFillTx/>
+              <a:latin typeface="+mj-lt"/>
+              <a:ea typeface="+mj-ea"/>
+              <a:cs typeface="+mj-cs"/>
+            </a:endParaRPr>
+          </a:p>
+        </p:txBody>
+      </p:sp>
+      <p:sp>
+        <p:nvSpPr>
+          <p:cNvPr id="19" name="左大括弧 18"/>
+          <p:cNvSpPr/>
+          <p:nvPr/>
+        </p:nvSpPr>
+        <p:spPr>
+          <a:xfrm rot="5400000">
+            <a:off x="1645063" y="3307839"/>
+            <a:ext cx="435023" cy="728133"/>
+          </a:xfrm>
+          <a:prstGeom prst="leftBrace">
+            <a:avLst>
+              <a:gd name="adj1" fmla="val 8333"/>
+              <a:gd name="adj2" fmla="val 47118"/>
+            </a:avLst>
+          </a:prstGeom>
+        </p:spPr>
+        <p:style>
+          <a:lnRef idx="2">
+            <a:schemeClr val="accent1"/>
+          </a:lnRef>
+          <a:fillRef idx="0">
+            <a:schemeClr val="accent1"/>
+          </a:fillRef>
+          <a:effectRef idx="1">
+            <a:schemeClr val="accent1"/>
+          </a:effectRef>
+          <a:fontRef idx="minor">
+            <a:schemeClr val="tx1"/>
+          </a:fontRef>
+        </p:style>
+        <p:txBody>
+          <a:bodyPr rtlCol="0" anchor="ctr"/>
+          <a:lstStyle/>
+          <a:p>
+            <a:pPr algn="ctr"/>
+            <a:endParaRPr lang="zh-TW" altLang="en-US"/>
+          </a:p>
+        </p:txBody>
+      </p:sp>
+      <p:sp>
+        <p:nvSpPr>
+          <p:cNvPr id="20" name="Title 3"/>
+          <p:cNvSpPr txBox="1">
+            <a:spLocks/>
+          </p:cNvSpPr>
+          <p:nvPr/>
+        </p:nvSpPr>
+        <p:spPr>
+          <a:xfrm>
+            <a:off x="1115923" y="3085061"/>
+            <a:ext cx="1458733" cy="246221"/>
+          </a:xfrm>
+          <a:prstGeom prst="rect">
+            <a:avLst/>
+          </a:prstGeom>
+        </p:spPr>
+        <p:txBody>
+          <a:bodyPr vert="horz" wrap="none" lIns="0" tIns="0" rIns="0" bIns="0" rtlCol="0" anchor="t" anchorCtr="0">
+            <a:spAutoFit/>
+          </a:bodyPr>
+          <a:lstStyle/>
+          <a:p>
+            <a:pPr marL="342900" marR="0" lvl="0" indent="-342900" algn="l" defTabSz="457200" rtl="0" eaLnBrk="1" fontAlgn="auto" latinLnBrk="0" hangingPunct="1">
+              <a:lnSpc>
+                <a:spcPct val="100000"/>
+              </a:lnSpc>
+              <a:spcBef>
+                <a:spcPct val="0"/>
+              </a:spcBef>
+              <a:spcAft>
+                <a:spcPts val="0"/>
+              </a:spcAft>
+              <a:buClrTx/>
+              <a:buSzTx/>
+              <a:buFontTx/>
+              <a:buNone/>
+              <a:tabLst/>
+              <a:defRPr/>
+            </a:pPr>
+            <a:r>
+              <a:rPr kumimoji="0" lang="en-US" altLang="zh-TW" sz="1600" b="0" i="0" u="none" strike="noStrike" kern="1200" cap="none" spc="0" normalizeH="0" baseline="0" noProof="0" dirty="0" smtClean="0">
+                <a:ln>
+                  <a:noFill/>
+                </a:ln>
                 <a:solidFill>
                   <a:schemeClr val="tx1"/>
                 </a:solidFill>
-              </a:endParaRPr>
-            </a:p>
-          </p:txBody>
-        </p:sp>
-        <p:sp>
-          <p:nvSpPr>
-            <p:cNvPr id="9" name="矩形 8"/>
-            <p:cNvSpPr/>
-            <p:nvPr/>
-          </p:nvSpPr>
-          <p:spPr>
-            <a:xfrm>
-              <a:off x="3545953" y="2617298"/>
-              <a:ext cx="1012796" cy="1152939"/>
-            </a:xfrm>
-            <a:prstGeom prst="rect">
-              <a:avLst/>
-            </a:prstGeom>
-            <a:solidFill>
-              <a:schemeClr val="accent1">
-                <a:lumMod val="60000"/>
-                <a:lumOff val="40000"/>
-              </a:schemeClr>
-            </a:solidFill>
-          </p:spPr>
-          <p:style>
-            <a:lnRef idx="1">
-              <a:schemeClr val="accent1"/>
-            </a:lnRef>
-            <a:fillRef idx="3">
-              <a:schemeClr val="accent1"/>
-            </a:fillRef>
-            <a:effectRef idx="2">
-              <a:schemeClr val="accent1"/>
-            </a:effectRef>
-            <a:fontRef idx="minor">
-              <a:schemeClr val="lt1"/>
-            </a:fontRef>
-          </p:style>
-          <p:txBody>
-            <a:bodyPr rtlCol="0" anchor="ctr"/>
-            <a:lstStyle/>
-            <a:p>
-              <a:pPr algn="ctr"/>
-              <a:r>
-                <a:rPr lang="en-US" altLang="zh-TW" dirty="0" smtClean="0">
-                  <a:solidFill>
-                    <a:schemeClr val="tx1"/>
-                  </a:solidFill>
-                </a:rPr>
-                <a:t>Top</a:t>
-              </a:r>
-            </a:p>
-            <a:p>
-              <a:pPr algn="ctr"/>
-              <a:r>
-                <a:rPr lang="en-US" altLang="zh-TW" dirty="0" smtClean="0">
-                  <a:solidFill>
-                    <a:schemeClr val="tx1"/>
-                  </a:solidFill>
-                </a:rPr>
-                <a:t>Level</a:t>
-              </a:r>
-            </a:p>
-            <a:p>
-              <a:pPr algn="ctr"/>
-              <a:r>
-                <a:rPr lang="en-US" altLang="zh-TW" dirty="0" smtClean="0">
-                  <a:solidFill>
-                    <a:schemeClr val="tx1"/>
-                  </a:solidFill>
-                </a:rPr>
-                <a:t>Design</a:t>
-              </a:r>
-              <a:endParaRPr lang="zh-TW" altLang="en-US" dirty="0">
-                <a:solidFill>
-                  <a:schemeClr val="tx1"/>
-                </a:solidFill>
-              </a:endParaRPr>
-            </a:p>
-          </p:txBody>
-        </p:sp>
-        <p:sp>
-          <p:nvSpPr>
-            <p:cNvPr id="10" name="矩形 9"/>
-            <p:cNvSpPr/>
-            <p:nvPr/>
-          </p:nvSpPr>
-          <p:spPr>
-            <a:xfrm>
-              <a:off x="4921268" y="2617297"/>
-              <a:ext cx="909691" cy="1152939"/>
-            </a:xfrm>
-            <a:prstGeom prst="rect">
-              <a:avLst/>
-            </a:prstGeom>
-            <a:solidFill>
-              <a:schemeClr val="accent1">
-                <a:lumMod val="60000"/>
-                <a:lumOff val="40000"/>
-              </a:schemeClr>
-            </a:solidFill>
-          </p:spPr>
-          <p:style>
-            <a:lnRef idx="1">
-              <a:schemeClr val="accent1"/>
-            </a:lnRef>
-            <a:fillRef idx="3">
-              <a:schemeClr val="accent1"/>
-            </a:fillRef>
-            <a:effectRef idx="2">
-              <a:schemeClr val="accent1"/>
-            </a:effectRef>
-            <a:fontRef idx="minor">
-              <a:schemeClr val="lt1"/>
-            </a:fontRef>
-          </p:style>
-          <p:txBody>
-            <a:bodyPr rtlCol="0" anchor="ctr"/>
-            <a:lstStyle/>
-            <a:p>
-              <a:pPr algn="ctr"/>
-              <a:r>
-                <a:rPr lang="en-US" altLang="zh-TW" dirty="0" smtClean="0">
-                  <a:solidFill>
-                    <a:schemeClr val="tx1"/>
-                  </a:solidFill>
-                </a:rPr>
-                <a:t>Detail</a:t>
-              </a:r>
-            </a:p>
-            <a:p>
-              <a:pPr algn="ctr"/>
-              <a:r>
-                <a:rPr lang="en-US" altLang="zh-TW" dirty="0" smtClean="0">
-                  <a:solidFill>
-                    <a:schemeClr val="tx1"/>
-                  </a:solidFill>
-                </a:rPr>
-                <a:t>Design</a:t>
-              </a:r>
-              <a:endParaRPr lang="zh-TW" altLang="en-US" dirty="0">
-                <a:solidFill>
-                  <a:schemeClr val="tx1"/>
-                </a:solidFill>
-              </a:endParaRPr>
-            </a:p>
-          </p:txBody>
-        </p:sp>
-        <p:sp>
-          <p:nvSpPr>
-            <p:cNvPr id="11" name="矩形 10"/>
-            <p:cNvSpPr/>
-            <p:nvPr/>
-          </p:nvSpPr>
-          <p:spPr>
-            <a:xfrm>
-              <a:off x="6219985" y="2630548"/>
-              <a:ext cx="1254247" cy="1152939"/>
-            </a:xfrm>
-            <a:prstGeom prst="rect">
-              <a:avLst/>
-            </a:prstGeom>
-            <a:solidFill>
-              <a:schemeClr val="accent1">
-                <a:lumMod val="60000"/>
-                <a:lumOff val="40000"/>
-              </a:schemeClr>
-            </a:solidFill>
-          </p:spPr>
-          <p:style>
-            <a:lnRef idx="1">
-              <a:schemeClr val="accent1"/>
-            </a:lnRef>
-            <a:fillRef idx="3">
-              <a:schemeClr val="accent1"/>
-            </a:fillRef>
-            <a:effectRef idx="2">
-              <a:schemeClr val="accent1"/>
-            </a:effectRef>
-            <a:fontRef idx="minor">
-              <a:schemeClr val="lt1"/>
-            </a:fontRef>
-          </p:style>
-          <p:txBody>
-            <a:bodyPr rtlCol="0" anchor="ctr"/>
-            <a:lstStyle/>
-            <a:p>
-              <a:pPr algn="ctr"/>
-              <a:r>
-                <a:rPr lang="en-US" altLang="zh-TW" dirty="0" smtClean="0">
-                  <a:solidFill>
-                    <a:schemeClr val="tx1"/>
-                  </a:solidFill>
-                </a:rPr>
-                <a:t>Factory</a:t>
-              </a:r>
-            </a:p>
-            <a:p>
-              <a:pPr algn="ctr"/>
-              <a:r>
-                <a:rPr lang="en-US" altLang="zh-TW" dirty="0" smtClean="0">
-                  <a:solidFill>
-                    <a:schemeClr val="tx1"/>
-                  </a:solidFill>
-                </a:rPr>
-                <a:t>Prototype</a:t>
-              </a:r>
-              <a:endParaRPr lang="zh-TW" altLang="en-US" dirty="0">
-                <a:solidFill>
-                  <a:schemeClr val="tx1"/>
-                </a:solidFill>
-              </a:endParaRPr>
-            </a:p>
-          </p:txBody>
-        </p:sp>
-        <p:sp>
-          <p:nvSpPr>
-            <p:cNvPr id="12" name="矩形 11"/>
-            <p:cNvSpPr/>
-            <p:nvPr/>
-          </p:nvSpPr>
-          <p:spPr>
-            <a:xfrm>
-              <a:off x="7849505" y="2630548"/>
-              <a:ext cx="909691" cy="1152939"/>
-            </a:xfrm>
-            <a:prstGeom prst="rect">
-              <a:avLst/>
-            </a:prstGeom>
-            <a:solidFill>
-              <a:schemeClr val="accent1">
-                <a:lumMod val="60000"/>
-                <a:lumOff val="40000"/>
-              </a:schemeClr>
-            </a:solidFill>
-          </p:spPr>
-          <p:style>
-            <a:lnRef idx="1">
-              <a:schemeClr val="accent1"/>
-            </a:lnRef>
-            <a:fillRef idx="3">
-              <a:schemeClr val="accent1"/>
-            </a:fillRef>
-            <a:effectRef idx="2">
-              <a:schemeClr val="accent1"/>
-            </a:effectRef>
-            <a:fontRef idx="minor">
-              <a:schemeClr val="lt1"/>
-            </a:fontRef>
-          </p:style>
-          <p:txBody>
-            <a:bodyPr rtlCol="0" anchor="ctr"/>
-            <a:lstStyle/>
-            <a:p>
-              <a:pPr algn="ctr"/>
-              <a:r>
-                <a:rPr lang="en-US" altLang="zh-TW" dirty="0" smtClean="0">
-                  <a:solidFill>
-                    <a:schemeClr val="tx1"/>
-                  </a:solidFill>
-                </a:rPr>
-                <a:t>Pilot</a:t>
-              </a:r>
-            </a:p>
-            <a:p>
-              <a:pPr algn="ctr"/>
-              <a:r>
-                <a:rPr lang="en-US" altLang="zh-TW" dirty="0" smtClean="0">
-                  <a:solidFill>
-                    <a:schemeClr val="tx1"/>
-                  </a:solidFill>
-                </a:rPr>
-                <a:t>Run</a:t>
-              </a:r>
-              <a:endParaRPr lang="zh-TW" altLang="en-US" dirty="0">
-                <a:solidFill>
-                  <a:schemeClr val="tx1"/>
-                </a:solidFill>
-              </a:endParaRPr>
-            </a:p>
-          </p:txBody>
-        </p:sp>
-        <p:sp>
-          <p:nvSpPr>
-            <p:cNvPr id="13" name="矩形 12"/>
-            <p:cNvSpPr/>
-            <p:nvPr/>
-          </p:nvSpPr>
-          <p:spPr>
-            <a:xfrm>
-              <a:off x="7566988" y="4465974"/>
-              <a:ext cx="1491002" cy="1152939"/>
-            </a:xfrm>
-            <a:prstGeom prst="rect">
-              <a:avLst/>
-            </a:prstGeom>
-            <a:solidFill>
-              <a:schemeClr val="accent1">
-                <a:lumMod val="60000"/>
-                <a:lumOff val="40000"/>
-              </a:schemeClr>
-            </a:solidFill>
-          </p:spPr>
-          <p:style>
-            <a:lnRef idx="1">
-              <a:schemeClr val="accent1"/>
-            </a:lnRef>
-            <a:fillRef idx="3">
-              <a:schemeClr val="accent1"/>
-            </a:fillRef>
-            <a:effectRef idx="2">
-              <a:schemeClr val="accent1"/>
-            </a:effectRef>
-            <a:fontRef idx="minor">
-              <a:schemeClr val="lt1"/>
-            </a:fontRef>
-          </p:style>
-          <p:txBody>
-            <a:bodyPr rtlCol="0" anchor="ctr"/>
-            <a:lstStyle/>
-            <a:p>
-              <a:pPr algn="ctr"/>
-              <a:r>
-                <a:rPr lang="en-US" altLang="zh-TW" dirty="0" smtClean="0">
-                  <a:solidFill>
-                    <a:schemeClr val="tx1"/>
-                  </a:solidFill>
-                </a:rPr>
-                <a:t>Mass</a:t>
-              </a:r>
-            </a:p>
-            <a:p>
-              <a:pPr algn="ctr"/>
-              <a:r>
-                <a:rPr lang="en-US" altLang="zh-TW" dirty="0" smtClean="0">
-                  <a:solidFill>
-                    <a:schemeClr val="tx1"/>
-                  </a:solidFill>
-                </a:rPr>
-                <a:t>Production</a:t>
-              </a:r>
-              <a:endParaRPr lang="zh-TW" altLang="en-US" dirty="0">
-                <a:solidFill>
-                  <a:schemeClr val="tx1"/>
-                </a:solidFill>
-              </a:endParaRPr>
-            </a:p>
-          </p:txBody>
-        </p:sp>
-        <p:sp>
-          <p:nvSpPr>
-            <p:cNvPr id="21" name="矩形 20"/>
-            <p:cNvSpPr/>
-            <p:nvPr/>
-          </p:nvSpPr>
-          <p:spPr>
-            <a:xfrm>
-              <a:off x="7651333" y="802468"/>
-              <a:ext cx="1181373" cy="1152939"/>
-            </a:xfrm>
-            <a:prstGeom prst="rect">
-              <a:avLst/>
-            </a:prstGeom>
-            <a:solidFill>
-              <a:srgbClr val="FFC000"/>
-            </a:solidFill>
-          </p:spPr>
-          <p:style>
-            <a:lnRef idx="1">
-              <a:schemeClr val="accent1"/>
-            </a:lnRef>
-            <a:fillRef idx="3">
-              <a:schemeClr val="accent1"/>
-            </a:fillRef>
-            <a:effectRef idx="2">
-              <a:schemeClr val="accent1"/>
-            </a:effectRef>
-            <a:fontRef idx="minor">
-              <a:schemeClr val="lt1"/>
-            </a:fontRef>
-          </p:style>
-          <p:txBody>
-            <a:bodyPr rtlCol="0" anchor="ctr"/>
-            <a:lstStyle/>
-            <a:p>
-              <a:pPr algn="ctr"/>
-              <a:r>
-                <a:rPr lang="en-US" altLang="zh-TW" dirty="0" smtClean="0">
-                  <a:solidFill>
-                    <a:schemeClr val="tx1"/>
-                  </a:solidFill>
-                </a:rPr>
-                <a:t>FRM 107</a:t>
-              </a:r>
-            </a:p>
-            <a:p>
-              <a:pPr algn="ctr"/>
-              <a:r>
-                <a:rPr lang="en-US" altLang="zh-TW" dirty="0" smtClean="0">
-                  <a:solidFill>
-                    <a:schemeClr val="tx1"/>
-                  </a:solidFill>
-                </a:rPr>
-                <a:t>Approved</a:t>
-              </a:r>
-              <a:endParaRPr lang="zh-TW" altLang="en-US" dirty="0">
-                <a:solidFill>
-                  <a:schemeClr val="tx1"/>
-                </a:solidFill>
-              </a:endParaRPr>
-            </a:p>
-          </p:txBody>
-        </p:sp>
-        <p:sp>
-          <p:nvSpPr>
-            <p:cNvPr id="22" name="矩形 21"/>
-            <p:cNvSpPr/>
-            <p:nvPr/>
-          </p:nvSpPr>
-          <p:spPr>
-            <a:xfrm>
-              <a:off x="5598076" y="4446088"/>
-              <a:ext cx="1181373" cy="1152939"/>
-            </a:xfrm>
-            <a:prstGeom prst="rect">
-              <a:avLst/>
-            </a:prstGeom>
-            <a:solidFill>
-              <a:srgbClr val="FFC000"/>
-            </a:solidFill>
-          </p:spPr>
-          <p:style>
-            <a:lnRef idx="1">
-              <a:schemeClr val="accent1"/>
-            </a:lnRef>
-            <a:fillRef idx="3">
-              <a:schemeClr val="accent1"/>
-            </a:fillRef>
-            <a:effectRef idx="2">
-              <a:schemeClr val="accent1"/>
-            </a:effectRef>
-            <a:fontRef idx="minor">
-              <a:schemeClr val="lt1"/>
-            </a:fontRef>
-          </p:style>
-          <p:txBody>
-            <a:bodyPr rtlCol="0" anchor="ctr"/>
-            <a:lstStyle/>
-            <a:p>
-              <a:pPr algn="ctr"/>
-              <a:r>
-                <a:rPr lang="en-US" altLang="zh-TW" smtClean="0">
-                  <a:solidFill>
-                    <a:schemeClr val="tx1"/>
-                  </a:solidFill>
-                </a:rPr>
-                <a:t>Ship </a:t>
-              </a:r>
-              <a:r>
-                <a:rPr lang="en-US" altLang="zh-TW" dirty="0" smtClean="0">
-                  <a:solidFill>
-                    <a:schemeClr val="tx1"/>
-                  </a:solidFill>
-                </a:rPr>
-                <a:t>to</a:t>
-              </a:r>
-            </a:p>
-            <a:p>
-              <a:pPr algn="ctr"/>
-              <a:r>
-                <a:rPr lang="en-US" altLang="zh-TW" dirty="0" smtClean="0">
-                  <a:solidFill>
-                    <a:schemeClr val="tx1"/>
-                  </a:solidFill>
-                </a:rPr>
-                <a:t>Customer</a:t>
-              </a:r>
-              <a:endParaRPr lang="zh-TW" altLang="en-US" dirty="0">
-                <a:solidFill>
-                  <a:schemeClr val="tx1"/>
-                </a:solidFill>
-              </a:endParaRPr>
-            </a:p>
-          </p:txBody>
-        </p:sp>
-        <p:sp>
-          <p:nvSpPr>
-            <p:cNvPr id="23" name="向右箭號 22"/>
-            <p:cNvSpPr/>
-            <p:nvPr/>
-          </p:nvSpPr>
-          <p:spPr>
-            <a:xfrm>
-              <a:off x="1245708" y="2981739"/>
-              <a:ext cx="349235" cy="410818"/>
-            </a:xfrm>
-            <a:prstGeom prst="rightArrow">
-              <a:avLst/>
-            </a:prstGeom>
-            <a:solidFill>
-              <a:schemeClr val="tx2"/>
-            </a:solidFill>
-          </p:spPr>
-          <p:style>
-            <a:lnRef idx="1">
-              <a:schemeClr val="accent1"/>
-            </a:lnRef>
-            <a:fillRef idx="3">
-              <a:schemeClr val="accent1"/>
-            </a:fillRef>
-            <a:effectRef idx="2">
-              <a:schemeClr val="accent1"/>
-            </a:effectRef>
-            <a:fontRef idx="minor">
-              <a:schemeClr val="lt1"/>
-            </a:fontRef>
-          </p:style>
-          <p:txBody>
-            <a:bodyPr rtlCol="0" anchor="ctr"/>
-            <a:lstStyle/>
-            <a:p>
-              <a:pPr algn="ctr"/>
-              <a:endParaRPr lang="zh-TW" altLang="en-US"/>
-            </a:p>
-          </p:txBody>
-        </p:sp>
-        <p:sp>
-          <p:nvSpPr>
-            <p:cNvPr id="24" name="向右箭號 23"/>
-            <p:cNvSpPr/>
-            <p:nvPr/>
-          </p:nvSpPr>
-          <p:spPr>
-            <a:xfrm>
-              <a:off x="3187128" y="3054627"/>
-              <a:ext cx="349235" cy="410818"/>
-            </a:xfrm>
-            <a:prstGeom prst="rightArrow">
-              <a:avLst/>
-            </a:prstGeom>
-            <a:solidFill>
-              <a:schemeClr val="tx2"/>
-            </a:solidFill>
-          </p:spPr>
-          <p:style>
-            <a:lnRef idx="1">
-              <a:schemeClr val="accent1"/>
-            </a:lnRef>
-            <a:fillRef idx="3">
-              <a:schemeClr val="accent1"/>
-            </a:fillRef>
-            <a:effectRef idx="2">
-              <a:schemeClr val="accent1"/>
-            </a:effectRef>
-            <a:fontRef idx="minor">
-              <a:schemeClr val="lt1"/>
-            </a:fontRef>
-          </p:style>
-          <p:txBody>
-            <a:bodyPr rtlCol="0" anchor="ctr"/>
-            <a:lstStyle/>
-            <a:p>
-              <a:pPr algn="ctr"/>
-              <a:endParaRPr lang="zh-TW" altLang="en-US"/>
-            </a:p>
-          </p:txBody>
-        </p:sp>
-        <p:sp>
-          <p:nvSpPr>
-            <p:cNvPr id="25" name="向右箭號 24"/>
-            <p:cNvSpPr/>
-            <p:nvPr/>
-          </p:nvSpPr>
-          <p:spPr>
-            <a:xfrm>
-              <a:off x="4572001" y="3107635"/>
-              <a:ext cx="349235" cy="410818"/>
-            </a:xfrm>
-            <a:prstGeom prst="rightArrow">
-              <a:avLst/>
-            </a:prstGeom>
-            <a:solidFill>
-              <a:schemeClr val="tx2"/>
-            </a:solidFill>
-          </p:spPr>
-          <p:style>
-            <a:lnRef idx="1">
-              <a:schemeClr val="accent1"/>
-            </a:lnRef>
-            <a:fillRef idx="3">
-              <a:schemeClr val="accent1"/>
-            </a:fillRef>
-            <a:effectRef idx="2">
-              <a:schemeClr val="accent1"/>
-            </a:effectRef>
-            <a:fontRef idx="minor">
-              <a:schemeClr val="lt1"/>
-            </a:fontRef>
-          </p:style>
-          <p:txBody>
-            <a:bodyPr rtlCol="0" anchor="ctr"/>
-            <a:lstStyle/>
-            <a:p>
-              <a:pPr algn="ctr"/>
-              <a:endParaRPr lang="zh-TW" altLang="en-US"/>
-            </a:p>
-          </p:txBody>
-        </p:sp>
-        <p:sp>
-          <p:nvSpPr>
-            <p:cNvPr id="26" name="向右箭號 25"/>
-            <p:cNvSpPr/>
-            <p:nvPr/>
-          </p:nvSpPr>
-          <p:spPr>
-            <a:xfrm>
-              <a:off x="5839527" y="3120878"/>
-              <a:ext cx="349235" cy="410818"/>
-            </a:xfrm>
-            <a:prstGeom prst="rightArrow">
-              <a:avLst/>
-            </a:prstGeom>
-            <a:solidFill>
-              <a:schemeClr val="tx2"/>
-            </a:solidFill>
-          </p:spPr>
-          <p:style>
-            <a:lnRef idx="1">
-              <a:schemeClr val="accent1"/>
-            </a:lnRef>
-            <a:fillRef idx="3">
-              <a:schemeClr val="accent1"/>
-            </a:fillRef>
-            <a:effectRef idx="2">
-              <a:schemeClr val="accent1"/>
-            </a:effectRef>
-            <a:fontRef idx="minor">
-              <a:schemeClr val="lt1"/>
-            </a:fontRef>
-          </p:style>
-          <p:txBody>
-            <a:bodyPr rtlCol="0" anchor="ctr"/>
-            <a:lstStyle/>
-            <a:p>
-              <a:pPr algn="ctr"/>
-              <a:endParaRPr lang="zh-TW" altLang="en-US"/>
-            </a:p>
-          </p:txBody>
-        </p:sp>
-        <p:sp>
-          <p:nvSpPr>
-            <p:cNvPr id="27" name="向右箭號 26"/>
-            <p:cNvSpPr/>
-            <p:nvPr/>
-          </p:nvSpPr>
-          <p:spPr>
-            <a:xfrm>
-              <a:off x="7474232" y="3107635"/>
-              <a:ext cx="349235" cy="410818"/>
-            </a:xfrm>
-            <a:prstGeom prst="rightArrow">
-              <a:avLst/>
-            </a:prstGeom>
-            <a:solidFill>
-              <a:schemeClr val="tx2"/>
-            </a:solidFill>
-          </p:spPr>
-          <p:style>
-            <a:lnRef idx="1">
-              <a:schemeClr val="accent1"/>
-            </a:lnRef>
-            <a:fillRef idx="3">
-              <a:schemeClr val="accent1"/>
-            </a:fillRef>
-            <a:effectRef idx="2">
-              <a:schemeClr val="accent1"/>
-            </a:effectRef>
-            <a:fontRef idx="minor">
-              <a:schemeClr val="lt1"/>
-            </a:fontRef>
-          </p:style>
-          <p:txBody>
-            <a:bodyPr rtlCol="0" anchor="ctr"/>
-            <a:lstStyle/>
-            <a:p>
-              <a:pPr algn="ctr"/>
-              <a:endParaRPr lang="zh-TW" altLang="en-US"/>
-            </a:p>
-          </p:txBody>
-        </p:sp>
-        <p:sp>
-          <p:nvSpPr>
-            <p:cNvPr id="28" name="向下箭號 27"/>
-            <p:cNvSpPr/>
-            <p:nvPr/>
-          </p:nvSpPr>
-          <p:spPr>
-            <a:xfrm>
-              <a:off x="8087205" y="1955407"/>
-              <a:ext cx="420691" cy="675141"/>
-            </a:xfrm>
-            <a:prstGeom prst="downArrow">
-              <a:avLst/>
-            </a:prstGeom>
-            <a:solidFill>
-              <a:schemeClr val="tx2"/>
-            </a:solidFill>
-          </p:spPr>
-          <p:style>
-            <a:lnRef idx="1">
-              <a:schemeClr val="accent1"/>
-            </a:lnRef>
-            <a:fillRef idx="3">
-              <a:schemeClr val="accent1"/>
-            </a:fillRef>
-            <a:effectRef idx="2">
-              <a:schemeClr val="accent1"/>
-            </a:effectRef>
-            <a:fontRef idx="minor">
-              <a:schemeClr val="lt1"/>
-            </a:fontRef>
-          </p:style>
-          <p:txBody>
-            <a:bodyPr rtlCol="0" anchor="ctr"/>
-            <a:lstStyle/>
-            <a:p>
-              <a:pPr algn="ctr"/>
-              <a:endParaRPr lang="zh-TW" altLang="en-US"/>
-            </a:p>
-          </p:txBody>
-        </p:sp>
-        <p:sp>
-          <p:nvSpPr>
-            <p:cNvPr id="29" name="向下箭號 28"/>
-            <p:cNvSpPr/>
-            <p:nvPr/>
-          </p:nvSpPr>
-          <p:spPr>
-            <a:xfrm>
-              <a:off x="8094004" y="3783487"/>
-              <a:ext cx="420691" cy="675141"/>
-            </a:xfrm>
-            <a:prstGeom prst="downArrow">
-              <a:avLst/>
-            </a:prstGeom>
-            <a:solidFill>
-              <a:schemeClr val="tx2"/>
-            </a:solidFill>
-          </p:spPr>
-          <p:style>
-            <a:lnRef idx="1">
-              <a:schemeClr val="accent1"/>
-            </a:lnRef>
-            <a:fillRef idx="3">
-              <a:schemeClr val="accent1"/>
-            </a:fillRef>
-            <a:effectRef idx="2">
-              <a:schemeClr val="accent1"/>
-            </a:effectRef>
-            <a:fontRef idx="minor">
-              <a:schemeClr val="lt1"/>
-            </a:fontRef>
-          </p:style>
-          <p:txBody>
-            <a:bodyPr rtlCol="0" anchor="ctr"/>
-            <a:lstStyle/>
-            <a:p>
-              <a:pPr algn="ctr"/>
-              <a:endParaRPr lang="zh-TW" altLang="en-US"/>
-            </a:p>
-          </p:txBody>
-        </p:sp>
-        <p:sp>
-          <p:nvSpPr>
-            <p:cNvPr id="30" name="向右箭號 29"/>
-            <p:cNvSpPr/>
-            <p:nvPr/>
-          </p:nvSpPr>
-          <p:spPr>
-            <a:xfrm flipH="1">
-              <a:off x="6779449" y="4837034"/>
-              <a:ext cx="787539" cy="410818"/>
-            </a:xfrm>
-            <a:prstGeom prst="rightArrow">
-              <a:avLst/>
-            </a:prstGeom>
-            <a:solidFill>
-              <a:schemeClr val="tx2"/>
-            </a:solidFill>
-          </p:spPr>
-          <p:style>
-            <a:lnRef idx="1">
-              <a:schemeClr val="accent1"/>
-            </a:lnRef>
-            <a:fillRef idx="3">
-              <a:schemeClr val="accent1"/>
-            </a:fillRef>
-            <a:effectRef idx="2">
-              <a:schemeClr val="accent1"/>
-            </a:effectRef>
-            <a:fontRef idx="minor">
-              <a:schemeClr val="lt1"/>
-            </a:fontRef>
-          </p:style>
-          <p:txBody>
-            <a:bodyPr rtlCol="0" anchor="ctr"/>
-            <a:lstStyle/>
-            <a:p>
-              <a:pPr algn="ctr"/>
-              <a:endParaRPr lang="zh-TW" altLang="en-US"/>
-            </a:p>
-          </p:txBody>
-        </p:sp>
-      </p:grpSp>
+                <a:effectLst/>
+                <a:uLnTx/>
+                <a:uFillTx/>
+                <a:latin typeface="+mj-lt"/>
+                <a:ea typeface="+mj-ea"/>
+                <a:cs typeface="+mj-cs"/>
+              </a:rPr>
+              <a:t>Strong classifier</a:t>
+            </a:r>
+            <a:endParaRPr kumimoji="0" lang="en-US" altLang="zh-TW" sz="1600" b="0" i="0" u="none" strike="noStrike" kern="1200" cap="none" spc="0" normalizeH="0" baseline="0" noProof="0" dirty="0">
+              <a:ln>
+                <a:noFill/>
+              </a:ln>
+              <a:solidFill>
+                <a:schemeClr val="tx1"/>
+              </a:solidFill>
+              <a:effectLst/>
+              <a:uLnTx/>
+              <a:uFillTx/>
+              <a:latin typeface="+mj-lt"/>
+              <a:ea typeface="+mj-ea"/>
+              <a:cs typeface="+mj-cs"/>
+            </a:endParaRPr>
+          </a:p>
+        </p:txBody>
+      </p:sp>
     </p:spTree>
     <p:extLst>
       <p:ext uri="{BB962C8B-B14F-4D97-AF65-F5344CB8AC3E}">
-        <p14:creationId xmlns:p14="http://schemas.microsoft.com/office/powerpoint/2010/main" val="3792208418"/>
+        <p14:creationId xmlns:p14="http://schemas.microsoft.com/office/powerpoint/2010/main" xmlns="" val="3040030372"/>
       </p:ext>
     </p:extLst>
   </p:cSld>
@@ -9183,6 +8931,1061 @@
       </p:grpSpPr>
       <p:sp>
         <p:nvSpPr>
+          <p:cNvPr id="2" name="Slide Number Placeholder 1"/>
+          <p:cNvSpPr>
+            <a:spLocks noGrp="1"/>
+          </p:cNvSpPr>
+          <p:nvPr>
+            <p:ph type="sldNum" sz="quarter" idx="10"/>
+          </p:nvPr>
+        </p:nvSpPr>
+        <p:spPr/>
+        <p:txBody>
+          <a:bodyPr/>
+          <a:lstStyle/>
+          <a:p>
+            <a:fld id="{F52E3F39-0206-E343-A815-B0E9B8087364}" type="slidenum">
+              <a:rPr lang="en-US" smtClean="0">
+                <a:latin typeface="+mj-lt"/>
+              </a:rPr>
+              <a:pPr/>
+              <a:t>24</a:t>
+            </a:fld>
+            <a:endParaRPr lang="en-US" dirty="0">
+              <a:latin typeface="+mj-lt"/>
+            </a:endParaRPr>
+          </a:p>
+        </p:txBody>
+      </p:sp>
+      <p:sp>
+        <p:nvSpPr>
+          <p:cNvPr id="5" name="標題 4"/>
+          <p:cNvSpPr>
+            <a:spLocks noGrp="1"/>
+          </p:cNvSpPr>
+          <p:nvPr>
+            <p:ph type="title"/>
+          </p:nvPr>
+        </p:nvSpPr>
+        <p:spPr>
+          <a:xfrm>
+            <a:off x="228600" y="228600"/>
+            <a:ext cx="4599016" cy="492443"/>
+          </a:xfrm>
+        </p:spPr>
+        <p:txBody>
+          <a:bodyPr/>
+          <a:lstStyle/>
+          <a:p>
+            <a:r>
+              <a:rPr lang="en-US" altLang="zh-TW" sz="3200" dirty="0" smtClean="0">
+                <a:solidFill>
+                  <a:schemeClr val="tx1"/>
+                </a:solidFill>
+                <a:latin typeface="+mj-lt"/>
+              </a:rPr>
+              <a:t>The important of diversity</a:t>
+            </a:r>
+            <a:endParaRPr lang="zh-TW" altLang="en-US" sz="3200" dirty="0" smtClean="0">
+              <a:solidFill>
+                <a:schemeClr val="tx1"/>
+              </a:solidFill>
+              <a:latin typeface="+mj-lt"/>
+            </a:endParaRPr>
+          </a:p>
+        </p:txBody>
+      </p:sp>
+      <p:sp>
+        <p:nvSpPr>
+          <p:cNvPr id="8" name="橢圓 7"/>
+          <p:cNvSpPr/>
+          <p:nvPr/>
+        </p:nvSpPr>
+        <p:spPr>
+          <a:xfrm>
+            <a:off x="514905" y="1524000"/>
+            <a:ext cx="3657600" cy="3395133"/>
+          </a:xfrm>
+          <a:prstGeom prst="ellipse">
+            <a:avLst/>
+          </a:prstGeom>
+          <a:noFill/>
+          <a:ln w="22225">
+            <a:solidFill>
+              <a:schemeClr val="tx2"/>
+            </a:solidFill>
+          </a:ln>
+        </p:spPr>
+        <p:style>
+          <a:lnRef idx="1">
+            <a:schemeClr val="accent1"/>
+          </a:lnRef>
+          <a:fillRef idx="3">
+            <a:schemeClr val="accent1"/>
+          </a:fillRef>
+          <a:effectRef idx="2">
+            <a:schemeClr val="accent1"/>
+          </a:effectRef>
+          <a:fontRef idx="minor">
+            <a:schemeClr val="lt1"/>
+          </a:fontRef>
+        </p:style>
+        <p:txBody>
+          <a:bodyPr rtlCol="0" anchor="ctr"/>
+          <a:lstStyle/>
+          <a:p>
+            <a:pPr algn="ctr"/>
+            <a:endParaRPr lang="zh-TW" altLang="en-US"/>
+          </a:p>
+        </p:txBody>
+      </p:sp>
+      <p:sp>
+        <p:nvSpPr>
+          <p:cNvPr id="9" name="橢圓 8"/>
+          <p:cNvSpPr/>
+          <p:nvPr/>
+        </p:nvSpPr>
+        <p:spPr>
+          <a:xfrm>
+            <a:off x="4936110" y="1524000"/>
+            <a:ext cx="3657600" cy="3395133"/>
+          </a:xfrm>
+          <a:prstGeom prst="ellipse">
+            <a:avLst/>
+          </a:prstGeom>
+          <a:noFill/>
+          <a:ln w="22225">
+            <a:solidFill>
+              <a:schemeClr val="tx2"/>
+            </a:solidFill>
+          </a:ln>
+        </p:spPr>
+        <p:style>
+          <a:lnRef idx="1">
+            <a:schemeClr val="accent1"/>
+          </a:lnRef>
+          <a:fillRef idx="3">
+            <a:schemeClr val="accent1"/>
+          </a:fillRef>
+          <a:effectRef idx="2">
+            <a:schemeClr val="accent1"/>
+          </a:effectRef>
+          <a:fontRef idx="minor">
+            <a:schemeClr val="lt1"/>
+          </a:fontRef>
+        </p:style>
+        <p:txBody>
+          <a:bodyPr rtlCol="0" anchor="ctr"/>
+          <a:lstStyle/>
+          <a:p>
+            <a:pPr algn="ctr"/>
+            <a:endParaRPr lang="zh-TW" altLang="en-US"/>
+          </a:p>
+        </p:txBody>
+      </p:sp>
+      <p:sp>
+        <p:nvSpPr>
+          <p:cNvPr id="12" name="橢圓 11"/>
+          <p:cNvSpPr/>
+          <p:nvPr/>
+        </p:nvSpPr>
+        <p:spPr>
+          <a:xfrm>
+            <a:off x="6426200" y="2353733"/>
+            <a:ext cx="897467" cy="694267"/>
+          </a:xfrm>
+          <a:prstGeom prst="ellipse">
+            <a:avLst/>
+          </a:prstGeom>
+          <a:noFill/>
+          <a:ln w="12700"/>
+        </p:spPr>
+        <p:style>
+          <a:lnRef idx="1">
+            <a:schemeClr val="accent1"/>
+          </a:lnRef>
+          <a:fillRef idx="3">
+            <a:schemeClr val="accent1"/>
+          </a:fillRef>
+          <a:effectRef idx="2">
+            <a:schemeClr val="accent1"/>
+          </a:effectRef>
+          <a:fontRef idx="minor">
+            <a:schemeClr val="lt1"/>
+          </a:fontRef>
+        </p:style>
+        <p:txBody>
+          <a:bodyPr rtlCol="0" anchor="ctr"/>
+          <a:lstStyle/>
+          <a:p>
+            <a:pPr algn="ctr"/>
+            <a:endParaRPr lang="zh-TW" altLang="en-US"/>
+          </a:p>
+        </p:txBody>
+      </p:sp>
+      <p:sp>
+        <p:nvSpPr>
+          <p:cNvPr id="13" name="橢圓 12"/>
+          <p:cNvSpPr/>
+          <p:nvPr/>
+        </p:nvSpPr>
+        <p:spPr>
+          <a:xfrm>
+            <a:off x="6036733" y="2417233"/>
+            <a:ext cx="643466" cy="567267"/>
+          </a:xfrm>
+          <a:prstGeom prst="ellipse">
+            <a:avLst/>
+          </a:prstGeom>
+          <a:noFill/>
+          <a:ln w="12700">
+            <a:solidFill>
+              <a:schemeClr val="accent1">
+                <a:shade val="95000"/>
+                <a:satMod val="105000"/>
+                <a:alpha val="82000"/>
+              </a:schemeClr>
+            </a:solidFill>
+          </a:ln>
+        </p:spPr>
+        <p:style>
+          <a:lnRef idx="1">
+            <a:schemeClr val="accent1"/>
+          </a:lnRef>
+          <a:fillRef idx="3">
+            <a:schemeClr val="accent1"/>
+          </a:fillRef>
+          <a:effectRef idx="2">
+            <a:schemeClr val="accent1"/>
+          </a:effectRef>
+          <a:fontRef idx="minor">
+            <a:schemeClr val="lt1"/>
+          </a:fontRef>
+        </p:style>
+        <p:txBody>
+          <a:bodyPr rtlCol="0" anchor="ctr"/>
+          <a:lstStyle/>
+          <a:p>
+            <a:pPr algn="ctr"/>
+            <a:endParaRPr lang="zh-TW" altLang="en-US"/>
+          </a:p>
+        </p:txBody>
+      </p:sp>
+      <p:graphicFrame>
+        <p:nvGraphicFramePr>
+          <p:cNvPr id="14" name="物件 13"/>
+          <p:cNvGraphicFramePr>
+            <a:graphicFrameLocks noChangeAspect="1"/>
+          </p:cNvGraphicFramePr>
+          <p:nvPr/>
+        </p:nvGraphicFramePr>
+        <p:xfrm>
+          <a:off x="1843617" y="5359400"/>
+          <a:ext cx="814388" cy="482600"/>
+        </p:xfrm>
+        <a:graphic>
+          <a:graphicData uri="http://schemas.openxmlformats.org/presentationml/2006/ole">
+            <p:oleObj spid="_x0000_s3074" name="方程式" r:id="rId3" imgW="342720" imgH="203040" progId="Equation.3">
+              <p:embed/>
+            </p:oleObj>
+          </a:graphicData>
+        </a:graphic>
+      </p:graphicFrame>
+      <p:graphicFrame>
+        <p:nvGraphicFramePr>
+          <p:cNvPr id="2051" name="Object 3"/>
+          <p:cNvGraphicFramePr>
+            <a:graphicFrameLocks noChangeAspect="1"/>
+          </p:cNvGraphicFramePr>
+          <p:nvPr/>
+        </p:nvGraphicFramePr>
+        <p:xfrm>
+          <a:off x="4984750" y="5405438"/>
+          <a:ext cx="3890963" cy="419100"/>
+        </p:xfrm>
+        <a:graphic>
+          <a:graphicData uri="http://schemas.openxmlformats.org/presentationml/2006/ole">
+            <p:oleObj spid="_x0000_s3075" name="方程式" r:id="rId4" imgW="2234880" imgH="228600" progId="Equation.3">
+              <p:embed/>
+            </p:oleObj>
+          </a:graphicData>
+        </a:graphic>
+      </p:graphicFrame>
+      <p:graphicFrame>
+        <p:nvGraphicFramePr>
+          <p:cNvPr id="16" name="物件 15"/>
+          <p:cNvGraphicFramePr>
+            <a:graphicFrameLocks noChangeAspect="1"/>
+          </p:cNvGraphicFramePr>
+          <p:nvPr/>
+        </p:nvGraphicFramePr>
+        <p:xfrm>
+          <a:off x="3959225" y="5353050"/>
+          <a:ext cx="641068" cy="488950"/>
+        </p:xfrm>
+        <a:graphic>
+          <a:graphicData uri="http://schemas.openxmlformats.org/presentationml/2006/ole">
+            <p:oleObj spid="_x0000_s3076" name="方程式" r:id="rId5" imgW="126720" imgH="126720" progId="Equation.3">
+              <p:embed/>
+            </p:oleObj>
+          </a:graphicData>
+        </a:graphic>
+      </p:graphicFrame>
+      <p:sp>
+        <p:nvSpPr>
+          <p:cNvPr id="11" name="橢圓 10"/>
+          <p:cNvSpPr/>
+          <p:nvPr/>
+        </p:nvSpPr>
+        <p:spPr>
+          <a:xfrm>
+            <a:off x="6206066" y="2125133"/>
+            <a:ext cx="795867" cy="575734"/>
+          </a:xfrm>
+          <a:prstGeom prst="ellipse">
+            <a:avLst/>
+          </a:prstGeom>
+          <a:noFill/>
+          <a:ln w="12700"/>
+        </p:spPr>
+        <p:style>
+          <a:lnRef idx="1">
+            <a:schemeClr val="accent1"/>
+          </a:lnRef>
+          <a:fillRef idx="3">
+            <a:schemeClr val="accent1"/>
+          </a:fillRef>
+          <a:effectRef idx="2">
+            <a:schemeClr val="accent1"/>
+          </a:effectRef>
+          <a:fontRef idx="minor">
+            <a:schemeClr val="lt1"/>
+          </a:fontRef>
+        </p:style>
+        <p:txBody>
+          <a:bodyPr rtlCol="0" anchor="ctr"/>
+          <a:lstStyle/>
+          <a:p>
+            <a:pPr algn="ctr"/>
+            <a:endParaRPr lang="zh-TW" altLang="en-US"/>
+          </a:p>
+        </p:txBody>
+      </p:sp>
+      <p:sp>
+        <p:nvSpPr>
+          <p:cNvPr id="15" name="橢圓 14"/>
+          <p:cNvSpPr/>
+          <p:nvPr/>
+        </p:nvSpPr>
+        <p:spPr>
+          <a:xfrm rot="1413013">
+            <a:off x="6168394" y="2444422"/>
+            <a:ext cx="549888" cy="223518"/>
+          </a:xfrm>
+          <a:prstGeom prst="ellipse">
+            <a:avLst/>
+          </a:prstGeom>
+          <a:solidFill>
+            <a:srgbClr val="FF0000">
+              <a:alpha val="62000"/>
+            </a:srgbClr>
+          </a:solidFill>
+          <a:ln w="12700"/>
+        </p:spPr>
+        <p:style>
+          <a:lnRef idx="1">
+            <a:schemeClr val="accent1"/>
+          </a:lnRef>
+          <a:fillRef idx="3">
+            <a:schemeClr val="accent1"/>
+          </a:fillRef>
+          <a:effectRef idx="2">
+            <a:schemeClr val="accent1"/>
+          </a:effectRef>
+          <a:fontRef idx="minor">
+            <a:schemeClr val="lt1"/>
+          </a:fontRef>
+        </p:style>
+        <p:txBody>
+          <a:bodyPr rtlCol="0" anchor="ctr"/>
+          <a:lstStyle/>
+          <a:p>
+            <a:pPr algn="ctr"/>
+            <a:endParaRPr lang="zh-TW" altLang="en-US"/>
+          </a:p>
+        </p:txBody>
+      </p:sp>
+      <p:sp>
+        <p:nvSpPr>
+          <p:cNvPr id="19" name="橢圓 18"/>
+          <p:cNvSpPr/>
+          <p:nvPr/>
+        </p:nvSpPr>
+        <p:spPr>
+          <a:xfrm rot="9177320">
+            <a:off x="6399911" y="2387475"/>
+            <a:ext cx="639196" cy="304949"/>
+          </a:xfrm>
+          <a:prstGeom prst="ellipse">
+            <a:avLst/>
+          </a:prstGeom>
+          <a:solidFill>
+            <a:srgbClr val="FF0000">
+              <a:alpha val="62000"/>
+            </a:srgbClr>
+          </a:solidFill>
+          <a:ln w="12700"/>
+        </p:spPr>
+        <p:style>
+          <a:lnRef idx="1">
+            <a:schemeClr val="accent1"/>
+          </a:lnRef>
+          <a:fillRef idx="3">
+            <a:schemeClr val="accent1"/>
+          </a:fillRef>
+          <a:effectRef idx="2">
+            <a:schemeClr val="accent1"/>
+          </a:effectRef>
+          <a:fontRef idx="minor">
+            <a:schemeClr val="lt1"/>
+          </a:fontRef>
+        </p:style>
+        <p:txBody>
+          <a:bodyPr rtlCol="0" anchor="ctr"/>
+          <a:lstStyle/>
+          <a:p>
+            <a:pPr algn="ctr"/>
+            <a:endParaRPr lang="zh-TW" altLang="en-US"/>
+          </a:p>
+        </p:txBody>
+      </p:sp>
+      <p:sp>
+        <p:nvSpPr>
+          <p:cNvPr id="20" name="橢圓 19"/>
+          <p:cNvSpPr/>
+          <p:nvPr/>
+        </p:nvSpPr>
+        <p:spPr>
+          <a:xfrm rot="5180568">
+            <a:off x="6333374" y="2586389"/>
+            <a:ext cx="452956" cy="240969"/>
+          </a:xfrm>
+          <a:prstGeom prst="ellipse">
+            <a:avLst/>
+          </a:prstGeom>
+          <a:solidFill>
+            <a:srgbClr val="FF0000">
+              <a:alpha val="62000"/>
+            </a:srgbClr>
+          </a:solidFill>
+          <a:ln w="12700"/>
+        </p:spPr>
+        <p:style>
+          <a:lnRef idx="1">
+            <a:schemeClr val="accent1"/>
+          </a:lnRef>
+          <a:fillRef idx="3">
+            <a:schemeClr val="accent1"/>
+          </a:fillRef>
+          <a:effectRef idx="2">
+            <a:schemeClr val="accent1"/>
+          </a:effectRef>
+          <a:fontRef idx="minor">
+            <a:schemeClr val="lt1"/>
+          </a:fontRef>
+        </p:style>
+        <p:txBody>
+          <a:bodyPr rtlCol="0" anchor="ctr"/>
+          <a:lstStyle/>
+          <a:p>
+            <a:pPr algn="ctr"/>
+            <a:endParaRPr lang="zh-TW" altLang="en-US"/>
+          </a:p>
+        </p:txBody>
+      </p:sp>
+      <p:sp>
+        <p:nvSpPr>
+          <p:cNvPr id="21" name="橢圓 20"/>
+          <p:cNvSpPr/>
+          <p:nvPr/>
+        </p:nvSpPr>
+        <p:spPr>
+          <a:xfrm>
+            <a:off x="1600199" y="2328333"/>
+            <a:ext cx="270193" cy="270934"/>
+          </a:xfrm>
+          <a:prstGeom prst="ellipse">
+            <a:avLst/>
+          </a:prstGeom>
+          <a:solidFill>
+            <a:srgbClr val="FF0000"/>
+          </a:solidFill>
+          <a:ln w="12700"/>
+        </p:spPr>
+        <p:style>
+          <a:lnRef idx="1">
+            <a:schemeClr val="accent1"/>
+          </a:lnRef>
+          <a:fillRef idx="3">
+            <a:schemeClr val="accent1"/>
+          </a:fillRef>
+          <a:effectRef idx="2">
+            <a:schemeClr val="accent1"/>
+          </a:effectRef>
+          <a:fontRef idx="minor">
+            <a:schemeClr val="lt1"/>
+          </a:fontRef>
+        </p:style>
+        <p:txBody>
+          <a:bodyPr rtlCol="0" anchor="ctr"/>
+          <a:lstStyle/>
+          <a:p>
+            <a:pPr algn="ctr"/>
+            <a:endParaRPr lang="zh-TW" altLang="en-US" dirty="0">
+              <a:solidFill>
+                <a:srgbClr val="FF0000"/>
+              </a:solidFill>
+            </a:endParaRPr>
+          </a:p>
+        </p:txBody>
+      </p:sp>
+    </p:spTree>
+    <p:extLst>
+      <p:ext uri="{BB962C8B-B14F-4D97-AF65-F5344CB8AC3E}">
+        <p14:creationId xmlns:p14="http://schemas.microsoft.com/office/powerpoint/2010/main" xmlns="" val="3427152478"/>
+      </p:ext>
+    </p:extLst>
+  </p:cSld>
+  <p:clrMapOvr>
+    <a:masterClrMapping/>
+  </p:clrMapOvr>
+  <p:timing>
+    <p:tnLst>
+      <p:par>
+        <p:cTn id="1" dur="indefinite" restart="never" nodeType="tmRoot"/>
+      </p:par>
+    </p:tnLst>
+  </p:timing>
+</p:sld>
+</file>
+
+<file path=ppt/slides/slide25.xml><?xml version="1.0" encoding="utf-8"?>
+<p:sld xmlns:a="http://schemas.openxmlformats.org/drawingml/2006/main" xmlns:r="http://schemas.openxmlformats.org/officeDocument/2006/relationships" xmlns:p="http://schemas.openxmlformats.org/presentationml/2006/main">
+  <p:cSld>
+    <p:bg>
+      <p:bgPr>
+        <a:solidFill>
+          <a:schemeClr val="tx1"/>
+        </a:solidFill>
+        <a:effectLst/>
+      </p:bgPr>
+    </p:bg>
+    <p:spTree>
+      <p:nvGrpSpPr>
+        <p:cNvPr id="1" name=""/>
+        <p:cNvGrpSpPr/>
+        <p:nvPr/>
+      </p:nvGrpSpPr>
+      <p:grpSpPr>
+        <a:xfrm>
+          <a:off x="0" y="0"/>
+          <a:ext cx="0" cy="0"/>
+          <a:chOff x="0" y="0"/>
+          <a:chExt cx="0" cy="0"/>
+        </a:xfrm>
+      </p:grpSpPr>
+      <p:sp>
+        <p:nvSpPr>
+          <p:cNvPr id="2" name="Slide Number Placeholder 1"/>
+          <p:cNvSpPr>
+            <a:spLocks noGrp="1"/>
+          </p:cNvSpPr>
+          <p:nvPr>
+            <p:ph type="sldNum" sz="quarter" idx="10"/>
+          </p:nvPr>
+        </p:nvSpPr>
+        <p:spPr/>
+        <p:txBody>
+          <a:bodyPr/>
+          <a:lstStyle/>
+          <a:p>
+            <a:fld id="{F52E3F39-0206-E343-A815-B0E9B8087364}" type="slidenum">
+              <a:rPr lang="en-US" smtClean="0">
+                <a:latin typeface="+mj-lt"/>
+              </a:rPr>
+              <a:pPr/>
+              <a:t>25</a:t>
+            </a:fld>
+            <a:endParaRPr lang="en-US" dirty="0">
+              <a:latin typeface="+mj-lt"/>
+            </a:endParaRPr>
+          </a:p>
+        </p:txBody>
+      </p:sp>
+      <p:sp>
+        <p:nvSpPr>
+          <p:cNvPr id="5" name="標題 4"/>
+          <p:cNvSpPr>
+            <a:spLocks noGrp="1"/>
+          </p:cNvSpPr>
+          <p:nvPr>
+            <p:ph type="title"/>
+          </p:nvPr>
+        </p:nvSpPr>
+        <p:spPr/>
+        <p:txBody>
+          <a:bodyPr/>
+          <a:lstStyle/>
+          <a:p>
+            <a:endParaRPr lang="zh-TW" altLang="en-US" dirty="0"/>
+          </a:p>
+        </p:txBody>
+      </p:sp>
+      <p:sp>
+        <p:nvSpPr>
+          <p:cNvPr id="8" name="橢圓 7"/>
+          <p:cNvSpPr/>
+          <p:nvPr/>
+        </p:nvSpPr>
+        <p:spPr>
+          <a:xfrm>
+            <a:off x="514905" y="1524000"/>
+            <a:ext cx="3657600" cy="3395133"/>
+          </a:xfrm>
+          <a:prstGeom prst="ellipse">
+            <a:avLst/>
+          </a:prstGeom>
+          <a:noFill/>
+          <a:ln w="22225">
+            <a:solidFill>
+              <a:schemeClr val="tx2"/>
+            </a:solidFill>
+          </a:ln>
+        </p:spPr>
+        <p:style>
+          <a:lnRef idx="1">
+            <a:schemeClr val="accent1"/>
+          </a:lnRef>
+          <a:fillRef idx="3">
+            <a:schemeClr val="accent1"/>
+          </a:fillRef>
+          <a:effectRef idx="2">
+            <a:schemeClr val="accent1"/>
+          </a:effectRef>
+          <a:fontRef idx="minor">
+            <a:schemeClr val="lt1"/>
+          </a:fontRef>
+        </p:style>
+        <p:txBody>
+          <a:bodyPr rtlCol="0" anchor="ctr"/>
+          <a:lstStyle/>
+          <a:p>
+            <a:pPr algn="ctr"/>
+            <a:endParaRPr lang="zh-TW" altLang="en-US"/>
+          </a:p>
+        </p:txBody>
+      </p:sp>
+      <p:sp>
+        <p:nvSpPr>
+          <p:cNvPr id="9" name="橢圓 8"/>
+          <p:cNvSpPr/>
+          <p:nvPr/>
+        </p:nvSpPr>
+        <p:spPr>
+          <a:xfrm>
+            <a:off x="4936110" y="1524000"/>
+            <a:ext cx="3657600" cy="3395133"/>
+          </a:xfrm>
+          <a:prstGeom prst="ellipse">
+            <a:avLst/>
+          </a:prstGeom>
+          <a:noFill/>
+          <a:ln w="22225">
+            <a:solidFill>
+              <a:schemeClr val="tx2"/>
+            </a:solidFill>
+          </a:ln>
+        </p:spPr>
+        <p:style>
+          <a:lnRef idx="1">
+            <a:schemeClr val="accent1"/>
+          </a:lnRef>
+          <a:fillRef idx="3">
+            <a:schemeClr val="accent1"/>
+          </a:fillRef>
+          <a:effectRef idx="2">
+            <a:schemeClr val="accent1"/>
+          </a:effectRef>
+          <a:fontRef idx="minor">
+            <a:schemeClr val="lt1"/>
+          </a:fontRef>
+        </p:style>
+        <p:txBody>
+          <a:bodyPr rtlCol="0" anchor="ctr"/>
+          <a:lstStyle/>
+          <a:p>
+            <a:pPr algn="ctr"/>
+            <a:endParaRPr lang="zh-TW" altLang="en-US"/>
+          </a:p>
+        </p:txBody>
+      </p:sp>
+      <p:sp>
+        <p:nvSpPr>
+          <p:cNvPr id="10" name="橢圓 9"/>
+          <p:cNvSpPr/>
+          <p:nvPr/>
+        </p:nvSpPr>
+        <p:spPr>
+          <a:xfrm>
+            <a:off x="1600199" y="2328333"/>
+            <a:ext cx="270193" cy="270934"/>
+          </a:xfrm>
+          <a:prstGeom prst="ellipse">
+            <a:avLst/>
+          </a:prstGeom>
+          <a:solidFill>
+            <a:srgbClr val="FF0000"/>
+          </a:solidFill>
+          <a:ln w="12700"/>
+        </p:spPr>
+        <p:style>
+          <a:lnRef idx="1">
+            <a:schemeClr val="accent1"/>
+          </a:lnRef>
+          <a:fillRef idx="3">
+            <a:schemeClr val="accent1"/>
+          </a:fillRef>
+          <a:effectRef idx="2">
+            <a:schemeClr val="accent1"/>
+          </a:effectRef>
+          <a:fontRef idx="minor">
+            <a:schemeClr val="lt1"/>
+          </a:fontRef>
+        </p:style>
+        <p:txBody>
+          <a:bodyPr rtlCol="0" anchor="ctr"/>
+          <a:lstStyle/>
+          <a:p>
+            <a:pPr algn="ctr"/>
+            <a:endParaRPr lang="zh-TW" altLang="en-US" dirty="0">
+              <a:solidFill>
+                <a:srgbClr val="FF0000"/>
+              </a:solidFill>
+            </a:endParaRPr>
+          </a:p>
+        </p:txBody>
+      </p:sp>
+      <p:sp>
+        <p:nvSpPr>
+          <p:cNvPr id="11" name="橢圓 10"/>
+          <p:cNvSpPr/>
+          <p:nvPr/>
+        </p:nvSpPr>
+        <p:spPr>
+          <a:xfrm>
+            <a:off x="6206066" y="2125133"/>
+            <a:ext cx="795867" cy="575734"/>
+          </a:xfrm>
+          <a:prstGeom prst="ellipse">
+            <a:avLst/>
+          </a:prstGeom>
+          <a:solidFill>
+            <a:srgbClr val="FFFF00"/>
+          </a:solidFill>
+          <a:ln w="12700"/>
+        </p:spPr>
+        <p:style>
+          <a:lnRef idx="1">
+            <a:schemeClr val="accent1"/>
+          </a:lnRef>
+          <a:fillRef idx="3">
+            <a:schemeClr val="accent1"/>
+          </a:fillRef>
+          <a:effectRef idx="2">
+            <a:schemeClr val="accent1"/>
+          </a:effectRef>
+          <a:fontRef idx="minor">
+            <a:schemeClr val="lt1"/>
+          </a:fontRef>
+        </p:style>
+        <p:txBody>
+          <a:bodyPr rtlCol="0" anchor="ctr"/>
+          <a:lstStyle/>
+          <a:p>
+            <a:pPr algn="ctr"/>
+            <a:endParaRPr lang="zh-TW" altLang="en-US"/>
+          </a:p>
+        </p:txBody>
+      </p:sp>
+      <p:sp>
+        <p:nvSpPr>
+          <p:cNvPr id="12" name="橢圓 11"/>
+          <p:cNvSpPr/>
+          <p:nvPr/>
+        </p:nvSpPr>
+        <p:spPr>
+          <a:xfrm>
+            <a:off x="7188200" y="3234265"/>
+            <a:ext cx="897467" cy="694267"/>
+          </a:xfrm>
+          <a:prstGeom prst="ellipse">
+            <a:avLst/>
+          </a:prstGeom>
+          <a:solidFill>
+            <a:srgbClr val="FFFF00"/>
+          </a:solidFill>
+          <a:ln w="12700"/>
+        </p:spPr>
+        <p:style>
+          <a:lnRef idx="1">
+            <a:schemeClr val="accent1"/>
+          </a:lnRef>
+          <a:fillRef idx="3">
+            <a:schemeClr val="accent1"/>
+          </a:fillRef>
+          <a:effectRef idx="2">
+            <a:schemeClr val="accent1"/>
+          </a:effectRef>
+          <a:fontRef idx="minor">
+            <a:schemeClr val="lt1"/>
+          </a:fontRef>
+        </p:style>
+        <p:txBody>
+          <a:bodyPr rtlCol="0" anchor="ctr"/>
+          <a:lstStyle/>
+          <a:p>
+            <a:pPr algn="ctr"/>
+            <a:endParaRPr lang="zh-TW" altLang="en-US"/>
+          </a:p>
+        </p:txBody>
+      </p:sp>
+      <p:sp>
+        <p:nvSpPr>
+          <p:cNvPr id="13" name="橢圓 12"/>
+          <p:cNvSpPr/>
+          <p:nvPr/>
+        </p:nvSpPr>
+        <p:spPr>
+          <a:xfrm>
+            <a:off x="5715000" y="3234266"/>
+            <a:ext cx="643466" cy="567267"/>
+          </a:xfrm>
+          <a:prstGeom prst="ellipse">
+            <a:avLst/>
+          </a:prstGeom>
+          <a:solidFill>
+            <a:srgbClr val="FFFF00"/>
+          </a:solidFill>
+          <a:ln w="12700"/>
+        </p:spPr>
+        <p:style>
+          <a:lnRef idx="1">
+            <a:schemeClr val="accent1"/>
+          </a:lnRef>
+          <a:fillRef idx="3">
+            <a:schemeClr val="accent1"/>
+          </a:fillRef>
+          <a:effectRef idx="2">
+            <a:schemeClr val="accent1"/>
+          </a:effectRef>
+          <a:fontRef idx="minor">
+            <a:schemeClr val="lt1"/>
+          </a:fontRef>
+        </p:style>
+        <p:txBody>
+          <a:bodyPr rtlCol="0" anchor="ctr"/>
+          <a:lstStyle/>
+          <a:p>
+            <a:pPr algn="ctr"/>
+            <a:endParaRPr lang="zh-TW" altLang="en-US"/>
+          </a:p>
+        </p:txBody>
+      </p:sp>
+      <p:graphicFrame>
+        <p:nvGraphicFramePr>
+          <p:cNvPr id="14" name="物件 13"/>
+          <p:cNvGraphicFramePr>
+            <a:graphicFrameLocks noChangeAspect="1"/>
+          </p:cNvGraphicFramePr>
+          <p:nvPr/>
+        </p:nvGraphicFramePr>
+        <p:xfrm>
+          <a:off x="1843617" y="5359400"/>
+          <a:ext cx="814388" cy="482600"/>
+        </p:xfrm>
+        <a:graphic>
+          <a:graphicData uri="http://schemas.openxmlformats.org/presentationml/2006/ole">
+            <p:oleObj spid="_x0000_s2050" name="方程式" r:id="rId3" imgW="342720" imgH="203040" progId="Equation.3">
+              <p:embed/>
+            </p:oleObj>
+          </a:graphicData>
+        </a:graphic>
+      </p:graphicFrame>
+      <p:graphicFrame>
+        <p:nvGraphicFramePr>
+          <p:cNvPr id="2051" name="Object 3"/>
+          <p:cNvGraphicFramePr>
+            <a:graphicFrameLocks noChangeAspect="1"/>
+          </p:cNvGraphicFramePr>
+          <p:nvPr/>
+        </p:nvGraphicFramePr>
+        <p:xfrm>
+          <a:off x="4929188" y="5405438"/>
+          <a:ext cx="4002087" cy="419100"/>
+        </p:xfrm>
+        <a:graphic>
+          <a:graphicData uri="http://schemas.openxmlformats.org/presentationml/2006/ole">
+            <p:oleObj spid="_x0000_s2051" name="方程式" r:id="rId4" imgW="2298600" imgH="228600" progId="Equation.3">
+              <p:embed/>
+            </p:oleObj>
+          </a:graphicData>
+        </a:graphic>
+      </p:graphicFrame>
+      <p:graphicFrame>
+        <p:nvGraphicFramePr>
+          <p:cNvPr id="16" name="物件 15"/>
+          <p:cNvGraphicFramePr>
+            <a:graphicFrameLocks noChangeAspect="1"/>
+          </p:cNvGraphicFramePr>
+          <p:nvPr/>
+        </p:nvGraphicFramePr>
+        <p:xfrm>
+          <a:off x="3959225" y="5353050"/>
+          <a:ext cx="641068" cy="488950"/>
+        </p:xfrm>
+        <a:graphic>
+          <a:graphicData uri="http://schemas.openxmlformats.org/presentationml/2006/ole">
+            <p:oleObj spid="_x0000_s2052" name="方程式" r:id="rId5" imgW="126720" imgH="126720" progId="Equation.3">
+              <p:embed/>
+            </p:oleObj>
+          </a:graphicData>
+        </a:graphic>
+      </p:graphicFrame>
+    </p:spTree>
+    <p:extLst>
+      <p:ext uri="{BB962C8B-B14F-4D97-AF65-F5344CB8AC3E}">
+        <p14:creationId xmlns:p14="http://schemas.microsoft.com/office/powerpoint/2010/main" xmlns="" val="3427152478"/>
+      </p:ext>
+    </p:extLst>
+  </p:cSld>
+  <p:clrMapOvr>
+    <a:masterClrMapping/>
+  </p:clrMapOvr>
+  <p:timing>
+    <p:tnLst>
+      <p:par>
+        <p:cTn id="1" dur="indefinite" restart="never" nodeType="tmRoot"/>
+      </p:par>
+    </p:tnLst>
+  </p:timing>
+</p:sld>
+</file>
+
+<file path=ppt/slides/slide26.xml><?xml version="1.0" encoding="utf-8"?>
+<p:sld xmlns:a="http://schemas.openxmlformats.org/drawingml/2006/main" xmlns:r="http://schemas.openxmlformats.org/officeDocument/2006/relationships" xmlns:p="http://schemas.openxmlformats.org/presentationml/2006/main">
+  <p:cSld>
+    <p:spTree>
+      <p:nvGrpSpPr>
+        <p:cNvPr id="1" name=""/>
+        <p:cNvGrpSpPr/>
+        <p:nvPr/>
+      </p:nvGrpSpPr>
+      <p:grpSpPr>
+        <a:xfrm>
+          <a:off x="0" y="0"/>
+          <a:ext cx="0" cy="0"/>
+          <a:chOff x="0" y="0"/>
+          <a:chExt cx="0" cy="0"/>
+        </a:xfrm>
+      </p:grpSpPr>
+      <p:sp>
+        <p:nvSpPr>
+          <p:cNvPr id="32" name="文字方塊 31"/>
+          <p:cNvSpPr txBox="1"/>
+          <p:nvPr/>
+        </p:nvSpPr>
+        <p:spPr>
+          <a:xfrm>
+            <a:off x="1168399" y="2853266"/>
+            <a:ext cx="7179733" cy="646331"/>
+          </a:xfrm>
+          <a:prstGeom prst="rect">
+            <a:avLst/>
+          </a:prstGeom>
+          <a:noFill/>
+        </p:spPr>
+        <p:txBody>
+          <a:bodyPr wrap="square" rtlCol="0">
+            <a:spAutoFit/>
+          </a:bodyPr>
+          <a:lstStyle/>
+          <a:p>
+            <a:r>
+              <a:rPr lang="en-US" altLang="zh-TW" sz="3600" dirty="0" smtClean="0"/>
+              <a:t>Two heads are better than one</a:t>
+            </a:r>
+            <a:endParaRPr lang="zh-TW" altLang="en-US" sz="3600" dirty="0"/>
+          </a:p>
+        </p:txBody>
+      </p:sp>
+      <p:sp>
+        <p:nvSpPr>
+          <p:cNvPr id="33" name="標題 32"/>
+          <p:cNvSpPr>
+            <a:spLocks noGrp="1"/>
+          </p:cNvSpPr>
+          <p:nvPr>
+            <p:ph type="title"/>
+          </p:nvPr>
+        </p:nvSpPr>
+        <p:spPr/>
+        <p:txBody>
+          <a:bodyPr/>
+          <a:lstStyle/>
+          <a:p>
+            <a:endParaRPr lang="zh-TW" altLang="en-US" dirty="0"/>
+          </a:p>
+        </p:txBody>
+      </p:sp>
+    </p:spTree>
+    <p:extLst>
+      <p:ext uri="{BB962C8B-B14F-4D97-AF65-F5344CB8AC3E}">
+        <p14:creationId xmlns:p14="http://schemas.microsoft.com/office/powerpoint/2010/main" xmlns="" val="3792208418"/>
+      </p:ext>
+    </p:extLst>
+  </p:cSld>
+  <p:clrMapOvr>
+    <a:masterClrMapping/>
+  </p:clrMapOvr>
+  <p:timing>
+    <p:tnLst>
+      <p:par>
+        <p:cTn id="1" dur="indefinite" restart="never" nodeType="tmRoot"/>
+      </p:par>
+    </p:tnLst>
+  </p:timing>
+</p:sld>
+</file>
+
+<file path=ppt/slides/slide27.xml><?xml version="1.0" encoding="utf-8"?>
+<p:sld xmlns:a="http://schemas.openxmlformats.org/drawingml/2006/main" xmlns:r="http://schemas.openxmlformats.org/officeDocument/2006/relationships" xmlns:p="http://schemas.openxmlformats.org/presentationml/2006/main">
+  <p:cSld>
+    <p:spTree>
+      <p:nvGrpSpPr>
+        <p:cNvPr id="1" name=""/>
+        <p:cNvGrpSpPr/>
+        <p:nvPr/>
+      </p:nvGrpSpPr>
+      <p:grpSpPr>
+        <a:xfrm>
+          <a:off x="0" y="0"/>
+          <a:ext cx="0" cy="0"/>
+          <a:chOff x="0" y="0"/>
+          <a:chExt cx="0" cy="0"/>
+        </a:xfrm>
+      </p:grpSpPr>
+      <p:sp>
+        <p:nvSpPr>
           <p:cNvPr id="4" name="Title 3"/>
           <p:cNvSpPr>
             <a:spLocks noGrp="1"/>
@@ -9194,7 +9997,7 @@
         <p:spPr>
           <a:xfrm>
             <a:off x="228600" y="228600"/>
-            <a:ext cx="8558433" cy="492443"/>
+            <a:ext cx="4873129" cy="492443"/>
           </a:xfrm>
         </p:spPr>
         <p:txBody>
@@ -9202,13 +10005,13 @@
           <a:lstStyle/>
           <a:p>
             <a:r>
-              <a:rPr lang="en-US" altLang="zh-TW" sz="3200" dirty="0">
+              <a:rPr lang="en-US" altLang="zh-TW" sz="3200" dirty="0" smtClean="0">
                 <a:solidFill>
                   <a:schemeClr val="tx1"/>
                 </a:solidFill>
                 <a:latin typeface="+mj-lt"/>
               </a:rPr>
-              <a:t>APAC derivative product develop flow overview</a:t>
+              <a:t>How computers see a car?</a:t>
             </a:r>
             <a:endParaRPr lang="en-US" sz="3200" b="0" dirty="0">
               <a:solidFill>
@@ -9219,135 +10022,76 @@
           </a:p>
         </p:txBody>
       </p:sp>
-      <p:grpSp>
-        <p:nvGrpSpPr>
-          <p:cNvPr id="6" name="群組 5"/>
-          <p:cNvGrpSpPr/>
+      <p:sp>
+        <p:nvSpPr>
+          <p:cNvPr id="11" name="文字方塊 10"/>
+          <p:cNvSpPr txBox="1"/>
           <p:nvPr/>
-        </p:nvGrpSpPr>
-        <p:grpSpPr>
+        </p:nvSpPr>
+        <p:spPr>
           <a:xfrm>
-            <a:off x="314324" y="1176338"/>
-            <a:ext cx="8524875" cy="5145738"/>
-            <a:chOff x="314324" y="1176338"/>
-            <a:chExt cx="8524875" cy="5145738"/>
+            <a:off x="1985109" y="5329726"/>
+            <a:ext cx="786083" cy="400110"/>
           </a:xfrm>
-        </p:grpSpPr>
-        <p:pic>
-          <p:nvPicPr>
-            <p:cNvPr id="1026" name="Picture 2"/>
-            <p:cNvPicPr>
-              <a:picLocks noChangeAspect="1" noChangeArrowheads="1"/>
-            </p:cNvPicPr>
-            <p:nvPr/>
-          </p:nvPicPr>
-          <p:blipFill>
-            <a:blip r:embed="rId2">
-              <a:extLst>
-                <a:ext uri="{28A0092B-C50C-407E-A947-70E740481C1C}">
-                  <a14:useLocalDpi xmlns:a14="http://schemas.microsoft.com/office/drawing/2010/main" val="0"/>
-                </a:ext>
-              </a:extLst>
-            </a:blip>
-            <a:srcRect/>
-            <a:stretch>
-              <a:fillRect/>
-            </a:stretch>
-          </p:blipFill>
-          <p:spPr bwMode="auto">
-            <a:xfrm>
-              <a:off x="314324" y="1176338"/>
-              <a:ext cx="8524875" cy="5145738"/>
-            </a:xfrm>
-            <a:prstGeom prst="rect">
-              <a:avLst/>
-            </a:prstGeom>
-            <a:noFill/>
-            <a:ln>
-              <a:noFill/>
-            </a:ln>
-            <a:extLst>
-              <a:ext uri="{909E8E84-426E-40DD-AFC4-6F175D3DCCD1}">
-                <a14:hiddenFill xmlns:a14="http://schemas.microsoft.com/office/drawing/2010/main">
-                  <a:solidFill>
-                    <a:schemeClr val="accent1"/>
-                  </a:solidFill>
-                </a14:hiddenFill>
-              </a:ext>
-              <a:ext uri="{91240B29-F687-4F45-9708-019B960494DF}">
-                <a14:hiddenLine xmlns:a14="http://schemas.microsoft.com/office/drawing/2010/main" w="9525">
-                  <a:solidFill>
-                    <a:schemeClr val="tx1"/>
-                  </a:solidFill>
-                  <a:miter lim="800000"/>
-                  <a:headEnd/>
-                  <a:tailEnd/>
-                </a14:hiddenLine>
-              </a:ext>
-            </a:extLst>
-          </p:spPr>
-        </p:pic>
-        <p:sp>
-          <p:nvSpPr>
-            <p:cNvPr id="5" name="矩形 4"/>
-            <p:cNvSpPr/>
-            <p:nvPr/>
-          </p:nvSpPr>
-          <p:spPr>
-            <a:xfrm>
-              <a:off x="874059" y="3455894"/>
-              <a:ext cx="1183341" cy="847165"/>
-            </a:xfrm>
-            <a:prstGeom prst="rect">
-              <a:avLst/>
-            </a:prstGeom>
-            <a:noFill/>
-            <a:ln w="57150">
-              <a:solidFill>
-                <a:srgbClr val="FF0000"/>
-              </a:solidFill>
-            </a:ln>
-          </p:spPr>
-          <p:style>
-            <a:lnRef idx="1">
-              <a:schemeClr val="accent1"/>
-            </a:lnRef>
-            <a:fillRef idx="3">
-              <a:schemeClr val="accent1"/>
-            </a:fillRef>
-            <a:effectRef idx="2">
-              <a:schemeClr val="accent1"/>
-            </a:effectRef>
-            <a:fontRef idx="minor">
-              <a:schemeClr val="lt1"/>
-            </a:fontRef>
-          </p:style>
-          <p:txBody>
-            <a:bodyPr rtlCol="0" anchor="ctr"/>
-            <a:lstStyle/>
-            <a:p>
-              <a:pPr algn="ctr"/>
-              <a:endParaRPr lang="zh-TW" altLang="en-US"/>
-            </a:p>
-          </p:txBody>
-        </p:sp>
-      </p:grpSp>
+          <a:prstGeom prst="rect">
+            <a:avLst/>
+          </a:prstGeom>
+          <a:noFill/>
+        </p:spPr>
+        <p:txBody>
+          <a:bodyPr wrap="square" rtlCol="0">
+            <a:spAutoFit/>
+          </a:bodyPr>
+          <a:lstStyle/>
+          <a:p>
+            <a:r>
+              <a:rPr lang="en-US" altLang="zh-TW" sz="2000" dirty="0" smtClean="0"/>
+              <a:t>You</a:t>
+            </a:r>
+            <a:endParaRPr lang="zh-TW" altLang="en-US" sz="2000" dirty="0"/>
+          </a:p>
+        </p:txBody>
+      </p:sp>
+      <p:sp>
+        <p:nvSpPr>
+          <p:cNvPr id="12" name="文字方塊 11"/>
+          <p:cNvSpPr txBox="1"/>
+          <p:nvPr/>
+        </p:nvSpPr>
+        <p:spPr>
+          <a:xfrm>
+            <a:off x="6242979" y="5329726"/>
+            <a:ext cx="1520091" cy="400110"/>
+          </a:xfrm>
+          <a:prstGeom prst="rect">
+            <a:avLst/>
+          </a:prstGeom>
+          <a:noFill/>
+        </p:spPr>
+        <p:txBody>
+          <a:bodyPr wrap="square" rtlCol="0">
+            <a:spAutoFit/>
+          </a:bodyPr>
+          <a:lstStyle/>
+          <a:p>
+            <a:r>
+              <a:rPr lang="en-US" altLang="zh-TW" sz="2000" dirty="0" smtClean="0"/>
+              <a:t>Computer</a:t>
+            </a:r>
+            <a:endParaRPr lang="zh-TW" altLang="en-US" sz="2000" dirty="0"/>
+          </a:p>
+        </p:txBody>
+      </p:sp>
       <p:pic>
         <p:nvPicPr>
-          <p:cNvPr id="1027" name="Picture 3"/>
+          <p:cNvPr id="3" name="Picture 4"/>
           <p:cNvPicPr>
             <a:picLocks noChangeAspect="1" noChangeArrowheads="1"/>
           </p:cNvPicPr>
           <p:nvPr/>
         </p:nvPicPr>
         <p:blipFill>
-          <a:blip r:embed="rId3">
-            <a:extLst>
-              <a:ext uri="{28A0092B-C50C-407E-A947-70E740481C1C}">
-                <a14:useLocalDpi xmlns:a14="http://schemas.microsoft.com/office/drawing/2010/main" val="0"/>
-              </a:ext>
-            </a:extLst>
-          </a:blip>
+          <a:blip r:embed="rId2"/>
           <a:srcRect/>
           <a:stretch>
             <a:fillRect/>
@@ -9355,41 +10099,57 @@
         </p:blipFill>
         <p:spPr bwMode="auto">
           <a:xfrm>
-            <a:off x="31377" y="1176338"/>
-            <a:ext cx="9058835" cy="4000367"/>
+            <a:off x="4991663" y="1905000"/>
+            <a:ext cx="3796388" cy="3270490"/>
           </a:xfrm>
           <a:prstGeom prst="rect">
             <a:avLst/>
           </a:prstGeom>
           <a:noFill/>
-          <a:ln>
+          <a:ln w="9525">
             <a:noFill/>
+            <a:miter lim="800000"/>
+            <a:headEnd/>
+            <a:tailEnd/>
           </a:ln>
-          <a:extLst>
-            <a:ext uri="{909E8E84-426E-40DD-AFC4-6F175D3DCCD1}">
-              <a14:hiddenFill xmlns:a14="http://schemas.microsoft.com/office/drawing/2010/main">
-                <a:solidFill>
-                  <a:schemeClr val="accent1"/>
-                </a:solidFill>
-              </a14:hiddenFill>
-            </a:ext>
-            <a:ext uri="{91240B29-F687-4F45-9708-019B960494DF}">
-              <a14:hiddenLine xmlns:a14="http://schemas.microsoft.com/office/drawing/2010/main" w="9525">
-                <a:solidFill>
-                  <a:schemeClr val="tx1"/>
-                </a:solidFill>
-                <a:miter lim="800000"/>
-                <a:headEnd/>
-                <a:tailEnd/>
-              </a14:hiddenLine>
-            </a:ext>
-          </a:extLst>
+        </p:spPr>
+      </p:pic>
+      <p:pic>
+        <p:nvPicPr>
+          <p:cNvPr id="1030" name="Picture 6"/>
+          <p:cNvPicPr>
+            <a:picLocks noChangeAspect="1" noChangeArrowheads="1"/>
+          </p:cNvPicPr>
+          <p:nvPr/>
+        </p:nvPicPr>
+        <p:blipFill>
+          <a:blip r:embed="rId3"/>
+          <a:srcRect/>
+          <a:stretch>
+            <a:fillRect/>
+          </a:stretch>
+        </p:blipFill>
+        <p:spPr bwMode="auto">
+          <a:xfrm>
+            <a:off x="723575" y="1905000"/>
+            <a:ext cx="3796388" cy="3270490"/>
+          </a:xfrm>
+          <a:prstGeom prst="rect">
+            <a:avLst/>
+          </a:prstGeom>
+          <a:noFill/>
+          <a:ln w="9525">
+            <a:noFill/>
+            <a:miter lim="800000"/>
+            <a:headEnd/>
+            <a:tailEnd/>
+          </a:ln>
         </p:spPr>
       </p:pic>
     </p:spTree>
     <p:extLst>
       <p:ext uri="{BB962C8B-B14F-4D97-AF65-F5344CB8AC3E}">
-        <p14:creationId xmlns:p14="http://schemas.microsoft.com/office/powerpoint/2010/main" val="1692470345"/>
+        <p14:creationId xmlns:p14="http://schemas.microsoft.com/office/powerpoint/2010/main" xmlns="" val="1692470345"/>
       </p:ext>
     </p:extLst>
   </p:cSld>
@@ -9399,117 +10159,14 @@
   <p:timing>
     <p:tnLst>
       <p:par>
-        <p:cTn id="1" dur="indefinite" restart="never" nodeType="tmRoot">
-          <p:childTnLst>
-            <p:seq concurrent="1" nextAc="seek">
-              <p:cTn id="2" dur="indefinite" nodeType="mainSeq">
-                <p:childTnLst>
-                  <p:par>
-                    <p:cTn id="3" fill="hold">
-                      <p:stCondLst>
-                        <p:cond delay="indefinite"/>
-                      </p:stCondLst>
-                      <p:childTnLst>
-                        <p:par>
-                          <p:cTn id="4" fill="hold">
-                            <p:stCondLst>
-                              <p:cond delay="0"/>
-                            </p:stCondLst>
-                            <p:childTnLst>
-                              <p:par>
-                                <p:cTn id="5" presetID="10" presetClass="entr" presetSubtype="0" fill="hold" nodeType="clickEffect">
-                                  <p:stCondLst>
-                                    <p:cond delay="0"/>
-                                  </p:stCondLst>
-                                  <p:childTnLst>
-                                    <p:set>
-                                      <p:cBhvr>
-                                        <p:cTn id="6" dur="1" fill="hold">
-                                          <p:stCondLst>
-                                            <p:cond delay="0"/>
-                                          </p:stCondLst>
-                                        </p:cTn>
-                                        <p:tgtEl>
-                                          <p:spTgt spid="1027"/>
-                                        </p:tgtEl>
-                                        <p:attrNameLst>
-                                          <p:attrName>style.visibility</p:attrName>
-                                        </p:attrNameLst>
-                                      </p:cBhvr>
-                                      <p:to>
-                                        <p:strVal val="visible"/>
-                                      </p:to>
-                                    </p:set>
-                                    <p:animEffect transition="in" filter="fade">
-                                      <p:cBhvr>
-                                        <p:cTn id="7" dur="500"/>
-                                        <p:tgtEl>
-                                          <p:spTgt spid="1027"/>
-                                        </p:tgtEl>
-                                      </p:cBhvr>
-                                    </p:animEffect>
-                                  </p:childTnLst>
-                                </p:cTn>
-                              </p:par>
-                              <p:par>
-                                <p:cTn id="8" presetID="1" presetClass="exit" presetSubtype="0" fill="hold" nodeType="withEffect">
-                                  <p:stCondLst>
-                                    <p:cond delay="0"/>
-                                  </p:stCondLst>
-                                  <p:childTnLst>
-                                    <p:set>
-                                      <p:cBhvr>
-                                        <p:cTn id="9" dur="1" fill="hold">
-                                          <p:stCondLst>
-                                            <p:cond delay="0"/>
-                                          </p:stCondLst>
-                                        </p:cTn>
-                                        <p:tgtEl>
-                                          <p:spTgt spid="6"/>
-                                        </p:tgtEl>
-                                        <p:attrNameLst>
-                                          <p:attrName>style.visibility</p:attrName>
-                                        </p:attrNameLst>
-                                      </p:cBhvr>
-                                      <p:to>
-                                        <p:strVal val="hidden"/>
-                                      </p:to>
-                                    </p:set>
-                                  </p:childTnLst>
-                                </p:cTn>
-                              </p:par>
-                            </p:childTnLst>
-                          </p:cTn>
-                        </p:par>
-                      </p:childTnLst>
-                    </p:cTn>
-                  </p:par>
-                </p:childTnLst>
-              </p:cTn>
-              <p:prevCondLst>
-                <p:cond evt="onPrev" delay="0">
-                  <p:tgtEl>
-                    <p:sldTgt/>
-                  </p:tgtEl>
-                </p:cond>
-              </p:prevCondLst>
-              <p:nextCondLst>
-                <p:cond evt="onNext" delay="0">
-                  <p:tgtEl>
-                    <p:sldTgt/>
-                  </p:tgtEl>
-                </p:cond>
-              </p:nextCondLst>
-            </p:seq>
-          </p:childTnLst>
-        </p:cTn>
+        <p:cTn id="1" dur="indefinite" restart="never" nodeType="tmRoot"/>
       </p:par>
     </p:tnLst>
   </p:timing>
 </p:sld>
 </file>
 
-<file path=ppt/slides/slide25.xml><?xml version="1.0" encoding="utf-8"?>
+<file path=ppt/slides/slide28.xml><?xml version="1.0" encoding="utf-8"?>
 <p:sld xmlns:a="http://schemas.openxmlformats.org/drawingml/2006/main" xmlns:r="http://schemas.openxmlformats.org/officeDocument/2006/relationships" xmlns:p="http://schemas.openxmlformats.org/presentationml/2006/main">
   <p:cSld>
     <p:spTree>
@@ -9546,7 +10203,7 @@
                 <a:latin typeface="+mj-lt"/>
               </a:rPr>
               <a:pPr/>
-              <a:t>25</a:t>
+              <a:t>28</a:t>
             </a:fld>
             <a:endParaRPr lang="en-US" dirty="0">
               <a:latin typeface="+mj-lt"/>
@@ -9562,8 +10219,8 @@
         </p:nvSpPr>
         <p:spPr>
           <a:xfrm>
-            <a:off x="1680882" y="1922929"/>
-            <a:ext cx="5715000" cy="2796989"/>
+            <a:off x="1680882" y="287867"/>
+            <a:ext cx="5715000" cy="4432051"/>
           </a:xfrm>
           <a:prstGeom prst="rect">
             <a:avLst/>
@@ -9611,7 +10268,7 @@
     </p:spTree>
     <p:extLst>
       <p:ext uri="{BB962C8B-B14F-4D97-AF65-F5344CB8AC3E}">
-        <p14:creationId xmlns:p14="http://schemas.microsoft.com/office/powerpoint/2010/main" val="3598067464"/>
+        <p14:creationId xmlns:p14="http://schemas.microsoft.com/office/powerpoint/2010/main" xmlns="" val="3598067464"/>
       </p:ext>
     </p:extLst>
   </p:cSld>
@@ -10473,7 +11130,7 @@
     </p:spTree>
     <p:extLst>
       <p:ext uri="{BB962C8B-B14F-4D97-AF65-F5344CB8AC3E}">
-        <p14:creationId xmlns:p14="http://schemas.microsoft.com/office/powerpoint/2010/main" val="2895042021"/>
+        <p14:creationId xmlns:p14="http://schemas.microsoft.com/office/powerpoint/2010/main" xmlns="" val="2895042021"/>
       </p:ext>
     </p:extLst>
   </p:cSld>
@@ -10976,7 +11633,7 @@
           <a:blip r:embed="rId2">
             <a:extLst>
               <a:ext uri="{28A0092B-C50C-407E-A947-70E740481C1C}">
-                <a14:useLocalDpi xmlns:a14="http://schemas.microsoft.com/office/drawing/2010/main" val="0"/>
+                <a14:useLocalDpi xmlns:a14="http://schemas.microsoft.com/office/drawing/2010/main" xmlns="" val="0"/>
               </a:ext>
             </a:extLst>
           </a:blip>
@@ -10999,14 +11656,14 @@
           </a:ln>
           <a:extLst>
             <a:ext uri="{909E8E84-426E-40DD-AFC4-6F175D3DCCD1}">
-              <a14:hiddenFill xmlns:a14="http://schemas.microsoft.com/office/drawing/2010/main">
+              <a14:hiddenFill xmlns:a14="http://schemas.microsoft.com/office/drawing/2010/main" xmlns="">
                 <a:solidFill>
                   <a:schemeClr val="accent1"/>
                 </a:solidFill>
               </a14:hiddenFill>
             </a:ext>
             <a:ext uri="{91240B29-F687-4F45-9708-019B960494DF}">
-              <a14:hiddenLine xmlns:a14="http://schemas.microsoft.com/office/drawing/2010/main" w="9525">
+              <a14:hiddenLine xmlns:a14="http://schemas.microsoft.com/office/drawing/2010/main" xmlns="" w="9525">
                 <a:solidFill>
                   <a:schemeClr val="tx1"/>
                 </a:solidFill>
@@ -11143,7 +11800,7 @@
             <a:blip r:embed="rId3">
               <a:extLst>
                 <a:ext uri="{28A0092B-C50C-407E-A947-70E740481C1C}">
-                  <a14:useLocalDpi xmlns:a14="http://schemas.microsoft.com/office/drawing/2010/main" val="0"/>
+                  <a14:useLocalDpi xmlns:a14="http://schemas.microsoft.com/office/drawing/2010/main" xmlns="" val="0"/>
                 </a:ext>
               </a:extLst>
             </a:blip>
@@ -11166,14 +11823,14 @@
             </a:ln>
             <a:extLst>
               <a:ext uri="{909E8E84-426E-40DD-AFC4-6F175D3DCCD1}">
-                <a14:hiddenFill xmlns:a14="http://schemas.microsoft.com/office/drawing/2010/main">
+                <a14:hiddenFill xmlns:a14="http://schemas.microsoft.com/office/drawing/2010/main" xmlns="">
                   <a:solidFill>
                     <a:schemeClr val="accent1"/>
                   </a:solidFill>
                 </a14:hiddenFill>
               </a:ext>
               <a:ext uri="{91240B29-F687-4F45-9708-019B960494DF}">
-                <a14:hiddenLine xmlns:a14="http://schemas.microsoft.com/office/drawing/2010/main" w="9525">
+                <a14:hiddenLine xmlns:a14="http://schemas.microsoft.com/office/drawing/2010/main" xmlns="" w="9525">
                   <a:solidFill>
                     <a:schemeClr val="tx1"/>
                   </a:solidFill>
@@ -11197,7 +11854,7 @@
             <a:blip r:embed="rId4">
               <a:extLst>
                 <a:ext uri="{28A0092B-C50C-407E-A947-70E740481C1C}">
-                  <a14:useLocalDpi xmlns:a14="http://schemas.microsoft.com/office/drawing/2010/main" val="0"/>
+                  <a14:useLocalDpi xmlns:a14="http://schemas.microsoft.com/office/drawing/2010/main" xmlns="" val="0"/>
                 </a:ext>
               </a:extLst>
             </a:blip>
@@ -11220,14 +11877,14 @@
             </a:ln>
             <a:extLst>
               <a:ext uri="{909E8E84-426E-40DD-AFC4-6F175D3DCCD1}">
-                <a14:hiddenFill xmlns:a14="http://schemas.microsoft.com/office/drawing/2010/main">
+                <a14:hiddenFill xmlns:a14="http://schemas.microsoft.com/office/drawing/2010/main" xmlns="">
                   <a:solidFill>
                     <a:schemeClr val="accent1"/>
                   </a:solidFill>
                 </a14:hiddenFill>
               </a:ext>
               <a:ext uri="{91240B29-F687-4F45-9708-019B960494DF}">
-                <a14:hiddenLine xmlns:a14="http://schemas.microsoft.com/office/drawing/2010/main" w="9525">
+                <a14:hiddenLine xmlns:a14="http://schemas.microsoft.com/office/drawing/2010/main" xmlns="" w="9525">
                   <a:solidFill>
                     <a:schemeClr val="tx1"/>
                   </a:solidFill>
@@ -11243,7 +11900,7 @@
     </p:spTree>
     <p:extLst>
       <p:ext uri="{BB962C8B-B14F-4D97-AF65-F5344CB8AC3E}">
-        <p14:creationId xmlns:p14="http://schemas.microsoft.com/office/powerpoint/2010/main" val="1443667910"/>
+        <p14:creationId xmlns:p14="http://schemas.microsoft.com/office/powerpoint/2010/main" xmlns="" val="1443667910"/>
       </p:ext>
     </p:extLst>
   </p:cSld>
@@ -11624,7 +12281,7 @@
           <a:blip r:embed="rId2">
             <a:extLst>
               <a:ext uri="{28A0092B-C50C-407E-A947-70E740481C1C}">
-                <a14:useLocalDpi xmlns:a14="http://schemas.microsoft.com/office/drawing/2010/main" val="0"/>
+                <a14:useLocalDpi xmlns:a14="http://schemas.microsoft.com/office/drawing/2010/main" xmlns="" val="0"/>
               </a:ext>
             </a:extLst>
           </a:blip>
@@ -11647,14 +12304,14 @@
           </a:ln>
           <a:extLst>
             <a:ext uri="{909E8E84-426E-40DD-AFC4-6F175D3DCCD1}">
-              <a14:hiddenFill xmlns:a14="http://schemas.microsoft.com/office/drawing/2010/main">
+              <a14:hiddenFill xmlns:a14="http://schemas.microsoft.com/office/drawing/2010/main" xmlns="">
                 <a:solidFill>
                   <a:schemeClr val="accent1"/>
                 </a:solidFill>
               </a14:hiddenFill>
             </a:ext>
             <a:ext uri="{91240B29-F687-4F45-9708-019B960494DF}">
-              <a14:hiddenLine xmlns:a14="http://schemas.microsoft.com/office/drawing/2010/main" w="9525">
+              <a14:hiddenLine xmlns:a14="http://schemas.microsoft.com/office/drawing/2010/main" xmlns="" w="9525">
                 <a:solidFill>
                   <a:schemeClr val="tx1"/>
                 </a:solidFill>
@@ -11823,7 +12480,7 @@
             <a:blip r:embed="rId3">
               <a:extLst>
                 <a:ext uri="{28A0092B-C50C-407E-A947-70E740481C1C}">
-                  <a14:useLocalDpi xmlns:a14="http://schemas.microsoft.com/office/drawing/2010/main" val="0"/>
+                  <a14:useLocalDpi xmlns:a14="http://schemas.microsoft.com/office/drawing/2010/main" xmlns="" val="0"/>
                 </a:ext>
               </a:extLst>
             </a:blip>
@@ -11846,14 +12503,14 @@
             </a:ln>
             <a:extLst>
               <a:ext uri="{909E8E84-426E-40DD-AFC4-6F175D3DCCD1}">
-                <a14:hiddenFill xmlns:a14="http://schemas.microsoft.com/office/drawing/2010/main">
+                <a14:hiddenFill xmlns:a14="http://schemas.microsoft.com/office/drawing/2010/main" xmlns="">
                   <a:solidFill>
                     <a:schemeClr val="accent1"/>
                   </a:solidFill>
                 </a14:hiddenFill>
               </a:ext>
               <a:ext uri="{91240B29-F687-4F45-9708-019B960494DF}">
-                <a14:hiddenLine xmlns:a14="http://schemas.microsoft.com/office/drawing/2010/main" w="9525">
+                <a14:hiddenLine xmlns:a14="http://schemas.microsoft.com/office/drawing/2010/main" xmlns="" w="9525">
                   <a:solidFill>
                     <a:schemeClr val="tx1"/>
                   </a:solidFill>
@@ -11898,7 +12555,7 @@
     </p:spTree>
     <p:extLst>
       <p:ext uri="{BB962C8B-B14F-4D97-AF65-F5344CB8AC3E}">
-        <p14:creationId xmlns:p14="http://schemas.microsoft.com/office/powerpoint/2010/main" val="544419612"/>
+        <p14:creationId xmlns:p14="http://schemas.microsoft.com/office/powerpoint/2010/main" xmlns="" val="544419612"/>
       </p:ext>
     </p:extLst>
   </p:cSld>
@@ -12426,7 +13083,7 @@
           <a:blip r:embed="rId2">
             <a:extLst>
               <a:ext uri="{28A0092B-C50C-407E-A947-70E740481C1C}">
-                <a14:useLocalDpi xmlns:a14="http://schemas.microsoft.com/office/drawing/2010/main" val="0"/>
+                <a14:useLocalDpi xmlns:a14="http://schemas.microsoft.com/office/drawing/2010/main" xmlns="" val="0"/>
               </a:ext>
             </a:extLst>
           </a:blip>
@@ -12449,14 +13106,14 @@
           </a:ln>
           <a:extLst>
             <a:ext uri="{909E8E84-426E-40DD-AFC4-6F175D3DCCD1}">
-              <a14:hiddenFill xmlns:a14="http://schemas.microsoft.com/office/drawing/2010/main">
+              <a14:hiddenFill xmlns:a14="http://schemas.microsoft.com/office/drawing/2010/main" xmlns="">
                 <a:solidFill>
                   <a:schemeClr val="accent1"/>
                 </a:solidFill>
               </a14:hiddenFill>
             </a:ext>
             <a:ext uri="{91240B29-F687-4F45-9708-019B960494DF}">
-              <a14:hiddenLine xmlns:a14="http://schemas.microsoft.com/office/drawing/2010/main" w="9525">
+              <a14:hiddenLine xmlns:a14="http://schemas.microsoft.com/office/drawing/2010/main" xmlns="" w="9525">
                 <a:solidFill>
                   <a:schemeClr val="tx1"/>
                 </a:solidFill>
@@ -12480,7 +13137,7 @@
           <a:blip r:embed="rId3">
             <a:extLst>
               <a:ext uri="{28A0092B-C50C-407E-A947-70E740481C1C}">
-                <a14:useLocalDpi xmlns:a14="http://schemas.microsoft.com/office/drawing/2010/main" val="0"/>
+                <a14:useLocalDpi xmlns:a14="http://schemas.microsoft.com/office/drawing/2010/main" xmlns="" val="0"/>
               </a:ext>
             </a:extLst>
           </a:blip>
@@ -12503,14 +13160,14 @@
           </a:ln>
           <a:extLst>
             <a:ext uri="{909E8E84-426E-40DD-AFC4-6F175D3DCCD1}">
-              <a14:hiddenFill xmlns:a14="http://schemas.microsoft.com/office/drawing/2010/main">
+              <a14:hiddenFill xmlns:a14="http://schemas.microsoft.com/office/drawing/2010/main" xmlns="">
                 <a:solidFill>
                   <a:schemeClr val="accent1"/>
                 </a:solidFill>
               </a14:hiddenFill>
             </a:ext>
             <a:ext uri="{91240B29-F687-4F45-9708-019B960494DF}">
-              <a14:hiddenLine xmlns:a14="http://schemas.microsoft.com/office/drawing/2010/main" w="9525">
+              <a14:hiddenLine xmlns:a14="http://schemas.microsoft.com/office/drawing/2010/main" xmlns="" w="9525">
                 <a:solidFill>
                   <a:schemeClr val="tx1"/>
                 </a:solidFill>
@@ -12525,7 +13182,7 @@
     </p:spTree>
     <p:extLst>
       <p:ext uri="{BB962C8B-B14F-4D97-AF65-F5344CB8AC3E}">
-        <p14:creationId xmlns:p14="http://schemas.microsoft.com/office/powerpoint/2010/main" val="2002502998"/>
+        <p14:creationId xmlns:p14="http://schemas.microsoft.com/office/powerpoint/2010/main" xmlns="" val="2002502998"/>
       </p:ext>
     </p:extLst>
   </p:cSld>
@@ -13879,7 +14536,7 @@
             <a:blip r:embed="rId2">
               <a:extLst>
                 <a:ext uri="{28A0092B-C50C-407E-A947-70E740481C1C}">
-                  <a14:useLocalDpi xmlns:a14="http://schemas.microsoft.com/office/drawing/2010/main" val="0"/>
+                  <a14:useLocalDpi xmlns:a14="http://schemas.microsoft.com/office/drawing/2010/main" xmlns="" val="0"/>
                 </a:ext>
               </a:extLst>
             </a:blip>
@@ -13902,7 +14559,7 @@
             </a:ln>
             <a:extLst>
               <a:ext uri="{91240B29-F687-4F45-9708-019B960494DF}">
-                <a14:hiddenLine xmlns:a14="http://schemas.microsoft.com/office/drawing/2010/main" w="9525">
+                <a14:hiddenLine xmlns:a14="http://schemas.microsoft.com/office/drawing/2010/main" xmlns="" w="9525">
                   <a:solidFill>
                     <a:schemeClr val="tx1"/>
                   </a:solidFill>
@@ -13918,7 +14575,7 @@
     </p:spTree>
     <p:extLst>
       <p:ext uri="{BB962C8B-B14F-4D97-AF65-F5344CB8AC3E}">
-        <p14:creationId xmlns:p14="http://schemas.microsoft.com/office/powerpoint/2010/main" val="2850896358"/>
+        <p14:creationId xmlns:p14="http://schemas.microsoft.com/office/powerpoint/2010/main" xmlns="" val="2850896358"/>
       </p:ext>
     </p:extLst>
   </p:cSld>
@@ -18124,7 +18781,7 @@
     </p:spTree>
     <p:extLst>
       <p:ext uri="{BB962C8B-B14F-4D97-AF65-F5344CB8AC3E}">
-        <p14:creationId xmlns:p14="http://schemas.microsoft.com/office/powerpoint/2010/main" val="1179663467"/>
+        <p14:creationId xmlns:p14="http://schemas.microsoft.com/office/powerpoint/2010/main" xmlns="" val="1179663467"/>
       </p:ext>
     </p:extLst>
   </p:cSld>
@@ -19613,7 +20270,7 @@
             <a:blip r:embed="rId2">
               <a:extLst>
                 <a:ext uri="{28A0092B-C50C-407E-A947-70E740481C1C}">
-                  <a14:useLocalDpi xmlns:a14="http://schemas.microsoft.com/office/drawing/2010/main" val="0"/>
+                  <a14:useLocalDpi xmlns:a14="http://schemas.microsoft.com/office/drawing/2010/main" xmlns="" val="0"/>
                 </a:ext>
               </a:extLst>
             </a:blip>
@@ -19636,14 +20293,14 @@
             </a:ln>
             <a:extLst>
               <a:ext uri="{909E8E84-426E-40DD-AFC4-6F175D3DCCD1}">
-                <a14:hiddenFill xmlns:a14="http://schemas.microsoft.com/office/drawing/2010/main">
+                <a14:hiddenFill xmlns:a14="http://schemas.microsoft.com/office/drawing/2010/main" xmlns="">
                   <a:solidFill>
                     <a:schemeClr val="accent1"/>
                   </a:solidFill>
                 </a14:hiddenFill>
               </a:ext>
               <a:ext uri="{91240B29-F687-4F45-9708-019B960494DF}">
-                <a14:hiddenLine xmlns:a14="http://schemas.microsoft.com/office/drawing/2010/main" w="9525">
+                <a14:hiddenLine xmlns:a14="http://schemas.microsoft.com/office/drawing/2010/main" xmlns="" w="9525">
                   <a:solidFill>
                     <a:schemeClr val="tx1"/>
                   </a:solidFill>
@@ -19667,7 +20324,7 @@
             <a:blip r:embed="rId3">
               <a:extLst>
                 <a:ext uri="{28A0092B-C50C-407E-A947-70E740481C1C}">
-                  <a14:useLocalDpi xmlns:a14="http://schemas.microsoft.com/office/drawing/2010/main" val="0"/>
+                  <a14:useLocalDpi xmlns:a14="http://schemas.microsoft.com/office/drawing/2010/main" xmlns="" val="0"/>
                 </a:ext>
               </a:extLst>
             </a:blip>
@@ -19690,14 +20347,14 @@
             </a:ln>
             <a:extLst>
               <a:ext uri="{909E8E84-426E-40DD-AFC4-6F175D3DCCD1}">
-                <a14:hiddenFill xmlns:a14="http://schemas.microsoft.com/office/drawing/2010/main">
+                <a14:hiddenFill xmlns:a14="http://schemas.microsoft.com/office/drawing/2010/main" xmlns="">
                   <a:solidFill>
                     <a:schemeClr val="accent1"/>
                   </a:solidFill>
                 </a14:hiddenFill>
               </a:ext>
               <a:ext uri="{91240B29-F687-4F45-9708-019B960494DF}">
-                <a14:hiddenLine xmlns:a14="http://schemas.microsoft.com/office/drawing/2010/main" w="9525">
+                <a14:hiddenLine xmlns:a14="http://schemas.microsoft.com/office/drawing/2010/main" xmlns="" w="9525">
                   <a:solidFill>
                     <a:schemeClr val="tx1"/>
                   </a:solidFill>
@@ -19782,7 +20439,7 @@
             <a:blip r:embed="rId4">
               <a:extLst>
                 <a:ext uri="{28A0092B-C50C-407E-A947-70E740481C1C}">
-                  <a14:useLocalDpi xmlns:a14="http://schemas.microsoft.com/office/drawing/2010/main" val="0"/>
+                  <a14:useLocalDpi xmlns:a14="http://schemas.microsoft.com/office/drawing/2010/main" xmlns="" val="0"/>
                 </a:ext>
               </a:extLst>
             </a:blip>
@@ -19805,14 +20462,14 @@
             </a:ln>
             <a:extLst>
               <a:ext uri="{909E8E84-426E-40DD-AFC4-6F175D3DCCD1}">
-                <a14:hiddenFill xmlns:a14="http://schemas.microsoft.com/office/drawing/2010/main">
+                <a14:hiddenFill xmlns:a14="http://schemas.microsoft.com/office/drawing/2010/main" xmlns="">
                   <a:solidFill>
                     <a:schemeClr val="accent1"/>
                   </a:solidFill>
                 </a14:hiddenFill>
               </a:ext>
               <a:ext uri="{91240B29-F687-4F45-9708-019B960494DF}">
-                <a14:hiddenLine xmlns:a14="http://schemas.microsoft.com/office/drawing/2010/main" w="9525">
+                <a14:hiddenLine xmlns:a14="http://schemas.microsoft.com/office/drawing/2010/main" xmlns="" w="9525">
                   <a:solidFill>
                     <a:schemeClr val="tx1"/>
                   </a:solidFill>
@@ -19981,7 +20638,7 @@
     </p:spTree>
     <p:extLst>
       <p:ext uri="{BB962C8B-B14F-4D97-AF65-F5344CB8AC3E}">
-        <p14:creationId xmlns:p14="http://schemas.microsoft.com/office/powerpoint/2010/main" val="2167710447"/>
+        <p14:creationId xmlns:p14="http://schemas.microsoft.com/office/powerpoint/2010/main" xmlns="" val="2167710447"/>
       </p:ext>
     </p:extLst>
   </p:cSld>
@@ -21302,6 +21959,23 @@
 </file>
 
 <file path=customXml/item1.xml><?xml version="1.0" encoding="utf-8"?>
+<p:properties xmlns:p="http://schemas.microsoft.com/office/2006/metadata/properties" xmlns:xsi="http://www.w3.org/2001/XMLSchema-instance" xmlns:pc="http://schemas.microsoft.com/office/infopath/2007/PartnerControls">
+  <documentManagement>
+    <Year xmlns="24ac9ee2-1f69-49ec-81c1-d01c86227436">2015</Year>
+  </documentManagement>
+</p:properties>
+</file>
+
+<file path=customXml/item2.xml><?xml version="1.0" encoding="utf-8"?>
+<?mso-contentType ?>
+<FormTemplates xmlns="http://schemas.microsoft.com/sharepoint/v3/contenttype/forms">
+  <Display>DocumentLibraryForm</Display>
+  <Edit>DocumentLibraryForm</Edit>
+  <New>DocumentLibraryForm</New>
+</FormTemplates>
+</file>
+
+<file path=customXml/item3.xml><?xml version="1.0" encoding="utf-8"?>
 <ct:contentTypeSchema xmlns:ct="http://schemas.microsoft.com/office/2006/metadata/contentType" xmlns:ma="http://schemas.microsoft.com/office/2006/metadata/properties/metaAttributes" ct:_="" ma:_="" ma:contentTypeName="文件" ma:contentTypeID="0x0101000CB458D5399432479E0BB962A3AC807C" ma:contentTypeVersion="1" ma:contentTypeDescription="建立新的文件。" ma:contentTypeScope="" ma:versionID="2090fcdc2e9aae8469eabc8d31b189fb">
   <xsd:schema xmlns:xsd="http://www.w3.org/2001/XMLSchema" xmlns:xs="http://www.w3.org/2001/XMLSchema" xmlns:p="http://schemas.microsoft.com/office/2006/metadata/properties" xmlns:ns2="24ac9ee2-1f69-49ec-81c1-d01c86227436" targetNamespace="http://schemas.microsoft.com/office/2006/metadata/properties" ma:root="true" ma:fieldsID="3ada4ee18b918396c161ab8726fa03da" ns2:_="">
     <xsd:import namespace="24ac9ee2-1f69-49ec-81c1-d01c86227436"/>
@@ -21432,24 +22106,31 @@
 </ct:contentTypeSchema>
 </file>
 
-<file path=customXml/item2.xml><?xml version="1.0" encoding="utf-8"?>
-<?mso-contentType ?>
-<FormTemplates xmlns="http://schemas.microsoft.com/sharepoint/v3/contenttype/forms">
-  <Display>DocumentLibraryForm</Display>
-  <Edit>DocumentLibraryForm</Edit>
-  <New>DocumentLibraryForm</New>
-</FormTemplates>
+<file path=customXml/itemProps1.xml><?xml version="1.0" encoding="utf-8"?>
+<ds:datastoreItem xmlns:ds="http://schemas.openxmlformats.org/officeDocument/2006/customXml" ds:itemID="{327D2673-F33E-4BA5-8F43-8D9B5FEBC44E}">
+  <ds:schemaRefs>
+    <ds:schemaRef ds:uri="http://schemas.microsoft.com/office/2006/documentManagement/types"/>
+    <ds:schemaRef ds:uri="http://schemas.microsoft.com/office/2006/metadata/properties"/>
+    <ds:schemaRef ds:uri="http://purl.org/dc/dcmitype/"/>
+    <ds:schemaRef ds:uri="http://purl.org/dc/terms/"/>
+    <ds:schemaRef ds:uri="http://schemas.microsoft.com/office/infopath/2007/PartnerControls"/>
+    <ds:schemaRef ds:uri="http://purl.org/dc/elements/1.1/"/>
+    <ds:schemaRef ds:uri="http://www.w3.org/XML/1998/namespace"/>
+    <ds:schemaRef ds:uri="http://schemas.openxmlformats.org/package/2006/metadata/core-properties"/>
+    <ds:schemaRef ds:uri="24ac9ee2-1f69-49ec-81c1-d01c86227436"/>
+  </ds:schemaRefs>
+</ds:datastoreItem>
 </file>
 
-<file path=customXml/item3.xml><?xml version="1.0" encoding="utf-8"?>
-<p:properties xmlns:p="http://schemas.microsoft.com/office/2006/metadata/properties" xmlns:xsi="http://www.w3.org/2001/XMLSchema-instance" xmlns:pc="http://schemas.microsoft.com/office/infopath/2007/PartnerControls">
-  <documentManagement>
-    <Year xmlns="24ac9ee2-1f69-49ec-81c1-d01c86227436">2015</Year>
-  </documentManagement>
-</p:properties>
+<file path=customXml/itemProps2.xml><?xml version="1.0" encoding="utf-8"?>
+<ds:datastoreItem xmlns:ds="http://schemas.openxmlformats.org/officeDocument/2006/customXml" ds:itemID="{75703042-9C6F-440D-9A8D-0836740E8EC4}">
+  <ds:schemaRefs>
+    <ds:schemaRef ds:uri="http://schemas.microsoft.com/sharepoint/v3/contenttype/forms"/>
+  </ds:schemaRefs>
+</ds:datastoreItem>
 </file>
 
-<file path=customXml/itemProps1.xml><?xml version="1.0" encoding="utf-8"?>
+<file path=customXml/itemProps3.xml><?xml version="1.0" encoding="utf-8"?>
 <ds:datastoreItem xmlns:ds="http://schemas.openxmlformats.org/officeDocument/2006/customXml" ds:itemID="{4C9F39EC-CE5D-4921-B7BB-5650597DBD03}">
   <ds:schemaRefs>
     <ds:schemaRef ds:uri="http://schemas.microsoft.com/office/2006/metadata/contentType"/>
@@ -21465,28 +22146,4 @@
     <ds:schemaRef ds:uri="http://schemas.microsoft.com/internal/obd"/>
   </ds:schemaRefs>
 </ds:datastoreItem>
-</file>
-
-<file path=customXml/itemProps2.xml><?xml version="1.0" encoding="utf-8"?>
-<ds:datastoreItem xmlns:ds="http://schemas.openxmlformats.org/officeDocument/2006/customXml" ds:itemID="{75703042-9C6F-440D-9A8D-0836740E8EC4}">
-  <ds:schemaRefs>
-    <ds:schemaRef ds:uri="http://schemas.microsoft.com/sharepoint/v3/contenttype/forms"/>
-  </ds:schemaRefs>
-</ds:datastoreItem>
-</file>
-
-<file path=customXml/itemProps3.xml><?xml version="1.0" encoding="utf-8"?>
-<ds:datastoreItem xmlns:ds="http://schemas.openxmlformats.org/officeDocument/2006/customXml" ds:itemID="{327D2673-F33E-4BA5-8F43-8D9B5FEBC44E}">
-  <ds:schemaRefs>
-    <ds:schemaRef ds:uri="http://schemas.microsoft.com/office/2006/documentManagement/types"/>
-    <ds:schemaRef ds:uri="http://schemas.microsoft.com/office/2006/metadata/properties"/>
-    <ds:schemaRef ds:uri="http://purl.org/dc/dcmitype/"/>
-    <ds:schemaRef ds:uri="http://purl.org/dc/terms/"/>
-    <ds:schemaRef ds:uri="http://schemas.microsoft.com/office/infopath/2007/PartnerControls"/>
-    <ds:schemaRef ds:uri="http://purl.org/dc/elements/1.1/"/>
-    <ds:schemaRef ds:uri="http://www.w3.org/XML/1998/namespace"/>
-    <ds:schemaRef ds:uri="http://schemas.openxmlformats.org/package/2006/metadata/core-properties"/>
-    <ds:schemaRef ds:uri="24ac9ee2-1f69-49ec-81c1-d01c86227436"/>
-  </ds:schemaRefs>
-</ds:datastoreItem>
 </file>
--- a/Boosting.pptx
+++ b/Boosting.pptx
@@ -28,12 +28,12 @@
     <p:sldId id="306" r:id="rId19"/>
     <p:sldId id="307" r:id="rId20"/>
     <p:sldId id="308" r:id="rId21"/>
-    <p:sldId id="309" r:id="rId22"/>
-    <p:sldId id="310" r:id="rId23"/>
-    <p:sldId id="296" r:id="rId24"/>
-    <p:sldId id="320" r:id="rId25"/>
-    <p:sldId id="319" r:id="rId26"/>
-    <p:sldId id="318" r:id="rId27"/>
+    <p:sldId id="296" r:id="rId22"/>
+    <p:sldId id="321" r:id="rId23"/>
+    <p:sldId id="320" r:id="rId24"/>
+    <p:sldId id="319" r:id="rId25"/>
+    <p:sldId id="318" r:id="rId26"/>
+    <p:sldId id="322" r:id="rId27"/>
     <p:sldId id="317" r:id="rId28"/>
     <p:sldId id="312" r:id="rId29"/>
     <p:sldId id="313" r:id="rId30"/>
@@ -139,7 +139,7 @@
   </p:defaultTextStyle>
   <p:extLst>
     <p:ext uri="{EFAFB233-063F-42B5-8137-9DF3F51BA10A}">
-      <p15:sldGuideLst xmlns:p15="http://schemas.microsoft.com/office/powerpoint/2012/main" xmlns="">
+      <p15:sldGuideLst xmlns="" xmlns:p15="http://schemas.microsoft.com/office/powerpoint/2012/main">
         <p15:guide id="1" orient="horz" pos="3868">
           <p15:clr>
             <a:srgbClr val="A4A3A4"/>
@@ -284,7 +284,7 @@
             <a:fld id="{F8252C7F-5FEC-2E4D-80AA-BF666F276660}" type="datetime1">
               <a:rPr lang="en-US" smtClean="0"/>
               <a:pPr/>
-              <a:t>6/11/2015</a:t>
+              <a:t>6/12/2015</a:t>
             </a:fld>
             <a:endParaRPr lang="en-US"/>
           </a:p>
@@ -360,7 +360,7 @@
     </p:spTree>
     <p:extLst>
       <p:ext uri="{BB962C8B-B14F-4D97-AF65-F5344CB8AC3E}">
-        <p14:creationId xmlns:p14="http://schemas.microsoft.com/office/powerpoint/2010/main" xmlns="" val="1411092301"/>
+        <p14:creationId xmlns="" xmlns:p14="http://schemas.microsoft.com/office/powerpoint/2010/main" val="1411092301"/>
       </p:ext>
     </p:extLst>
   </p:cSld>
@@ -452,7 +452,7 @@
             <a:fld id="{1939DE02-E791-1340-B4FF-3939EE33ADCD}" type="datetime1">
               <a:rPr lang="en-US" smtClean="0"/>
               <a:pPr/>
-              <a:t>6/11/2015</a:t>
+              <a:t>6/12/2015</a:t>
             </a:fld>
             <a:endParaRPr lang="en-US"/>
           </a:p>
@@ -621,7 +621,7 @@
     </p:spTree>
     <p:extLst>
       <p:ext uri="{BB962C8B-B14F-4D97-AF65-F5344CB8AC3E}">
-        <p14:creationId xmlns:p14="http://schemas.microsoft.com/office/powerpoint/2010/main" xmlns="" val="160240899"/>
+        <p14:creationId xmlns="" xmlns:p14="http://schemas.microsoft.com/office/powerpoint/2010/main" val="160240899"/>
       </p:ext>
     </p:extLst>
   </p:cSld>
@@ -751,7 +751,7 @@
           <a:blip r:embed="rId2">
             <a:extLst>
               <a:ext uri="{28A0092B-C50C-407E-A947-70E740481C1C}">
-                <a14:useLocalDpi xmlns:a14="http://schemas.microsoft.com/office/drawing/2010/main" xmlns="" val="0"/>
+                <a14:useLocalDpi xmlns="" xmlns:a14="http://schemas.microsoft.com/office/drawing/2010/main" val="0"/>
               </a:ext>
             </a:extLst>
           </a:blip>
@@ -772,7 +772,7 @@
     </p:spTree>
     <p:extLst>
       <p:ext uri="{BB962C8B-B14F-4D97-AF65-F5344CB8AC3E}">
-        <p14:creationId xmlns:p14="http://schemas.microsoft.com/office/powerpoint/2010/main" xmlns="" val="921680772"/>
+        <p14:creationId xmlns="" xmlns:p14="http://schemas.microsoft.com/office/powerpoint/2010/main" val="921680772"/>
       </p:ext>
     </p:extLst>
   </p:cSld>
@@ -802,7 +802,7 @@
     </p:spTree>
     <p:extLst>
       <p:ext uri="{BB962C8B-B14F-4D97-AF65-F5344CB8AC3E}">
-        <p14:creationId xmlns:p14="http://schemas.microsoft.com/office/powerpoint/2010/main" xmlns="" val="1551424100"/>
+        <p14:creationId xmlns="" xmlns:p14="http://schemas.microsoft.com/office/powerpoint/2010/main" val="1551424100"/>
       </p:ext>
     </p:extLst>
   </p:cSld>
@@ -932,7 +932,7 @@
     </p:spTree>
     <p:extLst>
       <p:ext uri="{BB962C8B-B14F-4D97-AF65-F5344CB8AC3E}">
-        <p14:creationId xmlns:p14="http://schemas.microsoft.com/office/powerpoint/2010/main" xmlns="" val="2725598606"/>
+        <p14:creationId xmlns="" xmlns:p14="http://schemas.microsoft.com/office/powerpoint/2010/main" val="2725598606"/>
       </p:ext>
     </p:extLst>
   </p:cSld>
@@ -1082,7 +1082,7 @@
     </p:spTree>
     <p:extLst>
       <p:ext uri="{BB962C8B-B14F-4D97-AF65-F5344CB8AC3E}">
-        <p14:creationId xmlns:p14="http://schemas.microsoft.com/office/powerpoint/2010/main" xmlns="" val="3479517975"/>
+        <p14:creationId xmlns="" xmlns:p14="http://schemas.microsoft.com/office/powerpoint/2010/main" val="3479517975"/>
       </p:ext>
     </p:extLst>
   </p:cSld>
@@ -1232,7 +1232,7 @@
     </p:spTree>
     <p:extLst>
       <p:ext uri="{BB962C8B-B14F-4D97-AF65-F5344CB8AC3E}">
-        <p14:creationId xmlns:p14="http://schemas.microsoft.com/office/powerpoint/2010/main" xmlns="" val="3246921271"/>
+        <p14:creationId xmlns="" xmlns:p14="http://schemas.microsoft.com/office/powerpoint/2010/main" val="3246921271"/>
       </p:ext>
     </p:extLst>
   </p:cSld>
@@ -1390,7 +1390,7 @@
     </p:spTree>
     <p:extLst>
       <p:ext uri="{BB962C8B-B14F-4D97-AF65-F5344CB8AC3E}">
-        <p14:creationId xmlns:p14="http://schemas.microsoft.com/office/powerpoint/2010/main" xmlns="" val="3015080783"/>
+        <p14:creationId xmlns="" xmlns:p14="http://schemas.microsoft.com/office/powerpoint/2010/main" val="3015080783"/>
       </p:ext>
     </p:extLst>
   </p:cSld>
@@ -1507,7 +1507,7 @@
     </p:spTree>
     <p:extLst>
       <p:ext uri="{BB962C8B-B14F-4D97-AF65-F5344CB8AC3E}">
-        <p14:creationId xmlns:p14="http://schemas.microsoft.com/office/powerpoint/2010/main" xmlns="" val="2098243185"/>
+        <p14:creationId xmlns="" xmlns:p14="http://schemas.microsoft.com/office/powerpoint/2010/main" val="2098243185"/>
       </p:ext>
     </p:extLst>
   </p:cSld>
@@ -1573,7 +1573,7 @@
     </p:spTree>
     <p:extLst>
       <p:ext uri="{BB962C8B-B14F-4D97-AF65-F5344CB8AC3E}">
-        <p14:creationId xmlns:p14="http://schemas.microsoft.com/office/powerpoint/2010/main" xmlns="" val="4200364697"/>
+        <p14:creationId xmlns="" xmlns:p14="http://schemas.microsoft.com/office/powerpoint/2010/main" val="4200364697"/>
       </p:ext>
     </p:extLst>
   </p:cSld>
@@ -1639,7 +1639,7 @@
     </p:spTree>
     <p:extLst>
       <p:ext uri="{BB962C8B-B14F-4D97-AF65-F5344CB8AC3E}">
-        <p14:creationId xmlns:p14="http://schemas.microsoft.com/office/powerpoint/2010/main" xmlns="" val="930438236"/>
+        <p14:creationId xmlns="" xmlns:p14="http://schemas.microsoft.com/office/powerpoint/2010/main" val="930438236"/>
       </p:ext>
     </p:extLst>
   </p:cSld>
@@ -1705,7 +1705,7 @@
     </p:spTree>
     <p:extLst>
       <p:ext uri="{BB962C8B-B14F-4D97-AF65-F5344CB8AC3E}">
-        <p14:creationId xmlns:p14="http://schemas.microsoft.com/office/powerpoint/2010/main" xmlns="" val="726771096"/>
+        <p14:creationId xmlns="" xmlns:p14="http://schemas.microsoft.com/office/powerpoint/2010/main" val="726771096"/>
       </p:ext>
     </p:extLst>
   </p:cSld>
@@ -1766,7 +1766,7 @@
             <a:blip r:embed="rId12">
               <a:extLst>
                 <a:ext uri="{28A0092B-C50C-407E-A947-70E740481C1C}">
-                  <a14:useLocalDpi xmlns:a14="http://schemas.microsoft.com/office/drawing/2010/main" xmlns="" val="0"/>
+                  <a14:useLocalDpi xmlns="" xmlns:a14="http://schemas.microsoft.com/office/drawing/2010/main" val="0"/>
                 </a:ext>
               </a:extLst>
             </a:blip>
@@ -1796,7 +1796,7 @@
             <a:blip r:embed="rId13">
               <a:extLst>
                 <a:ext uri="{28A0092B-C50C-407E-A947-70E740481C1C}">
-                  <a14:useLocalDpi xmlns:a14="http://schemas.microsoft.com/office/drawing/2010/main" xmlns="" val="0"/>
+                  <a14:useLocalDpi xmlns="" xmlns:a14="http://schemas.microsoft.com/office/drawing/2010/main" val="0"/>
                 </a:ext>
               </a:extLst>
             </a:blip>
@@ -1920,7 +1920,7 @@
     </p:spTree>
     <p:extLst>
       <p:ext uri="{BB962C8B-B14F-4D97-AF65-F5344CB8AC3E}">
-        <p14:creationId xmlns:p14="http://schemas.microsoft.com/office/powerpoint/2010/main" xmlns="" val="950083170"/>
+        <p14:creationId xmlns="" xmlns:p14="http://schemas.microsoft.com/office/powerpoint/2010/main" val="950083170"/>
       </p:ext>
     </p:extLst>
   </p:cSld>
@@ -2312,7 +2312,7 @@
     </p:spTree>
     <p:extLst>
       <p:ext uri="{BB962C8B-B14F-4D97-AF65-F5344CB8AC3E}">
-        <p14:creationId xmlns:p14="http://schemas.microsoft.com/office/powerpoint/2010/main" xmlns="" val="3730043343"/>
+        <p14:creationId xmlns="" xmlns:p14="http://schemas.microsoft.com/office/powerpoint/2010/main" val="3730043343"/>
       </p:ext>
     </p:extLst>
   </p:cSld>
@@ -2466,7 +2466,7 @@
           <a:blip r:embed="rId2">
             <a:extLst>
               <a:ext uri="{28A0092B-C50C-407E-A947-70E740481C1C}">
-                <a14:useLocalDpi xmlns:a14="http://schemas.microsoft.com/office/drawing/2010/main" xmlns="" val="0"/>
+                <a14:useLocalDpi xmlns="" xmlns:a14="http://schemas.microsoft.com/office/drawing/2010/main" val="0"/>
               </a:ext>
             </a:extLst>
           </a:blip>
@@ -2489,14 +2489,14 @@
           </a:ln>
           <a:extLst>
             <a:ext uri="{909E8E84-426E-40DD-AFC4-6F175D3DCCD1}">
-              <a14:hiddenFill xmlns:a14="http://schemas.microsoft.com/office/drawing/2010/main" xmlns="">
+              <a14:hiddenFill xmlns="" xmlns:a14="http://schemas.microsoft.com/office/drawing/2010/main">
                 <a:solidFill>
                   <a:schemeClr val="accent1"/>
                 </a:solidFill>
               </a14:hiddenFill>
             </a:ext>
             <a:ext uri="{91240B29-F687-4F45-9708-019B960494DF}">
-              <a14:hiddenLine xmlns:a14="http://schemas.microsoft.com/office/drawing/2010/main" xmlns="" w="9525">
+              <a14:hiddenLine xmlns="" xmlns:a14="http://schemas.microsoft.com/office/drawing/2010/main" w="9525">
                 <a:solidFill>
                   <a:schemeClr val="tx1"/>
                 </a:solidFill>
@@ -2988,7 +2988,7 @@
     </p:spTree>
     <p:extLst>
       <p:ext uri="{BB962C8B-B14F-4D97-AF65-F5344CB8AC3E}">
-        <p14:creationId xmlns:p14="http://schemas.microsoft.com/office/powerpoint/2010/main" xmlns="" val="3598515457"/>
+        <p14:creationId xmlns="" xmlns:p14="http://schemas.microsoft.com/office/powerpoint/2010/main" val="3598515457"/>
       </p:ext>
     </p:extLst>
   </p:cSld>
@@ -3455,7 +3455,7 @@
           <a:blip r:embed="rId2">
             <a:extLst>
               <a:ext uri="{28A0092B-C50C-407E-A947-70E740481C1C}">
-                <a14:useLocalDpi xmlns:a14="http://schemas.microsoft.com/office/drawing/2010/main" xmlns="" val="0"/>
+                <a14:useLocalDpi xmlns="" xmlns:a14="http://schemas.microsoft.com/office/drawing/2010/main" val="0"/>
               </a:ext>
             </a:extLst>
           </a:blip>
@@ -3478,14 +3478,14 @@
           </a:ln>
           <a:extLst>
             <a:ext uri="{909E8E84-426E-40DD-AFC4-6F175D3DCCD1}">
-              <a14:hiddenFill xmlns:a14="http://schemas.microsoft.com/office/drawing/2010/main" xmlns="">
+              <a14:hiddenFill xmlns="" xmlns:a14="http://schemas.microsoft.com/office/drawing/2010/main">
                 <a:solidFill>
                   <a:schemeClr val="accent1"/>
                 </a:solidFill>
               </a14:hiddenFill>
             </a:ext>
             <a:ext uri="{91240B29-F687-4F45-9708-019B960494DF}">
-              <a14:hiddenLine xmlns:a14="http://schemas.microsoft.com/office/drawing/2010/main" xmlns="" w="9525">
+              <a14:hiddenLine xmlns="" xmlns:a14="http://schemas.microsoft.com/office/drawing/2010/main" w="9525">
                 <a:solidFill>
                   <a:schemeClr val="tx1"/>
                 </a:solidFill>
@@ -3500,7 +3500,7 @@
     </p:spTree>
     <p:extLst>
       <p:ext uri="{BB962C8B-B14F-4D97-AF65-F5344CB8AC3E}">
-        <p14:creationId xmlns:p14="http://schemas.microsoft.com/office/powerpoint/2010/main" xmlns="" val="2280124998"/>
+        <p14:creationId xmlns="" xmlns:p14="http://schemas.microsoft.com/office/powerpoint/2010/main" val="2280124998"/>
       </p:ext>
     </p:extLst>
   </p:cSld>
@@ -4178,7 +4178,7 @@
     </p:spTree>
     <p:extLst>
       <p:ext uri="{BB962C8B-B14F-4D97-AF65-F5344CB8AC3E}">
-        <p14:creationId xmlns:p14="http://schemas.microsoft.com/office/powerpoint/2010/main" xmlns="" val="336112017"/>
+        <p14:creationId xmlns="" xmlns:p14="http://schemas.microsoft.com/office/powerpoint/2010/main" val="336112017"/>
       </p:ext>
     </p:extLst>
   </p:cSld>
@@ -4513,7 +4513,7 @@
     </p:spTree>
     <p:extLst>
       <p:ext uri="{BB962C8B-B14F-4D97-AF65-F5344CB8AC3E}">
-        <p14:creationId xmlns:p14="http://schemas.microsoft.com/office/powerpoint/2010/main" xmlns="" val="3831115768"/>
+        <p14:creationId xmlns="" xmlns:p14="http://schemas.microsoft.com/office/powerpoint/2010/main" val="3831115768"/>
       </p:ext>
     </p:extLst>
   </p:cSld>
@@ -4862,7 +4862,7 @@
     </p:spTree>
     <p:extLst>
       <p:ext uri="{BB962C8B-B14F-4D97-AF65-F5344CB8AC3E}">
-        <p14:creationId xmlns:p14="http://schemas.microsoft.com/office/powerpoint/2010/main" xmlns="" val="3620790817"/>
+        <p14:creationId xmlns="" xmlns:p14="http://schemas.microsoft.com/office/powerpoint/2010/main" val="3620790817"/>
       </p:ext>
     </p:extLst>
   </p:cSld>
@@ -4984,7 +4984,7 @@
           <a:blip r:embed="rId2">
             <a:extLst>
               <a:ext uri="{28A0092B-C50C-407E-A947-70E740481C1C}">
-                <a14:useLocalDpi xmlns:a14="http://schemas.microsoft.com/office/drawing/2010/main" xmlns="" val="0"/>
+                <a14:useLocalDpi xmlns="" xmlns:a14="http://schemas.microsoft.com/office/drawing/2010/main" val="0"/>
               </a:ext>
             </a:extLst>
           </a:blip>
@@ -5007,14 +5007,14 @@
           </a:ln>
           <a:extLst>
             <a:ext uri="{909E8E84-426E-40DD-AFC4-6F175D3DCCD1}">
-              <a14:hiddenFill xmlns:a14="http://schemas.microsoft.com/office/drawing/2010/main" xmlns="">
+              <a14:hiddenFill xmlns="" xmlns:a14="http://schemas.microsoft.com/office/drawing/2010/main">
                 <a:solidFill>
                   <a:schemeClr val="accent1"/>
                 </a:solidFill>
               </a14:hiddenFill>
             </a:ext>
             <a:ext uri="{91240B29-F687-4F45-9708-019B960494DF}">
-              <a14:hiddenLine xmlns:a14="http://schemas.microsoft.com/office/drawing/2010/main" xmlns="" w="9525">
+              <a14:hiddenLine xmlns="" xmlns:a14="http://schemas.microsoft.com/office/drawing/2010/main" w="9525">
                 <a:solidFill>
                   <a:schemeClr val="tx1"/>
                 </a:solidFill>
@@ -5038,7 +5038,7 @@
           <a:blip r:embed="rId3">
             <a:extLst>
               <a:ext uri="{28A0092B-C50C-407E-A947-70E740481C1C}">
-                <a14:useLocalDpi xmlns:a14="http://schemas.microsoft.com/office/drawing/2010/main" xmlns="" val="0"/>
+                <a14:useLocalDpi xmlns="" xmlns:a14="http://schemas.microsoft.com/office/drawing/2010/main" val="0"/>
               </a:ext>
             </a:extLst>
           </a:blip>
@@ -5061,14 +5061,14 @@
           </a:ln>
           <a:extLst>
             <a:ext uri="{909E8E84-426E-40DD-AFC4-6F175D3DCCD1}">
-              <a14:hiddenFill xmlns:a14="http://schemas.microsoft.com/office/drawing/2010/main" xmlns="">
+              <a14:hiddenFill xmlns="" xmlns:a14="http://schemas.microsoft.com/office/drawing/2010/main">
                 <a:solidFill>
                   <a:schemeClr val="accent1"/>
                 </a:solidFill>
               </a14:hiddenFill>
             </a:ext>
             <a:ext uri="{91240B29-F687-4F45-9708-019B960494DF}">
-              <a14:hiddenLine xmlns:a14="http://schemas.microsoft.com/office/drawing/2010/main" xmlns="" w="9525">
+              <a14:hiddenLine xmlns="" xmlns:a14="http://schemas.microsoft.com/office/drawing/2010/main" w="9525">
                 <a:solidFill>
                   <a:schemeClr val="tx1"/>
                 </a:solidFill>
@@ -5083,7 +5083,7 @@
     </p:spTree>
     <p:extLst>
       <p:ext uri="{BB962C8B-B14F-4D97-AF65-F5344CB8AC3E}">
-        <p14:creationId xmlns:p14="http://schemas.microsoft.com/office/powerpoint/2010/main" xmlns="" val="2098547948"/>
+        <p14:creationId xmlns="" xmlns:p14="http://schemas.microsoft.com/office/powerpoint/2010/main" val="2098547948"/>
       </p:ext>
     </p:extLst>
   </p:cSld>
@@ -5580,7 +5580,7 @@
     </p:spTree>
     <p:extLst>
       <p:ext uri="{BB962C8B-B14F-4D97-AF65-F5344CB8AC3E}">
-        <p14:creationId xmlns:p14="http://schemas.microsoft.com/office/powerpoint/2010/main" xmlns="" val="3400813862"/>
+        <p14:creationId xmlns="" xmlns:p14="http://schemas.microsoft.com/office/powerpoint/2010/main" val="3400813862"/>
       </p:ext>
     </p:extLst>
   </p:cSld>
@@ -6013,7 +6013,7 @@
     </p:spTree>
     <p:extLst>
       <p:ext uri="{BB962C8B-B14F-4D97-AF65-F5344CB8AC3E}">
-        <p14:creationId xmlns:p14="http://schemas.microsoft.com/office/powerpoint/2010/main" xmlns="" val="478957399"/>
+        <p14:creationId xmlns="" xmlns:p14="http://schemas.microsoft.com/office/powerpoint/2010/main" val="478957399"/>
       </p:ext>
     </p:extLst>
   </p:cSld>
@@ -6060,949 +6060,6 @@
         <p:spPr>
           <a:xfrm>
             <a:off x="228600" y="986319"/>
-            <a:ext cx="8689622" cy="3988784"/>
-          </a:xfrm>
-        </p:spPr>
-        <p:txBody>
-          <a:bodyPr/>
-          <a:lstStyle/>
-          <a:p>
-            <a:pPr marL="342900" indent="-342900">
-              <a:buFont typeface="Arial" panose="020B0604020202020204" pitchFamily="34" charset="0"/>
-              <a:buChar char="•"/>
-            </a:pPr>
-            <a:r>
-              <a:rPr lang="en-US" altLang="zh-TW" sz="2400" dirty="0">
-                <a:latin typeface="+mj-lt"/>
-              </a:rPr>
-              <a:t>Factory Prototype </a:t>
-            </a:r>
-            <a:r>
-              <a:rPr lang="en-US" altLang="zh-TW" sz="2400" dirty="0" smtClean="0">
-                <a:latin typeface="+mj-lt"/>
-              </a:rPr>
-              <a:t>Phase</a:t>
-            </a:r>
-          </a:p>
-          <a:p>
-            <a:pPr marL="1200150" lvl="1" indent="-457200">
-              <a:buFont typeface="Wingdings" panose="05000000000000000000" pitchFamily="2" charset="2"/>
-              <a:buChar char="Ø"/>
-            </a:pPr>
-            <a:r>
-              <a:rPr lang="en-US" altLang="zh-TW" sz="2000" dirty="0" smtClean="0">
-                <a:solidFill>
-                  <a:srgbClr val="FF0000"/>
-                </a:solidFill>
-                <a:latin typeface="+mj-lt"/>
-              </a:rPr>
-              <a:t>Goal - </a:t>
-            </a:r>
-            <a:r>
-              <a:rPr lang="en-US" altLang="zh-TW" sz="2000" dirty="0">
-                <a:solidFill>
-                  <a:srgbClr val="FF0000"/>
-                </a:solidFill>
-                <a:latin typeface="+mj-lt"/>
-              </a:rPr>
-              <a:t>Verify the design and manufacturability of the product</a:t>
-            </a:r>
-            <a:endParaRPr lang="en-US" altLang="zh-TW" sz="2000" dirty="0" smtClean="0">
-              <a:solidFill>
-                <a:srgbClr val="FF0000"/>
-              </a:solidFill>
-              <a:latin typeface="+mj-lt"/>
-            </a:endParaRPr>
-          </a:p>
-          <a:p>
-            <a:pPr marL="1085850" lvl="1" indent="-342900">
-              <a:buFont typeface="Wingdings" panose="05000000000000000000" pitchFamily="2" charset="2"/>
-              <a:buChar char="Ø"/>
-            </a:pPr>
-            <a:r>
-              <a:rPr lang="en-US" altLang="zh-TW" sz="2000" dirty="0">
-                <a:latin typeface="+mj-lt"/>
-              </a:rPr>
-              <a:t>H</a:t>
-            </a:r>
-            <a:r>
-              <a:rPr lang="en-US" altLang="zh-TW" sz="2000" dirty="0" smtClean="0">
-                <a:latin typeface="+mj-lt"/>
-              </a:rPr>
-              <a:t>ardware </a:t>
-            </a:r>
-            <a:r>
-              <a:rPr lang="en-US" altLang="zh-TW" sz="2000" dirty="0">
-                <a:latin typeface="+mj-lt"/>
-              </a:rPr>
-              <a:t>design will become complete and frozen</a:t>
-            </a:r>
-            <a:endParaRPr lang="zh-TW" altLang="zh-TW" sz="2000" dirty="0">
-              <a:latin typeface="+mj-lt"/>
-            </a:endParaRPr>
-          </a:p>
-          <a:p>
-            <a:pPr marL="1085850" lvl="1" indent="-342900">
-              <a:buFont typeface="Wingdings" panose="05000000000000000000" pitchFamily="2" charset="2"/>
-              <a:buChar char="Ø"/>
-            </a:pPr>
-            <a:r>
-              <a:rPr lang="en-US" altLang="zh-TW" sz="2000" dirty="0">
-                <a:latin typeface="+mj-lt"/>
-              </a:rPr>
-              <a:t>HW/SW integration should be stable</a:t>
-            </a:r>
-            <a:endParaRPr lang="en-US" altLang="zh-TW" sz="2000" dirty="0" smtClean="0">
-              <a:latin typeface="+mj-lt"/>
-            </a:endParaRPr>
-          </a:p>
-          <a:p>
-            <a:pPr marL="1085850" lvl="1" indent="-342900">
-              <a:buFont typeface="Wingdings" panose="05000000000000000000" pitchFamily="2" charset="2"/>
-              <a:buChar char="Ø"/>
-            </a:pPr>
-            <a:r>
-              <a:rPr lang="en-US" altLang="zh-TW" sz="2000" dirty="0">
-                <a:latin typeface="+mj-lt"/>
-              </a:rPr>
-              <a:t>EIT (Engineering Integration Testing)</a:t>
-            </a:r>
-            <a:endParaRPr lang="zh-TW" altLang="zh-TW" sz="2000" dirty="0">
-              <a:latin typeface="+mj-lt"/>
-            </a:endParaRPr>
-          </a:p>
-          <a:p>
-            <a:pPr marL="1085850" lvl="1" indent="-342900">
-              <a:buFont typeface="Wingdings" panose="05000000000000000000" pitchFamily="2" charset="2"/>
-              <a:buChar char="Ø"/>
-            </a:pPr>
-            <a:r>
-              <a:rPr lang="en-US" altLang="zh-TW" sz="2000" dirty="0">
-                <a:latin typeface="+mj-lt"/>
-              </a:rPr>
-              <a:t>Software Usability Assessment (conduct with ENG-116)</a:t>
-            </a:r>
-            <a:endParaRPr lang="en-US" altLang="zh-TW" sz="1800" dirty="0" smtClean="0">
-              <a:latin typeface="+mj-lt"/>
-            </a:endParaRPr>
-          </a:p>
-          <a:p>
-            <a:pPr marL="1085850" lvl="1" indent="-342900">
-              <a:buFont typeface="Wingdings" panose="05000000000000000000" pitchFamily="2" charset="2"/>
-              <a:buChar char="Ø"/>
-            </a:pPr>
-            <a:r>
-              <a:rPr lang="en-US" altLang="zh-TW" sz="2000" dirty="0">
-                <a:latin typeface="+mj-lt"/>
-              </a:rPr>
-              <a:t>Technical writing support</a:t>
-            </a:r>
-            <a:endParaRPr lang="zh-TW" altLang="zh-TW" sz="2000" dirty="0">
-              <a:latin typeface="+mj-lt"/>
-            </a:endParaRPr>
-          </a:p>
-          <a:p>
-            <a:pPr marL="1085850" lvl="1" indent="-342900">
-              <a:buFont typeface="Wingdings" panose="05000000000000000000" pitchFamily="2" charset="2"/>
-              <a:buChar char="Ø"/>
-            </a:pPr>
-            <a:r>
-              <a:rPr lang="en-US" altLang="zh-TW" sz="2000" dirty="0">
-                <a:latin typeface="+mj-lt"/>
-              </a:rPr>
-              <a:t>Marketing Support (screen capture, demo mode, …)</a:t>
-            </a:r>
-            <a:endParaRPr lang="zh-TW" altLang="zh-TW" sz="2000" dirty="0">
-              <a:latin typeface="+mj-lt"/>
-            </a:endParaRPr>
-          </a:p>
-          <a:p>
-            <a:pPr marL="1085850" lvl="1" indent="-342900">
-              <a:buFont typeface="Wingdings" panose="05000000000000000000" pitchFamily="2" charset="2"/>
-              <a:buChar char="Ø"/>
-            </a:pPr>
-            <a:r>
-              <a:rPr lang="en-US" altLang="zh-TW" sz="2000" dirty="0">
-                <a:latin typeface="+mj-lt"/>
-              </a:rPr>
-              <a:t>Testing software release</a:t>
-            </a:r>
-            <a:endParaRPr lang="zh-TW" altLang="zh-TW" sz="2000" dirty="0">
-              <a:latin typeface="+mj-lt"/>
-            </a:endParaRPr>
-          </a:p>
-          <a:p>
-            <a:pPr marL="1085850" lvl="1" indent="-342900">
-              <a:buFont typeface="Wingdings" panose="05000000000000000000" pitchFamily="2" charset="2"/>
-              <a:buChar char="Ø"/>
-            </a:pPr>
-            <a:r>
-              <a:rPr lang="en-US" altLang="zh-TW" sz="2000" dirty="0">
-                <a:latin typeface="+mj-lt"/>
-              </a:rPr>
-              <a:t>Factory Prototype design review (conduct with ENG-116</a:t>
-            </a:r>
-            <a:r>
-              <a:rPr lang="en-US" altLang="zh-TW" sz="2000" dirty="0" smtClean="0">
-                <a:latin typeface="+mj-lt"/>
-              </a:rPr>
-              <a:t>)</a:t>
-            </a:r>
-            <a:endParaRPr lang="zh-TW" altLang="zh-TW" dirty="0">
-              <a:latin typeface="+mj-lt"/>
-            </a:endParaRPr>
-          </a:p>
-          <a:p>
-            <a:pPr marL="1485900" lvl="2" indent="-342900">
-              <a:buFont typeface="Wingdings" panose="05000000000000000000" pitchFamily="2" charset="2"/>
-              <a:buChar char="Ø"/>
-            </a:pPr>
-            <a:endParaRPr lang="en-US" altLang="zh-TW" sz="1800" dirty="0">
-              <a:latin typeface="+mj-lt"/>
-            </a:endParaRPr>
-          </a:p>
-        </p:txBody>
-      </p:sp>
-      <p:sp>
-        <p:nvSpPr>
-          <p:cNvPr id="4" name="Title 3"/>
-          <p:cNvSpPr>
-            <a:spLocks noGrp="1"/>
-          </p:cNvSpPr>
-          <p:nvPr>
-            <p:ph type="title"/>
-          </p:nvPr>
-        </p:nvSpPr>
-        <p:spPr>
-          <a:xfrm>
-            <a:off x="228600" y="228600"/>
-            <a:ext cx="7716280" cy="553998"/>
-          </a:xfrm>
-        </p:spPr>
-        <p:txBody>
-          <a:bodyPr/>
-          <a:lstStyle/>
-          <a:p>
-            <a:pPr marL="342900" indent="-342900"/>
-            <a:r>
-              <a:rPr lang="en-US" altLang="zh-TW" dirty="0">
-                <a:solidFill>
-                  <a:schemeClr val="tx1"/>
-                </a:solidFill>
-                <a:latin typeface="+mj-lt"/>
-              </a:rPr>
-              <a:t>ENG-112 </a:t>
-            </a:r>
-            <a:r>
-              <a:rPr lang="en-US" altLang="zh-TW" sz="2800" dirty="0">
-                <a:solidFill>
-                  <a:schemeClr val="tx1"/>
-                </a:solidFill>
-                <a:latin typeface="+mj-lt"/>
-              </a:rPr>
-              <a:t>Consumer Software Design Method</a:t>
-            </a:r>
-          </a:p>
-        </p:txBody>
-      </p:sp>
-    </p:spTree>
-    <p:extLst>
-      <p:ext uri="{BB962C8B-B14F-4D97-AF65-F5344CB8AC3E}">
-        <p14:creationId xmlns:p14="http://schemas.microsoft.com/office/powerpoint/2010/main" xmlns="" val="2123413861"/>
-      </p:ext>
-    </p:extLst>
-  </p:cSld>
-  <p:clrMapOvr>
-    <a:masterClrMapping/>
-  </p:clrMapOvr>
-  <p:timing>
-    <p:tnLst>
-      <p:par>
-        <p:cTn id="1" dur="indefinite" restart="never" nodeType="tmRoot"/>
-      </p:par>
-    </p:tnLst>
-  </p:timing>
-</p:sld>
-</file>
-
-<file path=ppt/slides/slide19.xml><?xml version="1.0" encoding="utf-8"?>
-<p:sld xmlns:a="http://schemas.openxmlformats.org/drawingml/2006/main" xmlns:r="http://schemas.openxmlformats.org/officeDocument/2006/relationships" xmlns:p="http://schemas.openxmlformats.org/presentationml/2006/main">
-  <p:cSld>
-    <p:spTree>
-      <p:nvGrpSpPr>
-        <p:cNvPr id="1" name=""/>
-        <p:cNvGrpSpPr/>
-        <p:nvPr/>
-      </p:nvGrpSpPr>
-      <p:grpSpPr>
-        <a:xfrm>
-          <a:off x="0" y="0"/>
-          <a:ext cx="0" cy="0"/>
-          <a:chOff x="0" y="0"/>
-          <a:chExt cx="0" cy="0"/>
-        </a:xfrm>
-      </p:grpSpPr>
-      <p:sp>
-        <p:nvSpPr>
-          <p:cNvPr id="3" name="Content Placeholder 2"/>
-          <p:cNvSpPr>
-            <a:spLocks noGrp="1"/>
-          </p:cNvSpPr>
-          <p:nvPr>
-            <p:ph idx="1"/>
-          </p:nvPr>
-        </p:nvSpPr>
-        <p:spPr>
-          <a:xfrm>
-            <a:off x="228600" y="986319"/>
-            <a:ext cx="8689622" cy="5355312"/>
-          </a:xfrm>
-        </p:spPr>
-        <p:txBody>
-          <a:bodyPr/>
-          <a:lstStyle/>
-          <a:p>
-            <a:pPr marL="342900" indent="-342900">
-              <a:buFont typeface="Arial" panose="020B0604020202020204" pitchFamily="34" charset="0"/>
-              <a:buChar char="•"/>
-            </a:pPr>
-            <a:r>
-              <a:rPr lang="en-US" altLang="zh-TW" sz="2400" dirty="0">
-                <a:latin typeface="+mj-lt"/>
-              </a:rPr>
-              <a:t>Pilot Run Phase</a:t>
-            </a:r>
-            <a:endParaRPr lang="en-US" altLang="zh-TW" sz="2400" dirty="0" smtClean="0">
-              <a:latin typeface="+mj-lt"/>
-            </a:endParaRPr>
-          </a:p>
-          <a:p>
-            <a:pPr marL="1200150" lvl="1" indent="-457200">
-              <a:buFont typeface="Wingdings" panose="05000000000000000000" pitchFamily="2" charset="2"/>
-              <a:buChar char="Ø"/>
-            </a:pPr>
-            <a:r>
-              <a:rPr lang="en-US" altLang="zh-TW" sz="2000" dirty="0" smtClean="0">
-                <a:solidFill>
-                  <a:srgbClr val="FF0000"/>
-                </a:solidFill>
-                <a:latin typeface="+mj-lt"/>
-              </a:rPr>
-              <a:t>Goal - </a:t>
-            </a:r>
-            <a:r>
-              <a:rPr lang="en-US" altLang="zh-TW" sz="2000" dirty="0">
-                <a:solidFill>
-                  <a:srgbClr val="FF0000"/>
-                </a:solidFill>
-                <a:latin typeface="+mj-lt"/>
-              </a:rPr>
-              <a:t>confirm there are no design faults or factory process </a:t>
-            </a:r>
-            <a:r>
-              <a:rPr lang="en-US" altLang="zh-TW" sz="2000" dirty="0" smtClean="0">
-                <a:solidFill>
-                  <a:srgbClr val="FF0000"/>
-                </a:solidFill>
-                <a:latin typeface="+mj-lt"/>
-              </a:rPr>
-              <a:t>limitations</a:t>
-            </a:r>
-          </a:p>
-          <a:p>
-            <a:pPr marL="1085850" lvl="1" indent="-342900">
-              <a:buFont typeface="Wingdings" panose="05000000000000000000" pitchFamily="2" charset="2"/>
-              <a:buChar char="Ø"/>
-            </a:pPr>
-            <a:r>
-              <a:rPr lang="en-US" altLang="zh-TW" sz="2000" dirty="0">
-                <a:latin typeface="+mj-lt"/>
-              </a:rPr>
-              <a:t>Custom-level testing prior to production release</a:t>
-            </a:r>
-            <a:endParaRPr lang="zh-TW" altLang="zh-TW" sz="2000" dirty="0">
-              <a:latin typeface="+mj-lt"/>
-            </a:endParaRPr>
-          </a:p>
-          <a:p>
-            <a:pPr marL="1085850" lvl="1" indent="-342900">
-              <a:buFont typeface="Wingdings" panose="05000000000000000000" pitchFamily="2" charset="2"/>
-              <a:buChar char="Ø"/>
-            </a:pPr>
-            <a:r>
-              <a:rPr lang="en-US" altLang="zh-TW" sz="2000" dirty="0" smtClean="0">
-                <a:latin typeface="+mj-lt"/>
-              </a:rPr>
-              <a:t>Field testing</a:t>
-            </a:r>
-          </a:p>
-          <a:p>
-            <a:pPr marL="1085850" lvl="1" indent="-342900">
-              <a:buFont typeface="Wingdings" panose="05000000000000000000" pitchFamily="2" charset="2"/>
-              <a:buChar char="Ø"/>
-            </a:pPr>
-            <a:r>
-              <a:rPr lang="en-US" altLang="zh-TW" sz="2000" dirty="0">
-                <a:latin typeface="+mj-lt"/>
-              </a:rPr>
-              <a:t>Problem shall be managed via the Software Change Control Process</a:t>
-            </a:r>
-            <a:endParaRPr lang="zh-TW" altLang="zh-TW" sz="2000" dirty="0">
-              <a:latin typeface="+mj-lt"/>
-            </a:endParaRPr>
-          </a:p>
-          <a:p>
-            <a:pPr marL="1085850" lvl="1" indent="-342900">
-              <a:buFont typeface="Wingdings" panose="05000000000000000000" pitchFamily="2" charset="2"/>
-              <a:buChar char="Ø"/>
-            </a:pPr>
-            <a:r>
-              <a:rPr lang="en-US" altLang="zh-TW" sz="2000" dirty="0">
-                <a:latin typeface="+mj-lt"/>
-              </a:rPr>
-              <a:t>Design changes: Lead Software Engineer </a:t>
-            </a:r>
-            <a:r>
-              <a:rPr lang="en-US" altLang="zh-TW" sz="2000" dirty="0" smtClean="0">
-                <a:latin typeface="+mj-lt"/>
-              </a:rPr>
-              <a:t>consider –</a:t>
-            </a:r>
-          </a:p>
-          <a:p>
-            <a:pPr marL="1485900" lvl="2" indent="-342900">
-              <a:buFont typeface="Wingdings" panose="05000000000000000000" pitchFamily="2" charset="2"/>
-              <a:buChar char="ü"/>
-            </a:pPr>
-            <a:r>
-              <a:rPr lang="en-US" altLang="zh-TW" sz="1800" dirty="0">
-                <a:latin typeface="+mj-lt"/>
-              </a:rPr>
-              <a:t>C</a:t>
-            </a:r>
-            <a:r>
-              <a:rPr lang="en-US" altLang="zh-TW" sz="1800" dirty="0" smtClean="0">
-                <a:latin typeface="+mj-lt"/>
-              </a:rPr>
-              <a:t>ustomers </a:t>
-            </a:r>
-            <a:r>
-              <a:rPr lang="en-US" altLang="zh-TW" sz="1800" dirty="0">
-                <a:latin typeface="+mj-lt"/>
-              </a:rPr>
-              <a:t>returning products</a:t>
-            </a:r>
-            <a:r>
-              <a:rPr lang="en-US" altLang="zh-TW" sz="1800" dirty="0" smtClean="0">
-                <a:latin typeface="+mj-lt"/>
-              </a:rPr>
-              <a:t>?</a:t>
-            </a:r>
-          </a:p>
-          <a:p>
-            <a:pPr marL="1485900" lvl="2" indent="-342900">
-              <a:buFont typeface="Wingdings" panose="05000000000000000000" pitchFamily="2" charset="2"/>
-              <a:buChar char="ü"/>
-            </a:pPr>
-            <a:r>
-              <a:rPr lang="en-US" altLang="zh-TW" sz="1800" dirty="0">
-                <a:latin typeface="+mj-lt"/>
-              </a:rPr>
-              <a:t>C</a:t>
-            </a:r>
-            <a:r>
-              <a:rPr lang="en-US" altLang="zh-TW" sz="1800" dirty="0" smtClean="0">
-                <a:latin typeface="+mj-lt"/>
-              </a:rPr>
-              <a:t>alling </a:t>
-            </a:r>
-            <a:r>
-              <a:rPr lang="en-US" altLang="zh-TW" sz="1800" dirty="0">
-                <a:latin typeface="+mj-lt"/>
-              </a:rPr>
-              <a:t>Customer Support</a:t>
-            </a:r>
-            <a:r>
-              <a:rPr lang="en-US" altLang="zh-TW" sz="1800" dirty="0" smtClean="0">
-                <a:latin typeface="+mj-lt"/>
-              </a:rPr>
-              <a:t>?</a:t>
-            </a:r>
-          </a:p>
-          <a:p>
-            <a:pPr marL="1485900" lvl="2" indent="-342900">
-              <a:buFont typeface="Wingdings" panose="05000000000000000000" pitchFamily="2" charset="2"/>
-              <a:buChar char="ü"/>
-            </a:pPr>
-            <a:r>
-              <a:rPr lang="en-US" altLang="zh-TW" sz="1800" dirty="0">
-                <a:latin typeface="+mj-lt"/>
-              </a:rPr>
-              <a:t>Schedule/cost impact of this change</a:t>
-            </a:r>
-            <a:endParaRPr lang="en-US" altLang="zh-TW" sz="1800" dirty="0" smtClean="0">
-              <a:latin typeface="+mj-lt"/>
-            </a:endParaRPr>
-          </a:p>
-          <a:p>
-            <a:pPr marL="1085850" lvl="1" indent="-342900">
-              <a:buFont typeface="Wingdings" panose="05000000000000000000" pitchFamily="2" charset="2"/>
-              <a:buChar char="Ø"/>
-            </a:pPr>
-            <a:r>
-              <a:rPr lang="en-US" altLang="zh-TW" sz="2000" dirty="0" smtClean="0">
-                <a:solidFill>
-                  <a:srgbClr val="FF0000"/>
-                </a:solidFill>
-                <a:latin typeface="+mj-lt"/>
-              </a:rPr>
-              <a:t>Product </a:t>
-            </a:r>
-            <a:r>
-              <a:rPr lang="en-US" altLang="zh-TW" sz="2000" dirty="0">
-                <a:solidFill>
-                  <a:srgbClr val="FF0000"/>
-                </a:solidFill>
-                <a:latin typeface="+mj-lt"/>
-              </a:rPr>
-              <a:t>Validation</a:t>
-            </a:r>
-            <a:r>
-              <a:rPr lang="en-US" altLang="zh-TW" sz="2000" dirty="0">
-                <a:latin typeface="+mj-lt"/>
-              </a:rPr>
-              <a:t> Review: verifying the product satisfies the top level requirement</a:t>
-            </a:r>
-            <a:endParaRPr lang="zh-TW" altLang="zh-TW" sz="2000" dirty="0">
-              <a:latin typeface="+mj-lt"/>
-            </a:endParaRPr>
-          </a:p>
-          <a:p>
-            <a:pPr marL="1085850" lvl="1" indent="-342900">
-              <a:buFont typeface="Wingdings" panose="05000000000000000000" pitchFamily="2" charset="2"/>
-              <a:buChar char="Ø"/>
-            </a:pPr>
-            <a:endParaRPr lang="zh-TW" altLang="zh-TW" dirty="0" smtClean="0">
-              <a:latin typeface="+mj-lt"/>
-            </a:endParaRPr>
-          </a:p>
-          <a:p>
-            <a:pPr marL="1485900" lvl="2" indent="-342900">
-              <a:buFont typeface="Wingdings" panose="05000000000000000000" pitchFamily="2" charset="2"/>
-              <a:buChar char="Ø"/>
-            </a:pPr>
-            <a:endParaRPr lang="en-US" altLang="zh-TW" sz="1800" dirty="0">
-              <a:latin typeface="+mj-lt"/>
-            </a:endParaRPr>
-          </a:p>
-        </p:txBody>
-      </p:sp>
-      <p:sp>
-        <p:nvSpPr>
-          <p:cNvPr id="4" name="Title 3"/>
-          <p:cNvSpPr>
-            <a:spLocks noGrp="1"/>
-          </p:cNvSpPr>
-          <p:nvPr>
-            <p:ph type="title"/>
-          </p:nvPr>
-        </p:nvSpPr>
-        <p:spPr>
-          <a:xfrm>
-            <a:off x="228600" y="228600"/>
-            <a:ext cx="7716280" cy="553998"/>
-          </a:xfrm>
-        </p:spPr>
-        <p:txBody>
-          <a:bodyPr/>
-          <a:lstStyle/>
-          <a:p>
-            <a:pPr marL="342900" indent="-342900"/>
-            <a:r>
-              <a:rPr lang="en-US" altLang="zh-TW" dirty="0">
-                <a:solidFill>
-                  <a:schemeClr val="tx1"/>
-                </a:solidFill>
-                <a:latin typeface="+mj-lt"/>
-              </a:rPr>
-              <a:t>ENG-112 </a:t>
-            </a:r>
-            <a:r>
-              <a:rPr lang="en-US" altLang="zh-TW" sz="2800" dirty="0">
-                <a:solidFill>
-                  <a:schemeClr val="tx1"/>
-                </a:solidFill>
-                <a:latin typeface="+mj-lt"/>
-              </a:rPr>
-              <a:t>Consumer Software Design Method</a:t>
-            </a:r>
-          </a:p>
-        </p:txBody>
-      </p:sp>
-    </p:spTree>
-    <p:extLst>
-      <p:ext uri="{BB962C8B-B14F-4D97-AF65-F5344CB8AC3E}">
-        <p14:creationId xmlns:p14="http://schemas.microsoft.com/office/powerpoint/2010/main" xmlns="" val="3040030372"/>
-      </p:ext>
-    </p:extLst>
-  </p:cSld>
-  <p:clrMapOvr>
-    <a:masterClrMapping/>
-  </p:clrMapOvr>
-  <p:timing>
-    <p:tnLst>
-      <p:par>
-        <p:cTn id="1" dur="indefinite" restart="never" nodeType="tmRoot"/>
-      </p:par>
-    </p:tnLst>
-  </p:timing>
-</p:sld>
-</file>
-
-<file path=ppt/slides/slide2.xml><?xml version="1.0" encoding="utf-8"?>
-<p:sld xmlns:a="http://schemas.openxmlformats.org/drawingml/2006/main" xmlns:r="http://schemas.openxmlformats.org/officeDocument/2006/relationships" xmlns:p="http://schemas.openxmlformats.org/presentationml/2006/main">
-  <p:cSld>
-    <p:spTree>
-      <p:nvGrpSpPr>
-        <p:cNvPr id="1" name=""/>
-        <p:cNvGrpSpPr/>
-        <p:nvPr/>
-      </p:nvGrpSpPr>
-      <p:grpSpPr>
-        <a:xfrm>
-          <a:off x="0" y="0"/>
-          <a:ext cx="0" cy="0"/>
-          <a:chOff x="0" y="0"/>
-          <a:chExt cx="0" cy="0"/>
-        </a:xfrm>
-      </p:grpSpPr>
-      <p:sp>
-        <p:nvSpPr>
-          <p:cNvPr id="3" name="Content Placeholder 2"/>
-          <p:cNvSpPr>
-            <a:spLocks noGrp="1"/>
-          </p:cNvSpPr>
-          <p:nvPr>
-            <p:ph idx="1"/>
-          </p:nvPr>
-        </p:nvSpPr>
-        <p:spPr>
-          <a:xfrm>
-            <a:off x="228600" y="986319"/>
-            <a:ext cx="8689622" cy="5355312"/>
-          </a:xfrm>
-        </p:spPr>
-        <p:txBody>
-          <a:bodyPr/>
-          <a:lstStyle/>
-          <a:p>
-            <a:pPr marL="342900" indent="-342900">
-              <a:buFont typeface="Arial"/>
-              <a:buChar char="•"/>
-            </a:pPr>
-            <a:r>
-              <a:rPr lang="en-US" sz="2400" dirty="0" smtClean="0">
-                <a:latin typeface="+mj-lt"/>
-              </a:rPr>
-              <a:t>Development evolution</a:t>
-            </a:r>
-          </a:p>
-          <a:p>
-            <a:pPr marL="342900" indent="-342900">
-              <a:buFont typeface="Arial"/>
-              <a:buChar char="•"/>
-            </a:pPr>
-            <a:r>
-              <a:rPr lang="en-US" altLang="zh-TW" sz="2400" dirty="0">
-                <a:latin typeface="+mj-lt"/>
-                <a:sym typeface="Gill Sans Light"/>
-              </a:rPr>
-              <a:t>Software Configuration </a:t>
-            </a:r>
-            <a:r>
-              <a:rPr lang="en-US" altLang="zh-TW" sz="2400" dirty="0" smtClean="0">
-                <a:latin typeface="+mj-lt"/>
-                <a:sym typeface="Gill Sans Light"/>
-              </a:rPr>
-              <a:t>Management</a:t>
-            </a:r>
-            <a:endParaRPr lang="en-US" sz="2400" dirty="0" smtClean="0">
-              <a:latin typeface="+mj-lt"/>
-            </a:endParaRPr>
-          </a:p>
-          <a:p>
-            <a:pPr marL="342900" indent="-342900">
-              <a:buFont typeface="Arial"/>
-              <a:buChar char="•"/>
-            </a:pPr>
-            <a:r>
-              <a:rPr lang="en-US" altLang="zh-TW" sz="2400" dirty="0">
-                <a:latin typeface="+mj-lt"/>
-              </a:rPr>
-              <a:t>Current </a:t>
-            </a:r>
-            <a:r>
-              <a:rPr lang="en-US" altLang="zh-TW" sz="2400" dirty="0" smtClean="0">
-                <a:latin typeface="+mj-lt"/>
-              </a:rPr>
-              <a:t>process</a:t>
-            </a:r>
-            <a:endParaRPr lang="en-US" sz="2400" dirty="0" smtClean="0">
-              <a:latin typeface="+mj-lt"/>
-            </a:endParaRPr>
-          </a:p>
-          <a:p>
-            <a:pPr marL="342900" indent="-342900">
-              <a:buFont typeface="Arial"/>
-              <a:buChar char="•"/>
-            </a:pPr>
-            <a:r>
-              <a:rPr lang="en-US" sz="2400" dirty="0" smtClean="0">
-                <a:latin typeface="+mj-lt"/>
-              </a:rPr>
-              <a:t>V model</a:t>
-            </a:r>
-          </a:p>
-          <a:p>
-            <a:pPr marL="342900" indent="-342900">
-              <a:buFont typeface="Arial"/>
-              <a:buChar char="•"/>
-            </a:pPr>
-            <a:r>
-              <a:rPr lang="en-US" sz="2400" dirty="0" smtClean="0">
-                <a:latin typeface="+mj-lt"/>
-              </a:rPr>
-              <a:t>ENG-100 </a:t>
-            </a:r>
-            <a:r>
-              <a:rPr lang="en-US" altLang="zh-TW" sz="2400" dirty="0" smtClean="0">
-                <a:latin typeface="+mj-lt"/>
-              </a:rPr>
-              <a:t>Consumer </a:t>
-            </a:r>
-            <a:r>
-              <a:rPr lang="en-US" altLang="zh-TW" sz="2400" dirty="0">
-                <a:latin typeface="+mj-lt"/>
-              </a:rPr>
-              <a:t>Product Development and </a:t>
-            </a:r>
-            <a:r>
-              <a:rPr lang="en-US" altLang="zh-TW" sz="2400" dirty="0" smtClean="0">
-                <a:latin typeface="+mj-lt"/>
-              </a:rPr>
-              <a:t>Release</a:t>
-            </a:r>
-          </a:p>
-          <a:p>
-            <a:pPr marL="342900" indent="-342900">
-              <a:buFont typeface="Arial"/>
-              <a:buChar char="•"/>
-            </a:pPr>
-            <a:r>
-              <a:rPr lang="en-US" altLang="zh-TW" sz="2400" dirty="0">
-                <a:latin typeface="+mj-lt"/>
-              </a:rPr>
-              <a:t>ENG-112 Consumer Software Design </a:t>
-            </a:r>
-            <a:r>
-              <a:rPr lang="en-US" altLang="zh-TW" sz="2400" dirty="0" smtClean="0">
-                <a:latin typeface="+mj-lt"/>
-              </a:rPr>
-              <a:t>Method</a:t>
-            </a:r>
-          </a:p>
-          <a:p>
-            <a:pPr marL="342900" indent="-342900">
-              <a:buFont typeface="Arial"/>
-              <a:buChar char="•"/>
-            </a:pPr>
-            <a:r>
-              <a:rPr lang="en-US" altLang="zh-TW" sz="2400" dirty="0">
-                <a:latin typeface="+mj-lt"/>
-              </a:rPr>
-              <a:t>ENG-116 Consumer Engineering Design Review </a:t>
-            </a:r>
-            <a:r>
-              <a:rPr lang="en-US" altLang="zh-TW" sz="2400" dirty="0" smtClean="0">
-                <a:latin typeface="+mj-lt"/>
-              </a:rPr>
-              <a:t>Procedure</a:t>
-            </a:r>
-          </a:p>
-          <a:p>
-            <a:pPr marL="342900" indent="-342900">
-              <a:buFont typeface="Arial"/>
-              <a:buChar char="•"/>
-            </a:pPr>
-            <a:r>
-              <a:rPr lang="en-US" altLang="zh-TW" sz="2400" dirty="0"/>
-              <a:t>Garmin product development </a:t>
-            </a:r>
-            <a:r>
-              <a:rPr lang="en-US" altLang="zh-TW" sz="2400" dirty="0" smtClean="0"/>
-              <a:t>process</a:t>
-            </a:r>
-          </a:p>
-          <a:p>
-            <a:pPr marL="342900" indent="-342900">
-              <a:buFont typeface="Arial"/>
-              <a:buChar char="•"/>
-            </a:pPr>
-            <a:r>
-              <a:rPr lang="en-US" altLang="zh-TW" sz="2400" dirty="0">
-                <a:latin typeface="+mj-lt"/>
-              </a:rPr>
-              <a:t>APAC derivative product develop flow overview</a:t>
-            </a:r>
-            <a:endParaRPr lang="zh-TW" altLang="zh-TW" sz="2400" dirty="0">
-              <a:latin typeface="+mj-lt"/>
-            </a:endParaRPr>
-          </a:p>
-          <a:p>
-            <a:pPr marL="342900" indent="-342900">
-              <a:buFont typeface="Arial"/>
-              <a:buChar char="•"/>
-            </a:pPr>
-            <a:endParaRPr lang="en-US" altLang="zh-TW" sz="2400" dirty="0">
-              <a:latin typeface="+mj-lt"/>
-            </a:endParaRPr>
-          </a:p>
-          <a:p>
-            <a:pPr marL="342900" indent="-342900">
-              <a:buFont typeface="Arial"/>
-              <a:buChar char="•"/>
-            </a:pPr>
-            <a:endParaRPr lang="en-US" sz="2400" dirty="0" smtClean="0">
-              <a:latin typeface="+mj-lt"/>
-            </a:endParaRPr>
-          </a:p>
-          <a:p>
-            <a:pPr marL="1085850" lvl="1" indent="-342900">
-              <a:buFont typeface="Arial"/>
-              <a:buChar char="•"/>
-            </a:pPr>
-            <a:endParaRPr lang="en-US" sz="3000" dirty="0">
-              <a:latin typeface="+mj-lt"/>
-            </a:endParaRPr>
-          </a:p>
-        </p:txBody>
-      </p:sp>
-      <p:sp>
-        <p:nvSpPr>
-          <p:cNvPr id="4" name="Title 3"/>
-          <p:cNvSpPr>
-            <a:spLocks noGrp="1"/>
-          </p:cNvSpPr>
-          <p:nvPr>
-            <p:ph type="title"/>
-          </p:nvPr>
-        </p:nvSpPr>
-        <p:spPr>
-          <a:xfrm>
-            <a:off x="228600" y="228600"/>
-            <a:ext cx="1590179" cy="553998"/>
-          </a:xfrm>
-        </p:spPr>
-        <p:txBody>
-          <a:bodyPr/>
-          <a:lstStyle/>
-          <a:p>
-            <a:r>
-              <a:rPr lang="en-US" b="0" dirty="0" smtClean="0">
-                <a:solidFill>
-                  <a:schemeClr val="tx1"/>
-                </a:solidFill>
-                <a:latin typeface="+mj-lt"/>
-              </a:rPr>
-              <a:t>Agenda</a:t>
-            </a:r>
-            <a:endParaRPr lang="en-US" b="0" dirty="0">
-              <a:solidFill>
-                <a:schemeClr val="tx1"/>
-              </a:solidFill>
-              <a:latin typeface="+mj-lt"/>
-            </a:endParaRPr>
-          </a:p>
-        </p:txBody>
-      </p:sp>
-      <p:sp>
-        <p:nvSpPr>
-          <p:cNvPr id="2" name="Slide Number Placeholder 1"/>
-          <p:cNvSpPr>
-            <a:spLocks noGrp="1"/>
-          </p:cNvSpPr>
-          <p:nvPr>
-            <p:ph type="sldNum" sz="quarter" idx="10"/>
-          </p:nvPr>
-        </p:nvSpPr>
-        <p:spPr/>
-        <p:txBody>
-          <a:bodyPr/>
-          <a:lstStyle/>
-          <a:p>
-            <a:fld id="{F52E3F39-0206-E343-A815-B0E9B8087364}" type="slidenum">
-              <a:rPr lang="en-US" smtClean="0">
-                <a:latin typeface="+mj-lt"/>
-              </a:rPr>
-              <a:pPr/>
-              <a:t>2</a:t>
-            </a:fld>
-            <a:endParaRPr lang="en-US" dirty="0">
-              <a:latin typeface="+mj-lt"/>
-            </a:endParaRPr>
-          </a:p>
-        </p:txBody>
-      </p:sp>
-    </p:spTree>
-    <p:extLst>
-      <p:ext uri="{BB962C8B-B14F-4D97-AF65-F5344CB8AC3E}">
-        <p14:creationId xmlns:p14="http://schemas.microsoft.com/office/powerpoint/2010/main" xmlns="" val="2707758325"/>
-      </p:ext>
-    </p:extLst>
-  </p:cSld>
-  <p:clrMapOvr>
-    <a:masterClrMapping/>
-  </p:clrMapOvr>
-  <p:timing>
-    <p:tnLst>
-      <p:par>
-        <p:cTn id="1" dur="indefinite" restart="never" nodeType="tmRoot"/>
-      </p:par>
-    </p:tnLst>
-  </p:timing>
-</p:sld>
-</file>
-
-<file path=ppt/slides/slide20.xml><?xml version="1.0" encoding="utf-8"?>
-<p:sld xmlns:a="http://schemas.openxmlformats.org/drawingml/2006/main" xmlns:r="http://schemas.openxmlformats.org/officeDocument/2006/relationships" xmlns:p="http://schemas.openxmlformats.org/presentationml/2006/main">
-  <p:cSld>
-    <p:spTree>
-      <p:nvGrpSpPr>
-        <p:cNvPr id="1" name=""/>
-        <p:cNvGrpSpPr/>
-        <p:nvPr/>
-      </p:nvGrpSpPr>
-      <p:grpSpPr>
-        <a:xfrm>
-          <a:off x="0" y="0"/>
-          <a:ext cx="0" cy="0"/>
-          <a:chOff x="0" y="0"/>
-          <a:chExt cx="0" cy="0"/>
-        </a:xfrm>
-      </p:grpSpPr>
-      <p:sp>
-        <p:nvSpPr>
-          <p:cNvPr id="3" name="Content Placeholder 2"/>
-          <p:cNvSpPr>
-            <a:spLocks noGrp="1"/>
-          </p:cNvSpPr>
-          <p:nvPr>
-            <p:ph idx="1"/>
-          </p:nvPr>
-        </p:nvSpPr>
-        <p:spPr>
-          <a:xfrm>
-            <a:off x="228600" y="986319"/>
             <a:ext cx="8689622" cy="4210383"/>
           </a:xfrm>
         </p:spPr>
@@ -7208,7 +6265,7 @@
             <a:fld id="{F52E3F39-0206-E343-A815-B0E9B8087364}" type="slidenum">
               <a:rPr lang="en-US" smtClean="0"/>
               <a:pPr/>
-              <a:t>20</a:t>
+              <a:t>18</a:t>
             </a:fld>
             <a:endParaRPr lang="en-US" dirty="0"/>
           </a:p>
@@ -7313,7 +6370,841 @@
     </p:spTree>
     <p:extLst>
       <p:ext uri="{BB962C8B-B14F-4D97-AF65-F5344CB8AC3E}">
-        <p14:creationId xmlns:p14="http://schemas.microsoft.com/office/powerpoint/2010/main" xmlns="" val="4019875659"/>
+        <p14:creationId xmlns="" xmlns:p14="http://schemas.microsoft.com/office/powerpoint/2010/main" val="4019875659"/>
+      </p:ext>
+    </p:extLst>
+  </p:cSld>
+  <p:clrMapOvr>
+    <a:masterClrMapping/>
+  </p:clrMapOvr>
+  <p:timing>
+    <p:tnLst>
+      <p:par>
+        <p:cTn id="1" dur="indefinite" restart="never" nodeType="tmRoot"/>
+      </p:par>
+    </p:tnLst>
+  </p:timing>
+</p:sld>
+</file>
+
+<file path=ppt/slides/slide19.xml><?xml version="1.0" encoding="utf-8"?>
+<p:sld xmlns:a="http://schemas.openxmlformats.org/drawingml/2006/main" xmlns:r="http://schemas.openxmlformats.org/officeDocument/2006/relationships" xmlns:p="http://schemas.openxmlformats.org/presentationml/2006/main">
+  <p:cSld>
+    <p:spTree>
+      <p:nvGrpSpPr>
+        <p:cNvPr id="1" name=""/>
+        <p:cNvGrpSpPr/>
+        <p:nvPr/>
+      </p:nvGrpSpPr>
+      <p:grpSpPr>
+        <a:xfrm>
+          <a:off x="0" y="0"/>
+          <a:ext cx="0" cy="0"/>
+          <a:chOff x="0" y="0"/>
+          <a:chExt cx="0" cy="0"/>
+        </a:xfrm>
+      </p:grpSpPr>
+      <p:sp>
+        <p:nvSpPr>
+          <p:cNvPr id="4" name="Title 3"/>
+          <p:cNvSpPr>
+            <a:spLocks noGrp="1"/>
+          </p:cNvSpPr>
+          <p:nvPr>
+            <p:ph type="title"/>
+          </p:nvPr>
+        </p:nvSpPr>
+        <p:spPr>
+          <a:xfrm>
+            <a:off x="228600" y="228600"/>
+            <a:ext cx="2634311" cy="492443"/>
+          </a:xfrm>
+        </p:spPr>
+        <p:txBody>
+          <a:bodyPr/>
+          <a:lstStyle/>
+          <a:p>
+            <a:pPr marL="342900" indent="-342900"/>
+            <a:r>
+              <a:rPr lang="en-US" altLang="zh-TW" sz="3200" dirty="0" smtClean="0">
+                <a:solidFill>
+                  <a:schemeClr val="tx1"/>
+                </a:solidFill>
+                <a:latin typeface="+mj-lt"/>
+              </a:rPr>
+              <a:t>Weight of data</a:t>
+            </a:r>
+            <a:endParaRPr lang="en-US" altLang="zh-TW" sz="3200" dirty="0">
+              <a:solidFill>
+                <a:schemeClr val="tx1"/>
+              </a:solidFill>
+              <a:latin typeface="+mj-lt"/>
+            </a:endParaRPr>
+          </a:p>
+        </p:txBody>
+      </p:sp>
+      <p:pic>
+        <p:nvPicPr>
+          <p:cNvPr id="39939" name="Picture 3" descr="C:\Users\LiangLeon\Pictures\GARMIN\weight_of_data.png"/>
+          <p:cNvPicPr>
+            <a:picLocks noChangeAspect="1" noChangeArrowheads="1"/>
+          </p:cNvPicPr>
+          <p:nvPr/>
+        </p:nvPicPr>
+        <p:blipFill>
+          <a:blip r:embed="rId2"/>
+          <a:srcRect/>
+          <a:stretch>
+            <a:fillRect/>
+          </a:stretch>
+        </p:blipFill>
+        <p:spPr bwMode="auto">
+          <a:xfrm>
+            <a:off x="1268268" y="1190809"/>
+            <a:ext cx="6114665" cy="4833100"/>
+          </a:xfrm>
+          <a:prstGeom prst="rect">
+            <a:avLst/>
+          </a:prstGeom>
+          <a:noFill/>
+        </p:spPr>
+      </p:pic>
+    </p:spTree>
+    <p:extLst>
+      <p:ext uri="{BB962C8B-B14F-4D97-AF65-F5344CB8AC3E}">
+        <p14:creationId xmlns="" xmlns:p14="http://schemas.microsoft.com/office/powerpoint/2010/main" val="2123413861"/>
+      </p:ext>
+    </p:extLst>
+  </p:cSld>
+  <p:clrMapOvr>
+    <a:masterClrMapping/>
+  </p:clrMapOvr>
+  <p:timing>
+    <p:tnLst>
+      <p:par>
+        <p:cTn id="1" dur="indefinite" restart="never" nodeType="tmRoot"/>
+      </p:par>
+    </p:tnLst>
+  </p:timing>
+</p:sld>
+</file>
+
+<file path=ppt/slides/slide2.xml><?xml version="1.0" encoding="utf-8"?>
+<p:sld xmlns:a="http://schemas.openxmlformats.org/drawingml/2006/main" xmlns:r="http://schemas.openxmlformats.org/officeDocument/2006/relationships" xmlns:p="http://schemas.openxmlformats.org/presentationml/2006/main">
+  <p:cSld>
+    <p:spTree>
+      <p:nvGrpSpPr>
+        <p:cNvPr id="1" name=""/>
+        <p:cNvGrpSpPr/>
+        <p:nvPr/>
+      </p:nvGrpSpPr>
+      <p:grpSpPr>
+        <a:xfrm>
+          <a:off x="0" y="0"/>
+          <a:ext cx="0" cy="0"/>
+          <a:chOff x="0" y="0"/>
+          <a:chExt cx="0" cy="0"/>
+        </a:xfrm>
+      </p:grpSpPr>
+      <p:sp>
+        <p:nvSpPr>
+          <p:cNvPr id="3" name="Content Placeholder 2"/>
+          <p:cNvSpPr>
+            <a:spLocks noGrp="1"/>
+          </p:cNvSpPr>
+          <p:nvPr>
+            <p:ph idx="1"/>
+          </p:nvPr>
+        </p:nvSpPr>
+        <p:spPr>
+          <a:xfrm>
+            <a:off x="228600" y="986319"/>
+            <a:ext cx="8689622" cy="5355312"/>
+          </a:xfrm>
+        </p:spPr>
+        <p:txBody>
+          <a:bodyPr/>
+          <a:lstStyle/>
+          <a:p>
+            <a:pPr marL="342900" indent="-342900">
+              <a:buFont typeface="Arial"/>
+              <a:buChar char="•"/>
+            </a:pPr>
+            <a:r>
+              <a:rPr lang="en-US" sz="2400" dirty="0" smtClean="0">
+                <a:latin typeface="+mj-lt"/>
+              </a:rPr>
+              <a:t>Development evolution</a:t>
+            </a:r>
+          </a:p>
+          <a:p>
+            <a:pPr marL="342900" indent="-342900">
+              <a:buFont typeface="Arial"/>
+              <a:buChar char="•"/>
+            </a:pPr>
+            <a:r>
+              <a:rPr lang="en-US" altLang="zh-TW" sz="2400" dirty="0">
+                <a:latin typeface="+mj-lt"/>
+                <a:sym typeface="Gill Sans Light"/>
+              </a:rPr>
+              <a:t>Software Configuration </a:t>
+            </a:r>
+            <a:r>
+              <a:rPr lang="en-US" altLang="zh-TW" sz="2400" dirty="0" smtClean="0">
+                <a:latin typeface="+mj-lt"/>
+                <a:sym typeface="Gill Sans Light"/>
+              </a:rPr>
+              <a:t>Management</a:t>
+            </a:r>
+            <a:endParaRPr lang="en-US" sz="2400" dirty="0" smtClean="0">
+              <a:latin typeface="+mj-lt"/>
+            </a:endParaRPr>
+          </a:p>
+          <a:p>
+            <a:pPr marL="342900" indent="-342900">
+              <a:buFont typeface="Arial"/>
+              <a:buChar char="•"/>
+            </a:pPr>
+            <a:r>
+              <a:rPr lang="en-US" altLang="zh-TW" sz="2400" dirty="0">
+                <a:latin typeface="+mj-lt"/>
+              </a:rPr>
+              <a:t>Current </a:t>
+            </a:r>
+            <a:r>
+              <a:rPr lang="en-US" altLang="zh-TW" sz="2400" dirty="0" smtClean="0">
+                <a:latin typeface="+mj-lt"/>
+              </a:rPr>
+              <a:t>process</a:t>
+            </a:r>
+            <a:endParaRPr lang="en-US" sz="2400" dirty="0" smtClean="0">
+              <a:latin typeface="+mj-lt"/>
+            </a:endParaRPr>
+          </a:p>
+          <a:p>
+            <a:pPr marL="342900" indent="-342900">
+              <a:buFont typeface="Arial"/>
+              <a:buChar char="•"/>
+            </a:pPr>
+            <a:r>
+              <a:rPr lang="en-US" sz="2400" dirty="0" smtClean="0">
+                <a:latin typeface="+mj-lt"/>
+              </a:rPr>
+              <a:t>V model</a:t>
+            </a:r>
+          </a:p>
+          <a:p>
+            <a:pPr marL="342900" indent="-342900">
+              <a:buFont typeface="Arial"/>
+              <a:buChar char="•"/>
+            </a:pPr>
+            <a:r>
+              <a:rPr lang="en-US" sz="2400" dirty="0" smtClean="0">
+                <a:latin typeface="+mj-lt"/>
+              </a:rPr>
+              <a:t>ENG-100 </a:t>
+            </a:r>
+            <a:r>
+              <a:rPr lang="en-US" altLang="zh-TW" sz="2400" dirty="0" smtClean="0">
+                <a:latin typeface="+mj-lt"/>
+              </a:rPr>
+              <a:t>Consumer </a:t>
+            </a:r>
+            <a:r>
+              <a:rPr lang="en-US" altLang="zh-TW" sz="2400" dirty="0">
+                <a:latin typeface="+mj-lt"/>
+              </a:rPr>
+              <a:t>Product Development and </a:t>
+            </a:r>
+            <a:r>
+              <a:rPr lang="en-US" altLang="zh-TW" sz="2400" dirty="0" smtClean="0">
+                <a:latin typeface="+mj-lt"/>
+              </a:rPr>
+              <a:t>Release</a:t>
+            </a:r>
+          </a:p>
+          <a:p>
+            <a:pPr marL="342900" indent="-342900">
+              <a:buFont typeface="Arial"/>
+              <a:buChar char="•"/>
+            </a:pPr>
+            <a:r>
+              <a:rPr lang="en-US" altLang="zh-TW" sz="2400" dirty="0">
+                <a:latin typeface="+mj-lt"/>
+              </a:rPr>
+              <a:t>ENG-112 Consumer Software Design </a:t>
+            </a:r>
+            <a:r>
+              <a:rPr lang="en-US" altLang="zh-TW" sz="2400" dirty="0" smtClean="0">
+                <a:latin typeface="+mj-lt"/>
+              </a:rPr>
+              <a:t>Method</a:t>
+            </a:r>
+          </a:p>
+          <a:p>
+            <a:pPr marL="342900" indent="-342900">
+              <a:buFont typeface="Arial"/>
+              <a:buChar char="•"/>
+            </a:pPr>
+            <a:r>
+              <a:rPr lang="en-US" altLang="zh-TW" sz="2400" dirty="0">
+                <a:latin typeface="+mj-lt"/>
+              </a:rPr>
+              <a:t>ENG-116 Consumer Engineering Design Review </a:t>
+            </a:r>
+            <a:r>
+              <a:rPr lang="en-US" altLang="zh-TW" sz="2400" dirty="0" smtClean="0">
+                <a:latin typeface="+mj-lt"/>
+              </a:rPr>
+              <a:t>Procedure</a:t>
+            </a:r>
+          </a:p>
+          <a:p>
+            <a:pPr marL="342900" indent="-342900">
+              <a:buFont typeface="Arial"/>
+              <a:buChar char="•"/>
+            </a:pPr>
+            <a:r>
+              <a:rPr lang="en-US" altLang="zh-TW" sz="2400" dirty="0"/>
+              <a:t>Garmin product development </a:t>
+            </a:r>
+            <a:r>
+              <a:rPr lang="en-US" altLang="zh-TW" sz="2400" dirty="0" smtClean="0"/>
+              <a:t>process</a:t>
+            </a:r>
+          </a:p>
+          <a:p>
+            <a:pPr marL="342900" indent="-342900">
+              <a:buFont typeface="Arial"/>
+              <a:buChar char="•"/>
+            </a:pPr>
+            <a:r>
+              <a:rPr lang="en-US" altLang="zh-TW" sz="2400" dirty="0">
+                <a:latin typeface="+mj-lt"/>
+              </a:rPr>
+              <a:t>APAC derivative product develop flow overview</a:t>
+            </a:r>
+            <a:endParaRPr lang="zh-TW" altLang="zh-TW" sz="2400" dirty="0">
+              <a:latin typeface="+mj-lt"/>
+            </a:endParaRPr>
+          </a:p>
+          <a:p>
+            <a:pPr marL="342900" indent="-342900">
+              <a:buFont typeface="Arial"/>
+              <a:buChar char="•"/>
+            </a:pPr>
+            <a:endParaRPr lang="en-US" altLang="zh-TW" sz="2400" dirty="0">
+              <a:latin typeface="+mj-lt"/>
+            </a:endParaRPr>
+          </a:p>
+          <a:p>
+            <a:pPr marL="342900" indent="-342900">
+              <a:buFont typeface="Arial"/>
+              <a:buChar char="•"/>
+            </a:pPr>
+            <a:endParaRPr lang="en-US" sz="2400" dirty="0" smtClean="0">
+              <a:latin typeface="+mj-lt"/>
+            </a:endParaRPr>
+          </a:p>
+          <a:p>
+            <a:pPr marL="1085850" lvl="1" indent="-342900">
+              <a:buFont typeface="Arial"/>
+              <a:buChar char="•"/>
+            </a:pPr>
+            <a:endParaRPr lang="en-US" sz="3000" dirty="0">
+              <a:latin typeface="+mj-lt"/>
+            </a:endParaRPr>
+          </a:p>
+        </p:txBody>
+      </p:sp>
+      <p:sp>
+        <p:nvSpPr>
+          <p:cNvPr id="4" name="Title 3"/>
+          <p:cNvSpPr>
+            <a:spLocks noGrp="1"/>
+          </p:cNvSpPr>
+          <p:nvPr>
+            <p:ph type="title"/>
+          </p:nvPr>
+        </p:nvSpPr>
+        <p:spPr>
+          <a:xfrm>
+            <a:off x="228600" y="228600"/>
+            <a:ext cx="1590179" cy="553998"/>
+          </a:xfrm>
+        </p:spPr>
+        <p:txBody>
+          <a:bodyPr/>
+          <a:lstStyle/>
+          <a:p>
+            <a:r>
+              <a:rPr lang="en-US" b="0" dirty="0" smtClean="0">
+                <a:solidFill>
+                  <a:schemeClr val="tx1"/>
+                </a:solidFill>
+                <a:latin typeface="+mj-lt"/>
+              </a:rPr>
+              <a:t>Agenda</a:t>
+            </a:r>
+            <a:endParaRPr lang="en-US" b="0" dirty="0">
+              <a:solidFill>
+                <a:schemeClr val="tx1"/>
+              </a:solidFill>
+              <a:latin typeface="+mj-lt"/>
+            </a:endParaRPr>
+          </a:p>
+        </p:txBody>
+      </p:sp>
+      <p:sp>
+        <p:nvSpPr>
+          <p:cNvPr id="2" name="Slide Number Placeholder 1"/>
+          <p:cNvSpPr>
+            <a:spLocks noGrp="1"/>
+          </p:cNvSpPr>
+          <p:nvPr>
+            <p:ph type="sldNum" sz="quarter" idx="10"/>
+          </p:nvPr>
+        </p:nvSpPr>
+        <p:spPr/>
+        <p:txBody>
+          <a:bodyPr/>
+          <a:lstStyle/>
+          <a:p>
+            <a:fld id="{F52E3F39-0206-E343-A815-B0E9B8087364}" type="slidenum">
+              <a:rPr lang="en-US" smtClean="0">
+                <a:latin typeface="+mj-lt"/>
+              </a:rPr>
+              <a:pPr/>
+              <a:t>2</a:t>
+            </a:fld>
+            <a:endParaRPr lang="en-US" dirty="0">
+              <a:latin typeface="+mj-lt"/>
+            </a:endParaRPr>
+          </a:p>
+        </p:txBody>
+      </p:sp>
+    </p:spTree>
+    <p:extLst>
+      <p:ext uri="{BB962C8B-B14F-4D97-AF65-F5344CB8AC3E}">
+        <p14:creationId xmlns="" xmlns:p14="http://schemas.microsoft.com/office/powerpoint/2010/main" val="2707758325"/>
+      </p:ext>
+    </p:extLst>
+  </p:cSld>
+  <p:clrMapOvr>
+    <a:masterClrMapping/>
+  </p:clrMapOvr>
+  <p:timing>
+    <p:tnLst>
+      <p:par>
+        <p:cTn id="1" dur="indefinite" restart="never" nodeType="tmRoot"/>
+      </p:par>
+    </p:tnLst>
+  </p:timing>
+</p:sld>
+</file>
+
+<file path=ppt/slides/slide20.xml><?xml version="1.0" encoding="utf-8"?>
+<p:sld xmlns:a="http://schemas.openxmlformats.org/drawingml/2006/main" xmlns:r="http://schemas.openxmlformats.org/officeDocument/2006/relationships" xmlns:p="http://schemas.openxmlformats.org/presentationml/2006/main">
+  <p:cSld>
+    <p:spTree>
+      <p:nvGrpSpPr>
+        <p:cNvPr id="1" name=""/>
+        <p:cNvGrpSpPr/>
+        <p:nvPr/>
+      </p:nvGrpSpPr>
+      <p:grpSpPr>
+        <a:xfrm>
+          <a:off x="0" y="0"/>
+          <a:ext cx="0" cy="0"/>
+          <a:chOff x="0" y="0"/>
+          <a:chExt cx="0" cy="0"/>
+        </a:xfrm>
+      </p:grpSpPr>
+      <p:sp>
+        <p:nvSpPr>
+          <p:cNvPr id="3" name="Content Placeholder 2"/>
+          <p:cNvSpPr>
+            <a:spLocks noGrp="1"/>
+          </p:cNvSpPr>
+          <p:nvPr>
+            <p:ph idx="1"/>
+          </p:nvPr>
+        </p:nvSpPr>
+        <p:spPr>
+          <a:xfrm>
+            <a:off x="228600" y="986319"/>
+            <a:ext cx="8689622" cy="369332"/>
+          </a:xfrm>
+        </p:spPr>
+        <p:txBody>
+          <a:bodyPr/>
+          <a:lstStyle/>
+          <a:p>
+            <a:pPr marL="1200150" lvl="1" indent="-457200">
+              <a:buFont typeface="Wingdings" pitchFamily="2" charset="2"/>
+              <a:buChar char="l"/>
+            </a:pPr>
+            <a:r>
+              <a:rPr lang="en-US" altLang="zh-TW" sz="2400" dirty="0" smtClean="0">
+                <a:latin typeface="Arial"/>
+              </a:rPr>
+              <a:t>Find the weak classifier with minimum error</a:t>
+            </a:r>
+          </a:p>
+        </p:txBody>
+      </p:sp>
+      <p:sp>
+        <p:nvSpPr>
+          <p:cNvPr id="4" name="Title 3"/>
+          <p:cNvSpPr>
+            <a:spLocks noGrp="1"/>
+          </p:cNvSpPr>
+          <p:nvPr>
+            <p:ph type="title"/>
+          </p:nvPr>
+        </p:nvSpPr>
+        <p:spPr>
+          <a:xfrm>
+            <a:off x="228600" y="228600"/>
+            <a:ext cx="4137928" cy="492443"/>
+          </a:xfrm>
+        </p:spPr>
+        <p:txBody>
+          <a:bodyPr/>
+          <a:lstStyle/>
+          <a:p>
+            <a:pPr marL="342900" indent="-342900"/>
+            <a:r>
+              <a:rPr lang="en-US" altLang="zh-TW" sz="3200" dirty="0" smtClean="0">
+                <a:solidFill>
+                  <a:schemeClr val="tx1"/>
+                </a:solidFill>
+                <a:latin typeface="+mj-lt"/>
+              </a:rPr>
+              <a:t>Weak classifier learner</a:t>
+            </a:r>
+            <a:endParaRPr lang="en-US" altLang="zh-TW" sz="3200" dirty="0">
+              <a:solidFill>
+                <a:schemeClr val="tx1"/>
+              </a:solidFill>
+              <a:latin typeface="+mj-lt"/>
+            </a:endParaRPr>
+          </a:p>
+        </p:txBody>
+      </p:sp>
+      <p:sp>
+        <p:nvSpPr>
+          <p:cNvPr id="21" name="圓角矩形 20"/>
+          <p:cNvSpPr/>
+          <p:nvPr/>
+        </p:nvSpPr>
+        <p:spPr>
+          <a:xfrm>
+            <a:off x="569227" y="2099733"/>
+            <a:ext cx="1674439" cy="1159934"/>
+          </a:xfrm>
+          <a:prstGeom prst="roundRect">
+            <a:avLst/>
+          </a:prstGeom>
+          <a:noFill/>
+          <a:ln w="12700" cmpd="sng"/>
+          <a:effectLst/>
+        </p:spPr>
+        <p:style>
+          <a:lnRef idx="1">
+            <a:schemeClr val="accent1"/>
+          </a:lnRef>
+          <a:fillRef idx="3">
+            <a:schemeClr val="accent1"/>
+          </a:fillRef>
+          <a:effectRef idx="2">
+            <a:schemeClr val="accent1"/>
+          </a:effectRef>
+          <a:fontRef idx="minor">
+            <a:schemeClr val="lt1"/>
+          </a:fontRef>
+        </p:style>
+        <p:txBody>
+          <a:bodyPr rtlCol="0" anchor="ctr"/>
+          <a:lstStyle/>
+          <a:p>
+            <a:pPr algn="ctr"/>
+            <a:r>
+              <a:rPr lang="en-US" altLang="zh-TW" dirty="0" smtClean="0">
+                <a:solidFill>
+                  <a:schemeClr val="tx1"/>
+                </a:solidFill>
+              </a:rPr>
+              <a:t>Data</a:t>
+            </a:r>
+            <a:endParaRPr lang="zh-TW" altLang="en-US" dirty="0">
+              <a:solidFill>
+                <a:schemeClr val="tx1"/>
+              </a:solidFill>
+            </a:endParaRPr>
+          </a:p>
+        </p:txBody>
+      </p:sp>
+      <p:sp>
+        <p:nvSpPr>
+          <p:cNvPr id="22" name="矩形 21"/>
+          <p:cNvSpPr/>
+          <p:nvPr/>
+        </p:nvSpPr>
+        <p:spPr>
+          <a:xfrm>
+            <a:off x="3316661" y="2235205"/>
+            <a:ext cx="2099734" cy="931332"/>
+          </a:xfrm>
+          <a:prstGeom prst="rect">
+            <a:avLst/>
+          </a:prstGeom>
+          <a:noFill/>
+          <a:ln w="12700"/>
+          <a:effectLst/>
+        </p:spPr>
+        <p:style>
+          <a:lnRef idx="1">
+            <a:schemeClr val="accent1"/>
+          </a:lnRef>
+          <a:fillRef idx="3">
+            <a:schemeClr val="accent1"/>
+          </a:fillRef>
+          <a:effectRef idx="2">
+            <a:schemeClr val="accent1"/>
+          </a:effectRef>
+          <a:fontRef idx="minor">
+            <a:schemeClr val="lt1"/>
+          </a:fontRef>
+        </p:style>
+        <p:txBody>
+          <a:bodyPr rtlCol="0" anchor="ctr"/>
+          <a:lstStyle/>
+          <a:p>
+            <a:pPr algn="ctr"/>
+            <a:r>
+              <a:rPr lang="en-US" altLang="zh-TW" dirty="0" smtClean="0">
+                <a:solidFill>
+                  <a:schemeClr val="tx1"/>
+                </a:solidFill>
+              </a:rPr>
+              <a:t>Weak classifier learner</a:t>
+            </a:r>
+            <a:endParaRPr lang="zh-TW" altLang="en-US" dirty="0">
+              <a:solidFill>
+                <a:schemeClr val="tx1"/>
+              </a:solidFill>
+            </a:endParaRPr>
+          </a:p>
+        </p:txBody>
+      </p:sp>
+      <p:sp>
+        <p:nvSpPr>
+          <p:cNvPr id="23" name="向右箭號 22"/>
+          <p:cNvSpPr/>
+          <p:nvPr/>
+        </p:nvSpPr>
+        <p:spPr>
+          <a:xfrm>
+            <a:off x="2429938" y="2599267"/>
+            <a:ext cx="491067" cy="262466"/>
+          </a:xfrm>
+          <a:prstGeom prst="rightArrow">
+            <a:avLst/>
+          </a:prstGeom>
+          <a:solidFill>
+            <a:srgbClr val="002060"/>
+          </a:solidFill>
+        </p:spPr>
+        <p:style>
+          <a:lnRef idx="1">
+            <a:schemeClr val="accent1"/>
+          </a:lnRef>
+          <a:fillRef idx="3">
+            <a:schemeClr val="accent1"/>
+          </a:fillRef>
+          <a:effectRef idx="2">
+            <a:schemeClr val="accent1"/>
+          </a:effectRef>
+          <a:fontRef idx="minor">
+            <a:schemeClr val="lt1"/>
+          </a:fontRef>
+        </p:style>
+        <p:txBody>
+          <a:bodyPr rtlCol="0" anchor="ctr"/>
+          <a:lstStyle/>
+          <a:p>
+            <a:pPr algn="ctr"/>
+            <a:endParaRPr lang="zh-TW" altLang="en-US"/>
+          </a:p>
+        </p:txBody>
+      </p:sp>
+      <p:sp>
+        <p:nvSpPr>
+          <p:cNvPr id="24" name="向右箭號 23"/>
+          <p:cNvSpPr/>
+          <p:nvPr/>
+        </p:nvSpPr>
+        <p:spPr>
+          <a:xfrm>
+            <a:off x="5638805" y="2599267"/>
+            <a:ext cx="491067" cy="262466"/>
+          </a:xfrm>
+          <a:prstGeom prst="rightArrow">
+            <a:avLst/>
+          </a:prstGeom>
+          <a:solidFill>
+            <a:srgbClr val="002060"/>
+          </a:solidFill>
+        </p:spPr>
+        <p:style>
+          <a:lnRef idx="1">
+            <a:schemeClr val="accent1"/>
+          </a:lnRef>
+          <a:fillRef idx="3">
+            <a:schemeClr val="accent1"/>
+          </a:fillRef>
+          <a:effectRef idx="2">
+            <a:schemeClr val="accent1"/>
+          </a:effectRef>
+          <a:fontRef idx="minor">
+            <a:schemeClr val="lt1"/>
+          </a:fontRef>
+        </p:style>
+        <p:txBody>
+          <a:bodyPr rtlCol="0" anchor="ctr"/>
+          <a:lstStyle/>
+          <a:p>
+            <a:pPr algn="ctr"/>
+            <a:endParaRPr lang="zh-TW" altLang="en-US"/>
+          </a:p>
+        </p:txBody>
+      </p:sp>
+      <p:sp>
+        <p:nvSpPr>
+          <p:cNvPr id="25" name="矩形 24"/>
+          <p:cNvSpPr/>
+          <p:nvPr/>
+        </p:nvSpPr>
+        <p:spPr>
+          <a:xfrm>
+            <a:off x="6332370" y="2599267"/>
+            <a:ext cx="1796326" cy="369332"/>
+          </a:xfrm>
+          <a:prstGeom prst="rect">
+            <a:avLst/>
+          </a:prstGeom>
+        </p:spPr>
+        <p:txBody>
+          <a:bodyPr wrap="none">
+            <a:spAutoFit/>
+          </a:bodyPr>
+          <a:lstStyle/>
+          <a:p>
+            <a:r>
+              <a:rPr lang="en-US" altLang="zh-TW" dirty="0" smtClean="0"/>
+              <a:t>Weak classifier </a:t>
+            </a:r>
+            <a:endParaRPr lang="zh-TW" altLang="en-US" dirty="0"/>
+          </a:p>
+        </p:txBody>
+      </p:sp>
+      <p:sp>
+        <p:nvSpPr>
+          <p:cNvPr id="26" name="橢圓 25"/>
+          <p:cNvSpPr/>
+          <p:nvPr/>
+        </p:nvSpPr>
+        <p:spPr>
+          <a:xfrm>
+            <a:off x="2607714" y="3852333"/>
+            <a:ext cx="3649163" cy="1456266"/>
+          </a:xfrm>
+          <a:prstGeom prst="ellipse">
+            <a:avLst/>
+          </a:prstGeom>
+          <a:noFill/>
+          <a:ln w="12700"/>
+          <a:effectLst/>
+        </p:spPr>
+        <p:style>
+          <a:lnRef idx="1">
+            <a:schemeClr val="accent1"/>
+          </a:lnRef>
+          <a:fillRef idx="3">
+            <a:schemeClr val="accent1"/>
+          </a:fillRef>
+          <a:effectRef idx="2">
+            <a:schemeClr val="accent1"/>
+          </a:effectRef>
+          <a:fontRef idx="minor">
+            <a:schemeClr val="lt1"/>
+          </a:fontRef>
+        </p:style>
+        <p:txBody>
+          <a:bodyPr rtlCol="0" anchor="ctr"/>
+          <a:lstStyle/>
+          <a:p>
+            <a:r>
+              <a:rPr lang="en-US" altLang="zh-TW" dirty="0" smtClean="0">
+                <a:solidFill>
+                  <a:schemeClr val="tx1"/>
+                </a:solidFill>
+              </a:rPr>
+              <a:t>Weak classifier pool </a:t>
+            </a:r>
+            <a:endParaRPr lang="zh-TW" altLang="en-US" dirty="0">
+              <a:solidFill>
+                <a:schemeClr val="tx1"/>
+              </a:solidFill>
+            </a:endParaRPr>
+          </a:p>
+        </p:txBody>
+      </p:sp>
+      <p:sp>
+        <p:nvSpPr>
+          <p:cNvPr id="28" name="向右箭號 27"/>
+          <p:cNvSpPr/>
+          <p:nvPr/>
+        </p:nvSpPr>
+        <p:spPr>
+          <a:xfrm rot="16200000">
+            <a:off x="4074900" y="3340288"/>
+            <a:ext cx="478796" cy="351216"/>
+          </a:xfrm>
+          <a:prstGeom prst="rightArrow">
+            <a:avLst/>
+          </a:prstGeom>
+          <a:noFill/>
+          <a:ln w="12700"/>
+        </p:spPr>
+        <p:style>
+          <a:lnRef idx="1">
+            <a:schemeClr val="accent1"/>
+          </a:lnRef>
+          <a:fillRef idx="3">
+            <a:schemeClr val="accent1"/>
+          </a:fillRef>
+          <a:effectRef idx="2">
+            <a:schemeClr val="accent1"/>
+          </a:effectRef>
+          <a:fontRef idx="minor">
+            <a:schemeClr val="lt1"/>
+          </a:fontRef>
+        </p:style>
+        <p:txBody>
+          <a:bodyPr rtlCol="0" anchor="ctr"/>
+          <a:lstStyle/>
+          <a:p>
+            <a:pPr algn="ctr"/>
+            <a:endParaRPr lang="zh-TW" altLang="en-US"/>
+          </a:p>
+        </p:txBody>
+      </p:sp>
+    </p:spTree>
+    <p:extLst>
+      <p:ext uri="{BB962C8B-B14F-4D97-AF65-F5344CB8AC3E}">
+        <p14:creationId xmlns="" xmlns:p14="http://schemas.microsoft.com/office/powerpoint/2010/main" val="3040030372"/>
       </p:ext>
     </p:extLst>
   </p:cSld>
@@ -7360,441 +7251,6 @@
         <p:spPr>
           <a:xfrm>
             <a:off x="228600" y="986319"/>
-            <a:ext cx="8689622" cy="369332"/>
-          </a:xfrm>
-        </p:spPr>
-        <p:txBody>
-          <a:bodyPr/>
-          <a:lstStyle/>
-          <a:p>
-            <a:pPr marL="1200150" lvl="1" indent="-457200">
-              <a:buFont typeface="Wingdings" pitchFamily="2" charset="2"/>
-              <a:buChar char="l"/>
-            </a:pPr>
-            <a:r>
-              <a:rPr lang="en-US" altLang="zh-TW" sz="2400" dirty="0" smtClean="0">
-                <a:latin typeface="Arial"/>
-              </a:rPr>
-              <a:t>Find the weak classifier with minimum error</a:t>
-            </a:r>
-          </a:p>
-        </p:txBody>
-      </p:sp>
-      <p:sp>
-        <p:nvSpPr>
-          <p:cNvPr id="4" name="Title 3"/>
-          <p:cNvSpPr>
-            <a:spLocks noGrp="1"/>
-          </p:cNvSpPr>
-          <p:nvPr>
-            <p:ph type="title"/>
-          </p:nvPr>
-        </p:nvSpPr>
-        <p:spPr>
-          <a:xfrm>
-            <a:off x="228600" y="228600"/>
-            <a:ext cx="4137928" cy="492443"/>
-          </a:xfrm>
-        </p:spPr>
-        <p:txBody>
-          <a:bodyPr/>
-          <a:lstStyle/>
-          <a:p>
-            <a:pPr marL="342900" indent="-342900"/>
-            <a:r>
-              <a:rPr lang="en-US" altLang="zh-TW" sz="3200" dirty="0" smtClean="0">
-                <a:solidFill>
-                  <a:schemeClr val="tx1"/>
-                </a:solidFill>
-                <a:latin typeface="+mj-lt"/>
-              </a:rPr>
-              <a:t>Weak </a:t>
-            </a:r>
-            <a:r>
-              <a:rPr lang="en-US" altLang="zh-TW" sz="3200" dirty="0" smtClean="0">
-                <a:solidFill>
-                  <a:schemeClr val="tx1"/>
-                </a:solidFill>
-                <a:latin typeface="+mj-lt"/>
-              </a:rPr>
-              <a:t>classifier learner</a:t>
-            </a:r>
-            <a:endParaRPr lang="en-US" altLang="zh-TW" sz="3200" dirty="0">
-              <a:solidFill>
-                <a:schemeClr val="tx1"/>
-              </a:solidFill>
-              <a:latin typeface="+mj-lt"/>
-            </a:endParaRPr>
-          </a:p>
-        </p:txBody>
-      </p:sp>
-      <p:sp>
-        <p:nvSpPr>
-          <p:cNvPr id="21" name="圓角矩形 20"/>
-          <p:cNvSpPr/>
-          <p:nvPr/>
-        </p:nvSpPr>
-        <p:spPr>
-          <a:xfrm>
-            <a:off x="569227" y="2099733"/>
-            <a:ext cx="1674439" cy="1159934"/>
-          </a:xfrm>
-          <a:prstGeom prst="roundRect">
-            <a:avLst/>
-          </a:prstGeom>
-          <a:noFill/>
-          <a:ln w="12700" cmpd="sng"/>
-          <a:effectLst/>
-        </p:spPr>
-        <p:style>
-          <a:lnRef idx="1">
-            <a:schemeClr val="accent1"/>
-          </a:lnRef>
-          <a:fillRef idx="3">
-            <a:schemeClr val="accent1"/>
-          </a:fillRef>
-          <a:effectRef idx="2">
-            <a:schemeClr val="accent1"/>
-          </a:effectRef>
-          <a:fontRef idx="minor">
-            <a:schemeClr val="lt1"/>
-          </a:fontRef>
-        </p:style>
-        <p:txBody>
-          <a:bodyPr rtlCol="0" anchor="ctr"/>
-          <a:lstStyle/>
-          <a:p>
-            <a:pPr algn="ctr"/>
-            <a:r>
-              <a:rPr lang="en-US" altLang="zh-TW" dirty="0" smtClean="0">
-                <a:solidFill>
-                  <a:schemeClr val="tx1"/>
-                </a:solidFill>
-              </a:rPr>
-              <a:t>Data</a:t>
-            </a:r>
-            <a:endParaRPr lang="zh-TW" altLang="en-US" dirty="0">
-              <a:solidFill>
-                <a:schemeClr val="tx1"/>
-              </a:solidFill>
-            </a:endParaRPr>
-          </a:p>
-        </p:txBody>
-      </p:sp>
-      <p:sp>
-        <p:nvSpPr>
-          <p:cNvPr id="22" name="矩形 21"/>
-          <p:cNvSpPr/>
-          <p:nvPr/>
-        </p:nvSpPr>
-        <p:spPr>
-          <a:xfrm>
-            <a:off x="3316661" y="2235205"/>
-            <a:ext cx="2099734" cy="931332"/>
-          </a:xfrm>
-          <a:prstGeom prst="rect">
-            <a:avLst/>
-          </a:prstGeom>
-          <a:noFill/>
-          <a:ln w="12700"/>
-          <a:effectLst/>
-        </p:spPr>
-        <p:style>
-          <a:lnRef idx="1">
-            <a:schemeClr val="accent1"/>
-          </a:lnRef>
-          <a:fillRef idx="3">
-            <a:schemeClr val="accent1"/>
-          </a:fillRef>
-          <a:effectRef idx="2">
-            <a:schemeClr val="accent1"/>
-          </a:effectRef>
-          <a:fontRef idx="minor">
-            <a:schemeClr val="lt1"/>
-          </a:fontRef>
-        </p:style>
-        <p:txBody>
-          <a:bodyPr rtlCol="0" anchor="ctr"/>
-          <a:lstStyle/>
-          <a:p>
-            <a:pPr algn="ctr"/>
-            <a:r>
-              <a:rPr lang="en-US" altLang="zh-TW" dirty="0" smtClean="0">
-                <a:solidFill>
-                  <a:schemeClr val="tx1"/>
-                </a:solidFill>
-              </a:rPr>
-              <a:t>Weak classifier learner</a:t>
-            </a:r>
-            <a:endParaRPr lang="zh-TW" altLang="en-US" dirty="0">
-              <a:solidFill>
-                <a:schemeClr val="tx1"/>
-              </a:solidFill>
-            </a:endParaRPr>
-          </a:p>
-        </p:txBody>
-      </p:sp>
-      <p:sp>
-        <p:nvSpPr>
-          <p:cNvPr id="23" name="向右箭號 22"/>
-          <p:cNvSpPr/>
-          <p:nvPr/>
-        </p:nvSpPr>
-        <p:spPr>
-          <a:xfrm>
-            <a:off x="2429938" y="2599267"/>
-            <a:ext cx="491067" cy="262466"/>
-          </a:xfrm>
-          <a:prstGeom prst="rightArrow">
-            <a:avLst/>
-          </a:prstGeom>
-          <a:solidFill>
-            <a:srgbClr val="002060"/>
-          </a:solidFill>
-        </p:spPr>
-        <p:style>
-          <a:lnRef idx="1">
-            <a:schemeClr val="accent1"/>
-          </a:lnRef>
-          <a:fillRef idx="3">
-            <a:schemeClr val="accent1"/>
-          </a:fillRef>
-          <a:effectRef idx="2">
-            <a:schemeClr val="accent1"/>
-          </a:effectRef>
-          <a:fontRef idx="minor">
-            <a:schemeClr val="lt1"/>
-          </a:fontRef>
-        </p:style>
-        <p:txBody>
-          <a:bodyPr rtlCol="0" anchor="ctr"/>
-          <a:lstStyle/>
-          <a:p>
-            <a:pPr algn="ctr"/>
-            <a:endParaRPr lang="zh-TW" altLang="en-US"/>
-          </a:p>
-        </p:txBody>
-      </p:sp>
-      <p:sp>
-        <p:nvSpPr>
-          <p:cNvPr id="24" name="向右箭號 23"/>
-          <p:cNvSpPr/>
-          <p:nvPr/>
-        </p:nvSpPr>
-        <p:spPr>
-          <a:xfrm>
-            <a:off x="5638805" y="2599267"/>
-            <a:ext cx="491067" cy="262466"/>
-          </a:xfrm>
-          <a:prstGeom prst="rightArrow">
-            <a:avLst/>
-          </a:prstGeom>
-          <a:solidFill>
-            <a:srgbClr val="002060"/>
-          </a:solidFill>
-        </p:spPr>
-        <p:style>
-          <a:lnRef idx="1">
-            <a:schemeClr val="accent1"/>
-          </a:lnRef>
-          <a:fillRef idx="3">
-            <a:schemeClr val="accent1"/>
-          </a:fillRef>
-          <a:effectRef idx="2">
-            <a:schemeClr val="accent1"/>
-          </a:effectRef>
-          <a:fontRef idx="minor">
-            <a:schemeClr val="lt1"/>
-          </a:fontRef>
-        </p:style>
-        <p:txBody>
-          <a:bodyPr rtlCol="0" anchor="ctr"/>
-          <a:lstStyle/>
-          <a:p>
-            <a:pPr algn="ctr"/>
-            <a:endParaRPr lang="zh-TW" altLang="en-US"/>
-          </a:p>
-        </p:txBody>
-      </p:sp>
-      <p:sp>
-        <p:nvSpPr>
-          <p:cNvPr id="25" name="矩形 24"/>
-          <p:cNvSpPr/>
-          <p:nvPr/>
-        </p:nvSpPr>
-        <p:spPr>
-          <a:xfrm>
-            <a:off x="6332370" y="2599267"/>
-            <a:ext cx="1796326" cy="369332"/>
-          </a:xfrm>
-          <a:prstGeom prst="rect">
-            <a:avLst/>
-          </a:prstGeom>
-        </p:spPr>
-        <p:txBody>
-          <a:bodyPr wrap="none">
-            <a:spAutoFit/>
-          </a:bodyPr>
-          <a:lstStyle/>
-          <a:p>
-            <a:r>
-              <a:rPr lang="en-US" altLang="zh-TW" dirty="0" smtClean="0"/>
-              <a:t>Weak classifier </a:t>
-            </a:r>
-            <a:endParaRPr lang="zh-TW" altLang="en-US" dirty="0"/>
-          </a:p>
-        </p:txBody>
-      </p:sp>
-      <p:sp>
-        <p:nvSpPr>
-          <p:cNvPr id="26" name="橢圓 25"/>
-          <p:cNvSpPr/>
-          <p:nvPr/>
-        </p:nvSpPr>
-        <p:spPr>
-          <a:xfrm>
-            <a:off x="2607714" y="3852333"/>
-            <a:ext cx="3649163" cy="1456266"/>
-          </a:xfrm>
-          <a:prstGeom prst="ellipse">
-            <a:avLst/>
-          </a:prstGeom>
-          <a:noFill/>
-          <a:ln w="12700"/>
-          <a:effectLst/>
-        </p:spPr>
-        <p:style>
-          <a:lnRef idx="1">
-            <a:schemeClr val="accent1"/>
-          </a:lnRef>
-          <a:fillRef idx="3">
-            <a:schemeClr val="accent1"/>
-          </a:fillRef>
-          <a:effectRef idx="2">
-            <a:schemeClr val="accent1"/>
-          </a:effectRef>
-          <a:fontRef idx="minor">
-            <a:schemeClr val="lt1"/>
-          </a:fontRef>
-        </p:style>
-        <p:txBody>
-          <a:bodyPr rtlCol="0" anchor="ctr"/>
-          <a:lstStyle/>
-          <a:p>
-            <a:r>
-              <a:rPr lang="en-US" altLang="zh-TW" dirty="0" smtClean="0">
-                <a:solidFill>
-                  <a:schemeClr val="tx1"/>
-                </a:solidFill>
-              </a:rPr>
-              <a:t>Weak </a:t>
-            </a:r>
-            <a:r>
-              <a:rPr lang="en-US" altLang="zh-TW" dirty="0" smtClean="0">
-                <a:solidFill>
-                  <a:schemeClr val="tx1"/>
-                </a:solidFill>
-              </a:rPr>
-              <a:t>classifier pool </a:t>
-            </a:r>
-            <a:endParaRPr lang="zh-TW" altLang="en-US" dirty="0">
-              <a:solidFill>
-                <a:schemeClr val="tx1"/>
-              </a:solidFill>
-            </a:endParaRPr>
-          </a:p>
-        </p:txBody>
-      </p:sp>
-      <p:sp>
-        <p:nvSpPr>
-          <p:cNvPr id="28" name="向右箭號 27"/>
-          <p:cNvSpPr/>
-          <p:nvPr/>
-        </p:nvSpPr>
-        <p:spPr>
-          <a:xfrm rot="16200000">
-            <a:off x="4074900" y="3340288"/>
-            <a:ext cx="478796" cy="351216"/>
-          </a:xfrm>
-          <a:prstGeom prst="rightArrow">
-            <a:avLst/>
-          </a:prstGeom>
-          <a:noFill/>
-          <a:ln w="12700"/>
-        </p:spPr>
-        <p:style>
-          <a:lnRef idx="1">
-            <a:schemeClr val="accent1"/>
-          </a:lnRef>
-          <a:fillRef idx="3">
-            <a:schemeClr val="accent1"/>
-          </a:fillRef>
-          <a:effectRef idx="2">
-            <a:schemeClr val="accent1"/>
-          </a:effectRef>
-          <a:fontRef idx="minor">
-            <a:schemeClr val="lt1"/>
-          </a:fontRef>
-        </p:style>
-        <p:txBody>
-          <a:bodyPr rtlCol="0" anchor="ctr"/>
-          <a:lstStyle/>
-          <a:p>
-            <a:pPr algn="ctr"/>
-            <a:endParaRPr lang="zh-TW" altLang="en-US"/>
-          </a:p>
-        </p:txBody>
-      </p:sp>
-    </p:spTree>
-    <p:extLst>
-      <p:ext uri="{BB962C8B-B14F-4D97-AF65-F5344CB8AC3E}">
-        <p14:creationId xmlns:p14="http://schemas.microsoft.com/office/powerpoint/2010/main" xmlns="" val="3040030372"/>
-      </p:ext>
-    </p:extLst>
-  </p:cSld>
-  <p:clrMapOvr>
-    <a:masterClrMapping/>
-  </p:clrMapOvr>
-  <p:timing>
-    <p:tnLst>
-      <p:par>
-        <p:cTn id="1" dur="indefinite" restart="never" nodeType="tmRoot"/>
-      </p:par>
-    </p:tnLst>
-  </p:timing>
-</p:sld>
-</file>
-
-<file path=ppt/slides/slide22.xml><?xml version="1.0" encoding="utf-8"?>
-<p:sld xmlns:a="http://schemas.openxmlformats.org/drawingml/2006/main" xmlns:r="http://schemas.openxmlformats.org/officeDocument/2006/relationships" xmlns:p="http://schemas.openxmlformats.org/presentationml/2006/main">
-  <p:cSld>
-    <p:spTree>
-      <p:nvGrpSpPr>
-        <p:cNvPr id="1" name=""/>
-        <p:cNvGrpSpPr/>
-        <p:nvPr/>
-      </p:nvGrpSpPr>
-      <p:grpSpPr>
-        <a:xfrm>
-          <a:off x="0" y="0"/>
-          <a:ext cx="0" cy="0"/>
-          <a:chOff x="0" y="0"/>
-          <a:chExt cx="0" cy="0"/>
-        </a:xfrm>
-      </p:grpSpPr>
-      <p:sp>
-        <p:nvSpPr>
-          <p:cNvPr id="3" name="Content Placeholder 2"/>
-          <p:cNvSpPr>
-            <a:spLocks noGrp="1"/>
-          </p:cNvSpPr>
-          <p:nvPr>
-            <p:ph idx="1"/>
-          </p:nvPr>
-        </p:nvSpPr>
-        <p:spPr>
-          <a:xfrm>
-            <a:off x="228600" y="986319"/>
             <a:ext cx="8689622" cy="763286"/>
           </a:xfrm>
         </p:spPr>
@@ -7992,15 +7448,7 @@
             </a:pPr>
             <a:r>
               <a:rPr lang="en-US" altLang="zh-TW" sz="2400" dirty="0" smtClean="0"/>
-              <a:t>Will you sleep well or bad tonight? {well,</a:t>
-            </a:r>
-            <a:r>
-              <a:rPr lang="en-US" altLang="zh-TW" sz="2400" dirty="0" smtClean="0"/>
-              <a:t> bad</a:t>
-            </a:r>
-            <a:r>
-              <a:rPr lang="en-US" altLang="zh-TW" sz="2400" dirty="0" smtClean="0"/>
-              <a:t>}</a:t>
+              <a:t>Will you sleep well or bad tonight? {well, bad}</a:t>
             </a:r>
           </a:p>
           <a:p>
@@ -8265,11 +7713,7 @@
           <a:p>
             <a:r>
               <a:rPr lang="en-US" altLang="zh-TW" dirty="0" smtClean="0"/>
-              <a:t>-</a:t>
-            </a:r>
-            <a:r>
-              <a:rPr lang="en-US" altLang="zh-TW" dirty="0" smtClean="0"/>
-              <a:t>1</a:t>
+              <a:t>-1</a:t>
             </a:r>
             <a:endParaRPr lang="zh-TW" altLang="en-US" dirty="0"/>
           </a:p>
@@ -8278,7 +7722,7 @@
     </p:spTree>
     <p:extLst>
       <p:ext uri="{BB962C8B-B14F-4D97-AF65-F5344CB8AC3E}">
-        <p14:creationId xmlns:p14="http://schemas.microsoft.com/office/powerpoint/2010/main" xmlns="" val="3040030372"/>
+        <p14:creationId xmlns="" xmlns:p14="http://schemas.microsoft.com/office/powerpoint/2010/main" val="3040030372"/>
       </p:ext>
     </p:extLst>
   </p:cSld>
@@ -8291,6 +7735,754 @@
         <p:cTn id="1" dur="indefinite" restart="never" nodeType="tmRoot"/>
       </p:par>
     </p:tnLst>
+  </p:timing>
+</p:sld>
+</file>
+
+<file path=ppt/slides/slide22.xml><?xml version="1.0" encoding="utf-8"?>
+<p:sld xmlns:a="http://schemas.openxmlformats.org/drawingml/2006/main" xmlns:r="http://schemas.openxmlformats.org/officeDocument/2006/relationships" xmlns:p="http://schemas.openxmlformats.org/presentationml/2006/main">
+  <p:cSld>
+    <p:spTree>
+      <p:nvGrpSpPr>
+        <p:cNvPr id="1" name=""/>
+        <p:cNvGrpSpPr/>
+        <p:nvPr/>
+      </p:nvGrpSpPr>
+      <p:grpSpPr>
+        <a:xfrm>
+          <a:off x="0" y="0"/>
+          <a:ext cx="0" cy="0"/>
+          <a:chOff x="0" y="0"/>
+          <a:chExt cx="0" cy="0"/>
+        </a:xfrm>
+      </p:grpSpPr>
+      <p:sp>
+        <p:nvSpPr>
+          <p:cNvPr id="4" name="Title 3"/>
+          <p:cNvSpPr>
+            <a:spLocks noGrp="1"/>
+          </p:cNvSpPr>
+          <p:nvPr>
+            <p:ph type="title"/>
+          </p:nvPr>
+        </p:nvSpPr>
+        <p:spPr>
+          <a:xfrm>
+            <a:off x="228600" y="228600"/>
+            <a:ext cx="4412042" cy="492443"/>
+          </a:xfrm>
+        </p:spPr>
+        <p:txBody>
+          <a:bodyPr/>
+          <a:lstStyle/>
+          <a:p>
+            <a:pPr marL="342900" indent="-342900"/>
+            <a:r>
+              <a:rPr lang="en-US" altLang="zh-TW" sz="3200" dirty="0" smtClean="0">
+                <a:solidFill>
+                  <a:schemeClr val="tx1"/>
+                </a:solidFill>
+                <a:latin typeface="+mj-lt"/>
+              </a:rPr>
+              <a:t>Weak </a:t>
+            </a:r>
+            <a:r>
+              <a:rPr lang="en-US" altLang="zh-TW" sz="3200" dirty="0" smtClean="0">
+                <a:solidFill>
+                  <a:schemeClr val="tx1"/>
+                </a:solidFill>
+                <a:latin typeface="+mj-lt"/>
+              </a:rPr>
+              <a:t>classifier example</a:t>
+            </a:r>
+            <a:endParaRPr lang="en-US" altLang="zh-TW" sz="3200" dirty="0">
+              <a:solidFill>
+                <a:schemeClr val="tx1"/>
+              </a:solidFill>
+              <a:latin typeface="+mj-lt"/>
+            </a:endParaRPr>
+          </a:p>
+        </p:txBody>
+      </p:sp>
+      <p:pic>
+        <p:nvPicPr>
+          <p:cNvPr id="38913" name="Picture 1" descr="C:\Users\LiangLeon\Pictures\GARMIN\weak_classifier.png"/>
+          <p:cNvPicPr>
+            <a:picLocks noChangeAspect="1" noChangeArrowheads="1"/>
+          </p:cNvPicPr>
+          <p:nvPr/>
+        </p:nvPicPr>
+        <p:blipFill>
+          <a:blip r:embed="rId2"/>
+          <a:srcRect/>
+          <a:stretch>
+            <a:fillRect/>
+          </a:stretch>
+        </p:blipFill>
+        <p:spPr bwMode="auto">
+          <a:xfrm>
+            <a:off x="1574800" y="939781"/>
+            <a:ext cx="5751878" cy="4377575"/>
+          </a:xfrm>
+          <a:prstGeom prst="rect">
+            <a:avLst/>
+          </a:prstGeom>
+          <a:noFill/>
+        </p:spPr>
+      </p:pic>
+      <p:cxnSp>
+        <p:nvCxnSpPr>
+          <p:cNvPr id="22" name="直線接點 21"/>
+          <p:cNvCxnSpPr/>
+          <p:nvPr/>
+        </p:nvCxnSpPr>
+        <p:spPr>
+          <a:xfrm flipV="1">
+            <a:off x="3530597" y="1032915"/>
+            <a:ext cx="16933" cy="4038599"/>
+          </a:xfrm>
+          <a:prstGeom prst="line">
+            <a:avLst/>
+          </a:prstGeom>
+          <a:ln>
+            <a:solidFill>
+              <a:schemeClr val="bg1">
+                <a:lumMod val="50000"/>
+              </a:schemeClr>
+            </a:solidFill>
+          </a:ln>
+        </p:spPr>
+        <p:style>
+          <a:lnRef idx="2">
+            <a:schemeClr val="accent1"/>
+          </a:lnRef>
+          <a:fillRef idx="0">
+            <a:schemeClr val="accent1"/>
+          </a:fillRef>
+          <a:effectRef idx="1">
+            <a:schemeClr val="accent1"/>
+          </a:effectRef>
+          <a:fontRef idx="minor">
+            <a:schemeClr val="tx1"/>
+          </a:fontRef>
+        </p:style>
+      </p:cxnSp>
+      <p:cxnSp>
+        <p:nvCxnSpPr>
+          <p:cNvPr id="25" name="直線接點 24"/>
+          <p:cNvCxnSpPr/>
+          <p:nvPr/>
+        </p:nvCxnSpPr>
+        <p:spPr>
+          <a:xfrm flipH="1">
+            <a:off x="1883235" y="4648183"/>
+            <a:ext cx="5367240" cy="0"/>
+          </a:xfrm>
+          <a:prstGeom prst="line">
+            <a:avLst/>
+          </a:prstGeom>
+          <a:ln>
+            <a:solidFill>
+              <a:schemeClr val="bg1">
+                <a:lumMod val="50000"/>
+              </a:schemeClr>
+            </a:solidFill>
+          </a:ln>
+        </p:spPr>
+        <p:style>
+          <a:lnRef idx="2">
+            <a:schemeClr val="accent1"/>
+          </a:lnRef>
+          <a:fillRef idx="0">
+            <a:schemeClr val="accent1"/>
+          </a:fillRef>
+          <a:effectRef idx="1">
+            <a:schemeClr val="accent1"/>
+          </a:effectRef>
+          <a:fontRef idx="minor">
+            <a:schemeClr val="tx1"/>
+          </a:fontRef>
+        </p:style>
+      </p:cxnSp>
+      <p:sp>
+        <p:nvSpPr>
+          <p:cNvPr id="36" name="矩形 35"/>
+          <p:cNvSpPr/>
+          <p:nvPr/>
+        </p:nvSpPr>
+        <p:spPr>
+          <a:xfrm>
+            <a:off x="4961466" y="1634067"/>
+            <a:ext cx="211667" cy="220133"/>
+          </a:xfrm>
+          <a:prstGeom prst="rect">
+            <a:avLst/>
+          </a:prstGeom>
+          <a:noFill/>
+          <a:ln w="19050">
+            <a:solidFill>
+              <a:srgbClr val="FF0000"/>
+            </a:solidFill>
+          </a:ln>
+          <a:effectLst/>
+        </p:spPr>
+        <p:style>
+          <a:lnRef idx="1">
+            <a:schemeClr val="accent1"/>
+          </a:lnRef>
+          <a:fillRef idx="3">
+            <a:schemeClr val="accent1"/>
+          </a:fillRef>
+          <a:effectRef idx="2">
+            <a:schemeClr val="accent1"/>
+          </a:effectRef>
+          <a:fontRef idx="minor">
+            <a:schemeClr val="lt1"/>
+          </a:fontRef>
+        </p:style>
+        <p:txBody>
+          <a:bodyPr rtlCol="0" anchor="ctr"/>
+          <a:lstStyle/>
+          <a:p>
+            <a:pPr algn="ctr"/>
+            <a:endParaRPr lang="zh-TW" altLang="en-US"/>
+          </a:p>
+        </p:txBody>
+      </p:sp>
+      <p:sp>
+        <p:nvSpPr>
+          <p:cNvPr id="37" name="矩形 36"/>
+          <p:cNvSpPr/>
+          <p:nvPr/>
+        </p:nvSpPr>
+        <p:spPr>
+          <a:xfrm>
+            <a:off x="4961466" y="4851381"/>
+            <a:ext cx="211667" cy="220133"/>
+          </a:xfrm>
+          <a:prstGeom prst="rect">
+            <a:avLst/>
+          </a:prstGeom>
+          <a:noFill/>
+          <a:ln w="19050">
+            <a:solidFill>
+              <a:srgbClr val="FF0000"/>
+            </a:solidFill>
+          </a:ln>
+          <a:effectLst/>
+        </p:spPr>
+        <p:style>
+          <a:lnRef idx="1">
+            <a:schemeClr val="accent1"/>
+          </a:lnRef>
+          <a:fillRef idx="3">
+            <a:schemeClr val="accent1"/>
+          </a:fillRef>
+          <a:effectRef idx="2">
+            <a:schemeClr val="accent1"/>
+          </a:effectRef>
+          <a:fontRef idx="minor">
+            <a:schemeClr val="lt1"/>
+          </a:fontRef>
+        </p:style>
+        <p:txBody>
+          <a:bodyPr rtlCol="0" anchor="ctr"/>
+          <a:lstStyle/>
+          <a:p>
+            <a:pPr algn="ctr"/>
+            <a:endParaRPr lang="zh-TW" altLang="en-US"/>
+          </a:p>
+        </p:txBody>
+      </p:sp>
+      <p:sp>
+        <p:nvSpPr>
+          <p:cNvPr id="38" name="矩形 37"/>
+          <p:cNvSpPr/>
+          <p:nvPr/>
+        </p:nvSpPr>
+        <p:spPr>
+          <a:xfrm>
+            <a:off x="6002866" y="4851381"/>
+            <a:ext cx="211667" cy="220133"/>
+          </a:xfrm>
+          <a:prstGeom prst="rect">
+            <a:avLst/>
+          </a:prstGeom>
+          <a:noFill/>
+          <a:ln w="19050">
+            <a:solidFill>
+              <a:srgbClr val="FF0000"/>
+            </a:solidFill>
+          </a:ln>
+          <a:effectLst/>
+        </p:spPr>
+        <p:style>
+          <a:lnRef idx="1">
+            <a:schemeClr val="accent1"/>
+          </a:lnRef>
+          <a:fillRef idx="3">
+            <a:schemeClr val="accent1"/>
+          </a:fillRef>
+          <a:effectRef idx="2">
+            <a:schemeClr val="accent1"/>
+          </a:effectRef>
+          <a:fontRef idx="minor">
+            <a:schemeClr val="lt1"/>
+          </a:fontRef>
+        </p:style>
+        <p:txBody>
+          <a:bodyPr rtlCol="0" anchor="ctr"/>
+          <a:lstStyle/>
+          <a:p>
+            <a:pPr algn="ctr"/>
+            <a:endParaRPr lang="zh-TW" altLang="en-US"/>
+          </a:p>
+        </p:txBody>
+      </p:sp>
+      <p:sp>
+        <p:nvSpPr>
+          <p:cNvPr id="39" name="矩形 38"/>
+          <p:cNvSpPr/>
+          <p:nvPr/>
+        </p:nvSpPr>
+        <p:spPr>
+          <a:xfrm>
+            <a:off x="2887133" y="2937933"/>
+            <a:ext cx="211667" cy="220133"/>
+          </a:xfrm>
+          <a:prstGeom prst="rect">
+            <a:avLst/>
+          </a:prstGeom>
+          <a:noFill/>
+          <a:ln w="19050">
+            <a:solidFill>
+              <a:srgbClr val="FF0000"/>
+            </a:solidFill>
+          </a:ln>
+          <a:effectLst/>
+        </p:spPr>
+        <p:style>
+          <a:lnRef idx="1">
+            <a:schemeClr val="accent1"/>
+          </a:lnRef>
+          <a:fillRef idx="3">
+            <a:schemeClr val="accent1"/>
+          </a:fillRef>
+          <a:effectRef idx="2">
+            <a:schemeClr val="accent1"/>
+          </a:effectRef>
+          <a:fontRef idx="minor">
+            <a:schemeClr val="lt1"/>
+          </a:fontRef>
+        </p:style>
+        <p:txBody>
+          <a:bodyPr rtlCol="0" anchor="ctr"/>
+          <a:lstStyle/>
+          <a:p>
+            <a:pPr algn="ctr"/>
+            <a:endParaRPr lang="zh-TW" altLang="en-US"/>
+          </a:p>
+        </p:txBody>
+      </p:sp>
+      <p:sp>
+        <p:nvSpPr>
+          <p:cNvPr id="40" name="矩形 39"/>
+          <p:cNvSpPr/>
+          <p:nvPr/>
+        </p:nvSpPr>
+        <p:spPr>
+          <a:xfrm>
+            <a:off x="1883235" y="3581401"/>
+            <a:ext cx="211667" cy="220133"/>
+          </a:xfrm>
+          <a:prstGeom prst="rect">
+            <a:avLst/>
+          </a:prstGeom>
+          <a:noFill/>
+          <a:ln w="19050">
+            <a:solidFill>
+              <a:srgbClr val="FF0000"/>
+            </a:solidFill>
+          </a:ln>
+          <a:effectLst/>
+        </p:spPr>
+        <p:style>
+          <a:lnRef idx="1">
+            <a:schemeClr val="accent1"/>
+          </a:lnRef>
+          <a:fillRef idx="3">
+            <a:schemeClr val="accent1"/>
+          </a:fillRef>
+          <a:effectRef idx="2">
+            <a:schemeClr val="accent1"/>
+          </a:effectRef>
+          <a:fontRef idx="minor">
+            <a:schemeClr val="lt1"/>
+          </a:fontRef>
+        </p:style>
+        <p:txBody>
+          <a:bodyPr rtlCol="0" anchor="ctr"/>
+          <a:lstStyle/>
+          <a:p>
+            <a:pPr algn="ctr"/>
+            <a:endParaRPr lang="zh-TW" altLang="en-US"/>
+          </a:p>
+        </p:txBody>
+      </p:sp>
+    </p:spTree>
+    <p:extLst>
+      <p:ext uri="{BB962C8B-B14F-4D97-AF65-F5344CB8AC3E}">
+        <p14:creationId xmlns="" xmlns:p14="http://schemas.microsoft.com/office/powerpoint/2010/main" val="3040030372"/>
+      </p:ext>
+    </p:extLst>
+  </p:cSld>
+  <p:clrMapOvr>
+    <a:masterClrMapping/>
+  </p:clrMapOvr>
+  <p:timing>
+    <p:tnLst>
+      <p:par>
+        <p:cTn id="1" dur="indefinite" restart="never" nodeType="tmRoot">
+          <p:childTnLst>
+            <p:seq concurrent="1" nextAc="seek">
+              <p:cTn id="2" dur="indefinite" nodeType="mainSeq">
+                <p:childTnLst>
+                  <p:par>
+                    <p:cTn id="3" fill="hold">
+                      <p:stCondLst>
+                        <p:cond delay="indefinite"/>
+                      </p:stCondLst>
+                      <p:childTnLst>
+                        <p:par>
+                          <p:cTn id="4" fill="hold">
+                            <p:stCondLst>
+                              <p:cond delay="0"/>
+                            </p:stCondLst>
+                            <p:childTnLst>
+                              <p:par>
+                                <p:cTn id="5" presetID="1" presetClass="entr" presetSubtype="0" fill="hold" nodeType="clickEffect">
+                                  <p:stCondLst>
+                                    <p:cond delay="0"/>
+                                  </p:stCondLst>
+                                  <p:childTnLst>
+                                    <p:set>
+                                      <p:cBhvr>
+                                        <p:cTn id="6" dur="1" fill="hold">
+                                          <p:stCondLst>
+                                            <p:cond delay="0"/>
+                                          </p:stCondLst>
+                                        </p:cTn>
+                                        <p:tgtEl>
+                                          <p:spTgt spid="22"/>
+                                        </p:tgtEl>
+                                        <p:attrNameLst>
+                                          <p:attrName>style.visibility</p:attrName>
+                                        </p:attrNameLst>
+                                      </p:cBhvr>
+                                      <p:to>
+                                        <p:strVal val="visible"/>
+                                      </p:to>
+                                    </p:set>
+                                  </p:childTnLst>
+                                </p:cTn>
+                              </p:par>
+                              <p:par>
+                                <p:cTn id="7" presetID="1" presetClass="entr" presetSubtype="0" fill="hold" grpId="0" nodeType="withEffect">
+                                  <p:stCondLst>
+                                    <p:cond delay="0"/>
+                                  </p:stCondLst>
+                                  <p:childTnLst>
+                                    <p:set>
+                                      <p:cBhvr>
+                                        <p:cTn id="8" dur="1" fill="hold">
+                                          <p:stCondLst>
+                                            <p:cond delay="0"/>
+                                          </p:stCondLst>
+                                        </p:cTn>
+                                        <p:tgtEl>
+                                          <p:spTgt spid="36"/>
+                                        </p:tgtEl>
+                                        <p:attrNameLst>
+                                          <p:attrName>style.visibility</p:attrName>
+                                        </p:attrNameLst>
+                                      </p:cBhvr>
+                                      <p:to>
+                                        <p:strVal val="visible"/>
+                                      </p:to>
+                                    </p:set>
+                                  </p:childTnLst>
+                                </p:cTn>
+                              </p:par>
+                              <p:par>
+                                <p:cTn id="9" presetID="1" presetClass="entr" presetSubtype="0" fill="hold" grpId="0" nodeType="withEffect">
+                                  <p:stCondLst>
+                                    <p:cond delay="0"/>
+                                  </p:stCondLst>
+                                  <p:childTnLst>
+                                    <p:set>
+                                      <p:cBhvr>
+                                        <p:cTn id="10" dur="1" fill="hold">
+                                          <p:stCondLst>
+                                            <p:cond delay="0"/>
+                                          </p:stCondLst>
+                                        </p:cTn>
+                                        <p:tgtEl>
+                                          <p:spTgt spid="37"/>
+                                        </p:tgtEl>
+                                        <p:attrNameLst>
+                                          <p:attrName>style.visibility</p:attrName>
+                                        </p:attrNameLst>
+                                      </p:cBhvr>
+                                      <p:to>
+                                        <p:strVal val="visible"/>
+                                      </p:to>
+                                    </p:set>
+                                  </p:childTnLst>
+                                </p:cTn>
+                              </p:par>
+                              <p:par>
+                                <p:cTn id="11" presetID="1" presetClass="entr" presetSubtype="0" fill="hold" grpId="0" nodeType="withEffect">
+                                  <p:stCondLst>
+                                    <p:cond delay="0"/>
+                                  </p:stCondLst>
+                                  <p:childTnLst>
+                                    <p:set>
+                                      <p:cBhvr>
+                                        <p:cTn id="12" dur="1" fill="hold">
+                                          <p:stCondLst>
+                                            <p:cond delay="0"/>
+                                          </p:stCondLst>
+                                        </p:cTn>
+                                        <p:tgtEl>
+                                          <p:spTgt spid="38"/>
+                                        </p:tgtEl>
+                                        <p:attrNameLst>
+                                          <p:attrName>style.visibility</p:attrName>
+                                        </p:attrNameLst>
+                                      </p:cBhvr>
+                                      <p:to>
+                                        <p:strVal val="visible"/>
+                                      </p:to>
+                                    </p:set>
+                                  </p:childTnLst>
+                                </p:cTn>
+                              </p:par>
+                            </p:childTnLst>
+                          </p:cTn>
+                        </p:par>
+                      </p:childTnLst>
+                    </p:cTn>
+                  </p:par>
+                  <p:par>
+                    <p:cTn id="13" fill="hold">
+                      <p:stCondLst>
+                        <p:cond delay="indefinite"/>
+                      </p:stCondLst>
+                      <p:childTnLst>
+                        <p:par>
+                          <p:cTn id="14" fill="hold">
+                            <p:stCondLst>
+                              <p:cond delay="0"/>
+                            </p:stCondLst>
+                            <p:childTnLst>
+                              <p:par>
+                                <p:cTn id="15" presetID="1" presetClass="exit" presetSubtype="0" fill="hold" nodeType="clickEffect">
+                                  <p:stCondLst>
+                                    <p:cond delay="0"/>
+                                  </p:stCondLst>
+                                  <p:childTnLst>
+                                    <p:set>
+                                      <p:cBhvr>
+                                        <p:cTn id="16" dur="1" fill="hold">
+                                          <p:stCondLst>
+                                            <p:cond delay="0"/>
+                                          </p:stCondLst>
+                                        </p:cTn>
+                                        <p:tgtEl>
+                                          <p:spTgt spid="22"/>
+                                        </p:tgtEl>
+                                        <p:attrNameLst>
+                                          <p:attrName>style.visibility</p:attrName>
+                                        </p:attrNameLst>
+                                      </p:cBhvr>
+                                      <p:to>
+                                        <p:strVal val="hidden"/>
+                                      </p:to>
+                                    </p:set>
+                                  </p:childTnLst>
+                                </p:cTn>
+                              </p:par>
+                              <p:par>
+                                <p:cTn id="17" presetID="1" presetClass="exit" presetSubtype="0" fill="hold" grpId="1" nodeType="withEffect">
+                                  <p:stCondLst>
+                                    <p:cond delay="0"/>
+                                  </p:stCondLst>
+                                  <p:childTnLst>
+                                    <p:set>
+                                      <p:cBhvr>
+                                        <p:cTn id="18" dur="1" fill="hold">
+                                          <p:stCondLst>
+                                            <p:cond delay="0"/>
+                                          </p:stCondLst>
+                                        </p:cTn>
+                                        <p:tgtEl>
+                                          <p:spTgt spid="37"/>
+                                        </p:tgtEl>
+                                        <p:attrNameLst>
+                                          <p:attrName>style.visibility</p:attrName>
+                                        </p:attrNameLst>
+                                      </p:cBhvr>
+                                      <p:to>
+                                        <p:strVal val="hidden"/>
+                                      </p:to>
+                                    </p:set>
+                                  </p:childTnLst>
+                                </p:cTn>
+                              </p:par>
+                              <p:par>
+                                <p:cTn id="19" presetID="1" presetClass="exit" presetSubtype="0" fill="hold" grpId="1" nodeType="withEffect">
+                                  <p:stCondLst>
+                                    <p:cond delay="0"/>
+                                  </p:stCondLst>
+                                  <p:childTnLst>
+                                    <p:set>
+                                      <p:cBhvr>
+                                        <p:cTn id="20" dur="1" fill="hold">
+                                          <p:stCondLst>
+                                            <p:cond delay="0"/>
+                                          </p:stCondLst>
+                                        </p:cTn>
+                                        <p:tgtEl>
+                                          <p:spTgt spid="38"/>
+                                        </p:tgtEl>
+                                        <p:attrNameLst>
+                                          <p:attrName>style.visibility</p:attrName>
+                                        </p:attrNameLst>
+                                      </p:cBhvr>
+                                      <p:to>
+                                        <p:strVal val="hidden"/>
+                                      </p:to>
+                                    </p:set>
+                                  </p:childTnLst>
+                                </p:cTn>
+                              </p:par>
+                              <p:par>
+                                <p:cTn id="21" presetID="1" presetClass="entr" presetSubtype="0" fill="hold" nodeType="withEffect">
+                                  <p:stCondLst>
+                                    <p:cond delay="0"/>
+                                  </p:stCondLst>
+                                  <p:childTnLst>
+                                    <p:set>
+                                      <p:cBhvr>
+                                        <p:cTn id="22" dur="1" fill="hold">
+                                          <p:stCondLst>
+                                            <p:cond delay="0"/>
+                                          </p:stCondLst>
+                                        </p:cTn>
+                                        <p:tgtEl>
+                                          <p:spTgt spid="25"/>
+                                        </p:tgtEl>
+                                        <p:attrNameLst>
+                                          <p:attrName>style.visibility</p:attrName>
+                                        </p:attrNameLst>
+                                      </p:cBhvr>
+                                      <p:to>
+                                        <p:strVal val="visible"/>
+                                      </p:to>
+                                    </p:set>
+                                  </p:childTnLst>
+                                </p:cTn>
+                              </p:par>
+                              <p:par>
+                                <p:cTn id="23" presetID="1" presetClass="entr" presetSubtype="0" fill="hold" grpId="0" nodeType="withEffect">
+                                  <p:stCondLst>
+                                    <p:cond delay="0"/>
+                                  </p:stCondLst>
+                                  <p:childTnLst>
+                                    <p:set>
+                                      <p:cBhvr>
+                                        <p:cTn id="24" dur="1" fill="hold">
+                                          <p:stCondLst>
+                                            <p:cond delay="0"/>
+                                          </p:stCondLst>
+                                        </p:cTn>
+                                        <p:tgtEl>
+                                          <p:spTgt spid="39"/>
+                                        </p:tgtEl>
+                                        <p:attrNameLst>
+                                          <p:attrName>style.visibility</p:attrName>
+                                        </p:attrNameLst>
+                                      </p:cBhvr>
+                                      <p:to>
+                                        <p:strVal val="visible"/>
+                                      </p:to>
+                                    </p:set>
+                                  </p:childTnLst>
+                                </p:cTn>
+                              </p:par>
+                              <p:par>
+                                <p:cTn id="25" presetID="1" presetClass="entr" presetSubtype="0" fill="hold" grpId="0" nodeType="withEffect">
+                                  <p:stCondLst>
+                                    <p:cond delay="0"/>
+                                  </p:stCondLst>
+                                  <p:childTnLst>
+                                    <p:set>
+                                      <p:cBhvr>
+                                        <p:cTn id="26" dur="1" fill="hold">
+                                          <p:stCondLst>
+                                            <p:cond delay="0"/>
+                                          </p:stCondLst>
+                                        </p:cTn>
+                                        <p:tgtEl>
+                                          <p:spTgt spid="40"/>
+                                        </p:tgtEl>
+                                        <p:attrNameLst>
+                                          <p:attrName>style.visibility</p:attrName>
+                                        </p:attrNameLst>
+                                      </p:cBhvr>
+                                      <p:to>
+                                        <p:strVal val="visible"/>
+                                      </p:to>
+                                    </p:set>
+                                  </p:childTnLst>
+                                </p:cTn>
+                              </p:par>
+                            </p:childTnLst>
+                          </p:cTn>
+                        </p:par>
+                      </p:childTnLst>
+                    </p:cTn>
+                  </p:par>
+                </p:childTnLst>
+              </p:cTn>
+              <p:prevCondLst>
+                <p:cond evt="onPrev" delay="0">
+                  <p:tgtEl>
+                    <p:sldTgt/>
+                  </p:tgtEl>
+                </p:cond>
+              </p:prevCondLst>
+              <p:nextCondLst>
+                <p:cond evt="onNext" delay="0">
+                  <p:tgtEl>
+                    <p:sldTgt/>
+                  </p:tgtEl>
+                </p:cond>
+              </p:nextCondLst>
+            </p:seq>
+          </p:childTnLst>
+        </p:cTn>
+      </p:par>
+    </p:tnLst>
+    <p:bldLst>
+      <p:bldP spid="36" grpId="0" animBg="1"/>
+      <p:bldP spid="37" grpId="0" animBg="1"/>
+      <p:bldP spid="37" grpId="1" animBg="1"/>
+      <p:bldP spid="38" grpId="0" animBg="1"/>
+      <p:bldP spid="38" grpId="1" animBg="1"/>
+      <p:bldP spid="39" grpId="0" animBg="1"/>
+      <p:bldP spid="40" grpId="0" animBg="1"/>
+    </p:bldLst>
   </p:timing>
 </p:sld>
 </file>
@@ -8398,16 +8590,7 @@
                 </a:solidFill>
                 <a:latin typeface="+mj-lt"/>
               </a:rPr>
-              <a:t>Weak </a:t>
-            </a:r>
-            <a:r>
-              <a:rPr lang="en-US" altLang="zh-TW" sz="3200" dirty="0" smtClean="0">
-                <a:solidFill>
-                  <a:schemeClr val="tx1"/>
-                </a:solidFill>
-                <a:latin typeface="+mj-lt"/>
-              </a:rPr>
-              <a:t>classifier</a:t>
+              <a:t>Weak classifier</a:t>
             </a:r>
             <a:endParaRPr lang="en-US" altLang="zh-TW" sz="3200" dirty="0">
               <a:solidFill>
@@ -8895,7 +9078,7 @@
     </p:spTree>
     <p:extLst>
       <p:ext uri="{BB962C8B-B14F-4D97-AF65-F5344CB8AC3E}">
-        <p14:creationId xmlns:p14="http://schemas.microsoft.com/office/powerpoint/2010/main" xmlns="" val="3040030372"/>
+        <p14:creationId xmlns="" xmlns:p14="http://schemas.microsoft.com/office/powerpoint/2010/main" val="3040030372"/>
       </p:ext>
     </p:extLst>
   </p:cSld>
@@ -9452,7 +9635,7 @@
     </p:spTree>
     <p:extLst>
       <p:ext uri="{BB962C8B-B14F-4D97-AF65-F5344CB8AC3E}">
-        <p14:creationId xmlns:p14="http://schemas.microsoft.com/office/powerpoint/2010/main" xmlns="" val="3427152478"/>
+        <p14:creationId xmlns="" xmlns:p14="http://schemas.microsoft.com/office/powerpoint/2010/main" val="3427152478"/>
       </p:ext>
     </p:extLst>
   </p:cSld>
@@ -9864,7 +10047,7 @@
     </p:spTree>
     <p:extLst>
       <p:ext uri="{BB962C8B-B14F-4D97-AF65-F5344CB8AC3E}">
-        <p14:creationId xmlns:p14="http://schemas.microsoft.com/office/powerpoint/2010/main" xmlns="" val="3427152478"/>
+        <p14:creationId xmlns="" xmlns:p14="http://schemas.microsoft.com/office/powerpoint/2010/main" val="3427152478"/>
       </p:ext>
     </p:extLst>
   </p:cSld>
@@ -9950,7 +10133,7 @@
     </p:spTree>
     <p:extLst>
       <p:ext uri="{BB962C8B-B14F-4D97-AF65-F5344CB8AC3E}">
-        <p14:creationId xmlns:p14="http://schemas.microsoft.com/office/powerpoint/2010/main" xmlns="" val="3792208418"/>
+        <p14:creationId xmlns="" xmlns:p14="http://schemas.microsoft.com/office/powerpoint/2010/main" val="3792208418"/>
       </p:ext>
     </p:extLst>
   </p:cSld>
@@ -9986,6 +10169,72 @@
       </p:grpSpPr>
       <p:sp>
         <p:nvSpPr>
+          <p:cNvPr id="8" name="文字方塊 7"/>
+          <p:cNvSpPr txBox="1"/>
+          <p:nvPr/>
+        </p:nvSpPr>
+        <p:spPr>
+          <a:xfrm>
+            <a:off x="4991663" y="1905000"/>
+            <a:ext cx="2089033" cy="1200329"/>
+          </a:xfrm>
+          <a:prstGeom prst="rect">
+            <a:avLst/>
+          </a:prstGeom>
+          <a:noFill/>
+          <a:ln>
+            <a:noFill/>
+          </a:ln>
+        </p:spPr>
+        <p:txBody>
+          <a:bodyPr wrap="none" rtlCol="0">
+            <a:spAutoFit/>
+          </a:bodyPr>
+          <a:lstStyle/>
+          <a:p>
+            <a:pPr>
+              <a:buFont typeface="Wingdings" pitchFamily="2" charset="2"/>
+              <a:buChar char="l"/>
+            </a:pPr>
+            <a:r>
+              <a:rPr lang="en-US" altLang="zh-TW" dirty="0" smtClean="0"/>
+              <a:t>Rectangle shape</a:t>
+            </a:r>
+          </a:p>
+          <a:p>
+            <a:pPr>
+              <a:buFont typeface="Wingdings" pitchFamily="2" charset="2"/>
+              <a:buChar char="l"/>
+            </a:pPr>
+            <a:r>
+              <a:rPr lang="en-US" altLang="zh-TW" dirty="0" smtClean="0"/>
+              <a:t>Symmetry</a:t>
+            </a:r>
+          </a:p>
+          <a:p>
+            <a:pPr>
+              <a:buFont typeface="Wingdings" pitchFamily="2" charset="2"/>
+              <a:buChar char="l"/>
+            </a:pPr>
+            <a:r>
+              <a:rPr lang="en-US" altLang="zh-TW" dirty="0" smtClean="0"/>
+              <a:t>Entropy</a:t>
+            </a:r>
+          </a:p>
+          <a:p>
+            <a:pPr>
+              <a:buFont typeface="Wingdings" pitchFamily="2" charset="2"/>
+              <a:buChar char="l"/>
+            </a:pPr>
+            <a:r>
+              <a:rPr lang="en-US" altLang="zh-TW" dirty="0" smtClean="0"/>
+              <a:t>Contrast</a:t>
+            </a:r>
+          </a:p>
+        </p:txBody>
+      </p:sp>
+      <p:sp>
+        <p:nvSpPr>
           <p:cNvPr id="4" name="Title 3"/>
           <p:cNvSpPr>
             <a:spLocks noGrp="1"/>
@@ -9997,7 +10246,7 @@
         <p:spPr>
           <a:xfrm>
             <a:off x="228600" y="228600"/>
-            <a:ext cx="4873129" cy="492443"/>
+            <a:ext cx="6535443" cy="492443"/>
           </a:xfrm>
         </p:spPr>
         <p:txBody>
@@ -10011,7 +10260,7 @@
                 </a:solidFill>
                 <a:latin typeface="+mj-lt"/>
               </a:rPr>
-              <a:t>How computers see a car?</a:t>
+              <a:t>How to teach machine to see a car?</a:t>
             </a:r>
             <a:endParaRPr lang="en-US" sz="3200" b="0" dirty="0">
               <a:solidFill>
@@ -10099,8 +10348,8 @@
         </p:blipFill>
         <p:spPr bwMode="auto">
           <a:xfrm>
-            <a:off x="4991663" y="1905000"/>
-            <a:ext cx="3796388" cy="3270490"/>
+            <a:off x="4878550" y="1905000"/>
+            <a:ext cx="3975425" cy="3270490"/>
           </a:xfrm>
           <a:prstGeom prst="rect">
             <a:avLst/>
@@ -10131,7 +10380,7 @@
         </p:blipFill>
         <p:spPr bwMode="auto">
           <a:xfrm>
-            <a:off x="723575" y="1905000"/>
+            <a:off x="723880" y="1905000"/>
             <a:ext cx="3796388" cy="3270490"/>
           </a:xfrm>
           <a:prstGeom prst="rect">
@@ -10149,7 +10398,7 @@
     </p:spTree>
     <p:extLst>
       <p:ext uri="{BB962C8B-B14F-4D97-AF65-F5344CB8AC3E}">
-        <p14:creationId xmlns:p14="http://schemas.microsoft.com/office/powerpoint/2010/main" xmlns="" val="1692470345"/>
+        <p14:creationId xmlns="" xmlns:p14="http://schemas.microsoft.com/office/powerpoint/2010/main" val="1692470345"/>
       </p:ext>
     </p:extLst>
   </p:cSld>
@@ -10159,9 +10408,135 @@
   <p:timing>
     <p:tnLst>
       <p:par>
-        <p:cTn id="1" dur="indefinite" restart="never" nodeType="tmRoot"/>
+        <p:cTn id="1" dur="indefinite" restart="never" nodeType="tmRoot">
+          <p:childTnLst>
+            <p:seq concurrent="1" nextAc="seek">
+              <p:cTn id="2" dur="indefinite" nodeType="mainSeq">
+                <p:childTnLst>
+                  <p:par>
+                    <p:cTn id="3" fill="hold">
+                      <p:stCondLst>
+                        <p:cond delay="indefinite"/>
+                      </p:stCondLst>
+                      <p:childTnLst>
+                        <p:par>
+                          <p:cTn id="4" fill="hold">
+                            <p:stCondLst>
+                              <p:cond delay="0"/>
+                            </p:stCondLst>
+                            <p:childTnLst>
+                              <p:par>
+                                <p:cTn id="5" presetID="1" presetClass="exit" presetSubtype="0" fill="hold" nodeType="clickEffect">
+                                  <p:stCondLst>
+                                    <p:cond delay="0"/>
+                                  </p:stCondLst>
+                                  <p:childTnLst>
+                                    <p:set>
+                                      <p:cBhvr>
+                                        <p:cTn id="6" dur="1" fill="hold">
+                                          <p:stCondLst>
+                                            <p:cond delay="0"/>
+                                          </p:stCondLst>
+                                        </p:cTn>
+                                        <p:tgtEl>
+                                          <p:spTgt spid="3"/>
+                                        </p:tgtEl>
+                                        <p:attrNameLst>
+                                          <p:attrName>style.visibility</p:attrName>
+                                        </p:attrNameLst>
+                                      </p:cBhvr>
+                                      <p:to>
+                                        <p:strVal val="hidden"/>
+                                      </p:to>
+                                    </p:set>
+                                  </p:childTnLst>
+                                </p:cTn>
+                              </p:par>
+                              <p:par>
+                                <p:cTn id="7" presetID="1" presetClass="exit" presetSubtype="0" fill="hold" grpId="0" nodeType="withEffect">
+                                  <p:stCondLst>
+                                    <p:cond delay="0"/>
+                                  </p:stCondLst>
+                                  <p:childTnLst>
+                                    <p:set>
+                                      <p:cBhvr>
+                                        <p:cTn id="8" dur="1" fill="hold">
+                                          <p:stCondLst>
+                                            <p:cond delay="0"/>
+                                          </p:stCondLst>
+                                        </p:cTn>
+                                        <p:tgtEl>
+                                          <p:spTgt spid="11"/>
+                                        </p:tgtEl>
+                                        <p:attrNameLst>
+                                          <p:attrName>style.visibility</p:attrName>
+                                        </p:attrNameLst>
+                                      </p:cBhvr>
+                                      <p:to>
+                                        <p:strVal val="hidden"/>
+                                      </p:to>
+                                    </p:set>
+                                  </p:childTnLst>
+                                </p:cTn>
+                              </p:par>
+                              <p:par>
+                                <p:cTn id="9" presetID="1" presetClass="exit" presetSubtype="0" fill="hold" grpId="0" nodeType="withEffect">
+                                  <p:stCondLst>
+                                    <p:cond delay="0"/>
+                                  </p:stCondLst>
+                                  <p:childTnLst>
+                                    <p:set>
+                                      <p:cBhvr>
+                                        <p:cTn id="10" dur="1" fill="hold">
+                                          <p:stCondLst>
+                                            <p:cond delay="0"/>
+                                          </p:stCondLst>
+                                        </p:cTn>
+                                        <p:tgtEl>
+                                          <p:spTgt spid="12"/>
+                                        </p:tgtEl>
+                                        <p:attrNameLst>
+                                          <p:attrName>style.visibility</p:attrName>
+                                        </p:attrNameLst>
+                                      </p:cBhvr>
+                                      <p:to>
+                                        <p:strVal val="hidden"/>
+                                      </p:to>
+                                    </p:set>
+                                  </p:childTnLst>
+                                </p:cTn>
+                              </p:par>
+                            </p:childTnLst>
+                          </p:cTn>
+                        </p:par>
+                      </p:childTnLst>
+                    </p:cTn>
+                  </p:par>
+                </p:childTnLst>
+              </p:cTn>
+              <p:prevCondLst>
+                <p:cond evt="onPrev" delay="0">
+                  <p:tgtEl>
+                    <p:sldTgt/>
+                  </p:tgtEl>
+                </p:cond>
+              </p:prevCondLst>
+              <p:nextCondLst>
+                <p:cond evt="onNext" delay="0">
+                  <p:tgtEl>
+                    <p:sldTgt/>
+                  </p:tgtEl>
+                </p:cond>
+              </p:nextCondLst>
+            </p:seq>
+          </p:childTnLst>
+        </p:cTn>
       </p:par>
     </p:tnLst>
+    <p:bldLst>
+      <p:bldP spid="11" grpId="0"/>
+      <p:bldP spid="12" grpId="0"/>
+    </p:bldLst>
   </p:timing>
 </p:sld>
 </file>
@@ -10268,7 +10643,7 @@
     </p:spTree>
     <p:extLst>
       <p:ext uri="{BB962C8B-B14F-4D97-AF65-F5344CB8AC3E}">
-        <p14:creationId xmlns:p14="http://schemas.microsoft.com/office/powerpoint/2010/main" xmlns="" val="3598067464"/>
+        <p14:creationId xmlns="" xmlns:p14="http://schemas.microsoft.com/office/powerpoint/2010/main" val="3598067464"/>
       </p:ext>
     </p:extLst>
   </p:cSld>
@@ -11130,7 +11505,7 @@
     </p:spTree>
     <p:extLst>
       <p:ext uri="{BB962C8B-B14F-4D97-AF65-F5344CB8AC3E}">
-        <p14:creationId xmlns:p14="http://schemas.microsoft.com/office/powerpoint/2010/main" xmlns="" val="2895042021"/>
+        <p14:creationId xmlns="" xmlns:p14="http://schemas.microsoft.com/office/powerpoint/2010/main" val="2895042021"/>
       </p:ext>
     </p:extLst>
   </p:cSld>
@@ -11633,7 +12008,7 @@
           <a:blip r:embed="rId2">
             <a:extLst>
               <a:ext uri="{28A0092B-C50C-407E-A947-70E740481C1C}">
-                <a14:useLocalDpi xmlns:a14="http://schemas.microsoft.com/office/drawing/2010/main" xmlns="" val="0"/>
+                <a14:useLocalDpi xmlns="" xmlns:a14="http://schemas.microsoft.com/office/drawing/2010/main" val="0"/>
               </a:ext>
             </a:extLst>
           </a:blip>
@@ -11656,14 +12031,14 @@
           </a:ln>
           <a:extLst>
             <a:ext uri="{909E8E84-426E-40DD-AFC4-6F175D3DCCD1}">
-              <a14:hiddenFill xmlns:a14="http://schemas.microsoft.com/office/drawing/2010/main" xmlns="">
+              <a14:hiddenFill xmlns="" xmlns:a14="http://schemas.microsoft.com/office/drawing/2010/main">
                 <a:solidFill>
                   <a:schemeClr val="accent1"/>
                 </a:solidFill>
               </a14:hiddenFill>
             </a:ext>
             <a:ext uri="{91240B29-F687-4F45-9708-019B960494DF}">
-              <a14:hiddenLine xmlns:a14="http://schemas.microsoft.com/office/drawing/2010/main" xmlns="" w="9525">
+              <a14:hiddenLine xmlns="" xmlns:a14="http://schemas.microsoft.com/office/drawing/2010/main" w="9525">
                 <a:solidFill>
                   <a:schemeClr val="tx1"/>
                 </a:solidFill>
@@ -11800,7 +12175,7 @@
             <a:blip r:embed="rId3">
               <a:extLst>
                 <a:ext uri="{28A0092B-C50C-407E-A947-70E740481C1C}">
-                  <a14:useLocalDpi xmlns:a14="http://schemas.microsoft.com/office/drawing/2010/main" xmlns="" val="0"/>
+                  <a14:useLocalDpi xmlns="" xmlns:a14="http://schemas.microsoft.com/office/drawing/2010/main" val="0"/>
                 </a:ext>
               </a:extLst>
             </a:blip>
@@ -11823,14 +12198,14 @@
             </a:ln>
             <a:extLst>
               <a:ext uri="{909E8E84-426E-40DD-AFC4-6F175D3DCCD1}">
-                <a14:hiddenFill xmlns:a14="http://schemas.microsoft.com/office/drawing/2010/main" xmlns="">
+                <a14:hiddenFill xmlns="" xmlns:a14="http://schemas.microsoft.com/office/drawing/2010/main">
                   <a:solidFill>
                     <a:schemeClr val="accent1"/>
                   </a:solidFill>
                 </a14:hiddenFill>
               </a:ext>
               <a:ext uri="{91240B29-F687-4F45-9708-019B960494DF}">
-                <a14:hiddenLine xmlns:a14="http://schemas.microsoft.com/office/drawing/2010/main" xmlns="" w="9525">
+                <a14:hiddenLine xmlns="" xmlns:a14="http://schemas.microsoft.com/office/drawing/2010/main" w="9525">
                   <a:solidFill>
                     <a:schemeClr val="tx1"/>
                   </a:solidFill>
@@ -11854,7 +12229,7 @@
             <a:blip r:embed="rId4">
               <a:extLst>
                 <a:ext uri="{28A0092B-C50C-407E-A947-70E740481C1C}">
-                  <a14:useLocalDpi xmlns:a14="http://schemas.microsoft.com/office/drawing/2010/main" xmlns="" val="0"/>
+                  <a14:useLocalDpi xmlns="" xmlns:a14="http://schemas.microsoft.com/office/drawing/2010/main" val="0"/>
                 </a:ext>
               </a:extLst>
             </a:blip>
@@ -11877,14 +12252,14 @@
             </a:ln>
             <a:extLst>
               <a:ext uri="{909E8E84-426E-40DD-AFC4-6F175D3DCCD1}">
-                <a14:hiddenFill xmlns:a14="http://schemas.microsoft.com/office/drawing/2010/main" xmlns="">
+                <a14:hiddenFill xmlns="" xmlns:a14="http://schemas.microsoft.com/office/drawing/2010/main">
                   <a:solidFill>
                     <a:schemeClr val="accent1"/>
                   </a:solidFill>
                 </a14:hiddenFill>
               </a:ext>
               <a:ext uri="{91240B29-F687-4F45-9708-019B960494DF}">
-                <a14:hiddenLine xmlns:a14="http://schemas.microsoft.com/office/drawing/2010/main" xmlns="" w="9525">
+                <a14:hiddenLine xmlns="" xmlns:a14="http://schemas.microsoft.com/office/drawing/2010/main" w="9525">
                   <a:solidFill>
                     <a:schemeClr val="tx1"/>
                   </a:solidFill>
@@ -11900,7 +12275,7 @@
     </p:spTree>
     <p:extLst>
       <p:ext uri="{BB962C8B-B14F-4D97-AF65-F5344CB8AC3E}">
-        <p14:creationId xmlns:p14="http://schemas.microsoft.com/office/powerpoint/2010/main" xmlns="" val="1443667910"/>
+        <p14:creationId xmlns="" xmlns:p14="http://schemas.microsoft.com/office/powerpoint/2010/main" val="1443667910"/>
       </p:ext>
     </p:extLst>
   </p:cSld>
@@ -12281,7 +12656,7 @@
           <a:blip r:embed="rId2">
             <a:extLst>
               <a:ext uri="{28A0092B-C50C-407E-A947-70E740481C1C}">
-                <a14:useLocalDpi xmlns:a14="http://schemas.microsoft.com/office/drawing/2010/main" xmlns="" val="0"/>
+                <a14:useLocalDpi xmlns="" xmlns:a14="http://schemas.microsoft.com/office/drawing/2010/main" val="0"/>
               </a:ext>
             </a:extLst>
           </a:blip>
@@ -12304,14 +12679,14 @@
           </a:ln>
           <a:extLst>
             <a:ext uri="{909E8E84-426E-40DD-AFC4-6F175D3DCCD1}">
-              <a14:hiddenFill xmlns:a14="http://schemas.microsoft.com/office/drawing/2010/main" xmlns="">
+              <a14:hiddenFill xmlns="" xmlns:a14="http://schemas.microsoft.com/office/drawing/2010/main">
                 <a:solidFill>
                   <a:schemeClr val="accent1"/>
                 </a:solidFill>
               </a14:hiddenFill>
             </a:ext>
             <a:ext uri="{91240B29-F687-4F45-9708-019B960494DF}">
-              <a14:hiddenLine xmlns:a14="http://schemas.microsoft.com/office/drawing/2010/main" xmlns="" w="9525">
+              <a14:hiddenLine xmlns="" xmlns:a14="http://schemas.microsoft.com/office/drawing/2010/main" w="9525">
                 <a:solidFill>
                   <a:schemeClr val="tx1"/>
                 </a:solidFill>
@@ -12480,7 +12855,7 @@
             <a:blip r:embed="rId3">
               <a:extLst>
                 <a:ext uri="{28A0092B-C50C-407E-A947-70E740481C1C}">
-                  <a14:useLocalDpi xmlns:a14="http://schemas.microsoft.com/office/drawing/2010/main" xmlns="" val="0"/>
+                  <a14:useLocalDpi xmlns="" xmlns:a14="http://schemas.microsoft.com/office/drawing/2010/main" val="0"/>
                 </a:ext>
               </a:extLst>
             </a:blip>
@@ -12503,14 +12878,14 @@
             </a:ln>
             <a:extLst>
               <a:ext uri="{909E8E84-426E-40DD-AFC4-6F175D3DCCD1}">
-                <a14:hiddenFill xmlns:a14="http://schemas.microsoft.com/office/drawing/2010/main" xmlns="">
+                <a14:hiddenFill xmlns="" xmlns:a14="http://schemas.microsoft.com/office/drawing/2010/main">
                   <a:solidFill>
                     <a:schemeClr val="accent1"/>
                   </a:solidFill>
                 </a14:hiddenFill>
               </a:ext>
               <a:ext uri="{91240B29-F687-4F45-9708-019B960494DF}">
-                <a14:hiddenLine xmlns:a14="http://schemas.microsoft.com/office/drawing/2010/main" xmlns="" w="9525">
+                <a14:hiddenLine xmlns="" xmlns:a14="http://schemas.microsoft.com/office/drawing/2010/main" w="9525">
                   <a:solidFill>
                     <a:schemeClr val="tx1"/>
                   </a:solidFill>
@@ -12555,7 +12930,7 @@
     </p:spTree>
     <p:extLst>
       <p:ext uri="{BB962C8B-B14F-4D97-AF65-F5344CB8AC3E}">
-        <p14:creationId xmlns:p14="http://schemas.microsoft.com/office/powerpoint/2010/main" xmlns="" val="544419612"/>
+        <p14:creationId xmlns="" xmlns:p14="http://schemas.microsoft.com/office/powerpoint/2010/main" val="544419612"/>
       </p:ext>
     </p:extLst>
   </p:cSld>
@@ -13083,7 +13458,7 @@
           <a:blip r:embed="rId2">
             <a:extLst>
               <a:ext uri="{28A0092B-C50C-407E-A947-70E740481C1C}">
-                <a14:useLocalDpi xmlns:a14="http://schemas.microsoft.com/office/drawing/2010/main" xmlns="" val="0"/>
+                <a14:useLocalDpi xmlns="" xmlns:a14="http://schemas.microsoft.com/office/drawing/2010/main" val="0"/>
               </a:ext>
             </a:extLst>
           </a:blip>
@@ -13106,14 +13481,14 @@
           </a:ln>
           <a:extLst>
             <a:ext uri="{909E8E84-426E-40DD-AFC4-6F175D3DCCD1}">
-              <a14:hiddenFill xmlns:a14="http://schemas.microsoft.com/office/drawing/2010/main" xmlns="">
+              <a14:hiddenFill xmlns="" xmlns:a14="http://schemas.microsoft.com/office/drawing/2010/main">
                 <a:solidFill>
                   <a:schemeClr val="accent1"/>
                 </a:solidFill>
               </a14:hiddenFill>
             </a:ext>
             <a:ext uri="{91240B29-F687-4F45-9708-019B960494DF}">
-              <a14:hiddenLine xmlns:a14="http://schemas.microsoft.com/office/drawing/2010/main" xmlns="" w="9525">
+              <a14:hiddenLine xmlns="" xmlns:a14="http://schemas.microsoft.com/office/drawing/2010/main" w="9525">
                 <a:solidFill>
                   <a:schemeClr val="tx1"/>
                 </a:solidFill>
@@ -13137,7 +13512,7 @@
           <a:blip r:embed="rId3">
             <a:extLst>
               <a:ext uri="{28A0092B-C50C-407E-A947-70E740481C1C}">
-                <a14:useLocalDpi xmlns:a14="http://schemas.microsoft.com/office/drawing/2010/main" xmlns="" val="0"/>
+                <a14:useLocalDpi xmlns="" xmlns:a14="http://schemas.microsoft.com/office/drawing/2010/main" val="0"/>
               </a:ext>
             </a:extLst>
           </a:blip>
@@ -13160,14 +13535,14 @@
           </a:ln>
           <a:extLst>
             <a:ext uri="{909E8E84-426E-40DD-AFC4-6F175D3DCCD1}">
-              <a14:hiddenFill xmlns:a14="http://schemas.microsoft.com/office/drawing/2010/main" xmlns="">
+              <a14:hiddenFill xmlns="" xmlns:a14="http://schemas.microsoft.com/office/drawing/2010/main">
                 <a:solidFill>
                   <a:schemeClr val="accent1"/>
                 </a:solidFill>
               </a14:hiddenFill>
             </a:ext>
             <a:ext uri="{91240B29-F687-4F45-9708-019B960494DF}">
-              <a14:hiddenLine xmlns:a14="http://schemas.microsoft.com/office/drawing/2010/main" xmlns="" w="9525">
+              <a14:hiddenLine xmlns="" xmlns:a14="http://schemas.microsoft.com/office/drawing/2010/main" w="9525">
                 <a:solidFill>
                   <a:schemeClr val="tx1"/>
                 </a:solidFill>
@@ -13182,7 +13557,7 @@
     </p:spTree>
     <p:extLst>
       <p:ext uri="{BB962C8B-B14F-4D97-AF65-F5344CB8AC3E}">
-        <p14:creationId xmlns:p14="http://schemas.microsoft.com/office/powerpoint/2010/main" xmlns="" val="2002502998"/>
+        <p14:creationId xmlns="" xmlns:p14="http://schemas.microsoft.com/office/powerpoint/2010/main" val="2002502998"/>
       </p:ext>
     </p:extLst>
   </p:cSld>
@@ -14536,7 +14911,7 @@
             <a:blip r:embed="rId2">
               <a:extLst>
                 <a:ext uri="{28A0092B-C50C-407E-A947-70E740481C1C}">
-                  <a14:useLocalDpi xmlns:a14="http://schemas.microsoft.com/office/drawing/2010/main" xmlns="" val="0"/>
+                  <a14:useLocalDpi xmlns="" xmlns:a14="http://schemas.microsoft.com/office/drawing/2010/main" val="0"/>
                 </a:ext>
               </a:extLst>
             </a:blip>
@@ -14559,7 +14934,7 @@
             </a:ln>
             <a:extLst>
               <a:ext uri="{91240B29-F687-4F45-9708-019B960494DF}">
-                <a14:hiddenLine xmlns:a14="http://schemas.microsoft.com/office/drawing/2010/main" xmlns="" w="9525">
+                <a14:hiddenLine xmlns="" xmlns:a14="http://schemas.microsoft.com/office/drawing/2010/main" w="9525">
                   <a:solidFill>
                     <a:schemeClr val="tx1"/>
                   </a:solidFill>
@@ -14575,7 +14950,7 @@
     </p:spTree>
     <p:extLst>
       <p:ext uri="{BB962C8B-B14F-4D97-AF65-F5344CB8AC3E}">
-        <p14:creationId xmlns:p14="http://schemas.microsoft.com/office/powerpoint/2010/main" xmlns="" val="2850896358"/>
+        <p14:creationId xmlns="" xmlns:p14="http://schemas.microsoft.com/office/powerpoint/2010/main" val="2850896358"/>
       </p:ext>
     </p:extLst>
   </p:cSld>
@@ -18781,7 +19156,7 @@
     </p:spTree>
     <p:extLst>
       <p:ext uri="{BB962C8B-B14F-4D97-AF65-F5344CB8AC3E}">
-        <p14:creationId xmlns:p14="http://schemas.microsoft.com/office/powerpoint/2010/main" xmlns="" val="1179663467"/>
+        <p14:creationId xmlns="" xmlns:p14="http://schemas.microsoft.com/office/powerpoint/2010/main" val="1179663467"/>
       </p:ext>
     </p:extLst>
   </p:cSld>
@@ -20270,7 +20645,7 @@
             <a:blip r:embed="rId2">
               <a:extLst>
                 <a:ext uri="{28A0092B-C50C-407E-A947-70E740481C1C}">
-                  <a14:useLocalDpi xmlns:a14="http://schemas.microsoft.com/office/drawing/2010/main" xmlns="" val="0"/>
+                  <a14:useLocalDpi xmlns="" xmlns:a14="http://schemas.microsoft.com/office/drawing/2010/main" val="0"/>
                 </a:ext>
               </a:extLst>
             </a:blip>
@@ -20293,14 +20668,14 @@
             </a:ln>
             <a:extLst>
               <a:ext uri="{909E8E84-426E-40DD-AFC4-6F175D3DCCD1}">
-                <a14:hiddenFill xmlns:a14="http://schemas.microsoft.com/office/drawing/2010/main" xmlns="">
+                <a14:hiddenFill xmlns="" xmlns:a14="http://schemas.microsoft.com/office/drawing/2010/main">
                   <a:solidFill>
                     <a:schemeClr val="accent1"/>
                   </a:solidFill>
                 </a14:hiddenFill>
               </a:ext>
               <a:ext uri="{91240B29-F687-4F45-9708-019B960494DF}">
-                <a14:hiddenLine xmlns:a14="http://schemas.microsoft.com/office/drawing/2010/main" xmlns="" w="9525">
+                <a14:hiddenLine xmlns="" xmlns:a14="http://schemas.microsoft.com/office/drawing/2010/main" w="9525">
                   <a:solidFill>
                     <a:schemeClr val="tx1"/>
                   </a:solidFill>
@@ -20324,7 +20699,7 @@
             <a:blip r:embed="rId3">
               <a:extLst>
                 <a:ext uri="{28A0092B-C50C-407E-A947-70E740481C1C}">
-                  <a14:useLocalDpi xmlns:a14="http://schemas.microsoft.com/office/drawing/2010/main" xmlns="" val="0"/>
+                  <a14:useLocalDpi xmlns="" xmlns:a14="http://schemas.microsoft.com/office/drawing/2010/main" val="0"/>
                 </a:ext>
               </a:extLst>
             </a:blip>
@@ -20347,14 +20722,14 @@
             </a:ln>
             <a:extLst>
               <a:ext uri="{909E8E84-426E-40DD-AFC4-6F175D3DCCD1}">
-                <a14:hiddenFill xmlns:a14="http://schemas.microsoft.com/office/drawing/2010/main" xmlns="">
+                <a14:hiddenFill xmlns="" xmlns:a14="http://schemas.microsoft.com/office/drawing/2010/main">
                   <a:solidFill>
                     <a:schemeClr val="accent1"/>
                   </a:solidFill>
                 </a14:hiddenFill>
               </a:ext>
               <a:ext uri="{91240B29-F687-4F45-9708-019B960494DF}">
-                <a14:hiddenLine xmlns:a14="http://schemas.microsoft.com/office/drawing/2010/main" xmlns="" w="9525">
+                <a14:hiddenLine xmlns="" xmlns:a14="http://schemas.microsoft.com/office/drawing/2010/main" w="9525">
                   <a:solidFill>
                     <a:schemeClr val="tx1"/>
                   </a:solidFill>
@@ -20439,7 +20814,7 @@
             <a:blip r:embed="rId4">
               <a:extLst>
                 <a:ext uri="{28A0092B-C50C-407E-A947-70E740481C1C}">
-                  <a14:useLocalDpi xmlns:a14="http://schemas.microsoft.com/office/drawing/2010/main" xmlns="" val="0"/>
+                  <a14:useLocalDpi xmlns="" xmlns:a14="http://schemas.microsoft.com/office/drawing/2010/main" val="0"/>
                 </a:ext>
               </a:extLst>
             </a:blip>
@@ -20462,14 +20837,14 @@
             </a:ln>
             <a:extLst>
               <a:ext uri="{909E8E84-426E-40DD-AFC4-6F175D3DCCD1}">
-                <a14:hiddenFill xmlns:a14="http://schemas.microsoft.com/office/drawing/2010/main" xmlns="">
+                <a14:hiddenFill xmlns="" xmlns:a14="http://schemas.microsoft.com/office/drawing/2010/main">
                   <a:solidFill>
                     <a:schemeClr val="accent1"/>
                   </a:solidFill>
                 </a14:hiddenFill>
               </a:ext>
               <a:ext uri="{91240B29-F687-4F45-9708-019B960494DF}">
-                <a14:hiddenLine xmlns:a14="http://schemas.microsoft.com/office/drawing/2010/main" xmlns="" w="9525">
+                <a14:hiddenLine xmlns="" xmlns:a14="http://schemas.microsoft.com/office/drawing/2010/main" w="9525">
                   <a:solidFill>
                     <a:schemeClr val="tx1"/>
                   </a:solidFill>
@@ -20638,7 +21013,7 @@
     </p:spTree>
     <p:extLst>
       <p:ext uri="{BB962C8B-B14F-4D97-AF65-F5344CB8AC3E}">
-        <p14:creationId xmlns:p14="http://schemas.microsoft.com/office/powerpoint/2010/main" xmlns="" val="2167710447"/>
+        <p14:creationId xmlns="" xmlns:p14="http://schemas.microsoft.com/office/powerpoint/2010/main" val="2167710447"/>
       </p:ext>
     </p:extLst>
   </p:cSld>
@@ -21959,23 +22334,6 @@
 </file>
 
 <file path=customXml/item1.xml><?xml version="1.0" encoding="utf-8"?>
-<p:properties xmlns:p="http://schemas.microsoft.com/office/2006/metadata/properties" xmlns:xsi="http://www.w3.org/2001/XMLSchema-instance" xmlns:pc="http://schemas.microsoft.com/office/infopath/2007/PartnerControls">
-  <documentManagement>
-    <Year xmlns="24ac9ee2-1f69-49ec-81c1-d01c86227436">2015</Year>
-  </documentManagement>
-</p:properties>
-</file>
-
-<file path=customXml/item2.xml><?xml version="1.0" encoding="utf-8"?>
-<?mso-contentType ?>
-<FormTemplates xmlns="http://schemas.microsoft.com/sharepoint/v3/contenttype/forms">
-  <Display>DocumentLibraryForm</Display>
-  <Edit>DocumentLibraryForm</Edit>
-  <New>DocumentLibraryForm</New>
-</FormTemplates>
-</file>
-
-<file path=customXml/item3.xml><?xml version="1.0" encoding="utf-8"?>
 <ct:contentTypeSchema xmlns:ct="http://schemas.microsoft.com/office/2006/metadata/contentType" xmlns:ma="http://schemas.microsoft.com/office/2006/metadata/properties/metaAttributes" ct:_="" ma:_="" ma:contentTypeName="文件" ma:contentTypeID="0x0101000CB458D5399432479E0BB962A3AC807C" ma:contentTypeVersion="1" ma:contentTypeDescription="建立新的文件。" ma:contentTypeScope="" ma:versionID="2090fcdc2e9aae8469eabc8d31b189fb">
   <xsd:schema xmlns:xsd="http://www.w3.org/2001/XMLSchema" xmlns:xs="http://www.w3.org/2001/XMLSchema" xmlns:p="http://schemas.microsoft.com/office/2006/metadata/properties" xmlns:ns2="24ac9ee2-1f69-49ec-81c1-d01c86227436" targetNamespace="http://schemas.microsoft.com/office/2006/metadata/properties" ma:root="true" ma:fieldsID="3ada4ee18b918396c161ab8726fa03da" ns2:_="">
     <xsd:import namespace="24ac9ee2-1f69-49ec-81c1-d01c86227436"/>
@@ -22106,31 +22464,24 @@
 </ct:contentTypeSchema>
 </file>
 
-<file path=customXml/itemProps1.xml><?xml version="1.0" encoding="utf-8"?>
-<ds:datastoreItem xmlns:ds="http://schemas.openxmlformats.org/officeDocument/2006/customXml" ds:itemID="{327D2673-F33E-4BA5-8F43-8D9B5FEBC44E}">
-  <ds:schemaRefs>
-    <ds:schemaRef ds:uri="http://schemas.microsoft.com/office/2006/documentManagement/types"/>
-    <ds:schemaRef ds:uri="http://schemas.microsoft.com/office/2006/metadata/properties"/>
-    <ds:schemaRef ds:uri="http://purl.org/dc/dcmitype/"/>
-    <ds:schemaRef ds:uri="http://purl.org/dc/terms/"/>
-    <ds:schemaRef ds:uri="http://schemas.microsoft.com/office/infopath/2007/PartnerControls"/>
-    <ds:schemaRef ds:uri="http://purl.org/dc/elements/1.1/"/>
-    <ds:schemaRef ds:uri="http://www.w3.org/XML/1998/namespace"/>
-    <ds:schemaRef ds:uri="http://schemas.openxmlformats.org/package/2006/metadata/core-properties"/>
-    <ds:schemaRef ds:uri="24ac9ee2-1f69-49ec-81c1-d01c86227436"/>
-  </ds:schemaRefs>
-</ds:datastoreItem>
+<file path=customXml/item2.xml><?xml version="1.0" encoding="utf-8"?>
+<?mso-contentType ?>
+<FormTemplates xmlns="http://schemas.microsoft.com/sharepoint/v3/contenttype/forms">
+  <Display>DocumentLibraryForm</Display>
+  <Edit>DocumentLibraryForm</Edit>
+  <New>DocumentLibraryForm</New>
+</FormTemplates>
 </file>
 
-<file path=customXml/itemProps2.xml><?xml version="1.0" encoding="utf-8"?>
-<ds:datastoreItem xmlns:ds="http://schemas.openxmlformats.org/officeDocument/2006/customXml" ds:itemID="{75703042-9C6F-440D-9A8D-0836740E8EC4}">
-  <ds:schemaRefs>
-    <ds:schemaRef ds:uri="http://schemas.microsoft.com/sharepoint/v3/contenttype/forms"/>
-  </ds:schemaRefs>
-</ds:datastoreItem>
+<file path=customXml/item3.xml><?xml version="1.0" encoding="utf-8"?>
+<p:properties xmlns:p="http://schemas.microsoft.com/office/2006/metadata/properties" xmlns:xsi="http://www.w3.org/2001/XMLSchema-instance" xmlns:pc="http://schemas.microsoft.com/office/infopath/2007/PartnerControls">
+  <documentManagement>
+    <Year xmlns="24ac9ee2-1f69-49ec-81c1-d01c86227436">2015</Year>
+  </documentManagement>
+</p:properties>
 </file>
 
-<file path=customXml/itemProps3.xml><?xml version="1.0" encoding="utf-8"?>
+<file path=customXml/itemProps1.xml><?xml version="1.0" encoding="utf-8"?>
 <ds:datastoreItem xmlns:ds="http://schemas.openxmlformats.org/officeDocument/2006/customXml" ds:itemID="{4C9F39EC-CE5D-4921-B7BB-5650597DBD03}">
   <ds:schemaRefs>
     <ds:schemaRef ds:uri="http://schemas.microsoft.com/office/2006/metadata/contentType"/>
@@ -22146,4 +22497,28 @@
     <ds:schemaRef ds:uri="http://schemas.microsoft.com/internal/obd"/>
   </ds:schemaRefs>
 </ds:datastoreItem>
+</file>
+
+<file path=customXml/itemProps2.xml><?xml version="1.0" encoding="utf-8"?>
+<ds:datastoreItem xmlns:ds="http://schemas.openxmlformats.org/officeDocument/2006/customXml" ds:itemID="{75703042-9C6F-440D-9A8D-0836740E8EC4}">
+  <ds:schemaRefs>
+    <ds:schemaRef ds:uri="http://schemas.microsoft.com/sharepoint/v3/contenttype/forms"/>
+  </ds:schemaRefs>
+</ds:datastoreItem>
+</file>
+
+<file path=customXml/itemProps3.xml><?xml version="1.0" encoding="utf-8"?>
+<ds:datastoreItem xmlns:ds="http://schemas.openxmlformats.org/officeDocument/2006/customXml" ds:itemID="{327D2673-F33E-4BA5-8F43-8D9B5FEBC44E}">
+  <ds:schemaRefs>
+    <ds:schemaRef ds:uri="http://schemas.microsoft.com/office/2006/documentManagement/types"/>
+    <ds:schemaRef ds:uri="http://schemas.microsoft.com/office/2006/metadata/properties"/>
+    <ds:schemaRef ds:uri="http://purl.org/dc/dcmitype/"/>
+    <ds:schemaRef ds:uri="http://purl.org/dc/terms/"/>
+    <ds:schemaRef ds:uri="http://schemas.microsoft.com/office/infopath/2007/PartnerControls"/>
+    <ds:schemaRef ds:uri="http://purl.org/dc/elements/1.1/"/>
+    <ds:schemaRef ds:uri="http://www.w3.org/XML/1998/namespace"/>
+    <ds:schemaRef ds:uri="http://schemas.openxmlformats.org/package/2006/metadata/core-properties"/>
+    <ds:schemaRef ds:uri="24ac9ee2-1f69-49ec-81c1-d01c86227436"/>
+  </ds:schemaRefs>
+</ds:datastoreItem>
 </file>
--- a/Boosting.pptx
+++ b/Boosting.pptx
@@ -139,7 +139,7 @@
   </p:defaultTextStyle>
   <p:extLst>
     <p:ext uri="{EFAFB233-063F-42B5-8137-9DF3F51BA10A}">
-      <p15:sldGuideLst xmlns="" xmlns:p15="http://schemas.microsoft.com/office/powerpoint/2012/main">
+      <p15:sldGuideLst xmlns:p15="http://schemas.microsoft.com/office/powerpoint/2012/main">
         <p15:guide id="1" orient="horz" pos="3868">
           <p15:clr>
             <a:srgbClr val="A4A3A4"/>
@@ -284,7 +284,7 @@
             <a:fld id="{F8252C7F-5FEC-2E4D-80AA-BF666F276660}" type="datetime1">
               <a:rPr lang="en-US" smtClean="0"/>
               <a:pPr/>
-              <a:t>6/12/2015</a:t>
+              <a:t>6/14/2015</a:t>
             </a:fld>
             <a:endParaRPr lang="en-US"/>
           </a:p>
@@ -360,7 +360,7 @@
     </p:spTree>
     <p:extLst>
       <p:ext uri="{BB962C8B-B14F-4D97-AF65-F5344CB8AC3E}">
-        <p14:creationId xmlns="" xmlns:p14="http://schemas.microsoft.com/office/powerpoint/2010/main" val="1411092301"/>
+        <p14:creationId xmlns:p14="http://schemas.microsoft.com/office/powerpoint/2010/main" val="1411092301"/>
       </p:ext>
     </p:extLst>
   </p:cSld>
@@ -452,7 +452,7 @@
             <a:fld id="{1939DE02-E791-1340-B4FF-3939EE33ADCD}" type="datetime1">
               <a:rPr lang="en-US" smtClean="0"/>
               <a:pPr/>
-              <a:t>6/12/2015</a:t>
+              <a:t>6/14/2015</a:t>
             </a:fld>
             <a:endParaRPr lang="en-US"/>
           </a:p>
@@ -621,7 +621,7 @@
     </p:spTree>
     <p:extLst>
       <p:ext uri="{BB962C8B-B14F-4D97-AF65-F5344CB8AC3E}">
-        <p14:creationId xmlns="" xmlns:p14="http://schemas.microsoft.com/office/powerpoint/2010/main" val="160240899"/>
+        <p14:creationId xmlns:p14="http://schemas.microsoft.com/office/powerpoint/2010/main" val="160240899"/>
       </p:ext>
     </p:extLst>
   </p:cSld>
@@ -751,7 +751,7 @@
           <a:blip r:embed="rId2">
             <a:extLst>
               <a:ext uri="{28A0092B-C50C-407E-A947-70E740481C1C}">
-                <a14:useLocalDpi xmlns="" xmlns:a14="http://schemas.microsoft.com/office/drawing/2010/main" val="0"/>
+                <a14:useLocalDpi xmlns:a14="http://schemas.microsoft.com/office/drawing/2010/main" val="0"/>
               </a:ext>
             </a:extLst>
           </a:blip>
@@ -772,7 +772,7 @@
     </p:spTree>
     <p:extLst>
       <p:ext uri="{BB962C8B-B14F-4D97-AF65-F5344CB8AC3E}">
-        <p14:creationId xmlns="" xmlns:p14="http://schemas.microsoft.com/office/powerpoint/2010/main" val="921680772"/>
+        <p14:creationId xmlns:p14="http://schemas.microsoft.com/office/powerpoint/2010/main" val="921680772"/>
       </p:ext>
     </p:extLst>
   </p:cSld>
@@ -802,7 +802,7 @@
     </p:spTree>
     <p:extLst>
       <p:ext uri="{BB962C8B-B14F-4D97-AF65-F5344CB8AC3E}">
-        <p14:creationId xmlns="" xmlns:p14="http://schemas.microsoft.com/office/powerpoint/2010/main" val="1551424100"/>
+        <p14:creationId xmlns:p14="http://schemas.microsoft.com/office/powerpoint/2010/main" val="1551424100"/>
       </p:ext>
     </p:extLst>
   </p:cSld>
@@ -932,7 +932,7 @@
     </p:spTree>
     <p:extLst>
       <p:ext uri="{BB962C8B-B14F-4D97-AF65-F5344CB8AC3E}">
-        <p14:creationId xmlns="" xmlns:p14="http://schemas.microsoft.com/office/powerpoint/2010/main" val="2725598606"/>
+        <p14:creationId xmlns:p14="http://schemas.microsoft.com/office/powerpoint/2010/main" val="2725598606"/>
       </p:ext>
     </p:extLst>
   </p:cSld>
@@ -1082,7 +1082,7 @@
     </p:spTree>
     <p:extLst>
       <p:ext uri="{BB962C8B-B14F-4D97-AF65-F5344CB8AC3E}">
-        <p14:creationId xmlns="" xmlns:p14="http://schemas.microsoft.com/office/powerpoint/2010/main" val="3479517975"/>
+        <p14:creationId xmlns:p14="http://schemas.microsoft.com/office/powerpoint/2010/main" val="3479517975"/>
       </p:ext>
     </p:extLst>
   </p:cSld>
@@ -1232,7 +1232,7 @@
     </p:spTree>
     <p:extLst>
       <p:ext uri="{BB962C8B-B14F-4D97-AF65-F5344CB8AC3E}">
-        <p14:creationId xmlns="" xmlns:p14="http://schemas.microsoft.com/office/powerpoint/2010/main" val="3246921271"/>
+        <p14:creationId xmlns:p14="http://schemas.microsoft.com/office/powerpoint/2010/main" val="3246921271"/>
       </p:ext>
     </p:extLst>
   </p:cSld>
@@ -1390,7 +1390,7 @@
     </p:spTree>
     <p:extLst>
       <p:ext uri="{BB962C8B-B14F-4D97-AF65-F5344CB8AC3E}">
-        <p14:creationId xmlns="" xmlns:p14="http://schemas.microsoft.com/office/powerpoint/2010/main" val="3015080783"/>
+        <p14:creationId xmlns:p14="http://schemas.microsoft.com/office/powerpoint/2010/main" val="3015080783"/>
       </p:ext>
     </p:extLst>
   </p:cSld>
@@ -1507,7 +1507,7 @@
     </p:spTree>
     <p:extLst>
       <p:ext uri="{BB962C8B-B14F-4D97-AF65-F5344CB8AC3E}">
-        <p14:creationId xmlns="" xmlns:p14="http://schemas.microsoft.com/office/powerpoint/2010/main" val="2098243185"/>
+        <p14:creationId xmlns:p14="http://schemas.microsoft.com/office/powerpoint/2010/main" val="2098243185"/>
       </p:ext>
     </p:extLst>
   </p:cSld>
@@ -1573,7 +1573,7 @@
     </p:spTree>
     <p:extLst>
       <p:ext uri="{BB962C8B-B14F-4D97-AF65-F5344CB8AC3E}">
-        <p14:creationId xmlns="" xmlns:p14="http://schemas.microsoft.com/office/powerpoint/2010/main" val="4200364697"/>
+        <p14:creationId xmlns:p14="http://schemas.microsoft.com/office/powerpoint/2010/main" val="4200364697"/>
       </p:ext>
     </p:extLst>
   </p:cSld>
@@ -1639,7 +1639,7 @@
     </p:spTree>
     <p:extLst>
       <p:ext uri="{BB962C8B-B14F-4D97-AF65-F5344CB8AC3E}">
-        <p14:creationId xmlns="" xmlns:p14="http://schemas.microsoft.com/office/powerpoint/2010/main" val="930438236"/>
+        <p14:creationId xmlns:p14="http://schemas.microsoft.com/office/powerpoint/2010/main" val="930438236"/>
       </p:ext>
     </p:extLst>
   </p:cSld>
@@ -1705,7 +1705,7 @@
     </p:spTree>
     <p:extLst>
       <p:ext uri="{BB962C8B-B14F-4D97-AF65-F5344CB8AC3E}">
-        <p14:creationId xmlns="" xmlns:p14="http://schemas.microsoft.com/office/powerpoint/2010/main" val="726771096"/>
+        <p14:creationId xmlns:p14="http://schemas.microsoft.com/office/powerpoint/2010/main" val="726771096"/>
       </p:ext>
     </p:extLst>
   </p:cSld>
@@ -1766,7 +1766,7 @@
             <a:blip r:embed="rId12">
               <a:extLst>
                 <a:ext uri="{28A0092B-C50C-407E-A947-70E740481C1C}">
-                  <a14:useLocalDpi xmlns="" xmlns:a14="http://schemas.microsoft.com/office/drawing/2010/main" val="0"/>
+                  <a14:useLocalDpi xmlns:a14="http://schemas.microsoft.com/office/drawing/2010/main" val="0"/>
                 </a:ext>
               </a:extLst>
             </a:blip>
@@ -1796,7 +1796,7 @@
             <a:blip r:embed="rId13">
               <a:extLst>
                 <a:ext uri="{28A0092B-C50C-407E-A947-70E740481C1C}">
-                  <a14:useLocalDpi xmlns="" xmlns:a14="http://schemas.microsoft.com/office/drawing/2010/main" val="0"/>
+                  <a14:useLocalDpi xmlns:a14="http://schemas.microsoft.com/office/drawing/2010/main" val="0"/>
                 </a:ext>
               </a:extLst>
             </a:blip>
@@ -1920,7 +1920,7 @@
     </p:spTree>
     <p:extLst>
       <p:ext uri="{BB962C8B-B14F-4D97-AF65-F5344CB8AC3E}">
-        <p14:creationId xmlns="" xmlns:p14="http://schemas.microsoft.com/office/powerpoint/2010/main" val="950083170"/>
+        <p14:creationId xmlns:p14="http://schemas.microsoft.com/office/powerpoint/2010/main" val="950083170"/>
       </p:ext>
     </p:extLst>
   </p:cSld>
@@ -2312,7 +2312,7 @@
     </p:spTree>
     <p:extLst>
       <p:ext uri="{BB962C8B-B14F-4D97-AF65-F5344CB8AC3E}">
-        <p14:creationId xmlns="" xmlns:p14="http://schemas.microsoft.com/office/powerpoint/2010/main" val="3730043343"/>
+        <p14:creationId xmlns:p14="http://schemas.microsoft.com/office/powerpoint/2010/main" val="3730043343"/>
       </p:ext>
     </p:extLst>
   </p:cSld>
@@ -2466,7 +2466,7 @@
           <a:blip r:embed="rId2">
             <a:extLst>
               <a:ext uri="{28A0092B-C50C-407E-A947-70E740481C1C}">
-                <a14:useLocalDpi xmlns="" xmlns:a14="http://schemas.microsoft.com/office/drawing/2010/main" val="0"/>
+                <a14:useLocalDpi xmlns:a14="http://schemas.microsoft.com/office/drawing/2010/main" val="0"/>
               </a:ext>
             </a:extLst>
           </a:blip>
@@ -2489,14 +2489,14 @@
           </a:ln>
           <a:extLst>
             <a:ext uri="{909E8E84-426E-40DD-AFC4-6F175D3DCCD1}">
-              <a14:hiddenFill xmlns="" xmlns:a14="http://schemas.microsoft.com/office/drawing/2010/main">
+              <a14:hiddenFill xmlns:a14="http://schemas.microsoft.com/office/drawing/2010/main">
                 <a:solidFill>
                   <a:schemeClr val="accent1"/>
                 </a:solidFill>
               </a14:hiddenFill>
             </a:ext>
             <a:ext uri="{91240B29-F687-4F45-9708-019B960494DF}">
-              <a14:hiddenLine xmlns="" xmlns:a14="http://schemas.microsoft.com/office/drawing/2010/main" w="9525">
+              <a14:hiddenLine xmlns:a14="http://schemas.microsoft.com/office/drawing/2010/main" w="9525">
                 <a:solidFill>
                   <a:schemeClr val="tx1"/>
                 </a:solidFill>
@@ -2988,7 +2988,7 @@
     </p:spTree>
     <p:extLst>
       <p:ext uri="{BB962C8B-B14F-4D97-AF65-F5344CB8AC3E}">
-        <p14:creationId xmlns="" xmlns:p14="http://schemas.microsoft.com/office/powerpoint/2010/main" val="3598515457"/>
+        <p14:creationId xmlns:p14="http://schemas.microsoft.com/office/powerpoint/2010/main" val="3598515457"/>
       </p:ext>
     </p:extLst>
   </p:cSld>
@@ -3455,7 +3455,7 @@
           <a:blip r:embed="rId2">
             <a:extLst>
               <a:ext uri="{28A0092B-C50C-407E-A947-70E740481C1C}">
-                <a14:useLocalDpi xmlns="" xmlns:a14="http://schemas.microsoft.com/office/drawing/2010/main" val="0"/>
+                <a14:useLocalDpi xmlns:a14="http://schemas.microsoft.com/office/drawing/2010/main" val="0"/>
               </a:ext>
             </a:extLst>
           </a:blip>
@@ -3478,14 +3478,14 @@
           </a:ln>
           <a:extLst>
             <a:ext uri="{909E8E84-426E-40DD-AFC4-6F175D3DCCD1}">
-              <a14:hiddenFill xmlns="" xmlns:a14="http://schemas.microsoft.com/office/drawing/2010/main">
+              <a14:hiddenFill xmlns:a14="http://schemas.microsoft.com/office/drawing/2010/main">
                 <a:solidFill>
                   <a:schemeClr val="accent1"/>
                 </a:solidFill>
               </a14:hiddenFill>
             </a:ext>
             <a:ext uri="{91240B29-F687-4F45-9708-019B960494DF}">
-              <a14:hiddenLine xmlns="" xmlns:a14="http://schemas.microsoft.com/office/drawing/2010/main" w="9525">
+              <a14:hiddenLine xmlns:a14="http://schemas.microsoft.com/office/drawing/2010/main" w="9525">
                 <a:solidFill>
                   <a:schemeClr val="tx1"/>
                 </a:solidFill>
@@ -3500,7 +3500,7 @@
     </p:spTree>
     <p:extLst>
       <p:ext uri="{BB962C8B-B14F-4D97-AF65-F5344CB8AC3E}">
-        <p14:creationId xmlns="" xmlns:p14="http://schemas.microsoft.com/office/powerpoint/2010/main" val="2280124998"/>
+        <p14:creationId xmlns:p14="http://schemas.microsoft.com/office/powerpoint/2010/main" val="2280124998"/>
       </p:ext>
     </p:extLst>
   </p:cSld>
@@ -4178,7 +4178,7 @@
     </p:spTree>
     <p:extLst>
       <p:ext uri="{BB962C8B-B14F-4D97-AF65-F5344CB8AC3E}">
-        <p14:creationId xmlns="" xmlns:p14="http://schemas.microsoft.com/office/powerpoint/2010/main" val="336112017"/>
+        <p14:creationId xmlns:p14="http://schemas.microsoft.com/office/powerpoint/2010/main" val="336112017"/>
       </p:ext>
     </p:extLst>
   </p:cSld>
@@ -4513,7 +4513,7 @@
     </p:spTree>
     <p:extLst>
       <p:ext uri="{BB962C8B-B14F-4D97-AF65-F5344CB8AC3E}">
-        <p14:creationId xmlns="" xmlns:p14="http://schemas.microsoft.com/office/powerpoint/2010/main" val="3831115768"/>
+        <p14:creationId xmlns:p14="http://schemas.microsoft.com/office/powerpoint/2010/main" val="3831115768"/>
       </p:ext>
     </p:extLst>
   </p:cSld>
@@ -4862,7 +4862,7 @@
     </p:spTree>
     <p:extLst>
       <p:ext uri="{BB962C8B-B14F-4D97-AF65-F5344CB8AC3E}">
-        <p14:creationId xmlns="" xmlns:p14="http://schemas.microsoft.com/office/powerpoint/2010/main" val="3620790817"/>
+        <p14:creationId xmlns:p14="http://schemas.microsoft.com/office/powerpoint/2010/main" val="3620790817"/>
       </p:ext>
     </p:extLst>
   </p:cSld>
@@ -4984,7 +4984,7 @@
           <a:blip r:embed="rId2">
             <a:extLst>
               <a:ext uri="{28A0092B-C50C-407E-A947-70E740481C1C}">
-                <a14:useLocalDpi xmlns="" xmlns:a14="http://schemas.microsoft.com/office/drawing/2010/main" val="0"/>
+                <a14:useLocalDpi xmlns:a14="http://schemas.microsoft.com/office/drawing/2010/main" val="0"/>
               </a:ext>
             </a:extLst>
           </a:blip>
@@ -5007,14 +5007,14 @@
           </a:ln>
           <a:extLst>
             <a:ext uri="{909E8E84-426E-40DD-AFC4-6F175D3DCCD1}">
-              <a14:hiddenFill xmlns="" xmlns:a14="http://schemas.microsoft.com/office/drawing/2010/main">
+              <a14:hiddenFill xmlns:a14="http://schemas.microsoft.com/office/drawing/2010/main">
                 <a:solidFill>
                   <a:schemeClr val="accent1"/>
                 </a:solidFill>
               </a14:hiddenFill>
             </a:ext>
             <a:ext uri="{91240B29-F687-4F45-9708-019B960494DF}">
-              <a14:hiddenLine xmlns="" xmlns:a14="http://schemas.microsoft.com/office/drawing/2010/main" w="9525">
+              <a14:hiddenLine xmlns:a14="http://schemas.microsoft.com/office/drawing/2010/main" w="9525">
                 <a:solidFill>
                   <a:schemeClr val="tx1"/>
                 </a:solidFill>
@@ -5038,7 +5038,7 @@
           <a:blip r:embed="rId3">
             <a:extLst>
               <a:ext uri="{28A0092B-C50C-407E-A947-70E740481C1C}">
-                <a14:useLocalDpi xmlns="" xmlns:a14="http://schemas.microsoft.com/office/drawing/2010/main" val="0"/>
+                <a14:useLocalDpi xmlns:a14="http://schemas.microsoft.com/office/drawing/2010/main" val="0"/>
               </a:ext>
             </a:extLst>
           </a:blip>
@@ -5061,14 +5061,14 @@
           </a:ln>
           <a:extLst>
             <a:ext uri="{909E8E84-426E-40DD-AFC4-6F175D3DCCD1}">
-              <a14:hiddenFill xmlns="" xmlns:a14="http://schemas.microsoft.com/office/drawing/2010/main">
+              <a14:hiddenFill xmlns:a14="http://schemas.microsoft.com/office/drawing/2010/main">
                 <a:solidFill>
                   <a:schemeClr val="accent1"/>
                 </a:solidFill>
               </a14:hiddenFill>
             </a:ext>
             <a:ext uri="{91240B29-F687-4F45-9708-019B960494DF}">
-              <a14:hiddenLine xmlns="" xmlns:a14="http://schemas.microsoft.com/office/drawing/2010/main" w="9525">
+              <a14:hiddenLine xmlns:a14="http://schemas.microsoft.com/office/drawing/2010/main" w="9525">
                 <a:solidFill>
                   <a:schemeClr val="tx1"/>
                 </a:solidFill>
@@ -5083,7 +5083,7 @@
     </p:spTree>
     <p:extLst>
       <p:ext uri="{BB962C8B-B14F-4D97-AF65-F5344CB8AC3E}">
-        <p14:creationId xmlns="" xmlns:p14="http://schemas.microsoft.com/office/powerpoint/2010/main" val="2098547948"/>
+        <p14:creationId xmlns:p14="http://schemas.microsoft.com/office/powerpoint/2010/main" val="2098547948"/>
       </p:ext>
     </p:extLst>
   </p:cSld>
@@ -5580,7 +5580,7 @@
     </p:spTree>
     <p:extLst>
       <p:ext uri="{BB962C8B-B14F-4D97-AF65-F5344CB8AC3E}">
-        <p14:creationId xmlns="" xmlns:p14="http://schemas.microsoft.com/office/powerpoint/2010/main" val="3400813862"/>
+        <p14:creationId xmlns:p14="http://schemas.microsoft.com/office/powerpoint/2010/main" val="3400813862"/>
       </p:ext>
     </p:extLst>
   </p:cSld>
@@ -6013,7 +6013,7 @@
     </p:spTree>
     <p:extLst>
       <p:ext uri="{BB962C8B-B14F-4D97-AF65-F5344CB8AC3E}">
-        <p14:creationId xmlns="" xmlns:p14="http://schemas.microsoft.com/office/powerpoint/2010/main" val="478957399"/>
+        <p14:creationId xmlns:p14="http://schemas.microsoft.com/office/powerpoint/2010/main" val="478957399"/>
       </p:ext>
     </p:extLst>
   </p:cSld>
@@ -6370,7 +6370,7 @@
     </p:spTree>
     <p:extLst>
       <p:ext uri="{BB962C8B-B14F-4D97-AF65-F5344CB8AC3E}">
-        <p14:creationId xmlns="" xmlns:p14="http://schemas.microsoft.com/office/powerpoint/2010/main" val="4019875659"/>
+        <p14:creationId xmlns:p14="http://schemas.microsoft.com/office/powerpoint/2010/main" val="4019875659"/>
       </p:ext>
     </p:extLst>
   </p:cSld>
@@ -6472,7 +6472,7 @@
     </p:spTree>
     <p:extLst>
       <p:ext uri="{BB962C8B-B14F-4D97-AF65-F5344CB8AC3E}">
-        <p14:creationId xmlns="" xmlns:p14="http://schemas.microsoft.com/office/powerpoint/2010/main" val="2123413861"/>
+        <p14:creationId xmlns:p14="http://schemas.microsoft.com/office/powerpoint/2010/main" val="2123413861"/>
       </p:ext>
     </p:extLst>
   </p:cSld>
@@ -6786,7 +6786,7 @@
     </p:spTree>
     <p:extLst>
       <p:ext uri="{BB962C8B-B14F-4D97-AF65-F5344CB8AC3E}">
-        <p14:creationId xmlns="" xmlns:p14="http://schemas.microsoft.com/office/powerpoint/2010/main" val="2707758325"/>
+        <p14:creationId xmlns:p14="http://schemas.microsoft.com/office/powerpoint/2010/main" val="2707758325"/>
       </p:ext>
     </p:extLst>
   </p:cSld>
@@ -7204,7 +7204,7 @@
     </p:spTree>
     <p:extLst>
       <p:ext uri="{BB962C8B-B14F-4D97-AF65-F5344CB8AC3E}">
-        <p14:creationId xmlns="" xmlns:p14="http://schemas.microsoft.com/office/powerpoint/2010/main" val="3040030372"/>
+        <p14:creationId xmlns:p14="http://schemas.microsoft.com/office/powerpoint/2010/main" val="3040030372"/>
       </p:ext>
     </p:extLst>
   </p:cSld>
@@ -7338,6 +7338,62 @@
           </a:bodyPr>
           <a:lstStyle/>
           <a:p>
+            <a:pPr marL="1200150" lvl="1" indent="-457200">
+              <a:spcBef>
+                <a:spcPct val="20000"/>
+              </a:spcBef>
+              <a:buFont typeface="Wingdings" pitchFamily="2" charset="2"/>
+              <a:buChar char="l"/>
+              <a:defRPr/>
+            </a:pPr>
+            <a:r>
+              <a:rPr lang="en-US" altLang="zh-TW" sz="2400" dirty="0"/>
+              <a:t>Is it a car? </a:t>
+            </a:r>
+            <a:r>
+              <a:rPr lang="en-US" altLang="zh-TW" sz="2400" dirty="0" smtClean="0"/>
+              <a:t>{</a:t>
+            </a:r>
+            <a:r>
+              <a:rPr lang="zh-TW" altLang="en-US" sz="2400" dirty="0" smtClean="0"/>
+              <a:t> </a:t>
+            </a:r>
+            <a:r>
+              <a:rPr lang="en-US" altLang="zh-TW" sz="2400" dirty="0" smtClean="0"/>
+              <a:t>yes,</a:t>
+            </a:r>
+            <a:r>
+              <a:rPr lang="zh-TW" altLang="en-US" sz="2400" dirty="0" smtClean="0"/>
+              <a:t> </a:t>
+            </a:r>
+            <a:r>
+              <a:rPr lang="en-US" altLang="zh-TW" sz="2400" dirty="0" smtClean="0"/>
+              <a:t>no</a:t>
+            </a:r>
+            <a:r>
+              <a:rPr lang="zh-TW" altLang="en-US" sz="2400" dirty="0" smtClean="0"/>
+              <a:t> </a:t>
+            </a:r>
+            <a:r>
+              <a:rPr lang="en-US" altLang="zh-TW" sz="2400" dirty="0" smtClean="0"/>
+              <a:t>}</a:t>
+            </a:r>
+            <a:endParaRPr kumimoji="0" lang="en-US" altLang="zh-TW" sz="2400" b="0" i="0" u="none" strike="noStrike" kern="1200" cap="none" spc="0" normalizeH="0" baseline="0" noProof="0" dirty="0" smtClean="0">
+              <a:ln>
+                <a:noFill/>
+              </a:ln>
+              <a:solidFill>
+                <a:schemeClr val="tx1"/>
+              </a:solidFill>
+              <a:effectLst/>
+              <a:uLnTx/>
+              <a:uFillTx/>
+              <a:latin typeface="+mn-lt"/>
+              <a:ea typeface="+mn-ea"/>
+              <a:cs typeface="+mn-cs"/>
+            </a:endParaRPr>
+          </a:p>
+          <a:p>
             <a:pPr marL="1200150" marR="0" lvl="1" indent="-457200" algn="l" defTabSz="457200" rtl="0" eaLnBrk="1" fontAlgn="auto" latinLnBrk="0" hangingPunct="1">
               <a:lnSpc>
                 <a:spcPct val="100000"/>
@@ -7370,24 +7426,7 @@
                 <a:ea typeface="+mn-ea"/>
                 <a:cs typeface="+mn-cs"/>
               </a:rPr>
-              <a:t>Will stock market go up or down? {</a:t>
-            </a:r>
-            <a:r>
-              <a:rPr kumimoji="0" lang="en-US" altLang="zh-TW" sz="2400" b="0" i="0" u="none" strike="noStrike" kern="1200" cap="none" spc="0" normalizeH="0" baseline="0" noProof="0" dirty="0" err="1" smtClean="0">
-                <a:ln>
-                  <a:noFill/>
-                </a:ln>
-                <a:solidFill>
-                  <a:schemeClr val="tx1"/>
-                </a:solidFill>
-                <a:effectLst/>
-                <a:uLnTx/>
-                <a:uFillTx/>
-                <a:latin typeface="+mn-lt"/>
-                <a:ea typeface="+mn-ea"/>
-                <a:cs typeface="+mn-cs"/>
-              </a:rPr>
-              <a:t>up,down</a:t>
+              <a:t>Will </a:t>
             </a:r>
             <a:r>
               <a:rPr kumimoji="0" lang="en-US" altLang="zh-TW" sz="2400" b="0" i="0" u="none" strike="noStrike" kern="1200" cap="none" spc="0" normalizeH="0" baseline="0" noProof="0" dirty="0" smtClean="0">
@@ -7404,39 +7443,141 @@
                 <a:ea typeface="+mn-ea"/>
                 <a:cs typeface="+mn-cs"/>
               </a:rPr>
+              <a:t>stock market go up or down? </a:t>
+            </a:r>
+            <a:r>
+              <a:rPr kumimoji="0" lang="en-US" altLang="zh-TW" sz="2400" b="0" i="0" u="none" strike="noStrike" kern="1200" cap="none" spc="0" normalizeH="0" baseline="0" noProof="0" dirty="0" smtClean="0">
+                <a:ln>
+                  <a:noFill/>
+                </a:ln>
+                <a:solidFill>
+                  <a:schemeClr val="tx1"/>
+                </a:solidFill>
+                <a:effectLst/>
+                <a:uLnTx/>
+                <a:uFillTx/>
+                <a:latin typeface="+mn-lt"/>
+                <a:ea typeface="+mn-ea"/>
+                <a:cs typeface="+mn-cs"/>
+              </a:rPr>
+              <a:t>{</a:t>
+            </a:r>
+            <a:r>
+              <a:rPr kumimoji="0" lang="zh-TW" altLang="en-US" sz="2400" b="0" i="0" u="none" strike="noStrike" kern="1200" cap="none" spc="0" normalizeH="0" baseline="0" noProof="0" dirty="0" smtClean="0">
+                <a:ln>
+                  <a:noFill/>
+                </a:ln>
+                <a:solidFill>
+                  <a:schemeClr val="tx1"/>
+                </a:solidFill>
+                <a:effectLst/>
+                <a:uLnTx/>
+                <a:uFillTx/>
+                <a:latin typeface="+mn-lt"/>
+                <a:ea typeface="+mn-ea"/>
+                <a:cs typeface="+mn-cs"/>
+              </a:rPr>
+              <a:t> </a:t>
+            </a:r>
+            <a:r>
+              <a:rPr kumimoji="0" lang="en-US" altLang="zh-TW" sz="2400" b="0" i="0" u="none" strike="noStrike" kern="1200" cap="none" spc="0" normalizeH="0" baseline="0" noProof="0" dirty="0" smtClean="0">
+                <a:ln>
+                  <a:noFill/>
+                </a:ln>
+                <a:solidFill>
+                  <a:schemeClr val="tx1"/>
+                </a:solidFill>
+                <a:effectLst/>
+                <a:uLnTx/>
+                <a:uFillTx/>
+                <a:latin typeface="+mn-lt"/>
+                <a:ea typeface="+mn-ea"/>
+                <a:cs typeface="+mn-cs"/>
+              </a:rPr>
+              <a:t>up,</a:t>
+            </a:r>
+            <a:r>
+              <a:rPr kumimoji="0" lang="zh-TW" altLang="en-US" sz="2400" b="0" i="0" u="none" strike="noStrike" kern="1200" cap="none" spc="0" normalizeH="0" baseline="0" noProof="0" dirty="0" smtClean="0">
+                <a:ln>
+                  <a:noFill/>
+                </a:ln>
+                <a:solidFill>
+                  <a:schemeClr val="tx1"/>
+                </a:solidFill>
+                <a:effectLst/>
+                <a:uLnTx/>
+                <a:uFillTx/>
+                <a:latin typeface="+mn-lt"/>
+                <a:ea typeface="+mn-ea"/>
+                <a:cs typeface="+mn-cs"/>
+              </a:rPr>
+              <a:t> </a:t>
+            </a:r>
+            <a:r>
+              <a:rPr kumimoji="0" lang="en-US" altLang="zh-TW" sz="2400" b="0" i="0" u="none" strike="noStrike" kern="1200" cap="none" spc="0" normalizeH="0" baseline="0" noProof="0" dirty="0" smtClean="0">
+                <a:ln>
+                  <a:noFill/>
+                </a:ln>
+                <a:solidFill>
+                  <a:schemeClr val="tx1"/>
+                </a:solidFill>
+                <a:effectLst/>
+                <a:uLnTx/>
+                <a:uFillTx/>
+                <a:latin typeface="+mn-lt"/>
+                <a:ea typeface="+mn-ea"/>
+                <a:cs typeface="+mn-cs"/>
+              </a:rPr>
+              <a:t>down</a:t>
+            </a:r>
+            <a:r>
+              <a:rPr kumimoji="0" lang="zh-TW" altLang="en-US" sz="2400" b="0" i="0" u="none" strike="noStrike" kern="1200" cap="none" spc="0" normalizeH="0" baseline="0" noProof="0" dirty="0" smtClean="0">
+                <a:ln>
+                  <a:noFill/>
+                </a:ln>
+                <a:solidFill>
+                  <a:schemeClr val="tx1"/>
+                </a:solidFill>
+                <a:effectLst/>
+                <a:uLnTx/>
+                <a:uFillTx/>
+                <a:latin typeface="+mn-lt"/>
+                <a:ea typeface="+mn-ea"/>
+                <a:cs typeface="+mn-cs"/>
+              </a:rPr>
+              <a:t> </a:t>
+            </a:r>
+            <a:r>
+              <a:rPr kumimoji="0" lang="en-US" altLang="zh-TW" sz="2400" b="0" i="0" u="none" strike="noStrike" kern="1200" cap="none" spc="0" normalizeH="0" baseline="0" noProof="0" dirty="0" smtClean="0">
+                <a:ln>
+                  <a:noFill/>
+                </a:ln>
+                <a:solidFill>
+                  <a:schemeClr val="tx1"/>
+                </a:solidFill>
+                <a:effectLst/>
+                <a:uLnTx/>
+                <a:uFillTx/>
+                <a:latin typeface="+mn-lt"/>
+                <a:ea typeface="+mn-ea"/>
+                <a:cs typeface="+mn-cs"/>
+              </a:rPr>
               <a:t>}</a:t>
             </a:r>
-          </a:p>
-          <a:p>
-            <a:pPr marL="1200150" marR="0" lvl="1" indent="-457200" algn="l" defTabSz="457200" rtl="0" eaLnBrk="1" fontAlgn="auto" latinLnBrk="0" hangingPunct="1">
-              <a:lnSpc>
-                <a:spcPct val="100000"/>
-              </a:lnSpc>
-              <a:spcBef>
-                <a:spcPct val="20000"/>
-              </a:spcBef>
-              <a:spcAft>
-                <a:spcPts val="0"/>
-              </a:spcAft>
-              <a:buClrTx/>
-              <a:buSzTx/>
-              <a:buFont typeface="Wingdings" pitchFamily="2" charset="2"/>
-              <a:buChar char="l"/>
-              <a:tabLst/>
-              <a:defRPr/>
-            </a:pPr>
-            <a:r>
-              <a:rPr lang="en-US" altLang="zh-TW" sz="2400" dirty="0" smtClean="0"/>
-              <a:t>Is it a car? {</a:t>
-            </a:r>
-            <a:r>
-              <a:rPr lang="en-US" altLang="zh-TW" sz="2400" dirty="0" err="1" smtClean="0"/>
-              <a:t>yes,no</a:t>
-            </a:r>
-            <a:r>
-              <a:rPr lang="en-US" altLang="zh-TW" sz="2400" dirty="0" smtClean="0"/>
-              <a:t>}</a:t>
-            </a:r>
+            <a:endParaRPr kumimoji="0" lang="en-US" altLang="zh-TW" sz="2400" b="0" i="0" u="none" strike="noStrike" kern="1200" cap="none" spc="0" normalizeH="0" baseline="0" noProof="0" dirty="0" smtClean="0">
+              <a:ln>
+                <a:noFill/>
+              </a:ln>
+              <a:solidFill>
+                <a:schemeClr val="tx1"/>
+              </a:solidFill>
+              <a:effectLst/>
+              <a:uLnTx/>
+              <a:uFillTx/>
+              <a:latin typeface="+mn-lt"/>
+              <a:ea typeface="+mn-ea"/>
+              <a:cs typeface="+mn-cs"/>
+            </a:endParaRPr>
           </a:p>
           <a:p>
             <a:pPr marL="1200150" lvl="1" indent="-457200">
@@ -7448,8 +7589,41 @@
             </a:pPr>
             <a:r>
               <a:rPr lang="en-US" altLang="zh-TW" sz="2400" dirty="0" smtClean="0"/>
-              <a:t>Will you sleep well or bad tonight? {well, bad}</a:t>
-            </a:r>
+              <a:t>Will </a:t>
+            </a:r>
+            <a:r>
+              <a:rPr lang="en-US" altLang="zh-TW" sz="2400" dirty="0" smtClean="0"/>
+              <a:t>you sleep well or bad tonight? </a:t>
+            </a:r>
+            <a:r>
+              <a:rPr lang="en-US" altLang="zh-TW" sz="2400" dirty="0" smtClean="0"/>
+              <a:t>{</a:t>
+            </a:r>
+            <a:r>
+              <a:rPr lang="zh-TW" altLang="en-US" sz="2400" dirty="0" smtClean="0"/>
+              <a:t> </a:t>
+            </a:r>
+            <a:r>
+              <a:rPr lang="en-US" altLang="zh-TW" sz="2400" dirty="0" smtClean="0"/>
+              <a:t>well</a:t>
+            </a:r>
+            <a:r>
+              <a:rPr lang="en-US" altLang="zh-TW" sz="2400" dirty="0" smtClean="0"/>
+              <a:t>, </a:t>
+            </a:r>
+            <a:r>
+              <a:rPr lang="en-US" altLang="zh-TW" sz="2400" dirty="0" smtClean="0"/>
+              <a:t>bad</a:t>
+            </a:r>
+            <a:r>
+              <a:rPr lang="zh-TW" altLang="en-US" sz="2400" dirty="0" smtClean="0"/>
+              <a:t> </a:t>
+            </a:r>
+            <a:r>
+              <a:rPr lang="en-US" altLang="zh-TW" sz="2400" dirty="0" smtClean="0"/>
+              <a:t>}</a:t>
+            </a:r>
+            <a:endParaRPr lang="en-US" altLang="zh-TW" sz="2400" dirty="0" smtClean="0"/>
           </a:p>
           <a:p>
             <a:pPr marL="1200150" marR="0" lvl="1" indent="-457200" algn="l" defTabSz="457200" rtl="0" eaLnBrk="1" fontAlgn="auto" latinLnBrk="0" hangingPunct="1">
@@ -7525,17 +7699,73 @@
           <p:cNvGraphicFramePr>
             <a:graphicFrameLocks noChangeAspect="1"/>
           </p:cNvGraphicFramePr>
-          <p:nvPr/>
+          <p:nvPr>
+            <p:extLst>
+              <p:ext uri="{D42A27DB-BD31-4B8C-83A1-F6EECF244321}">
+                <p14:modId xmlns:p14="http://schemas.microsoft.com/office/powerpoint/2010/main" val="696194085"/>
+              </p:ext>
+            </p:extLst>
+          </p:nvPr>
         </p:nvGraphicFramePr>
         <p:xfrm>
-          <a:off x="2265363" y="2430463"/>
+          <a:off x="2530284" y="2515923"/>
           <a:ext cx="3379787" cy="568325"/>
         </p:xfrm>
         <a:graphic>
           <a:graphicData uri="http://schemas.openxmlformats.org/presentationml/2006/ole">
-            <p:oleObj spid="_x0000_s4098" name="方程式" r:id="rId3" imgW="1257120" imgH="203040" progId="Equation.3">
-              <p:embed/>
-            </p:oleObj>
+            <mc:AlternateContent xmlns:mc="http://schemas.openxmlformats.org/markup-compatibility/2006">
+              <mc:Choice xmlns:v="urn:schemas-microsoft-com:vml" Requires="v">
+                <p:oleObj spid="_x0000_s4105" name="方程式" r:id="rId3" imgW="1257120" imgH="203040" progId="Equation.3">
+                  <p:embed/>
+                </p:oleObj>
+              </mc:Choice>
+              <mc:Fallback>
+                <p:oleObj name="方程式" r:id="rId3" imgW="1257120" imgH="203040" progId="Equation.3">
+                  <p:embed/>
+                  <p:pic>
+                    <p:nvPicPr>
+                      <p:cNvPr id="0" name="Picture 2"/>
+                      <p:cNvPicPr>
+                        <a:picLocks noChangeAspect="1" noChangeArrowheads="1"/>
+                      </p:cNvPicPr>
+                      <p:nvPr/>
+                    </p:nvPicPr>
+                    <p:blipFill>
+                      <a:blip r:embed="rId4">
+                        <a:extLst>
+                          <a:ext uri="{28A0092B-C50C-407E-A947-70E740481C1C}">
+                            <a14:useLocalDpi xmlns:a14="http://schemas.microsoft.com/office/drawing/2010/main" val="0"/>
+                          </a:ext>
+                        </a:extLst>
+                      </a:blip>
+                      <a:srcRect/>
+                      <a:stretch>
+                        <a:fillRect/>
+                      </a:stretch>
+                    </p:blipFill>
+                    <p:spPr bwMode="auto">
+                      <a:xfrm>
+                        <a:off x="2530284" y="2515923"/>
+                        <a:ext cx="3379787" cy="568325"/>
+                      </a:xfrm>
+                      <a:prstGeom prst="rect">
+                        <a:avLst/>
+                      </a:prstGeom>
+                      <a:noFill/>
+                      <a:extLst>
+                        <a:ext uri="{909E8E84-426E-40DD-AFC4-6F175D3DCCD1}">
+                          <a14:hiddenFill xmlns:a14="http://schemas.microsoft.com/office/drawing/2010/main">
+                            <a:solidFill>
+                              <a:srgbClr val="FFFFFF"/>
+                            </a:solidFill>
+                          </a14:hiddenFill>
+                        </a:ext>
+                      </a:extLst>
+                    </p:spPr>
+                  </p:pic>
+                </p:oleObj>
+              </mc:Fallback>
+            </mc:AlternateContent>
           </a:graphicData>
         </a:graphic>
       </p:graphicFrame>
@@ -7548,7 +7778,7 @@
           <p:nvPr/>
         </p:nvPicPr>
         <p:blipFill>
-          <a:blip r:embed="rId4"/>
+          <a:blip r:embed="rId5"/>
           <a:srcRect/>
           <a:stretch>
             <a:fillRect/>
@@ -7604,7 +7834,7 @@
           <p:nvPr/>
         </p:nvPicPr>
         <p:blipFill>
-          <a:blip r:embed="rId5"/>
+          <a:blip r:embed="rId6"/>
           <a:srcRect/>
           <a:stretch>
             <a:fillRect/>
@@ -7613,7 +7843,7 @@
         <p:spPr bwMode="auto">
           <a:xfrm>
             <a:off x="6553200" y="3543300"/>
-            <a:ext cx="200025" cy="228600"/>
+            <a:ext cx="338667" cy="387048"/>
           </a:xfrm>
           <a:prstGeom prst="rect">
             <a:avLst/>
@@ -7636,7 +7866,7 @@
           <p:nvPr/>
         </p:nvPicPr>
         <p:blipFill>
-          <a:blip r:embed="rId6"/>
+          <a:blip r:embed="rId7"/>
           <a:srcRect/>
           <a:stretch>
             <a:fillRect/>
@@ -7645,7 +7875,7 @@
         <p:spPr bwMode="auto">
           <a:xfrm>
             <a:off x="6553200" y="3897696"/>
-            <a:ext cx="161925" cy="180975"/>
+            <a:ext cx="338667" cy="378510"/>
           </a:xfrm>
           <a:prstGeom prst="rect">
             <a:avLst/>
@@ -7667,7 +7897,7 @@
         </p:nvSpPr>
         <p:spPr>
           <a:xfrm>
-            <a:off x="6891867" y="3484031"/>
+            <a:off x="7062780" y="3535307"/>
             <a:ext cx="447558" cy="369332"/>
           </a:xfrm>
           <a:prstGeom prst="rect">
@@ -7697,7 +7927,7 @@
         </p:nvSpPr>
         <p:spPr>
           <a:xfrm>
-            <a:off x="6951136" y="3771900"/>
+            <a:off x="7115646" y="3858431"/>
             <a:ext cx="389850" cy="369332"/>
           </a:xfrm>
           <a:prstGeom prst="rect">
@@ -7722,7 +7952,7 @@
     </p:spTree>
     <p:extLst>
       <p:ext uri="{BB962C8B-B14F-4D97-AF65-F5344CB8AC3E}">
-        <p14:creationId xmlns="" xmlns:p14="http://schemas.microsoft.com/office/powerpoint/2010/main" val="3040030372"/>
+        <p14:creationId xmlns:p14="http://schemas.microsoft.com/office/powerpoint/2010/main" val="3040030372"/>
       </p:ext>
     </p:extLst>
   </p:cSld>
@@ -7784,16 +8014,7 @@
                 </a:solidFill>
                 <a:latin typeface="+mj-lt"/>
               </a:rPr>
-              <a:t>Weak </a:t>
-            </a:r>
-            <a:r>
-              <a:rPr lang="en-US" altLang="zh-TW" sz="3200" dirty="0" smtClean="0">
-                <a:solidFill>
-                  <a:schemeClr val="tx1"/>
-                </a:solidFill>
-                <a:latin typeface="+mj-lt"/>
-              </a:rPr>
-              <a:t>classifier example</a:t>
+              <a:t>Weak classifier example</a:t>
             </a:r>
             <a:endParaRPr lang="en-US" altLang="zh-TW" sz="3200" dirty="0">
               <a:solidFill>
@@ -8132,7 +8353,7 @@
     </p:spTree>
     <p:extLst>
       <p:ext uri="{BB962C8B-B14F-4D97-AF65-F5344CB8AC3E}">
-        <p14:creationId xmlns="" xmlns:p14="http://schemas.microsoft.com/office/powerpoint/2010/main" val="3040030372"/>
+        <p14:creationId xmlns:p14="http://schemas.microsoft.com/office/powerpoint/2010/main" val="3040030372"/>
       </p:ext>
     </p:extLst>
   </p:cSld>
@@ -8517,7 +8738,7 @@
         <p:spPr>
           <a:xfrm>
             <a:off x="228600" y="986319"/>
-            <a:ext cx="8689622" cy="1255728"/>
+            <a:ext cx="8689622" cy="812530"/>
           </a:xfrm>
         </p:spPr>
         <p:txBody>
@@ -8529,12 +8750,17 @@
               <a:buChar char="l"/>
             </a:pPr>
             <a:r>
-              <a:rPr lang="en-US" altLang="zh-TW" sz="2400" dirty="0" smtClean="0"/>
-              <a:t>As known as base classifier </a:t>
-            </a:r>
-            <a:endParaRPr lang="en-US" altLang="zh-TW" sz="2400" dirty="0" smtClean="0">
-              <a:latin typeface="Arial"/>
-            </a:endParaRPr>
+              <a:rPr lang="en-US" altLang="zh-TW" sz="2400" dirty="0" smtClean="0">
+                <a:latin typeface="Arial"/>
+              </a:rPr>
+              <a:t>Fast </a:t>
+            </a:r>
+            <a:r>
+              <a:rPr lang="en-US" altLang="zh-TW" sz="2400" dirty="0" smtClean="0">
+                <a:latin typeface="Arial"/>
+              </a:rPr>
+              <a:t>computation</a:t>
+            </a:r>
           </a:p>
           <a:p>
             <a:pPr marL="1200150" lvl="1" indent="-457200">
@@ -8545,20 +8771,17 @@
               <a:rPr lang="en-US" altLang="zh-TW" sz="2400" dirty="0" smtClean="0">
                 <a:latin typeface="Arial"/>
               </a:rPr>
-              <a:t>Fast computation</a:t>
-            </a:r>
-          </a:p>
-          <a:p>
-            <a:pPr marL="1200150" lvl="1" indent="-457200">
-              <a:buFont typeface="Wingdings" pitchFamily="2" charset="2"/>
-              <a:buChar char="l"/>
-            </a:pPr>
+              <a:t>Error rate is better than random </a:t>
+            </a:r>
             <a:r>
               <a:rPr lang="en-US" altLang="zh-TW" sz="2400" dirty="0" smtClean="0">
                 <a:latin typeface="Arial"/>
               </a:rPr>
-              <a:t>Error rate is better than random guessing</a:t>
-            </a:r>
+              <a:t>guessing</a:t>
+            </a:r>
+            <a:endParaRPr lang="en-US" altLang="zh-TW" sz="2400" dirty="0" smtClean="0">
+              <a:latin typeface="Arial"/>
+            </a:endParaRPr>
           </a:p>
         </p:txBody>
       </p:sp>
@@ -8853,8 +9076,8 @@
         </p:nvSpPr>
         <p:spPr>
           <a:xfrm rot="5400000">
-            <a:off x="3846486" y="3358646"/>
-            <a:ext cx="435023" cy="609598"/>
+            <a:off x="3595927" y="3108087"/>
+            <a:ext cx="435023" cy="1110717"/>
           </a:xfrm>
           <a:prstGeom prst="leftBrace">
             <a:avLst>
@@ -9078,7 +9301,7 @@
     </p:spTree>
     <p:extLst>
       <p:ext uri="{BB962C8B-B14F-4D97-AF65-F5344CB8AC3E}">
-        <p14:creationId xmlns="" xmlns:p14="http://schemas.microsoft.com/office/powerpoint/2010/main" val="3040030372"/>
+        <p14:creationId xmlns:p14="http://schemas.microsoft.com/office/powerpoint/2010/main" val="3040030372"/>
       </p:ext>
     </p:extLst>
   </p:cSld>
@@ -9153,7 +9376,7 @@
         <p:spPr>
           <a:xfrm>
             <a:off x="228600" y="228600"/>
-            <a:ext cx="4599016" cy="492443"/>
+            <a:ext cx="4918013" cy="492443"/>
           </a:xfrm>
         </p:spPr>
         <p:txBody>
@@ -9161,13 +9384,31 @@
           <a:lstStyle/>
           <a:p>
             <a:r>
+              <a:rPr lang="en-US" altLang="zh-TW" sz="3200" smtClean="0">
+                <a:solidFill>
+                  <a:schemeClr val="tx1"/>
+                </a:solidFill>
+                <a:latin typeface="+mj-lt"/>
+              </a:rPr>
+              <a:t>The </a:t>
+            </a:r>
+            <a:r>
+              <a:rPr lang="en-US" altLang="zh-TW" sz="3200" smtClean="0">
+                <a:solidFill>
+                  <a:schemeClr val="tx1"/>
+                </a:solidFill>
+                <a:latin typeface="+mj-lt"/>
+              </a:rPr>
+              <a:t>importance </a:t>
+            </a:r>
+            <a:r>
               <a:rPr lang="en-US" altLang="zh-TW" sz="3200" dirty="0" smtClean="0">
                 <a:solidFill>
                   <a:schemeClr val="tx1"/>
                 </a:solidFill>
                 <a:latin typeface="+mj-lt"/>
               </a:rPr>
-              <a:t>The important of diversity</a:t>
+              <a:t>of diversity</a:t>
             </a:r>
             <a:endParaRPr lang="zh-TW" altLang="en-US" sz="3200" dirty="0" smtClean="0">
               <a:solidFill>
@@ -9368,9 +9609,59 @@
         </p:xfrm>
         <a:graphic>
           <a:graphicData uri="http://schemas.openxmlformats.org/presentationml/2006/ole">
-            <p:oleObj spid="_x0000_s3074" name="方程式" r:id="rId3" imgW="342720" imgH="203040" progId="Equation.3">
-              <p:embed/>
-            </p:oleObj>
+            <mc:AlternateContent xmlns:mc="http://schemas.openxmlformats.org/markup-compatibility/2006">
+              <mc:Choice xmlns:v="urn:schemas-microsoft-com:vml" Requires="v">
+                <p:oleObj spid="_x0000_s3095" name="方程式" r:id="rId3" imgW="342720" imgH="203040" progId="Equation.3">
+                  <p:embed/>
+                </p:oleObj>
+              </mc:Choice>
+              <mc:Fallback>
+                <p:oleObj name="方程式" r:id="rId3" imgW="342720" imgH="203040" progId="Equation.3">
+                  <p:embed/>
+                  <p:pic>
+                    <p:nvPicPr>
+                      <p:cNvPr id="0" name="Picture 2"/>
+                      <p:cNvPicPr>
+                        <a:picLocks noChangeAspect="1" noChangeArrowheads="1"/>
+                      </p:cNvPicPr>
+                      <p:nvPr/>
+                    </p:nvPicPr>
+                    <p:blipFill>
+                      <a:blip r:embed="rId4">
+                        <a:extLst>
+                          <a:ext uri="{28A0092B-C50C-407E-A947-70E740481C1C}">
+                            <a14:useLocalDpi xmlns:a14="http://schemas.microsoft.com/office/drawing/2010/main" val="0"/>
+                          </a:ext>
+                        </a:extLst>
+                      </a:blip>
+                      <a:srcRect/>
+                      <a:stretch>
+                        <a:fillRect/>
+                      </a:stretch>
+                    </p:blipFill>
+                    <p:spPr bwMode="auto">
+                      <a:xfrm>
+                        <a:off x="1843617" y="5359400"/>
+                        <a:ext cx="814388" cy="482600"/>
+                      </a:xfrm>
+                      <a:prstGeom prst="rect">
+                        <a:avLst/>
+                      </a:prstGeom>
+                      <a:noFill/>
+                      <a:extLst>
+                        <a:ext uri="{909E8E84-426E-40DD-AFC4-6F175D3DCCD1}">
+                          <a14:hiddenFill xmlns:a14="http://schemas.microsoft.com/office/drawing/2010/main">
+                            <a:solidFill>
+                              <a:srgbClr val="FFFFFF"/>
+                            </a:solidFill>
+                          </a14:hiddenFill>
+                        </a:ext>
+                      </a:extLst>
+                    </p:spPr>
+                  </p:pic>
+                </p:oleObj>
+              </mc:Fallback>
+            </mc:AlternateContent>
           </a:graphicData>
         </a:graphic>
       </p:graphicFrame>
@@ -9388,9 +9679,59 @@
         </p:xfrm>
         <a:graphic>
           <a:graphicData uri="http://schemas.openxmlformats.org/presentationml/2006/ole">
-            <p:oleObj spid="_x0000_s3075" name="方程式" r:id="rId4" imgW="2234880" imgH="228600" progId="Equation.3">
-              <p:embed/>
-            </p:oleObj>
+            <mc:AlternateContent xmlns:mc="http://schemas.openxmlformats.org/markup-compatibility/2006">
+              <mc:Choice xmlns:v="urn:schemas-microsoft-com:vml" Requires="v">
+                <p:oleObj spid="_x0000_s3096" name="方程式" r:id="rId5" imgW="2234880" imgH="228600" progId="Equation.3">
+                  <p:embed/>
+                </p:oleObj>
+              </mc:Choice>
+              <mc:Fallback>
+                <p:oleObj name="方程式" r:id="rId5" imgW="2234880" imgH="228600" progId="Equation.3">
+                  <p:embed/>
+                  <p:pic>
+                    <p:nvPicPr>
+                      <p:cNvPr id="0" name="Picture 3"/>
+                      <p:cNvPicPr>
+                        <a:picLocks noChangeAspect="1" noChangeArrowheads="1"/>
+                      </p:cNvPicPr>
+                      <p:nvPr/>
+                    </p:nvPicPr>
+                    <p:blipFill>
+                      <a:blip r:embed="rId6">
+                        <a:extLst>
+                          <a:ext uri="{28A0092B-C50C-407E-A947-70E740481C1C}">
+                            <a14:useLocalDpi xmlns:a14="http://schemas.microsoft.com/office/drawing/2010/main" val="0"/>
+                          </a:ext>
+                        </a:extLst>
+                      </a:blip>
+                      <a:srcRect/>
+                      <a:stretch>
+                        <a:fillRect/>
+                      </a:stretch>
+                    </p:blipFill>
+                    <p:spPr bwMode="auto">
+                      <a:xfrm>
+                        <a:off x="4984750" y="5405438"/>
+                        <a:ext cx="3890963" cy="419100"/>
+                      </a:xfrm>
+                      <a:prstGeom prst="rect">
+                        <a:avLst/>
+                      </a:prstGeom>
+                      <a:noFill/>
+                      <a:extLst>
+                        <a:ext uri="{909E8E84-426E-40DD-AFC4-6F175D3DCCD1}">
+                          <a14:hiddenFill xmlns:a14="http://schemas.microsoft.com/office/drawing/2010/main">
+                            <a:solidFill>
+                              <a:srgbClr val="FFFFFF"/>
+                            </a:solidFill>
+                          </a14:hiddenFill>
+                        </a:ext>
+                      </a:extLst>
+                    </p:spPr>
+                  </p:pic>
+                </p:oleObj>
+              </mc:Fallback>
+            </mc:AlternateContent>
           </a:graphicData>
         </a:graphic>
       </p:graphicFrame>
@@ -9408,9 +9749,59 @@
         </p:xfrm>
         <a:graphic>
           <a:graphicData uri="http://schemas.openxmlformats.org/presentationml/2006/ole">
-            <p:oleObj spid="_x0000_s3076" name="方程式" r:id="rId5" imgW="126720" imgH="126720" progId="Equation.3">
-              <p:embed/>
-            </p:oleObj>
+            <mc:AlternateContent xmlns:mc="http://schemas.openxmlformats.org/markup-compatibility/2006">
+              <mc:Choice xmlns:v="urn:schemas-microsoft-com:vml" Requires="v">
+                <p:oleObj spid="_x0000_s3097" name="方程式" r:id="rId7" imgW="126720" imgH="126720" progId="Equation.3">
+                  <p:embed/>
+                </p:oleObj>
+              </mc:Choice>
+              <mc:Fallback>
+                <p:oleObj name="方程式" r:id="rId7" imgW="126720" imgH="126720" progId="Equation.3">
+                  <p:embed/>
+                  <p:pic>
+                    <p:nvPicPr>
+                      <p:cNvPr id="0" name="Picture 4"/>
+                      <p:cNvPicPr>
+                        <a:picLocks noChangeAspect="1" noChangeArrowheads="1"/>
+                      </p:cNvPicPr>
+                      <p:nvPr/>
+                    </p:nvPicPr>
+                    <p:blipFill>
+                      <a:blip r:embed="rId8">
+                        <a:extLst>
+                          <a:ext uri="{28A0092B-C50C-407E-A947-70E740481C1C}">
+                            <a14:useLocalDpi xmlns:a14="http://schemas.microsoft.com/office/drawing/2010/main" val="0"/>
+                          </a:ext>
+                        </a:extLst>
+                      </a:blip>
+                      <a:srcRect/>
+                      <a:stretch>
+                        <a:fillRect/>
+                      </a:stretch>
+                    </p:blipFill>
+                    <p:spPr bwMode="auto">
+                      <a:xfrm>
+                        <a:off x="3959225" y="5353050"/>
+                        <a:ext cx="641068" cy="488950"/>
+                      </a:xfrm>
+                      <a:prstGeom prst="rect">
+                        <a:avLst/>
+                      </a:prstGeom>
+                      <a:noFill/>
+                      <a:extLst>
+                        <a:ext uri="{909E8E84-426E-40DD-AFC4-6F175D3DCCD1}">
+                          <a14:hiddenFill xmlns:a14="http://schemas.microsoft.com/office/drawing/2010/main">
+                            <a:solidFill>
+                              <a:srgbClr val="FFFFFF"/>
+                            </a:solidFill>
+                          </a14:hiddenFill>
+                        </a:ext>
+                      </a:extLst>
+                    </p:spPr>
+                  </p:pic>
+                </p:oleObj>
+              </mc:Fallback>
+            </mc:AlternateContent>
           </a:graphicData>
         </a:graphic>
       </p:graphicFrame>
@@ -9635,7 +10026,7 @@
     </p:spTree>
     <p:extLst>
       <p:ext uri="{BB962C8B-B14F-4D97-AF65-F5344CB8AC3E}">
-        <p14:creationId xmlns="" xmlns:p14="http://schemas.microsoft.com/office/powerpoint/2010/main" val="3427152478"/>
+        <p14:creationId xmlns:p14="http://schemas.microsoft.com/office/powerpoint/2010/main" val="3427152478"/>
       </p:ext>
     </p:extLst>
   </p:cSld>
@@ -9998,9 +10389,59 @@
         </p:xfrm>
         <a:graphic>
           <a:graphicData uri="http://schemas.openxmlformats.org/presentationml/2006/ole">
-            <p:oleObj spid="_x0000_s2050" name="方程式" r:id="rId3" imgW="342720" imgH="203040" progId="Equation.3">
-              <p:embed/>
-            </p:oleObj>
+            <mc:AlternateContent xmlns:mc="http://schemas.openxmlformats.org/markup-compatibility/2006">
+              <mc:Choice xmlns:v="urn:schemas-microsoft-com:vml" Requires="v">
+                <p:oleObj spid="_x0000_s2071" name="方程式" r:id="rId3" imgW="342720" imgH="203040" progId="Equation.3">
+                  <p:embed/>
+                </p:oleObj>
+              </mc:Choice>
+              <mc:Fallback>
+                <p:oleObj name="方程式" r:id="rId3" imgW="342720" imgH="203040" progId="Equation.3">
+                  <p:embed/>
+                  <p:pic>
+                    <p:nvPicPr>
+                      <p:cNvPr id="0" name="Picture 2"/>
+                      <p:cNvPicPr>
+                        <a:picLocks noChangeAspect="1" noChangeArrowheads="1"/>
+                      </p:cNvPicPr>
+                      <p:nvPr/>
+                    </p:nvPicPr>
+                    <p:blipFill>
+                      <a:blip r:embed="rId4">
+                        <a:extLst>
+                          <a:ext uri="{28A0092B-C50C-407E-A947-70E740481C1C}">
+                            <a14:useLocalDpi xmlns:a14="http://schemas.microsoft.com/office/drawing/2010/main" val="0"/>
+                          </a:ext>
+                        </a:extLst>
+                      </a:blip>
+                      <a:srcRect/>
+                      <a:stretch>
+                        <a:fillRect/>
+                      </a:stretch>
+                    </p:blipFill>
+                    <p:spPr bwMode="auto">
+                      <a:xfrm>
+                        <a:off x="1843617" y="5359400"/>
+                        <a:ext cx="814388" cy="482600"/>
+                      </a:xfrm>
+                      <a:prstGeom prst="rect">
+                        <a:avLst/>
+                      </a:prstGeom>
+                      <a:noFill/>
+                      <a:extLst>
+                        <a:ext uri="{909E8E84-426E-40DD-AFC4-6F175D3DCCD1}">
+                          <a14:hiddenFill xmlns:a14="http://schemas.microsoft.com/office/drawing/2010/main">
+                            <a:solidFill>
+                              <a:srgbClr val="FFFFFF"/>
+                            </a:solidFill>
+                          </a14:hiddenFill>
+                        </a:ext>
+                      </a:extLst>
+                    </p:spPr>
+                  </p:pic>
+                </p:oleObj>
+              </mc:Fallback>
+            </mc:AlternateContent>
           </a:graphicData>
         </a:graphic>
       </p:graphicFrame>
@@ -10018,9 +10459,59 @@
         </p:xfrm>
         <a:graphic>
           <a:graphicData uri="http://schemas.openxmlformats.org/presentationml/2006/ole">
-            <p:oleObj spid="_x0000_s2051" name="方程式" r:id="rId4" imgW="2298600" imgH="228600" progId="Equation.3">
-              <p:embed/>
-            </p:oleObj>
+            <mc:AlternateContent xmlns:mc="http://schemas.openxmlformats.org/markup-compatibility/2006">
+              <mc:Choice xmlns:v="urn:schemas-microsoft-com:vml" Requires="v">
+                <p:oleObj spid="_x0000_s2072" name="方程式" r:id="rId5" imgW="2298600" imgH="228600" progId="Equation.3">
+                  <p:embed/>
+                </p:oleObj>
+              </mc:Choice>
+              <mc:Fallback>
+                <p:oleObj name="方程式" r:id="rId5" imgW="2298600" imgH="228600" progId="Equation.3">
+                  <p:embed/>
+                  <p:pic>
+                    <p:nvPicPr>
+                      <p:cNvPr id="0" name="Picture 3"/>
+                      <p:cNvPicPr>
+                        <a:picLocks noChangeAspect="1" noChangeArrowheads="1"/>
+                      </p:cNvPicPr>
+                      <p:nvPr/>
+                    </p:nvPicPr>
+                    <p:blipFill>
+                      <a:blip r:embed="rId6">
+                        <a:extLst>
+                          <a:ext uri="{28A0092B-C50C-407E-A947-70E740481C1C}">
+                            <a14:useLocalDpi xmlns:a14="http://schemas.microsoft.com/office/drawing/2010/main" val="0"/>
+                          </a:ext>
+                        </a:extLst>
+                      </a:blip>
+                      <a:srcRect/>
+                      <a:stretch>
+                        <a:fillRect/>
+                      </a:stretch>
+                    </p:blipFill>
+                    <p:spPr bwMode="auto">
+                      <a:xfrm>
+                        <a:off x="4929188" y="5405438"/>
+                        <a:ext cx="4002087" cy="419100"/>
+                      </a:xfrm>
+                      <a:prstGeom prst="rect">
+                        <a:avLst/>
+                      </a:prstGeom>
+                      <a:noFill/>
+                      <a:extLst>
+                        <a:ext uri="{909E8E84-426E-40DD-AFC4-6F175D3DCCD1}">
+                          <a14:hiddenFill xmlns:a14="http://schemas.microsoft.com/office/drawing/2010/main">
+                            <a:solidFill>
+                              <a:srgbClr val="FFFFFF"/>
+                            </a:solidFill>
+                          </a14:hiddenFill>
+                        </a:ext>
+                      </a:extLst>
+                    </p:spPr>
+                  </p:pic>
+                </p:oleObj>
+              </mc:Fallback>
+            </mc:AlternateContent>
           </a:graphicData>
         </a:graphic>
       </p:graphicFrame>
@@ -10038,16 +10529,66 @@
         </p:xfrm>
         <a:graphic>
           <a:graphicData uri="http://schemas.openxmlformats.org/presentationml/2006/ole">
-            <p:oleObj spid="_x0000_s2052" name="方程式" r:id="rId5" imgW="126720" imgH="126720" progId="Equation.3">
-              <p:embed/>
-            </p:oleObj>
+            <mc:AlternateContent xmlns:mc="http://schemas.openxmlformats.org/markup-compatibility/2006">
+              <mc:Choice xmlns:v="urn:schemas-microsoft-com:vml" Requires="v">
+                <p:oleObj spid="_x0000_s2073" name="方程式" r:id="rId7" imgW="126720" imgH="126720" progId="Equation.3">
+                  <p:embed/>
+                </p:oleObj>
+              </mc:Choice>
+              <mc:Fallback>
+                <p:oleObj name="方程式" r:id="rId7" imgW="126720" imgH="126720" progId="Equation.3">
+                  <p:embed/>
+                  <p:pic>
+                    <p:nvPicPr>
+                      <p:cNvPr id="0" name="Picture 4"/>
+                      <p:cNvPicPr>
+                        <a:picLocks noChangeAspect="1" noChangeArrowheads="1"/>
+                      </p:cNvPicPr>
+                      <p:nvPr/>
+                    </p:nvPicPr>
+                    <p:blipFill>
+                      <a:blip r:embed="rId8">
+                        <a:extLst>
+                          <a:ext uri="{28A0092B-C50C-407E-A947-70E740481C1C}">
+                            <a14:useLocalDpi xmlns:a14="http://schemas.microsoft.com/office/drawing/2010/main" val="0"/>
+                          </a:ext>
+                        </a:extLst>
+                      </a:blip>
+                      <a:srcRect/>
+                      <a:stretch>
+                        <a:fillRect/>
+                      </a:stretch>
+                    </p:blipFill>
+                    <p:spPr bwMode="auto">
+                      <a:xfrm>
+                        <a:off x="3959225" y="5353050"/>
+                        <a:ext cx="641068" cy="488950"/>
+                      </a:xfrm>
+                      <a:prstGeom prst="rect">
+                        <a:avLst/>
+                      </a:prstGeom>
+                      <a:noFill/>
+                      <a:extLst>
+                        <a:ext uri="{909E8E84-426E-40DD-AFC4-6F175D3DCCD1}">
+                          <a14:hiddenFill xmlns:a14="http://schemas.microsoft.com/office/drawing/2010/main">
+                            <a:solidFill>
+                              <a:srgbClr val="FFFFFF"/>
+                            </a:solidFill>
+                          </a14:hiddenFill>
+                        </a:ext>
+                      </a:extLst>
+                    </p:spPr>
+                  </p:pic>
+                </p:oleObj>
+              </mc:Fallback>
+            </mc:AlternateContent>
           </a:graphicData>
         </a:graphic>
       </p:graphicFrame>
     </p:spTree>
     <p:extLst>
       <p:ext uri="{BB962C8B-B14F-4D97-AF65-F5344CB8AC3E}">
-        <p14:creationId xmlns="" xmlns:p14="http://schemas.microsoft.com/office/powerpoint/2010/main" val="3427152478"/>
+        <p14:creationId xmlns:p14="http://schemas.microsoft.com/office/powerpoint/2010/main" val="3427152478"/>
       </p:ext>
     </p:extLst>
   </p:cSld>
@@ -10133,7 +10674,7 @@
     </p:spTree>
     <p:extLst>
       <p:ext uri="{BB962C8B-B14F-4D97-AF65-F5344CB8AC3E}">
-        <p14:creationId xmlns="" xmlns:p14="http://schemas.microsoft.com/office/powerpoint/2010/main" val="3792208418"/>
+        <p14:creationId xmlns:p14="http://schemas.microsoft.com/office/powerpoint/2010/main" val="3792208418"/>
       </p:ext>
     </p:extLst>
   </p:cSld>
@@ -10176,7 +10717,7 @@
         <p:spPr>
           <a:xfrm>
             <a:off x="4991663" y="1905000"/>
-            <a:ext cx="2089033" cy="1200329"/>
+            <a:ext cx="3565400" cy="2062103"/>
           </a:xfrm>
           <a:prstGeom prst="rect">
             <a:avLst/>
@@ -10197,7 +10738,7 @@
               <a:buChar char="l"/>
             </a:pPr>
             <a:r>
-              <a:rPr lang="en-US" altLang="zh-TW" dirty="0" smtClean="0"/>
+              <a:rPr lang="en-US" altLang="zh-TW" sz="3200" dirty="0" smtClean="0"/>
               <a:t>Rectangle shape</a:t>
             </a:r>
           </a:p>
@@ -10207,7 +10748,7 @@
               <a:buChar char="l"/>
             </a:pPr>
             <a:r>
-              <a:rPr lang="en-US" altLang="zh-TW" dirty="0" smtClean="0"/>
+              <a:rPr lang="en-US" altLang="zh-TW" sz="3200" dirty="0" smtClean="0"/>
               <a:t>Symmetry</a:t>
             </a:r>
           </a:p>
@@ -10217,7 +10758,7 @@
               <a:buChar char="l"/>
             </a:pPr>
             <a:r>
-              <a:rPr lang="en-US" altLang="zh-TW" dirty="0" smtClean="0"/>
+              <a:rPr lang="en-US" altLang="zh-TW" sz="3200" dirty="0" smtClean="0"/>
               <a:t>Entropy</a:t>
             </a:r>
           </a:p>
@@ -10227,7 +10768,7 @@
               <a:buChar char="l"/>
             </a:pPr>
             <a:r>
-              <a:rPr lang="en-US" altLang="zh-TW" dirty="0" smtClean="0"/>
+              <a:rPr lang="en-US" altLang="zh-TW" sz="3200" dirty="0" smtClean="0"/>
               <a:t>Contrast</a:t>
             </a:r>
           </a:p>
@@ -10280,7 +10821,7 @@
         <p:spPr>
           <a:xfrm>
             <a:off x="1985109" y="5329726"/>
-            <a:ext cx="786083" cy="400110"/>
+            <a:ext cx="786083" cy="523220"/>
           </a:xfrm>
           <a:prstGeom prst="rect">
             <a:avLst/>
@@ -10294,10 +10835,10 @@
           <a:lstStyle/>
           <a:p>
             <a:r>
-              <a:rPr lang="en-US" altLang="zh-TW" sz="2000" dirty="0" smtClean="0"/>
+              <a:rPr lang="en-US" altLang="zh-TW" sz="2800" dirty="0" smtClean="0"/>
               <a:t>You</a:t>
             </a:r>
-            <a:endParaRPr lang="zh-TW" altLang="en-US" sz="2000" dirty="0"/>
+            <a:endParaRPr lang="zh-TW" altLang="en-US" sz="2800" dirty="0"/>
           </a:p>
         </p:txBody>
       </p:sp>
@@ -10310,7 +10851,7 @@
         <p:spPr>
           <a:xfrm>
             <a:off x="6242979" y="5329726"/>
-            <a:ext cx="1520091" cy="400110"/>
+            <a:ext cx="2003713" cy="523220"/>
           </a:xfrm>
           <a:prstGeom prst="rect">
             <a:avLst/>
@@ -10324,10 +10865,10 @@
           <a:lstStyle/>
           <a:p>
             <a:r>
-              <a:rPr lang="en-US" altLang="zh-TW" sz="2000" dirty="0" smtClean="0"/>
+              <a:rPr lang="en-US" altLang="zh-TW" sz="2800" dirty="0" smtClean="0"/>
               <a:t>Computer</a:t>
             </a:r>
-            <a:endParaRPr lang="zh-TW" altLang="en-US" sz="2000" dirty="0"/>
+            <a:endParaRPr lang="zh-TW" altLang="en-US" sz="2800" dirty="0"/>
           </a:p>
         </p:txBody>
       </p:sp>
@@ -10348,7 +10889,7 @@
         </p:blipFill>
         <p:spPr bwMode="auto">
           <a:xfrm>
-            <a:off x="4878550" y="1905000"/>
+            <a:off x="4879193" y="1915531"/>
             <a:ext cx="3975425" cy="3270490"/>
           </a:xfrm>
           <a:prstGeom prst="rect">
@@ -10395,10 +10936,212 @@
           </a:ln>
         </p:spPr>
       </p:pic>
+      <p:sp>
+        <p:nvSpPr>
+          <p:cNvPr id="2" name="矩形 1"/>
+          <p:cNvSpPr/>
+          <p:nvPr/>
+        </p:nvSpPr>
+        <p:spPr>
+          <a:xfrm>
+            <a:off x="1025495" y="2230451"/>
+            <a:ext cx="3179035" cy="2640651"/>
+          </a:xfrm>
+          <a:prstGeom prst="rect">
+            <a:avLst/>
+          </a:prstGeom>
+          <a:noFill/>
+          <a:ln w="53975">
+            <a:solidFill>
+              <a:srgbClr val="FFFF00"/>
+            </a:solidFill>
+          </a:ln>
+        </p:spPr>
+        <p:style>
+          <a:lnRef idx="1">
+            <a:schemeClr val="accent1"/>
+          </a:lnRef>
+          <a:fillRef idx="3">
+            <a:schemeClr val="accent1"/>
+          </a:fillRef>
+          <a:effectRef idx="2">
+            <a:schemeClr val="accent1"/>
+          </a:effectRef>
+          <a:fontRef idx="minor">
+            <a:schemeClr val="lt1"/>
+          </a:fontRef>
+        </p:style>
+        <p:txBody>
+          <a:bodyPr rtlCol="0" anchor="ctr"/>
+          <a:lstStyle/>
+          <a:p>
+            <a:pPr algn="ctr"/>
+            <a:endParaRPr lang="zh-TW" altLang="en-US"/>
+          </a:p>
+        </p:txBody>
+      </p:sp>
+      <p:cxnSp>
+        <p:nvCxnSpPr>
+          <p:cNvPr id="6" name="直線接點 5"/>
+          <p:cNvCxnSpPr/>
+          <p:nvPr/>
+        </p:nvCxnSpPr>
+        <p:spPr>
+          <a:xfrm>
+            <a:off x="2726111" y="2230451"/>
+            <a:ext cx="0" cy="2640651"/>
+          </a:xfrm>
+          <a:prstGeom prst="line">
+            <a:avLst/>
+          </a:prstGeom>
+          <a:ln w="44450">
+            <a:solidFill>
+              <a:srgbClr val="FFFF00"/>
+            </a:solidFill>
+          </a:ln>
+        </p:spPr>
+        <p:style>
+          <a:lnRef idx="2">
+            <a:schemeClr val="accent1"/>
+          </a:lnRef>
+          <a:fillRef idx="0">
+            <a:schemeClr val="accent1"/>
+          </a:fillRef>
+          <a:effectRef idx="1">
+            <a:schemeClr val="accent1"/>
+          </a:effectRef>
+          <a:fontRef idx="minor">
+            <a:schemeClr val="tx1"/>
+          </a:fontRef>
+        </p:style>
+      </p:cxnSp>
+      <p:sp>
+        <p:nvSpPr>
+          <p:cNvPr id="13" name="矩形 12"/>
+          <p:cNvSpPr/>
+          <p:nvPr/>
+        </p:nvSpPr>
+        <p:spPr>
+          <a:xfrm>
+            <a:off x="1384420" y="3038555"/>
+            <a:ext cx="2615012" cy="1483257"/>
+          </a:xfrm>
+          <a:prstGeom prst="rect">
+            <a:avLst/>
+          </a:prstGeom>
+          <a:noFill/>
+          <a:ln w="53975">
+            <a:solidFill>
+              <a:srgbClr val="FFFF00"/>
+            </a:solidFill>
+          </a:ln>
+        </p:spPr>
+        <p:style>
+          <a:lnRef idx="1">
+            <a:schemeClr val="accent1"/>
+          </a:lnRef>
+          <a:fillRef idx="3">
+            <a:schemeClr val="accent1"/>
+          </a:fillRef>
+          <a:effectRef idx="2">
+            <a:schemeClr val="accent1"/>
+          </a:effectRef>
+          <a:fontRef idx="minor">
+            <a:schemeClr val="lt1"/>
+          </a:fontRef>
+        </p:style>
+        <p:txBody>
+          <a:bodyPr rtlCol="0" anchor="ctr"/>
+          <a:lstStyle/>
+          <a:p>
+            <a:pPr algn="ctr"/>
+            <a:endParaRPr lang="zh-TW" altLang="en-US"/>
+          </a:p>
+        </p:txBody>
+      </p:sp>
+      <p:sp>
+        <p:nvSpPr>
+          <p:cNvPr id="7" name="矩形 6"/>
+          <p:cNvSpPr/>
+          <p:nvPr/>
+        </p:nvSpPr>
+        <p:spPr>
+          <a:xfrm>
+            <a:off x="1905712" y="1905000"/>
+            <a:ext cx="1512606" cy="727105"/>
+          </a:xfrm>
+          <a:prstGeom prst="rect">
+            <a:avLst/>
+          </a:prstGeom>
+          <a:noFill/>
+          <a:ln w="31750">
+            <a:solidFill>
+              <a:srgbClr val="FFFF00"/>
+            </a:solidFill>
+          </a:ln>
+        </p:spPr>
+        <p:style>
+          <a:lnRef idx="1">
+            <a:schemeClr val="accent1"/>
+          </a:lnRef>
+          <a:fillRef idx="3">
+            <a:schemeClr val="accent1"/>
+          </a:fillRef>
+          <a:effectRef idx="2">
+            <a:schemeClr val="accent1"/>
+          </a:effectRef>
+          <a:fontRef idx="minor">
+            <a:schemeClr val="lt1"/>
+          </a:fontRef>
+        </p:style>
+        <p:txBody>
+          <a:bodyPr rtlCol="0" anchor="ctr"/>
+          <a:lstStyle/>
+          <a:p>
+            <a:pPr algn="ctr"/>
+            <a:endParaRPr lang="zh-TW" altLang="en-US"/>
+          </a:p>
+        </p:txBody>
+      </p:sp>
+      <p:cxnSp>
+        <p:nvCxnSpPr>
+          <p:cNvPr id="10" name="直線接點 9"/>
+          <p:cNvCxnSpPr/>
+          <p:nvPr/>
+        </p:nvCxnSpPr>
+        <p:spPr>
+          <a:xfrm>
+            <a:off x="1905712" y="2234369"/>
+            <a:ext cx="1512606" cy="0"/>
+          </a:xfrm>
+          <a:prstGeom prst="line">
+            <a:avLst/>
+          </a:prstGeom>
+          <a:ln w="31750">
+            <a:solidFill>
+              <a:srgbClr val="FFFF00"/>
+            </a:solidFill>
+          </a:ln>
+        </p:spPr>
+        <p:style>
+          <a:lnRef idx="2">
+            <a:schemeClr val="accent1"/>
+          </a:lnRef>
+          <a:fillRef idx="0">
+            <a:schemeClr val="accent1"/>
+          </a:fillRef>
+          <a:effectRef idx="1">
+            <a:schemeClr val="accent1"/>
+          </a:effectRef>
+          <a:fontRef idx="minor">
+            <a:schemeClr val="tx1"/>
+          </a:fontRef>
+        </p:style>
+      </p:cxnSp>
     </p:spTree>
     <p:extLst>
       <p:ext uri="{BB962C8B-B14F-4D97-AF65-F5344CB8AC3E}">
-        <p14:creationId xmlns="" xmlns:p14="http://schemas.microsoft.com/office/powerpoint/2010/main" val="1692470345"/>
+        <p14:creationId xmlns:p14="http://schemas.microsoft.com/office/powerpoint/2010/main" val="1692470345"/>
       </p:ext>
     </p:extLst>
   </p:cSld>
@@ -10506,6 +11249,654 @@
                                   </p:childTnLst>
                                 </p:cTn>
                               </p:par>
+                              <p:par>
+                                <p:cTn id="11" presetID="3" presetClass="emph" presetSubtype="2" fill="hold" nodeType="withEffect">
+                                  <p:stCondLst>
+                                    <p:cond delay="0"/>
+                                  </p:stCondLst>
+                                  <p:childTnLst>
+                                    <p:animClr clrSpc="rgb" dir="cw">
+                                      <p:cBhvr override="childStyle">
+                                        <p:cTn id="12" dur="10" fill="hold"/>
+                                        <p:tgtEl>
+                                          <p:spTgt spid="8">
+                                            <p:txEl>
+                                              <p:pRg st="0" end="0"/>
+                                            </p:txEl>
+                                          </p:spTgt>
+                                        </p:tgtEl>
+                                        <p:attrNameLst>
+                                          <p:attrName>style.color</p:attrName>
+                                        </p:attrNameLst>
+                                      </p:cBhvr>
+                                      <p:to>
+                                        <a:srgbClr val="D8D8D8"/>
+                                      </p:to>
+                                    </p:animClr>
+                                  </p:childTnLst>
+                                </p:cTn>
+                              </p:par>
+                              <p:par>
+                                <p:cTn id="13" presetID="3" presetClass="emph" presetSubtype="2" fill="hold" nodeType="withEffect">
+                                  <p:stCondLst>
+                                    <p:cond delay="0"/>
+                                  </p:stCondLst>
+                                  <p:childTnLst>
+                                    <p:animClr clrSpc="rgb" dir="cw">
+                                      <p:cBhvr override="childStyle">
+                                        <p:cTn id="14" dur="10" fill="hold"/>
+                                        <p:tgtEl>
+                                          <p:spTgt spid="8">
+                                            <p:txEl>
+                                              <p:pRg st="1" end="1"/>
+                                            </p:txEl>
+                                          </p:spTgt>
+                                        </p:tgtEl>
+                                        <p:attrNameLst>
+                                          <p:attrName>style.color</p:attrName>
+                                        </p:attrNameLst>
+                                      </p:cBhvr>
+                                      <p:to>
+                                        <a:srgbClr val="D8D8D8"/>
+                                      </p:to>
+                                    </p:animClr>
+                                  </p:childTnLst>
+                                </p:cTn>
+                              </p:par>
+                              <p:par>
+                                <p:cTn id="15" presetID="3" presetClass="emph" presetSubtype="2" fill="hold" nodeType="withEffect">
+                                  <p:stCondLst>
+                                    <p:cond delay="0"/>
+                                  </p:stCondLst>
+                                  <p:childTnLst>
+                                    <p:animClr clrSpc="rgb" dir="cw">
+                                      <p:cBhvr override="childStyle">
+                                        <p:cTn id="16" dur="10" fill="hold"/>
+                                        <p:tgtEl>
+                                          <p:spTgt spid="8">
+                                            <p:txEl>
+                                              <p:pRg st="2" end="2"/>
+                                            </p:txEl>
+                                          </p:spTgt>
+                                        </p:tgtEl>
+                                        <p:attrNameLst>
+                                          <p:attrName>style.color</p:attrName>
+                                        </p:attrNameLst>
+                                      </p:cBhvr>
+                                      <p:to>
+                                        <a:srgbClr val="D8D8D8"/>
+                                      </p:to>
+                                    </p:animClr>
+                                  </p:childTnLst>
+                                </p:cTn>
+                              </p:par>
+                              <p:par>
+                                <p:cTn id="17" presetID="3" presetClass="emph" presetSubtype="2" fill="hold" nodeType="withEffect">
+                                  <p:stCondLst>
+                                    <p:cond delay="0"/>
+                                  </p:stCondLst>
+                                  <p:childTnLst>
+                                    <p:animClr clrSpc="rgb" dir="cw">
+                                      <p:cBhvr override="childStyle">
+                                        <p:cTn id="18" dur="10" fill="hold"/>
+                                        <p:tgtEl>
+                                          <p:spTgt spid="8">
+                                            <p:txEl>
+                                              <p:pRg st="3" end="3"/>
+                                            </p:txEl>
+                                          </p:spTgt>
+                                        </p:tgtEl>
+                                        <p:attrNameLst>
+                                          <p:attrName>style.color</p:attrName>
+                                        </p:attrNameLst>
+                                      </p:cBhvr>
+                                      <p:to>
+                                        <a:srgbClr val="D8D8D8"/>
+                                      </p:to>
+                                    </p:animClr>
+                                  </p:childTnLst>
+                                </p:cTn>
+                              </p:par>
+                              <p:par>
+                                <p:cTn id="19" presetID="3" presetClass="emph" presetSubtype="2" fill="hold" nodeType="withEffect">
+                                  <p:stCondLst>
+                                    <p:cond delay="0"/>
+                                  </p:stCondLst>
+                                  <p:childTnLst>
+                                    <p:animClr clrSpc="rgb" dir="cw">
+                                      <p:cBhvr override="childStyle">
+                                        <p:cTn id="20" dur="10" fill="hold"/>
+                                        <p:tgtEl>
+                                          <p:spTgt spid="8">
+                                            <p:txEl>
+                                              <p:pRg st="0" end="0"/>
+                                            </p:txEl>
+                                          </p:spTgt>
+                                        </p:tgtEl>
+                                        <p:attrNameLst>
+                                          <p:attrName>style.color</p:attrName>
+                                        </p:attrNameLst>
+                                      </p:cBhvr>
+                                      <p:to>
+                                        <a:srgbClr val="000000"/>
+                                      </p:to>
+                                    </p:animClr>
+                                  </p:childTnLst>
+                                </p:cTn>
+                              </p:par>
+                              <p:par>
+                                <p:cTn id="21" presetID="1" presetClass="entr" presetSubtype="0" fill="hold" grpId="0" nodeType="withEffect">
+                                  <p:stCondLst>
+                                    <p:cond delay="0"/>
+                                  </p:stCondLst>
+                                  <p:childTnLst>
+                                    <p:set>
+                                      <p:cBhvr>
+                                        <p:cTn id="22" dur="1" fill="hold">
+                                          <p:stCondLst>
+                                            <p:cond delay="0"/>
+                                          </p:stCondLst>
+                                        </p:cTn>
+                                        <p:tgtEl>
+                                          <p:spTgt spid="2"/>
+                                        </p:tgtEl>
+                                        <p:attrNameLst>
+                                          <p:attrName>style.visibility</p:attrName>
+                                        </p:attrNameLst>
+                                      </p:cBhvr>
+                                      <p:to>
+                                        <p:strVal val="visible"/>
+                                      </p:to>
+                                    </p:set>
+                                  </p:childTnLst>
+                                </p:cTn>
+                              </p:par>
+                            </p:childTnLst>
+                          </p:cTn>
+                        </p:par>
+                      </p:childTnLst>
+                    </p:cTn>
+                  </p:par>
+                  <p:par>
+                    <p:cTn id="23" fill="hold">
+                      <p:stCondLst>
+                        <p:cond delay="indefinite"/>
+                      </p:stCondLst>
+                      <p:childTnLst>
+                        <p:par>
+                          <p:cTn id="24" fill="hold">
+                            <p:stCondLst>
+                              <p:cond delay="0"/>
+                            </p:stCondLst>
+                            <p:childTnLst>
+                              <p:par>
+                                <p:cTn id="25" presetID="3" presetClass="emph" presetSubtype="2" fill="hold" nodeType="clickEffect">
+                                  <p:stCondLst>
+                                    <p:cond delay="0"/>
+                                  </p:stCondLst>
+                                  <p:childTnLst>
+                                    <p:animClr clrSpc="rgb" dir="cw">
+                                      <p:cBhvr override="childStyle">
+                                        <p:cTn id="26" dur="10" fill="hold"/>
+                                        <p:tgtEl>
+                                          <p:spTgt spid="8">
+                                            <p:txEl>
+                                              <p:pRg st="0" end="0"/>
+                                            </p:txEl>
+                                          </p:spTgt>
+                                        </p:tgtEl>
+                                        <p:attrNameLst>
+                                          <p:attrName>style.color</p:attrName>
+                                        </p:attrNameLst>
+                                      </p:cBhvr>
+                                      <p:to>
+                                        <a:srgbClr val="D8D8D8"/>
+                                      </p:to>
+                                    </p:animClr>
+                                  </p:childTnLst>
+                                </p:cTn>
+                              </p:par>
+                              <p:par>
+                                <p:cTn id="27" presetID="3" presetClass="emph" presetSubtype="2" fill="hold" nodeType="withEffect">
+                                  <p:stCondLst>
+                                    <p:cond delay="0"/>
+                                  </p:stCondLst>
+                                  <p:childTnLst>
+                                    <p:animClr clrSpc="rgb" dir="cw">
+                                      <p:cBhvr override="childStyle">
+                                        <p:cTn id="28" dur="10" fill="hold"/>
+                                        <p:tgtEl>
+                                          <p:spTgt spid="8">
+                                            <p:txEl>
+                                              <p:pRg st="1" end="1"/>
+                                            </p:txEl>
+                                          </p:spTgt>
+                                        </p:tgtEl>
+                                        <p:attrNameLst>
+                                          <p:attrName>style.color</p:attrName>
+                                        </p:attrNameLst>
+                                      </p:cBhvr>
+                                      <p:to>
+                                        <a:srgbClr val="000000"/>
+                                      </p:to>
+                                    </p:animClr>
+                                  </p:childTnLst>
+                                </p:cTn>
+                              </p:par>
+                              <p:par>
+                                <p:cTn id="29" presetID="1" presetClass="entr" presetSubtype="0" fill="hold" nodeType="withEffect">
+                                  <p:stCondLst>
+                                    <p:cond delay="0"/>
+                                  </p:stCondLst>
+                                  <p:childTnLst>
+                                    <p:set>
+                                      <p:cBhvr>
+                                        <p:cTn id="30" dur="1" fill="hold">
+                                          <p:stCondLst>
+                                            <p:cond delay="0"/>
+                                          </p:stCondLst>
+                                        </p:cTn>
+                                        <p:tgtEl>
+                                          <p:spTgt spid="6"/>
+                                        </p:tgtEl>
+                                        <p:attrNameLst>
+                                          <p:attrName>style.visibility</p:attrName>
+                                        </p:attrNameLst>
+                                      </p:cBhvr>
+                                      <p:to>
+                                        <p:strVal val="visible"/>
+                                      </p:to>
+                                    </p:set>
+                                  </p:childTnLst>
+                                </p:cTn>
+                              </p:par>
+                            </p:childTnLst>
+                          </p:cTn>
+                        </p:par>
+                      </p:childTnLst>
+                    </p:cTn>
+                  </p:par>
+                  <p:par>
+                    <p:cTn id="31" fill="hold">
+                      <p:stCondLst>
+                        <p:cond delay="indefinite"/>
+                      </p:stCondLst>
+                      <p:childTnLst>
+                        <p:par>
+                          <p:cTn id="32" fill="hold">
+                            <p:stCondLst>
+                              <p:cond delay="0"/>
+                            </p:stCondLst>
+                            <p:childTnLst>
+                              <p:par>
+                                <p:cTn id="33" presetID="1" presetClass="exit" presetSubtype="0" fill="hold" grpId="1" nodeType="clickEffect">
+                                  <p:stCondLst>
+                                    <p:cond delay="0"/>
+                                  </p:stCondLst>
+                                  <p:childTnLst>
+                                    <p:set>
+                                      <p:cBhvr>
+                                        <p:cTn id="34" dur="1" fill="hold">
+                                          <p:stCondLst>
+                                            <p:cond delay="0"/>
+                                          </p:stCondLst>
+                                        </p:cTn>
+                                        <p:tgtEl>
+                                          <p:spTgt spid="2"/>
+                                        </p:tgtEl>
+                                        <p:attrNameLst>
+                                          <p:attrName>style.visibility</p:attrName>
+                                        </p:attrNameLst>
+                                      </p:cBhvr>
+                                      <p:to>
+                                        <p:strVal val="hidden"/>
+                                      </p:to>
+                                    </p:set>
+                                  </p:childTnLst>
+                                </p:cTn>
+                              </p:par>
+                              <p:par>
+                                <p:cTn id="35" presetID="1" presetClass="exit" presetSubtype="0" fill="hold" nodeType="withEffect">
+                                  <p:stCondLst>
+                                    <p:cond delay="0"/>
+                                  </p:stCondLst>
+                                  <p:childTnLst>
+                                    <p:set>
+                                      <p:cBhvr>
+                                        <p:cTn id="36" dur="1" fill="hold">
+                                          <p:stCondLst>
+                                            <p:cond delay="0"/>
+                                          </p:stCondLst>
+                                        </p:cTn>
+                                        <p:tgtEl>
+                                          <p:spTgt spid="6"/>
+                                        </p:tgtEl>
+                                        <p:attrNameLst>
+                                          <p:attrName>style.visibility</p:attrName>
+                                        </p:attrNameLst>
+                                      </p:cBhvr>
+                                      <p:to>
+                                        <p:strVal val="hidden"/>
+                                      </p:to>
+                                    </p:set>
+                                  </p:childTnLst>
+                                </p:cTn>
+                              </p:par>
+                              <p:par>
+                                <p:cTn id="37" presetID="3" presetClass="emph" presetSubtype="2" fill="hold" nodeType="withEffect">
+                                  <p:stCondLst>
+                                    <p:cond delay="0"/>
+                                  </p:stCondLst>
+                                  <p:childTnLst>
+                                    <p:animClr clrSpc="rgb" dir="cw">
+                                      <p:cBhvr override="childStyle">
+                                        <p:cTn id="38" dur="10" fill="hold"/>
+                                        <p:tgtEl>
+                                          <p:spTgt spid="8">
+                                            <p:txEl>
+                                              <p:pRg st="2" end="2"/>
+                                            </p:txEl>
+                                          </p:spTgt>
+                                        </p:tgtEl>
+                                        <p:attrNameLst>
+                                          <p:attrName>style.color</p:attrName>
+                                        </p:attrNameLst>
+                                      </p:cBhvr>
+                                      <p:to>
+                                        <a:schemeClr val="tx1"/>
+                                      </p:to>
+                                    </p:animClr>
+                                  </p:childTnLst>
+                                </p:cTn>
+                              </p:par>
+                              <p:par>
+                                <p:cTn id="39" presetID="1" presetClass="entr" presetSubtype="0" fill="hold" grpId="0" nodeType="withEffect">
+                                  <p:stCondLst>
+                                    <p:cond delay="0"/>
+                                  </p:stCondLst>
+                                  <p:childTnLst>
+                                    <p:set>
+                                      <p:cBhvr>
+                                        <p:cTn id="40" dur="1" fill="hold">
+                                          <p:stCondLst>
+                                            <p:cond delay="0"/>
+                                          </p:stCondLst>
+                                        </p:cTn>
+                                        <p:tgtEl>
+                                          <p:spTgt spid="13"/>
+                                        </p:tgtEl>
+                                        <p:attrNameLst>
+                                          <p:attrName>style.visibility</p:attrName>
+                                        </p:attrNameLst>
+                                      </p:cBhvr>
+                                      <p:to>
+                                        <p:strVal val="visible"/>
+                                      </p:to>
+                                    </p:set>
+                                  </p:childTnLst>
+                                </p:cTn>
+                              </p:par>
+                              <p:par>
+                                <p:cTn id="41" presetID="3" presetClass="emph" presetSubtype="2" fill="hold" nodeType="withEffect">
+                                  <p:stCondLst>
+                                    <p:cond delay="0"/>
+                                  </p:stCondLst>
+                                  <p:childTnLst>
+                                    <p:animClr clrSpc="rgb" dir="cw">
+                                      <p:cBhvr override="childStyle">
+                                        <p:cTn id="42" dur="10" fill="hold"/>
+                                        <p:tgtEl>
+                                          <p:spTgt spid="8">
+                                            <p:txEl>
+                                              <p:pRg st="0" end="0"/>
+                                            </p:txEl>
+                                          </p:spTgt>
+                                        </p:tgtEl>
+                                        <p:attrNameLst>
+                                          <p:attrName>style.color</p:attrName>
+                                        </p:attrNameLst>
+                                      </p:cBhvr>
+                                      <p:to>
+                                        <a:srgbClr val="D8D8D8"/>
+                                      </p:to>
+                                    </p:animClr>
+                                  </p:childTnLst>
+                                </p:cTn>
+                              </p:par>
+                              <p:par>
+                                <p:cTn id="43" presetID="3" presetClass="emph" presetSubtype="2" fill="hold" nodeType="withEffect">
+                                  <p:stCondLst>
+                                    <p:cond delay="0"/>
+                                  </p:stCondLst>
+                                  <p:childTnLst>
+                                    <p:animClr clrSpc="rgb" dir="cw">
+                                      <p:cBhvr override="childStyle">
+                                        <p:cTn id="44" dur="10" fill="hold"/>
+                                        <p:tgtEl>
+                                          <p:spTgt spid="8">
+                                            <p:txEl>
+                                              <p:pRg st="1" end="1"/>
+                                            </p:txEl>
+                                          </p:spTgt>
+                                        </p:tgtEl>
+                                        <p:attrNameLst>
+                                          <p:attrName>style.color</p:attrName>
+                                        </p:attrNameLst>
+                                      </p:cBhvr>
+                                      <p:to>
+                                        <a:srgbClr val="D8D8D8"/>
+                                      </p:to>
+                                    </p:animClr>
+                                  </p:childTnLst>
+                                </p:cTn>
+                              </p:par>
+                            </p:childTnLst>
+                          </p:cTn>
+                        </p:par>
+                      </p:childTnLst>
+                    </p:cTn>
+                  </p:par>
+                  <p:par>
+                    <p:cTn id="45" fill="hold">
+                      <p:stCondLst>
+                        <p:cond delay="indefinite"/>
+                      </p:stCondLst>
+                      <p:childTnLst>
+                        <p:par>
+                          <p:cTn id="46" fill="hold">
+                            <p:stCondLst>
+                              <p:cond delay="0"/>
+                            </p:stCondLst>
+                            <p:childTnLst>
+                              <p:par>
+                                <p:cTn id="47" presetID="3" presetClass="emph" presetSubtype="2" fill="hold" nodeType="clickEffect">
+                                  <p:stCondLst>
+                                    <p:cond delay="0"/>
+                                  </p:stCondLst>
+                                  <p:childTnLst>
+                                    <p:animClr clrSpc="rgb" dir="cw">
+                                      <p:cBhvr override="childStyle">
+                                        <p:cTn id="48" dur="10" fill="hold"/>
+                                        <p:tgtEl>
+                                          <p:spTgt spid="8">
+                                            <p:txEl>
+                                              <p:pRg st="3" end="3"/>
+                                            </p:txEl>
+                                          </p:spTgt>
+                                        </p:tgtEl>
+                                        <p:attrNameLst>
+                                          <p:attrName>style.color</p:attrName>
+                                        </p:attrNameLst>
+                                      </p:cBhvr>
+                                      <p:to>
+                                        <a:srgbClr val="000000"/>
+                                      </p:to>
+                                    </p:animClr>
+                                  </p:childTnLst>
+                                </p:cTn>
+                              </p:par>
+                              <p:par>
+                                <p:cTn id="49" presetID="3" presetClass="emph" presetSubtype="2" fill="hold" nodeType="withEffect">
+                                  <p:stCondLst>
+                                    <p:cond delay="0"/>
+                                  </p:stCondLst>
+                                  <p:childTnLst>
+                                    <p:animClr clrSpc="rgb" dir="cw">
+                                      <p:cBhvr override="childStyle">
+                                        <p:cTn id="50" dur="10" fill="hold"/>
+                                        <p:tgtEl>
+                                          <p:spTgt spid="8">
+                                            <p:txEl>
+                                              <p:pRg st="0" end="0"/>
+                                            </p:txEl>
+                                          </p:spTgt>
+                                        </p:tgtEl>
+                                        <p:attrNameLst>
+                                          <p:attrName>style.color</p:attrName>
+                                        </p:attrNameLst>
+                                      </p:cBhvr>
+                                      <p:to>
+                                        <a:srgbClr val="D8D8D8"/>
+                                      </p:to>
+                                    </p:animClr>
+                                  </p:childTnLst>
+                                </p:cTn>
+                              </p:par>
+                              <p:par>
+                                <p:cTn id="51" presetID="3" presetClass="emph" presetSubtype="2" fill="hold" nodeType="withEffect">
+                                  <p:stCondLst>
+                                    <p:cond delay="0"/>
+                                  </p:stCondLst>
+                                  <p:childTnLst>
+                                    <p:animClr clrSpc="rgb" dir="cw">
+                                      <p:cBhvr override="childStyle">
+                                        <p:cTn id="52" dur="10" fill="hold"/>
+                                        <p:tgtEl>
+                                          <p:spTgt spid="8">
+                                            <p:txEl>
+                                              <p:pRg st="1" end="1"/>
+                                            </p:txEl>
+                                          </p:spTgt>
+                                        </p:tgtEl>
+                                        <p:attrNameLst>
+                                          <p:attrName>style.color</p:attrName>
+                                        </p:attrNameLst>
+                                      </p:cBhvr>
+                                      <p:to>
+                                        <a:srgbClr val="D8D8D8"/>
+                                      </p:to>
+                                    </p:animClr>
+                                  </p:childTnLst>
+                                </p:cTn>
+                              </p:par>
+                              <p:par>
+                                <p:cTn id="53" presetID="3" presetClass="emph" presetSubtype="2" fill="hold" nodeType="withEffect">
+                                  <p:stCondLst>
+                                    <p:cond delay="0"/>
+                                  </p:stCondLst>
+                                  <p:childTnLst>
+                                    <p:animClr clrSpc="rgb" dir="cw">
+                                      <p:cBhvr override="childStyle">
+                                        <p:cTn id="54" dur="10" fill="hold"/>
+                                        <p:tgtEl>
+                                          <p:spTgt spid="8">
+                                            <p:txEl>
+                                              <p:pRg st="2" end="2"/>
+                                            </p:txEl>
+                                          </p:spTgt>
+                                        </p:tgtEl>
+                                        <p:attrNameLst>
+                                          <p:attrName>style.color</p:attrName>
+                                        </p:attrNameLst>
+                                      </p:cBhvr>
+                                      <p:to>
+                                        <a:srgbClr val="D8D8D8"/>
+                                      </p:to>
+                                    </p:animClr>
+                                  </p:childTnLst>
+                                </p:cTn>
+                              </p:par>
+                              <p:par>
+                                <p:cTn id="55" presetID="1" presetClass="entr" presetSubtype="0" fill="hold" grpId="0" nodeType="withEffect">
+                                  <p:stCondLst>
+                                    <p:cond delay="0"/>
+                                  </p:stCondLst>
+                                  <p:childTnLst>
+                                    <p:set>
+                                      <p:cBhvr>
+                                        <p:cTn id="56" dur="1" fill="hold">
+                                          <p:stCondLst>
+                                            <p:cond delay="0"/>
+                                          </p:stCondLst>
+                                        </p:cTn>
+                                        <p:tgtEl>
+                                          <p:spTgt spid="7"/>
+                                        </p:tgtEl>
+                                        <p:attrNameLst>
+                                          <p:attrName>style.visibility</p:attrName>
+                                        </p:attrNameLst>
+                                      </p:cBhvr>
+                                      <p:to>
+                                        <p:strVal val="visible"/>
+                                      </p:to>
+                                    </p:set>
+                                  </p:childTnLst>
+                                </p:cTn>
+                              </p:par>
+                              <p:par>
+                                <p:cTn id="57" presetID="1" presetClass="entr" presetSubtype="0" fill="hold" nodeType="withEffect">
+                                  <p:stCondLst>
+                                    <p:cond delay="0"/>
+                                  </p:stCondLst>
+                                  <p:childTnLst>
+                                    <p:set>
+                                      <p:cBhvr>
+                                        <p:cTn id="58" dur="1" fill="hold">
+                                          <p:stCondLst>
+                                            <p:cond delay="0"/>
+                                          </p:stCondLst>
+                                        </p:cTn>
+                                        <p:tgtEl>
+                                          <p:spTgt spid="10"/>
+                                        </p:tgtEl>
+                                        <p:attrNameLst>
+                                          <p:attrName>style.visibility</p:attrName>
+                                        </p:attrNameLst>
+                                      </p:cBhvr>
+                                      <p:to>
+                                        <p:strVal val="visible"/>
+                                      </p:to>
+                                    </p:set>
+                                  </p:childTnLst>
+                                </p:cTn>
+                              </p:par>
+                              <p:par>
+                                <p:cTn id="59" presetID="1" presetClass="exit" presetSubtype="0" fill="hold" grpId="1" nodeType="withEffect">
+                                  <p:stCondLst>
+                                    <p:cond delay="0"/>
+                                  </p:stCondLst>
+                                  <p:childTnLst>
+                                    <p:set>
+                                      <p:cBhvr>
+                                        <p:cTn id="60" dur="1" fill="hold">
+                                          <p:stCondLst>
+                                            <p:cond delay="0"/>
+                                          </p:stCondLst>
+                                        </p:cTn>
+                                        <p:tgtEl>
+                                          <p:spTgt spid="13"/>
+                                        </p:tgtEl>
+                                        <p:attrNameLst>
+                                          <p:attrName>style.visibility</p:attrName>
+                                        </p:attrNameLst>
+                                      </p:cBhvr>
+                                      <p:to>
+                                        <p:strVal val="hidden"/>
+                                      </p:to>
+                                    </p:set>
+                                  </p:childTnLst>
+                                </p:cTn>
+                              </p:par>
                             </p:childTnLst>
                           </p:cTn>
                         </p:par>
@@ -10536,6 +11927,11 @@
     <p:bldLst>
       <p:bldP spid="11" grpId="0"/>
       <p:bldP spid="12" grpId="0"/>
+      <p:bldP spid="2" grpId="0" animBg="1"/>
+      <p:bldP spid="2" grpId="1" animBg="1"/>
+      <p:bldP spid="13" grpId="0" animBg="1"/>
+      <p:bldP spid="13" grpId="1" animBg="1"/>
+      <p:bldP spid="7" grpId="0" animBg="1"/>
     </p:bldLst>
   </p:timing>
 </p:sld>
@@ -10643,7 +12039,7 @@
     </p:spTree>
     <p:extLst>
       <p:ext uri="{BB962C8B-B14F-4D97-AF65-F5344CB8AC3E}">
-        <p14:creationId xmlns="" xmlns:p14="http://schemas.microsoft.com/office/powerpoint/2010/main" val="3598067464"/>
+        <p14:creationId xmlns:p14="http://schemas.microsoft.com/office/powerpoint/2010/main" val="3598067464"/>
       </p:ext>
     </p:extLst>
   </p:cSld>
@@ -11505,7 +12901,7 @@
     </p:spTree>
     <p:extLst>
       <p:ext uri="{BB962C8B-B14F-4D97-AF65-F5344CB8AC3E}">
-        <p14:creationId xmlns="" xmlns:p14="http://schemas.microsoft.com/office/powerpoint/2010/main" val="2895042021"/>
+        <p14:creationId xmlns:p14="http://schemas.microsoft.com/office/powerpoint/2010/main" val="2895042021"/>
       </p:ext>
     </p:extLst>
   </p:cSld>
@@ -12008,7 +13404,7 @@
           <a:blip r:embed="rId2">
             <a:extLst>
               <a:ext uri="{28A0092B-C50C-407E-A947-70E740481C1C}">
-                <a14:useLocalDpi xmlns="" xmlns:a14="http://schemas.microsoft.com/office/drawing/2010/main" val="0"/>
+                <a14:useLocalDpi xmlns:a14="http://schemas.microsoft.com/office/drawing/2010/main" val="0"/>
               </a:ext>
             </a:extLst>
           </a:blip>
@@ -12031,14 +13427,14 @@
           </a:ln>
           <a:extLst>
             <a:ext uri="{909E8E84-426E-40DD-AFC4-6F175D3DCCD1}">
-              <a14:hiddenFill xmlns="" xmlns:a14="http://schemas.microsoft.com/office/drawing/2010/main">
+              <a14:hiddenFill xmlns:a14="http://schemas.microsoft.com/office/drawing/2010/main">
                 <a:solidFill>
                   <a:schemeClr val="accent1"/>
                 </a:solidFill>
               </a14:hiddenFill>
             </a:ext>
             <a:ext uri="{91240B29-F687-4F45-9708-019B960494DF}">
-              <a14:hiddenLine xmlns="" xmlns:a14="http://schemas.microsoft.com/office/drawing/2010/main" w="9525">
+              <a14:hiddenLine xmlns:a14="http://schemas.microsoft.com/office/drawing/2010/main" w="9525">
                 <a:solidFill>
                   <a:schemeClr val="tx1"/>
                 </a:solidFill>
@@ -12175,7 +13571,7 @@
             <a:blip r:embed="rId3">
               <a:extLst>
                 <a:ext uri="{28A0092B-C50C-407E-A947-70E740481C1C}">
-                  <a14:useLocalDpi xmlns="" xmlns:a14="http://schemas.microsoft.com/office/drawing/2010/main" val="0"/>
+                  <a14:useLocalDpi xmlns:a14="http://schemas.microsoft.com/office/drawing/2010/main" val="0"/>
                 </a:ext>
               </a:extLst>
             </a:blip>
@@ -12198,14 +13594,14 @@
             </a:ln>
             <a:extLst>
               <a:ext uri="{909E8E84-426E-40DD-AFC4-6F175D3DCCD1}">
-                <a14:hiddenFill xmlns="" xmlns:a14="http://schemas.microsoft.com/office/drawing/2010/main">
+                <a14:hiddenFill xmlns:a14="http://schemas.microsoft.com/office/drawing/2010/main">
                   <a:solidFill>
                     <a:schemeClr val="accent1"/>
                   </a:solidFill>
                 </a14:hiddenFill>
               </a:ext>
               <a:ext uri="{91240B29-F687-4F45-9708-019B960494DF}">
-                <a14:hiddenLine xmlns="" xmlns:a14="http://schemas.microsoft.com/office/drawing/2010/main" w="9525">
+                <a14:hiddenLine xmlns:a14="http://schemas.microsoft.com/office/drawing/2010/main" w="9525">
                   <a:solidFill>
                     <a:schemeClr val="tx1"/>
                   </a:solidFill>
@@ -12229,7 +13625,7 @@
             <a:blip r:embed="rId4">
               <a:extLst>
                 <a:ext uri="{28A0092B-C50C-407E-A947-70E740481C1C}">
-                  <a14:useLocalDpi xmlns="" xmlns:a14="http://schemas.microsoft.com/office/drawing/2010/main" val="0"/>
+                  <a14:useLocalDpi xmlns:a14="http://schemas.microsoft.com/office/drawing/2010/main" val="0"/>
                 </a:ext>
               </a:extLst>
             </a:blip>
@@ -12252,14 +13648,14 @@
             </a:ln>
             <a:extLst>
               <a:ext uri="{909E8E84-426E-40DD-AFC4-6F175D3DCCD1}">
-                <a14:hiddenFill xmlns="" xmlns:a14="http://schemas.microsoft.com/office/drawing/2010/main">
+                <a14:hiddenFill xmlns:a14="http://schemas.microsoft.com/office/drawing/2010/main">
                   <a:solidFill>
                     <a:schemeClr val="accent1"/>
                   </a:solidFill>
                 </a14:hiddenFill>
               </a:ext>
               <a:ext uri="{91240B29-F687-4F45-9708-019B960494DF}">
-                <a14:hiddenLine xmlns="" xmlns:a14="http://schemas.microsoft.com/office/drawing/2010/main" w="9525">
+                <a14:hiddenLine xmlns:a14="http://schemas.microsoft.com/office/drawing/2010/main" w="9525">
                   <a:solidFill>
                     <a:schemeClr val="tx1"/>
                   </a:solidFill>
@@ -12275,7 +13671,7 @@
     </p:spTree>
     <p:extLst>
       <p:ext uri="{BB962C8B-B14F-4D97-AF65-F5344CB8AC3E}">
-        <p14:creationId xmlns="" xmlns:p14="http://schemas.microsoft.com/office/powerpoint/2010/main" val="1443667910"/>
+        <p14:creationId xmlns:p14="http://schemas.microsoft.com/office/powerpoint/2010/main" val="1443667910"/>
       </p:ext>
     </p:extLst>
   </p:cSld>
@@ -12656,7 +14052,7 @@
           <a:blip r:embed="rId2">
             <a:extLst>
               <a:ext uri="{28A0092B-C50C-407E-A947-70E740481C1C}">
-                <a14:useLocalDpi xmlns="" xmlns:a14="http://schemas.microsoft.com/office/drawing/2010/main" val="0"/>
+                <a14:useLocalDpi xmlns:a14="http://schemas.microsoft.com/office/drawing/2010/main" val="0"/>
               </a:ext>
             </a:extLst>
           </a:blip>
@@ -12679,14 +14075,14 @@
           </a:ln>
           <a:extLst>
             <a:ext uri="{909E8E84-426E-40DD-AFC4-6F175D3DCCD1}">
-              <a14:hiddenFill xmlns="" xmlns:a14="http://schemas.microsoft.com/office/drawing/2010/main">
+              <a14:hiddenFill xmlns:a14="http://schemas.microsoft.com/office/drawing/2010/main">
                 <a:solidFill>
                   <a:schemeClr val="accent1"/>
                 </a:solidFill>
               </a14:hiddenFill>
             </a:ext>
             <a:ext uri="{91240B29-F687-4F45-9708-019B960494DF}">
-              <a14:hiddenLine xmlns="" xmlns:a14="http://schemas.microsoft.com/office/drawing/2010/main" w="9525">
+              <a14:hiddenLine xmlns:a14="http://schemas.microsoft.com/office/drawing/2010/main" w="9525">
                 <a:solidFill>
                   <a:schemeClr val="tx1"/>
                 </a:solidFill>
@@ -12855,7 +14251,7 @@
             <a:blip r:embed="rId3">
               <a:extLst>
                 <a:ext uri="{28A0092B-C50C-407E-A947-70E740481C1C}">
-                  <a14:useLocalDpi xmlns="" xmlns:a14="http://schemas.microsoft.com/office/drawing/2010/main" val="0"/>
+                  <a14:useLocalDpi xmlns:a14="http://schemas.microsoft.com/office/drawing/2010/main" val="0"/>
                 </a:ext>
               </a:extLst>
             </a:blip>
@@ -12878,14 +14274,14 @@
             </a:ln>
             <a:extLst>
               <a:ext uri="{909E8E84-426E-40DD-AFC4-6F175D3DCCD1}">
-                <a14:hiddenFill xmlns="" xmlns:a14="http://schemas.microsoft.com/office/drawing/2010/main">
+                <a14:hiddenFill xmlns:a14="http://schemas.microsoft.com/office/drawing/2010/main">
                   <a:solidFill>
                     <a:schemeClr val="accent1"/>
                   </a:solidFill>
                 </a14:hiddenFill>
               </a:ext>
               <a:ext uri="{91240B29-F687-4F45-9708-019B960494DF}">
-                <a14:hiddenLine xmlns="" xmlns:a14="http://schemas.microsoft.com/office/drawing/2010/main" w="9525">
+                <a14:hiddenLine xmlns:a14="http://schemas.microsoft.com/office/drawing/2010/main" w="9525">
                   <a:solidFill>
                     <a:schemeClr val="tx1"/>
                   </a:solidFill>
@@ -12930,7 +14326,7 @@
     </p:spTree>
     <p:extLst>
       <p:ext uri="{BB962C8B-B14F-4D97-AF65-F5344CB8AC3E}">
-        <p14:creationId xmlns="" xmlns:p14="http://schemas.microsoft.com/office/powerpoint/2010/main" val="544419612"/>
+        <p14:creationId xmlns:p14="http://schemas.microsoft.com/office/powerpoint/2010/main" val="544419612"/>
       </p:ext>
     </p:extLst>
   </p:cSld>
@@ -13458,7 +14854,7 @@
           <a:blip r:embed="rId2">
             <a:extLst>
               <a:ext uri="{28A0092B-C50C-407E-A947-70E740481C1C}">
-                <a14:useLocalDpi xmlns="" xmlns:a14="http://schemas.microsoft.com/office/drawing/2010/main" val="0"/>
+                <a14:useLocalDpi xmlns:a14="http://schemas.microsoft.com/office/drawing/2010/main" val="0"/>
               </a:ext>
             </a:extLst>
           </a:blip>
@@ -13481,14 +14877,14 @@
           </a:ln>
           <a:extLst>
             <a:ext uri="{909E8E84-426E-40DD-AFC4-6F175D3DCCD1}">
-              <a14:hiddenFill xmlns="" xmlns:a14="http://schemas.microsoft.com/office/drawing/2010/main">
+              <a14:hiddenFill xmlns:a14="http://schemas.microsoft.com/office/drawing/2010/main">
                 <a:solidFill>
                   <a:schemeClr val="accent1"/>
                 </a:solidFill>
               </a14:hiddenFill>
             </a:ext>
             <a:ext uri="{91240B29-F687-4F45-9708-019B960494DF}">
-              <a14:hiddenLine xmlns="" xmlns:a14="http://schemas.microsoft.com/office/drawing/2010/main" w="9525">
+              <a14:hiddenLine xmlns:a14="http://schemas.microsoft.com/office/drawing/2010/main" w="9525">
                 <a:solidFill>
                   <a:schemeClr val="tx1"/>
                 </a:solidFill>
@@ -13512,7 +14908,7 @@
           <a:blip r:embed="rId3">
             <a:extLst>
               <a:ext uri="{28A0092B-C50C-407E-A947-70E740481C1C}">
-                <a14:useLocalDpi xmlns="" xmlns:a14="http://schemas.microsoft.com/office/drawing/2010/main" val="0"/>
+                <a14:useLocalDpi xmlns:a14="http://schemas.microsoft.com/office/drawing/2010/main" val="0"/>
               </a:ext>
             </a:extLst>
           </a:blip>
@@ -13535,14 +14931,14 @@
           </a:ln>
           <a:extLst>
             <a:ext uri="{909E8E84-426E-40DD-AFC4-6F175D3DCCD1}">
-              <a14:hiddenFill xmlns="" xmlns:a14="http://schemas.microsoft.com/office/drawing/2010/main">
+              <a14:hiddenFill xmlns:a14="http://schemas.microsoft.com/office/drawing/2010/main">
                 <a:solidFill>
                   <a:schemeClr val="accent1"/>
                 </a:solidFill>
               </a14:hiddenFill>
             </a:ext>
             <a:ext uri="{91240B29-F687-4F45-9708-019B960494DF}">
-              <a14:hiddenLine xmlns="" xmlns:a14="http://schemas.microsoft.com/office/drawing/2010/main" w="9525">
+              <a14:hiddenLine xmlns:a14="http://schemas.microsoft.com/office/drawing/2010/main" w="9525">
                 <a:solidFill>
                   <a:schemeClr val="tx1"/>
                 </a:solidFill>
@@ -13557,7 +14953,7 @@
     </p:spTree>
     <p:extLst>
       <p:ext uri="{BB962C8B-B14F-4D97-AF65-F5344CB8AC3E}">
-        <p14:creationId xmlns="" xmlns:p14="http://schemas.microsoft.com/office/powerpoint/2010/main" val="2002502998"/>
+        <p14:creationId xmlns:p14="http://schemas.microsoft.com/office/powerpoint/2010/main" val="2002502998"/>
       </p:ext>
     </p:extLst>
   </p:cSld>
@@ -14911,7 +16307,7 @@
             <a:blip r:embed="rId2">
               <a:extLst>
                 <a:ext uri="{28A0092B-C50C-407E-A947-70E740481C1C}">
-                  <a14:useLocalDpi xmlns="" xmlns:a14="http://schemas.microsoft.com/office/drawing/2010/main" val="0"/>
+                  <a14:useLocalDpi xmlns:a14="http://schemas.microsoft.com/office/drawing/2010/main" val="0"/>
                 </a:ext>
               </a:extLst>
             </a:blip>
@@ -14934,7 +16330,7 @@
             </a:ln>
             <a:extLst>
               <a:ext uri="{91240B29-F687-4F45-9708-019B960494DF}">
-                <a14:hiddenLine xmlns="" xmlns:a14="http://schemas.microsoft.com/office/drawing/2010/main" w="9525">
+                <a14:hiddenLine xmlns:a14="http://schemas.microsoft.com/office/drawing/2010/main" w="9525">
                   <a:solidFill>
                     <a:schemeClr val="tx1"/>
                   </a:solidFill>
@@ -14950,7 +16346,7 @@
     </p:spTree>
     <p:extLst>
       <p:ext uri="{BB962C8B-B14F-4D97-AF65-F5344CB8AC3E}">
-        <p14:creationId xmlns="" xmlns:p14="http://schemas.microsoft.com/office/powerpoint/2010/main" val="2850896358"/>
+        <p14:creationId xmlns:p14="http://schemas.microsoft.com/office/powerpoint/2010/main" val="2850896358"/>
       </p:ext>
     </p:extLst>
   </p:cSld>
@@ -19156,7 +20552,7 @@
     </p:spTree>
     <p:extLst>
       <p:ext uri="{BB962C8B-B14F-4D97-AF65-F5344CB8AC3E}">
-        <p14:creationId xmlns="" xmlns:p14="http://schemas.microsoft.com/office/powerpoint/2010/main" val="1179663467"/>
+        <p14:creationId xmlns:p14="http://schemas.microsoft.com/office/powerpoint/2010/main" val="1179663467"/>
       </p:ext>
     </p:extLst>
   </p:cSld>
@@ -20645,7 +22041,7 @@
             <a:blip r:embed="rId2">
               <a:extLst>
                 <a:ext uri="{28A0092B-C50C-407E-A947-70E740481C1C}">
-                  <a14:useLocalDpi xmlns="" xmlns:a14="http://schemas.microsoft.com/office/drawing/2010/main" val="0"/>
+                  <a14:useLocalDpi xmlns:a14="http://schemas.microsoft.com/office/drawing/2010/main" val="0"/>
                 </a:ext>
               </a:extLst>
             </a:blip>
@@ -20668,14 +22064,14 @@
             </a:ln>
             <a:extLst>
               <a:ext uri="{909E8E84-426E-40DD-AFC4-6F175D3DCCD1}">
-                <a14:hiddenFill xmlns="" xmlns:a14="http://schemas.microsoft.com/office/drawing/2010/main">
+                <a14:hiddenFill xmlns:a14="http://schemas.microsoft.com/office/drawing/2010/main">
                   <a:solidFill>
                     <a:schemeClr val="accent1"/>
                   </a:solidFill>
                 </a14:hiddenFill>
               </a:ext>
               <a:ext uri="{91240B29-F687-4F45-9708-019B960494DF}">
-                <a14:hiddenLine xmlns="" xmlns:a14="http://schemas.microsoft.com/office/drawing/2010/main" w="9525">
+                <a14:hiddenLine xmlns:a14="http://schemas.microsoft.com/office/drawing/2010/main" w="9525">
                   <a:solidFill>
                     <a:schemeClr val="tx1"/>
                   </a:solidFill>
@@ -20699,7 +22095,7 @@
             <a:blip r:embed="rId3">
               <a:extLst>
                 <a:ext uri="{28A0092B-C50C-407E-A947-70E740481C1C}">
-                  <a14:useLocalDpi xmlns="" xmlns:a14="http://schemas.microsoft.com/office/drawing/2010/main" val="0"/>
+                  <a14:useLocalDpi xmlns:a14="http://schemas.microsoft.com/office/drawing/2010/main" val="0"/>
                 </a:ext>
               </a:extLst>
             </a:blip>
@@ -20722,14 +22118,14 @@
             </a:ln>
             <a:extLst>
               <a:ext uri="{909E8E84-426E-40DD-AFC4-6F175D3DCCD1}">
-                <a14:hiddenFill xmlns="" xmlns:a14="http://schemas.microsoft.com/office/drawing/2010/main">
+                <a14:hiddenFill xmlns:a14="http://schemas.microsoft.com/office/drawing/2010/main">
                   <a:solidFill>
                     <a:schemeClr val="accent1"/>
                   </a:solidFill>
                 </a14:hiddenFill>
               </a:ext>
               <a:ext uri="{91240B29-F687-4F45-9708-019B960494DF}">
-                <a14:hiddenLine xmlns="" xmlns:a14="http://schemas.microsoft.com/office/drawing/2010/main" w="9525">
+                <a14:hiddenLine xmlns:a14="http://schemas.microsoft.com/office/drawing/2010/main" w="9525">
                   <a:solidFill>
                     <a:schemeClr val="tx1"/>
                   </a:solidFill>
@@ -20814,7 +22210,7 @@
             <a:blip r:embed="rId4">
               <a:extLst>
                 <a:ext uri="{28A0092B-C50C-407E-A947-70E740481C1C}">
-                  <a14:useLocalDpi xmlns="" xmlns:a14="http://schemas.microsoft.com/office/drawing/2010/main" val="0"/>
+                  <a14:useLocalDpi xmlns:a14="http://schemas.microsoft.com/office/drawing/2010/main" val="0"/>
                 </a:ext>
               </a:extLst>
             </a:blip>
@@ -20837,14 +22233,14 @@
             </a:ln>
             <a:extLst>
               <a:ext uri="{909E8E84-426E-40DD-AFC4-6F175D3DCCD1}">
-                <a14:hiddenFill xmlns="" xmlns:a14="http://schemas.microsoft.com/office/drawing/2010/main">
+                <a14:hiddenFill xmlns:a14="http://schemas.microsoft.com/office/drawing/2010/main">
                   <a:solidFill>
                     <a:schemeClr val="accent1"/>
                   </a:solidFill>
                 </a14:hiddenFill>
               </a:ext>
               <a:ext uri="{91240B29-F687-4F45-9708-019B960494DF}">
-                <a14:hiddenLine xmlns="" xmlns:a14="http://schemas.microsoft.com/office/drawing/2010/main" w="9525">
+                <a14:hiddenLine xmlns:a14="http://schemas.microsoft.com/office/drawing/2010/main" w="9525">
                   <a:solidFill>
                     <a:schemeClr val="tx1"/>
                   </a:solidFill>
@@ -21013,7 +22409,7 @@
     </p:spTree>
     <p:extLst>
       <p:ext uri="{BB962C8B-B14F-4D97-AF65-F5344CB8AC3E}">
-        <p14:creationId xmlns="" xmlns:p14="http://schemas.microsoft.com/office/powerpoint/2010/main" val="2167710447"/>
+        <p14:creationId xmlns:p14="http://schemas.microsoft.com/office/powerpoint/2010/main" val="2167710447"/>
       </p:ext>
     </p:extLst>
   </p:cSld>
@@ -22334,6 +23730,15 @@
 </file>
 
 <file path=customXml/item1.xml><?xml version="1.0" encoding="utf-8"?>
+<?mso-contentType ?>
+<FormTemplates xmlns="http://schemas.microsoft.com/sharepoint/v3/contenttype/forms">
+  <Display>DocumentLibraryForm</Display>
+  <Edit>DocumentLibraryForm</Edit>
+  <New>DocumentLibraryForm</New>
+</FormTemplates>
+</file>
+
+<file path=customXml/item2.xml><?xml version="1.0" encoding="utf-8"?>
 <ct:contentTypeSchema xmlns:ct="http://schemas.microsoft.com/office/2006/metadata/contentType" xmlns:ma="http://schemas.microsoft.com/office/2006/metadata/properties/metaAttributes" ct:_="" ma:_="" ma:contentTypeName="文件" ma:contentTypeID="0x0101000CB458D5399432479E0BB962A3AC807C" ma:contentTypeVersion="1" ma:contentTypeDescription="建立新的文件。" ma:contentTypeScope="" ma:versionID="2090fcdc2e9aae8469eabc8d31b189fb">
   <xsd:schema xmlns:xsd="http://www.w3.org/2001/XMLSchema" xmlns:xs="http://www.w3.org/2001/XMLSchema" xmlns:p="http://schemas.microsoft.com/office/2006/metadata/properties" xmlns:ns2="24ac9ee2-1f69-49ec-81c1-d01c86227436" targetNamespace="http://schemas.microsoft.com/office/2006/metadata/properties" ma:root="true" ma:fieldsID="3ada4ee18b918396c161ab8726fa03da" ns2:_="">
     <xsd:import namespace="24ac9ee2-1f69-49ec-81c1-d01c86227436"/>
@@ -22464,15 +23869,6 @@
 </ct:contentTypeSchema>
 </file>
 
-<file path=customXml/item2.xml><?xml version="1.0" encoding="utf-8"?>
-<?mso-contentType ?>
-<FormTemplates xmlns="http://schemas.microsoft.com/sharepoint/v3/contenttype/forms">
-  <Display>DocumentLibraryForm</Display>
-  <Edit>DocumentLibraryForm</Edit>
-  <New>DocumentLibraryForm</New>
-</FormTemplates>
-</file>
-
 <file path=customXml/item3.xml><?xml version="1.0" encoding="utf-8"?>
 <p:properties xmlns:p="http://schemas.microsoft.com/office/2006/metadata/properties" xmlns:xsi="http://www.w3.org/2001/XMLSchema-instance" xmlns:pc="http://schemas.microsoft.com/office/infopath/2007/PartnerControls">
   <documentManagement>
@@ -22482,6 +23878,14 @@
 </file>
 
 <file path=customXml/itemProps1.xml><?xml version="1.0" encoding="utf-8"?>
+<ds:datastoreItem xmlns:ds="http://schemas.openxmlformats.org/officeDocument/2006/customXml" ds:itemID="{75703042-9C6F-440D-9A8D-0836740E8EC4}">
+  <ds:schemaRefs>
+    <ds:schemaRef ds:uri="http://schemas.microsoft.com/sharepoint/v3/contenttype/forms"/>
+  </ds:schemaRefs>
+</ds:datastoreItem>
+</file>
+
+<file path=customXml/itemProps2.xml><?xml version="1.0" encoding="utf-8"?>
 <ds:datastoreItem xmlns:ds="http://schemas.openxmlformats.org/officeDocument/2006/customXml" ds:itemID="{4C9F39EC-CE5D-4921-B7BB-5650597DBD03}">
   <ds:schemaRefs>
     <ds:schemaRef ds:uri="http://schemas.microsoft.com/office/2006/metadata/contentType"/>
@@ -22495,14 +23899,6 @@
     <ds:schemaRef ds:uri="http://purl.org/dc/elements/1.1/"/>
     <ds:schemaRef ds:uri="http://purl.org/dc/terms/"/>
     <ds:schemaRef ds:uri="http://schemas.microsoft.com/internal/obd"/>
-  </ds:schemaRefs>
-</ds:datastoreItem>
-</file>
-
-<file path=customXml/itemProps2.xml><?xml version="1.0" encoding="utf-8"?>
-<ds:datastoreItem xmlns:ds="http://schemas.openxmlformats.org/officeDocument/2006/customXml" ds:itemID="{75703042-9C6F-440D-9A8D-0836740E8EC4}">
-  <ds:schemaRefs>
-    <ds:schemaRef ds:uri="http://schemas.microsoft.com/sharepoint/v3/contenttype/forms"/>
   </ds:schemaRefs>
 </ds:datastoreItem>
 </file>
